--- a/Courses/Software-Sciences/Module-1-OOP/10.1-Abstract-Classes-and-Interfaces-Basics/10.1-Abstract-Classes-and-Interfaces-Basics.pptx
+++ b/Courses/Software-Sciences/Module-1-OOP/10.1-Abstract-Classes-and-Interfaces-Basics/10.1-Abstract-Classes-and-Interfaces-Basics.pptx
@@ -278,7 +278,7 @@
             </a:lvl1pPr>
           </a:lstStyle>
           <a:p>
-            <a:endParaRPr lang="bg-BG"/>
+            <a:endParaRPr lang="bg-BG" dirty="0"/>
           </a:p>
         </p:txBody>
       </p:sp>
@@ -317,9 +317,9 @@
           <a:p>
             <a:fld id="{4E087215-0C8F-4762-A664-737A353EC9A4}" type="datetimeFigureOut">
               <a:rPr lang="bg-BG" smtClean="0"/>
-              <a:t>18.01.23 г.</a:t>
+              <a:t>17.05.23 г.</a:t>
             </a:fld>
-            <a:endParaRPr lang="bg-BG"/>
+            <a:endParaRPr lang="bg-BG" dirty="0"/>
           </a:p>
         </p:txBody>
       </p:sp>
@@ -475,7 +475,7 @@
             </a:lvl1pPr>
           </a:lstStyle>
           <a:p>
-            <a:endParaRPr lang="en-US"/>
+            <a:endParaRPr lang="en-US" dirty="0"/>
           </a:p>
         </p:txBody>
       </p:sp>
@@ -508,9 +508,9 @@
           <a:p>
             <a:fld id="{72D84649-876A-46C9-8472-14CB09C070D8}" type="datetimeFigureOut">
               <a:rPr lang="en-US" smtClean="0"/>
-              <a:t>1/18/23</a:t>
+              <a:t>5/17/23</a:t>
             </a:fld>
-            <a:endParaRPr lang="en-US"/>
+            <a:endParaRPr lang="en-US" dirty="0"/>
           </a:p>
         </p:txBody>
       </p:sp>
@@ -543,7 +543,7 @@
           <a:bodyPr vert="horz" lIns="91440" tIns="45720" rIns="91440" bIns="45720" rtlCol="0" anchor="ctr"/>
           <a:lstStyle/>
           <a:p>
-            <a:endParaRPr lang="en-US"/>
+            <a:endParaRPr lang="en-US" dirty="0"/>
           </a:p>
         </p:txBody>
       </p:sp>
@@ -2054,7 +2054,7 @@
           <a:bodyPr/>
           <a:lstStyle/>
           <a:p>
-            <a:endParaRPr lang="en-US"/>
+            <a:endParaRPr lang="en-US" dirty="0"/>
           </a:p>
         </p:txBody>
       </p:sp>
@@ -2189,7 +2189,7 @@
           <a:bodyPr/>
           <a:lstStyle/>
           <a:p>
-            <a:endParaRPr lang="en-US"/>
+            <a:endParaRPr lang="en-US" dirty="0"/>
           </a:p>
         </p:txBody>
       </p:sp>
@@ -2565,7 +2565,7 @@
           <a:bodyPr/>
           <a:lstStyle/>
           <a:p>
-            <a:endParaRPr lang="en-US"/>
+            <a:endParaRPr lang="en-US" dirty="0"/>
           </a:p>
         </p:txBody>
       </p:sp>
@@ -3788,7 +3788,7 @@
               <a:tabLst/>
               <a:defRPr/>
             </a:pPr>
-            <a:endParaRPr kumimoji="0" lang="en-US" altLang="ko-KR" sz="2398" b="0" i="0" u="none" strike="noStrike" kern="1200" cap="none" spc="0" normalizeH="0" baseline="0" noProof="0">
+            <a:endParaRPr kumimoji="0" lang="en-US" altLang="ko-KR" sz="2398" b="0" i="0" u="none" strike="noStrike" kern="1200" cap="none" spc="0" normalizeH="0" baseline="0" noProof="0" dirty="0">
               <a:ln>
                 <a:noFill/>
               </a:ln>
@@ -4417,7 +4417,7 @@
               <a:tabLst/>
               <a:defRPr/>
             </a:pPr>
-            <a:endParaRPr kumimoji="0" lang="en-US" altLang="ko-KR" sz="2398" b="0" i="0" u="none" strike="noStrike" kern="1200" cap="none" spc="0" normalizeH="0" baseline="0" noProof="0">
+            <a:endParaRPr kumimoji="0" lang="en-US" altLang="ko-KR" sz="2398" b="0" i="0" u="none" strike="noStrike" kern="1200" cap="none" spc="0" normalizeH="0" baseline="0" noProof="0" dirty="0">
               <a:ln>
                 <a:noFill/>
               </a:ln>
@@ -4540,7 +4540,7 @@
               <a:tabLst/>
               <a:defRPr/>
             </a:pPr>
-            <a:endParaRPr kumimoji="0" lang="en-US" altLang="ko-KR" sz="2398" b="0" i="0" u="none" strike="noStrike" kern="1200" cap="none" spc="0" normalizeH="0" baseline="0" noProof="0">
+            <a:endParaRPr kumimoji="0" lang="en-US" altLang="ko-KR" sz="2398" b="0" i="0" u="none" strike="noStrike" kern="1200" cap="none" spc="0" normalizeH="0" baseline="0" noProof="0" dirty="0">
               <a:ln>
                 <a:noFill/>
               </a:ln>
@@ -4813,7 +4813,7 @@
               <a:tabLst/>
               <a:defRPr/>
             </a:pPr>
-            <a:endParaRPr kumimoji="0" lang="en-US" altLang="ko-KR" sz="2398" b="0" i="0" u="none" strike="noStrike" kern="1200" cap="none" spc="0" normalizeH="0" baseline="0" noProof="0">
+            <a:endParaRPr kumimoji="0" lang="en-US" altLang="ko-KR" sz="2398" b="0" i="0" u="none" strike="noStrike" kern="1200" cap="none" spc="0" normalizeH="0" baseline="0" noProof="0" dirty="0">
               <a:ln>
                 <a:noFill/>
               </a:ln>
@@ -4999,7 +4999,7 @@
               <a:pPr/>
               <a:t>‹#›</a:t>
             </a:fld>
-            <a:endParaRPr lang="en-US" noProof="0"/>
+            <a:endParaRPr lang="en-US" noProof="0" dirty="0"/>
           </a:p>
         </p:txBody>
       </p:sp>
@@ -5153,7 +5153,7 @@
           </a:lstStyle>
           <a:p>
             <a:r>
-              <a:rPr lang="en-US" altLang="ko-KR" noProof="0"/>
+              <a:rPr lang="en-US" altLang="ko-KR" noProof="0" dirty="0"/>
               <a:t>Your Picture Here</a:t>
             </a:r>
           </a:p>
@@ -5217,7 +5217,7 @@
               <a:tabLst/>
               <a:defRPr/>
             </a:pPr>
-            <a:endParaRPr kumimoji="0" lang="en-US" altLang="ko-KR" sz="2398" b="0" i="0" u="none" strike="noStrike" kern="1200" cap="none" spc="0" normalizeH="0" baseline="0" noProof="0">
+            <a:endParaRPr kumimoji="0" lang="en-US" altLang="ko-KR" sz="2398" b="0" i="0" u="none" strike="noStrike" kern="1200" cap="none" spc="0" normalizeH="0" baseline="0" noProof="0" dirty="0">
               <a:ln>
                 <a:noFill/>
               </a:ln>
@@ -5292,7 +5292,7 @@
               <a:tabLst/>
               <a:defRPr/>
             </a:pPr>
-            <a:endParaRPr kumimoji="0" lang="en-US" altLang="ko-KR" sz="2398" b="0" i="0" u="none" strike="noStrike" kern="1200" cap="none" spc="0" normalizeH="0" baseline="0" noProof="0">
+            <a:endParaRPr kumimoji="0" lang="en-US" altLang="ko-KR" sz="2398" b="0" i="0" u="none" strike="noStrike" kern="1200" cap="none" spc="0" normalizeH="0" baseline="0" noProof="0" dirty="0">
               <a:ln>
                 <a:noFill/>
               </a:ln>
@@ -5373,7 +5373,7 @@
               <a:tabLst/>
               <a:defRPr/>
             </a:pPr>
-            <a:endParaRPr kumimoji="0" lang="en-US" altLang="ko-KR" sz="2398" b="0" i="0" u="none" strike="noStrike" kern="1200" cap="none" spc="0" normalizeH="0" baseline="0" noProof="0">
+            <a:endParaRPr kumimoji="0" lang="en-US" altLang="ko-KR" sz="2398" b="0" i="0" u="none" strike="noStrike" kern="1200" cap="none" spc="0" normalizeH="0" baseline="0" noProof="0" dirty="0">
               <a:ln>
                 <a:noFill/>
               </a:ln>
@@ -5454,7 +5454,7 @@
               <a:tabLst/>
               <a:defRPr/>
             </a:pPr>
-            <a:endParaRPr kumimoji="0" lang="en-US" altLang="ko-KR" sz="2398" b="0" i="0" u="none" strike="noStrike" kern="1200" cap="none" spc="0" normalizeH="0" baseline="0" noProof="0">
+            <a:endParaRPr kumimoji="0" lang="en-US" altLang="ko-KR" sz="2398" b="0" i="0" u="none" strike="noStrike" kern="1200" cap="none" spc="0" normalizeH="0" baseline="0" noProof="0" dirty="0">
               <a:ln>
                 <a:noFill/>
               </a:ln>
@@ -5658,7 +5658,7 @@
               <a:tabLst/>
               <a:defRPr/>
             </a:pPr>
-            <a:endParaRPr kumimoji="0" lang="en-US" altLang="ko-KR" sz="2398" b="0" i="0" u="none" strike="noStrike" kern="1200" cap="none" spc="0" normalizeH="0" baseline="0" noProof="0">
+            <a:endParaRPr kumimoji="0" lang="en-US" altLang="ko-KR" sz="2398" b="0" i="0" u="none" strike="noStrike" kern="1200" cap="none" spc="0" normalizeH="0" baseline="0" noProof="0" dirty="0">
               <a:ln>
                 <a:noFill/>
               </a:ln>
@@ -7164,7 +7164,7 @@
               <a:tabLst/>
               <a:defRPr/>
             </a:pPr>
-            <a:endParaRPr kumimoji="0" lang="en-US" altLang="ko-KR" sz="2398" b="0" i="0" u="none" strike="noStrike" kern="1200" cap="none" spc="0" normalizeH="0" baseline="0" noProof="0">
+            <a:endParaRPr kumimoji="0" lang="en-US" altLang="ko-KR" sz="2398" b="0" i="0" u="none" strike="noStrike" kern="1200" cap="none" spc="0" normalizeH="0" baseline="0" noProof="0" dirty="0">
               <a:ln>
                 <a:noFill/>
               </a:ln>
@@ -7492,7 +7492,7 @@
               <a:tabLst/>
               <a:defRPr/>
             </a:pPr>
-            <a:endParaRPr kumimoji="0" lang="en-US" altLang="ko-KR" sz="2398" b="0" i="0" u="none" strike="noStrike" kern="1200" cap="none" spc="0" normalizeH="0" baseline="0" noProof="0">
+            <a:endParaRPr kumimoji="0" lang="en-US" altLang="ko-KR" sz="2398" b="0" i="0" u="none" strike="noStrike" kern="1200" cap="none" spc="0" normalizeH="0" baseline="0" noProof="0" dirty="0">
               <a:ln>
                 <a:noFill/>
               </a:ln>
@@ -7662,7 +7662,7 @@
               <a:pPr/>
               <a:t>‹#›</a:t>
             </a:fld>
-            <a:endParaRPr lang="en-US" noProof="0"/>
+            <a:endParaRPr lang="en-US" noProof="0" dirty="0"/>
           </a:p>
         </p:txBody>
       </p:sp>
@@ -7857,7 +7857,7 @@
               <a:tabLst/>
               <a:defRPr/>
             </a:pPr>
-            <a:endParaRPr kumimoji="0" lang="en-US" altLang="ko-KR" sz="2398" b="0" i="0" u="none" strike="noStrike" kern="1200" cap="none" spc="0" normalizeH="0" baseline="0" noProof="0">
+            <a:endParaRPr kumimoji="0" lang="en-US" altLang="ko-KR" sz="2398" b="0" i="0" u="none" strike="noStrike" kern="1200" cap="none" spc="0" normalizeH="0" baseline="0" noProof="0" dirty="0">
               <a:ln>
                 <a:noFill/>
               </a:ln>
@@ -9118,7 +9118,7 @@
               <a:pPr/>
               <a:t>‹#›</a:t>
             </a:fld>
-            <a:endParaRPr lang="en-US" noProof="0"/>
+            <a:endParaRPr lang="en-US" noProof="0" dirty="0"/>
           </a:p>
         </p:txBody>
       </p:sp>
@@ -9186,7 +9186,7 @@
               <a:tabLst/>
               <a:defRPr/>
             </a:pPr>
-            <a:endParaRPr kumimoji="0" lang="en-US" altLang="ko-KR" sz="2398" b="0" i="0" u="none" strike="noStrike" kern="1200" cap="none" spc="0" normalizeH="0" baseline="0" noProof="0">
+            <a:endParaRPr kumimoji="0" lang="en-US" altLang="ko-KR" sz="2398" b="0" i="0" u="none" strike="noStrike" kern="1200" cap="none" spc="0" normalizeH="0" baseline="0" noProof="0" dirty="0">
               <a:ln>
                 <a:noFill/>
               </a:ln>
@@ -9554,7 +9554,7 @@
               <a:tabLst/>
               <a:defRPr/>
             </a:pPr>
-            <a:endParaRPr kumimoji="0" lang="en-US" altLang="ko-KR" sz="2398" b="0" i="0" u="none" strike="noStrike" kern="1200" cap="none" spc="0" normalizeH="0" baseline="0" noProof="0">
+            <a:endParaRPr kumimoji="0" lang="en-US" altLang="ko-KR" sz="2398" b="0" i="0" u="none" strike="noStrike" kern="1200" cap="none" spc="0" normalizeH="0" baseline="0" noProof="0" dirty="0">
               <a:ln>
                 <a:noFill/>
               </a:ln>
@@ -10206,7 +10206,7 @@
           <a:lstStyle/>
           <a:p>
             <a:r>
-              <a:rPr lang="en-US">
+              <a:rPr lang="en-US" dirty="0">
                 <a:hlinkClick r:id="rId3"/>
               </a:rPr>
               <a:t>https://softuni.bg</a:t>
@@ -10320,7 +10320,7 @@
               <a:t> </a:t>
             </a:r>
             <a:r>
-              <a:rPr lang="bg-BG" dirty="0" err="1"/>
+              <a:rPr lang="bg-BG" dirty="0"/>
               <a:t>енкапсулация</a:t>
             </a:r>
             <a:br>
@@ -14772,20 +14772,12 @@
               <a:t> </a:t>
             </a:r>
             <a:r>
-              <a:rPr lang="bg-BG" sz="3000" b="1" dirty="0" err="1">
+              <a:rPr lang="bg-BG" sz="3000" b="1" dirty="0">
                 <a:solidFill>
                   <a:schemeClr val="bg1"/>
                 </a:solidFill>
               </a:rPr>
-              <a:t>рисуваеми</a:t>
-            </a:r>
-            <a:r>
-              <a:rPr lang="bg-BG" sz="3000" b="1" dirty="0">
-                <a:solidFill>
-                  <a:schemeClr val="bg1"/>
-                </a:solidFill>
-              </a:rPr>
-              <a:t> обекти</a:t>
+              <a:t>рисуваеми обекти</a:t>
             </a:r>
             <a:endParaRPr lang="en-US" sz="3000" b="1" dirty="0">
               <a:solidFill>
@@ -17769,7 +17761,7 @@
             <a:pPr algn="ctr"/>
             <a:r>
               <a:rPr lang="bg-BG" dirty="0"/>
-              <a:t>Проверете решението си тук </a:t>
+              <a:t>Проверете решението си тук</a:t>
             </a:r>
             <a:r>
               <a:rPr lang="en-US" dirty="0"/>
@@ -17779,7 +17771,7 @@
               <a:rPr lang="en-US" dirty="0">
                 <a:hlinkClick r:id="rId3"/>
               </a:rPr>
-              <a:t>https://judge.softuni.bg/Contests/Practice/Index/3165#0</a:t>
+              <a:t>https://judge.softuni.org/Contests/Practice/Index/4066#0</a:t>
             </a:r>
             <a:endParaRPr lang="en-US" dirty="0"/>
           </a:p>
@@ -19039,6 +19031,9 @@
               <a:rPr lang="bg-BG" sz="2800" dirty="0"/>
               <a:t>и </a:t>
             </a:r>
+            <a:br>
+              <a:rPr lang="en-US" sz="2800" dirty="0"/>
+            </a:br>
             <a:r>
               <a:rPr lang="en-US" sz="2800" b="1" dirty="0">
                 <a:solidFill>
@@ -20577,15 +20572,7 @@
                   <a:srgbClr val="FFFFFF"/>
                 </a:solidFill>
               </a:rPr>
-              <a:t>да бъде </a:t>
-            </a:r>
-            <a:r>
-              <a:rPr lang="bg-BG" sz="2400" b="1" dirty="0" err="1">
-                <a:solidFill>
-                  <a:srgbClr val="FFFFFF"/>
-                </a:solidFill>
-              </a:rPr>
-              <a:t>инстанциран</a:t>
+              <a:t>да бъде инстанцииран</a:t>
             </a:r>
             <a:endParaRPr lang="en-US" sz="2400" b="1" dirty="0">
               <a:solidFill>
@@ -25603,17 +25590,17 @@
                 <a:latin typeface="Consolas" pitchFamily="49" charset="0"/>
                 <a:cs typeface="Consolas" pitchFamily="49" charset="0"/>
               </a:rPr>
-              <a:t>TODO: </a:t>
-            </a:r>
-            <a:r>
-              <a:rPr lang="en-US" sz="2600" b="1" i="1" noProof="1">
+              <a:t>TODO:</a:t>
+            </a:r>
+            <a:r>
+              <a:rPr lang="bg-BG" sz="2600" b="1" noProof="1">
                 <a:solidFill>
                   <a:schemeClr val="accent2"/>
                 </a:solidFill>
                 <a:latin typeface="Consolas" pitchFamily="49" charset="0"/>
                 <a:cs typeface="Consolas" pitchFamily="49" charset="0"/>
               </a:rPr>
-              <a:t>Add Logic here </a:t>
+              <a:t> добавете логиката </a:t>
             </a:r>
             <a:r>
               <a:rPr lang="en-US" sz="2600" b="1" noProof="1">
@@ -25684,7 +25671,17 @@
                 <a:latin typeface="Consolas" pitchFamily="49" charset="0"/>
                 <a:cs typeface="Consolas" pitchFamily="49" charset="0"/>
               </a:rPr>
-              <a:t> Add Logic here </a:t>
+              <a:t> </a:t>
+            </a:r>
+            <a:r>
+              <a:rPr lang="bg-BG" sz="2600" b="1" noProof="1">
+                <a:solidFill>
+                  <a:schemeClr val="accent2"/>
+                </a:solidFill>
+                <a:latin typeface="Consolas" pitchFamily="49" charset="0"/>
+                <a:cs typeface="Consolas" pitchFamily="49" charset="0"/>
+              </a:rPr>
+              <a:t>добавете логиката </a:t>
             </a:r>
             <a:r>
               <a:rPr lang="en-US" sz="2600" b="1" noProof="1">
@@ -25755,7 +25752,17 @@
                 <a:latin typeface="Consolas" pitchFamily="49" charset="0"/>
                 <a:cs typeface="Consolas" pitchFamily="49" charset="0"/>
               </a:rPr>
-              <a:t> Add Logic here </a:t>
+              <a:t> </a:t>
+            </a:r>
+            <a:r>
+              <a:rPr lang="bg-BG" sz="2600" b="1" noProof="1">
+                <a:solidFill>
+                  <a:schemeClr val="accent2"/>
+                </a:solidFill>
+                <a:latin typeface="Consolas" pitchFamily="49" charset="0"/>
+                <a:cs typeface="Consolas" pitchFamily="49" charset="0"/>
+              </a:rPr>
+              <a:t>добавете логиката </a:t>
             </a:r>
             <a:r>
               <a:rPr lang="en-US" sz="2600" b="1" noProof="1">
@@ -26391,16 +26398,12 @@
               <a:t>: </a:t>
             </a:r>
             <a:r>
-              <a:rPr lang="bg-BG"/>
+              <a:rPr lang="bg-BG" dirty="0"/>
               <a:t>Коли</a:t>
             </a:r>
             <a:r>
-              <a:rPr lang="en-US"/>
-              <a:t> </a:t>
-            </a:r>
-            <a:r>
               <a:rPr lang="en-US" dirty="0"/>
-              <a:t>(3)</a:t>
+              <a:t> (3)</a:t>
             </a:r>
           </a:p>
         </p:txBody>
@@ -26979,7 +26982,7 @@
               <a:rPr lang="en-US" dirty="0">
                 <a:hlinkClick r:id="rId3"/>
               </a:rPr>
-              <a:t>https://judge.softuni.bg/Contests/Practice/Index/3165#1</a:t>
+              <a:t>https://judge.softuni.org/Contests/Practice/Index/4066#1</a:t>
             </a:r>
             <a:endParaRPr lang="en-US" dirty="0"/>
           </a:p>
@@ -27721,7 +27724,7 @@
             <a:lstStyle/>
             <a:p>
               <a:pPr algn="ctr"/>
-              <a:endParaRPr lang="ko-KR" altLang="en-US" sz="2399">
+              <a:endParaRPr lang="ko-KR" altLang="en-US" sz="2399" dirty="0">
                 <a:solidFill>
                   <a:schemeClr val="bg1"/>
                 </a:solidFill>
@@ -27782,7 +27785,7 @@
             <a:lstStyle/>
             <a:p>
               <a:pPr algn="ctr"/>
-              <a:endParaRPr lang="ko-KR" altLang="en-US" sz="2399">
+              <a:endParaRPr lang="ko-KR" altLang="en-US" sz="2399" dirty="0">
                 <a:solidFill>
                   <a:schemeClr val="tx1"/>
                 </a:solidFill>
@@ -28698,7 +28701,7 @@
               <a:t>© </a:t>
             </a:r>
             <a:r>
-              <a:rPr lang="bg-BG" dirty="0" err="1"/>
+              <a:rPr lang="bg-BG" dirty="0"/>
               <a:t>СофтУни</a:t>
             </a:r>
             <a:r>
@@ -30230,7 +30233,7 @@
           <a:lstStyle/>
           <a:p>
             <a:r>
-              <a:rPr lang="bg-BG" sz="3000" dirty="0" err="1"/>
+              <a:rPr lang="bg-BG" sz="3000" dirty="0"/>
               <a:t>Енкапсулация</a:t>
             </a:r>
             <a:endParaRPr lang="en-GB" sz="3000" dirty="0"/>
@@ -30481,7 +30484,7 @@
               <a:t> </a:t>
             </a:r>
             <a:r>
-              <a:rPr lang="bg-BG" dirty="0" err="1"/>
+              <a:rPr lang="bg-BG" dirty="0"/>
               <a:t>енкапсулация</a:t>
             </a:r>
             <a:endParaRPr lang="en-GB" dirty="0"/>

--- a/Courses/Software-Sciences/Module-1-OOP/10.1-Abstract-Classes-and-Interfaces-Basics/10.1-Abstract-Classes-and-Interfaces-Basics.pptx
+++ b/Courses/Software-Sciences/Module-1-OOP/10.1-Abstract-Classes-and-Interfaces-Basics/10.1-Abstract-Classes-and-Interfaces-Basics.pptx
@@ -5,10 +5,10 @@
     <p:sldMasterId id="2147483675" r:id="rId1"/>
   </p:sldMasterIdLst>
   <p:notesMasterIdLst>
-    <p:notesMasterId r:id="rId34"/>
+    <p:notesMasterId r:id="rId35"/>
   </p:notesMasterIdLst>
   <p:handoutMasterIdLst>
-    <p:handoutMasterId r:id="rId35"/>
+    <p:handoutMasterId r:id="rId36"/>
   </p:handoutMasterIdLst>
   <p:sldIdLst>
     <p:sldId id="291" r:id="rId2"/>
@@ -18,31 +18,32 @@
     <p:sldId id="297" r:id="rId6"/>
     <p:sldId id="298" r:id="rId7"/>
     <p:sldId id="299" r:id="rId8"/>
-    <p:sldId id="300" r:id="rId9"/>
-    <p:sldId id="301" r:id="rId10"/>
-    <p:sldId id="496" r:id="rId11"/>
-    <p:sldId id="302" r:id="rId12"/>
-    <p:sldId id="303" r:id="rId13"/>
-    <p:sldId id="304" r:id="rId14"/>
-    <p:sldId id="305" r:id="rId15"/>
-    <p:sldId id="306" r:id="rId16"/>
-    <p:sldId id="307" r:id="rId17"/>
-    <p:sldId id="308" r:id="rId18"/>
-    <p:sldId id="497" r:id="rId19"/>
-    <p:sldId id="498" r:id="rId20"/>
-    <p:sldId id="499" r:id="rId21"/>
-    <p:sldId id="310" r:id="rId22"/>
-    <p:sldId id="311" r:id="rId23"/>
-    <p:sldId id="312" r:id="rId24"/>
-    <p:sldId id="313" r:id="rId25"/>
-    <p:sldId id="314" r:id="rId26"/>
-    <p:sldId id="494" r:id="rId27"/>
-    <p:sldId id="315" r:id="rId28"/>
-    <p:sldId id="316" r:id="rId29"/>
-    <p:sldId id="317" r:id="rId30"/>
-    <p:sldId id="318" r:id="rId31"/>
-    <p:sldId id="401" r:id="rId32"/>
-    <p:sldId id="493" r:id="rId33"/>
+    <p:sldId id="500" r:id="rId9"/>
+    <p:sldId id="501" r:id="rId10"/>
+    <p:sldId id="300" r:id="rId11"/>
+    <p:sldId id="301" r:id="rId12"/>
+    <p:sldId id="496" r:id="rId13"/>
+    <p:sldId id="303" r:id="rId14"/>
+    <p:sldId id="304" r:id="rId15"/>
+    <p:sldId id="305" r:id="rId16"/>
+    <p:sldId id="306" r:id="rId17"/>
+    <p:sldId id="307" r:id="rId18"/>
+    <p:sldId id="308" r:id="rId19"/>
+    <p:sldId id="497" r:id="rId20"/>
+    <p:sldId id="498" r:id="rId21"/>
+    <p:sldId id="499" r:id="rId22"/>
+    <p:sldId id="310" r:id="rId23"/>
+    <p:sldId id="311" r:id="rId24"/>
+    <p:sldId id="312" r:id="rId25"/>
+    <p:sldId id="313" r:id="rId26"/>
+    <p:sldId id="314" r:id="rId27"/>
+    <p:sldId id="494" r:id="rId28"/>
+    <p:sldId id="315" r:id="rId29"/>
+    <p:sldId id="316" r:id="rId30"/>
+    <p:sldId id="317" r:id="rId31"/>
+    <p:sldId id="318" r:id="rId32"/>
+    <p:sldId id="401" r:id="rId33"/>
+    <p:sldId id="493" r:id="rId34"/>
   </p:sldIdLst>
   <p:sldSz cx="12192000" cy="6858000"/>
   <p:notesSz cx="6858000" cy="9144000"/>
@@ -161,10 +162,11 @@
         <p14:section name="Интерфейси" id="{42597944-70B1-4364-8C82-71BC9A3BFBA7}">
           <p14:sldIdLst>
             <p14:sldId id="299"/>
+            <p14:sldId id="500"/>
+            <p14:sldId id="501"/>
             <p14:sldId id="300"/>
             <p14:sldId id="301"/>
             <p14:sldId id="496"/>
-            <p14:sldId id="302"/>
             <p14:sldId id="303"/>
             <p14:sldId id="304"/>
             <p14:sldId id="305"/>
@@ -317,7 +319,7 @@
           <a:p>
             <a:fld id="{4E087215-0C8F-4762-A664-737A353EC9A4}" type="datetimeFigureOut">
               <a:rPr lang="bg-BG" smtClean="0"/>
-              <a:t>17.05.23 г.</a:t>
+              <a:t>2.7.2023 г.</a:t>
             </a:fld>
             <a:endParaRPr lang="bg-BG" dirty="0"/>
           </a:p>
@@ -508,7 +510,7 @@
           <a:p>
             <a:fld id="{72D84649-876A-46C9-8472-14CB09C070D8}" type="datetimeFigureOut">
               <a:rPr lang="en-US" smtClean="0"/>
-              <a:t>5/17/23</a:t>
+              <a:t>2-Jul-23</a:t>
             </a:fld>
             <a:endParaRPr lang="en-US" dirty="0"/>
           </a:p>
@@ -996,7 +998,7 @@
             <a:fld id="{3EBA5BD7-F043-4D1B-AA17-CD412FC534DE}" type="slidenum">
               <a:rPr lang="en-US" smtClean="0"/>
               <a:pPr/>
-              <a:t>14</a:t>
+              <a:t>16</a:t>
             </a:fld>
             <a:endParaRPr lang="en-US" dirty="0"/>
           </a:p>
@@ -1007,7 +1009,7 @@
           <p:cNvPr id="6" name="Footer Placeholder 7">
             <a:extLst>
               <a:ext uri="{FF2B5EF4-FFF2-40B4-BE49-F238E27FC236}">
-                <a16:creationId xmlns:a16="http://schemas.microsoft.com/office/drawing/2014/main" id="{760D126E-DDAC-4CE7-9098-2BFC6CFDF8BB}"/>
+                <a16:creationId xmlns:a16="http://schemas.microsoft.com/office/drawing/2014/main" id="{3E673D02-95AF-4DCC-BC36-6B5230C3E36D}"/>
               </a:ext>
             </a:extLst>
           </p:cNvPr>
@@ -1055,7 +1057,7 @@
     </p:spTree>
     <p:extLst>
       <p:ext uri="{BB962C8B-B14F-4D97-AF65-F5344CB8AC3E}">
-        <p14:creationId xmlns:p14="http://schemas.microsoft.com/office/powerpoint/2010/main" val="1255802084"/>
+        <p14:creationId xmlns:p14="http://schemas.microsoft.com/office/powerpoint/2010/main" val="1537310974"/>
       </p:ext>
     </p:extLst>
   </p:cSld>
@@ -1131,7 +1133,7 @@
             <a:fld id="{3EBA5BD7-F043-4D1B-AA17-CD412FC534DE}" type="slidenum">
               <a:rPr lang="en-US" smtClean="0"/>
               <a:pPr/>
-              <a:t>15</a:t>
+              <a:t>17</a:t>
             </a:fld>
             <a:endParaRPr lang="en-US" dirty="0"/>
           </a:p>
@@ -1142,7 +1144,7 @@
           <p:cNvPr id="6" name="Footer Placeholder 7">
             <a:extLst>
               <a:ext uri="{FF2B5EF4-FFF2-40B4-BE49-F238E27FC236}">
-                <a16:creationId xmlns:a16="http://schemas.microsoft.com/office/drawing/2014/main" id="{3E673D02-95AF-4DCC-BC36-6B5230C3E36D}"/>
+                <a16:creationId xmlns:a16="http://schemas.microsoft.com/office/drawing/2014/main" id="{5E3AAFB8-EEDA-4818-A713-39100C08975C}"/>
               </a:ext>
             </a:extLst>
           </p:cNvPr>
@@ -1190,7 +1192,7 @@
     </p:spTree>
     <p:extLst>
       <p:ext uri="{BB962C8B-B14F-4D97-AF65-F5344CB8AC3E}">
-        <p14:creationId xmlns:p14="http://schemas.microsoft.com/office/powerpoint/2010/main" val="1537310974"/>
+        <p14:creationId xmlns:p14="http://schemas.microsoft.com/office/powerpoint/2010/main" val="1764145232"/>
       </p:ext>
     </p:extLst>
   </p:cSld>
@@ -1266,7 +1268,7 @@
             <a:fld id="{3EBA5BD7-F043-4D1B-AA17-CD412FC534DE}" type="slidenum">
               <a:rPr lang="en-US" smtClean="0"/>
               <a:pPr/>
-              <a:t>16</a:t>
+              <a:t>26</a:t>
             </a:fld>
             <a:endParaRPr lang="en-US" dirty="0"/>
           </a:p>
@@ -1277,7 +1279,7 @@
           <p:cNvPr id="6" name="Footer Placeholder 7">
             <a:extLst>
               <a:ext uri="{FF2B5EF4-FFF2-40B4-BE49-F238E27FC236}">
-                <a16:creationId xmlns:a16="http://schemas.microsoft.com/office/drawing/2014/main" id="{5E3AAFB8-EEDA-4818-A713-39100C08975C}"/>
+                <a16:creationId xmlns:a16="http://schemas.microsoft.com/office/drawing/2014/main" id="{C2A1F3C4-C2FB-49E8-8E73-398F509E5C3B}"/>
               </a:ext>
             </a:extLst>
           </p:cNvPr>
@@ -1325,7 +1327,7 @@
     </p:spTree>
     <p:extLst>
       <p:ext uri="{BB962C8B-B14F-4D97-AF65-F5344CB8AC3E}">
-        <p14:creationId xmlns:p14="http://schemas.microsoft.com/office/powerpoint/2010/main" val="1764145232"/>
+        <p14:creationId xmlns:p14="http://schemas.microsoft.com/office/powerpoint/2010/main" val="1066627835"/>
       </p:ext>
     </p:extLst>
   </p:cSld>
@@ -1401,7 +1403,7 @@
             <a:fld id="{3EBA5BD7-F043-4D1B-AA17-CD412FC534DE}" type="slidenum">
               <a:rPr lang="en-US" smtClean="0"/>
               <a:pPr/>
-              <a:t>25</a:t>
+              <a:t>27</a:t>
             </a:fld>
             <a:endParaRPr lang="en-US" dirty="0"/>
           </a:p>
@@ -1412,7 +1414,7 @@
           <p:cNvPr id="6" name="Footer Placeholder 7">
             <a:extLst>
               <a:ext uri="{FF2B5EF4-FFF2-40B4-BE49-F238E27FC236}">
-                <a16:creationId xmlns:a16="http://schemas.microsoft.com/office/drawing/2014/main" id="{C2A1F3C4-C2FB-49E8-8E73-398F509E5C3B}"/>
+                <a16:creationId xmlns:a16="http://schemas.microsoft.com/office/drawing/2014/main" id="{B4045D2E-DC25-4EE1-AD22-ED0812756256}"/>
               </a:ext>
             </a:extLst>
           </p:cNvPr>
@@ -1460,7 +1462,7 @@
     </p:spTree>
     <p:extLst>
       <p:ext uri="{BB962C8B-B14F-4D97-AF65-F5344CB8AC3E}">
-        <p14:creationId xmlns:p14="http://schemas.microsoft.com/office/powerpoint/2010/main" val="1066627835"/>
+        <p14:creationId xmlns:p14="http://schemas.microsoft.com/office/powerpoint/2010/main" val="1502053600"/>
       </p:ext>
     </p:extLst>
   </p:cSld>
@@ -1536,7 +1538,7 @@
             <a:fld id="{3EBA5BD7-F043-4D1B-AA17-CD412FC534DE}" type="slidenum">
               <a:rPr lang="en-US" smtClean="0"/>
               <a:pPr/>
-              <a:t>26</a:t>
+              <a:t>28</a:t>
             </a:fld>
             <a:endParaRPr lang="en-US" dirty="0"/>
           </a:p>
@@ -1547,7 +1549,7 @@
           <p:cNvPr id="6" name="Footer Placeholder 7">
             <a:extLst>
               <a:ext uri="{FF2B5EF4-FFF2-40B4-BE49-F238E27FC236}">
-                <a16:creationId xmlns:a16="http://schemas.microsoft.com/office/drawing/2014/main" id="{B4045D2E-DC25-4EE1-AD22-ED0812756256}"/>
+                <a16:creationId xmlns:a16="http://schemas.microsoft.com/office/drawing/2014/main" id="{06FB8D50-5DCA-4E70-AF02-E4DD64D6BDB3}"/>
               </a:ext>
             </a:extLst>
           </p:cNvPr>
@@ -1595,7 +1597,7 @@
     </p:spTree>
     <p:extLst>
       <p:ext uri="{BB962C8B-B14F-4D97-AF65-F5344CB8AC3E}">
-        <p14:creationId xmlns:p14="http://schemas.microsoft.com/office/powerpoint/2010/main" val="1502053600"/>
+        <p14:creationId xmlns:p14="http://schemas.microsoft.com/office/powerpoint/2010/main" val="3752127925"/>
       </p:ext>
     </p:extLst>
   </p:cSld>
@@ -1671,7 +1673,7 @@
             <a:fld id="{3EBA5BD7-F043-4D1B-AA17-CD412FC534DE}" type="slidenum">
               <a:rPr lang="en-US" smtClean="0"/>
               <a:pPr/>
-              <a:t>27</a:t>
+              <a:t>29</a:t>
             </a:fld>
             <a:endParaRPr lang="en-US" dirty="0"/>
           </a:p>
@@ -1682,7 +1684,7 @@
           <p:cNvPr id="6" name="Footer Placeholder 7">
             <a:extLst>
               <a:ext uri="{FF2B5EF4-FFF2-40B4-BE49-F238E27FC236}">
-                <a16:creationId xmlns:a16="http://schemas.microsoft.com/office/drawing/2014/main" id="{06FB8D50-5DCA-4E70-AF02-E4DD64D6BDB3}"/>
+                <a16:creationId xmlns:a16="http://schemas.microsoft.com/office/drawing/2014/main" id="{1E711369-FEC3-4032-8651-96B295338E42}"/>
               </a:ext>
             </a:extLst>
           </p:cNvPr>
@@ -1730,7 +1732,7 @@
     </p:spTree>
     <p:extLst>
       <p:ext uri="{BB962C8B-B14F-4D97-AF65-F5344CB8AC3E}">
-        <p14:creationId xmlns:p14="http://schemas.microsoft.com/office/powerpoint/2010/main" val="3752127925"/>
+        <p14:creationId xmlns:p14="http://schemas.microsoft.com/office/powerpoint/2010/main" val="3753579967"/>
       </p:ext>
     </p:extLst>
   </p:cSld>
@@ -1806,7 +1808,7 @@
             <a:fld id="{3EBA5BD7-F043-4D1B-AA17-CD412FC534DE}" type="slidenum">
               <a:rPr lang="en-US" smtClean="0"/>
               <a:pPr/>
-              <a:t>28</a:t>
+              <a:t>30</a:t>
             </a:fld>
             <a:endParaRPr lang="en-US" dirty="0"/>
           </a:p>
@@ -1817,7 +1819,7 @@
           <p:cNvPr id="6" name="Footer Placeholder 7">
             <a:extLst>
               <a:ext uri="{FF2B5EF4-FFF2-40B4-BE49-F238E27FC236}">
-                <a16:creationId xmlns:a16="http://schemas.microsoft.com/office/drawing/2014/main" id="{1E711369-FEC3-4032-8651-96B295338E42}"/>
+                <a16:creationId xmlns:a16="http://schemas.microsoft.com/office/drawing/2014/main" id="{F4F78F58-A949-4C17-812C-5B8CEC39ADC8}"/>
               </a:ext>
             </a:extLst>
           </p:cNvPr>
@@ -1865,7 +1867,7 @@
     </p:spTree>
     <p:extLst>
       <p:ext uri="{BB962C8B-B14F-4D97-AF65-F5344CB8AC3E}">
-        <p14:creationId xmlns:p14="http://schemas.microsoft.com/office/powerpoint/2010/main" val="3753579967"/>
+        <p14:creationId xmlns:p14="http://schemas.microsoft.com/office/powerpoint/2010/main" val="1828822692"/>
       </p:ext>
     </p:extLst>
   </p:cSld>
@@ -1919,7 +1921,7 @@
           <a:bodyPr/>
           <a:lstStyle/>
           <a:p>
-            <a:endParaRPr lang="en-GB" dirty="0"/>
+            <a:endParaRPr lang="en-US" dirty="0"/>
           </a:p>
         </p:txBody>
       </p:sp>
@@ -1941,7 +1943,7 @@
             <a:fld id="{3EBA5BD7-F043-4D1B-AA17-CD412FC534DE}" type="slidenum">
               <a:rPr lang="en-US" smtClean="0"/>
               <a:pPr/>
-              <a:t>29</a:t>
+              <a:t>31</a:t>
             </a:fld>
             <a:endParaRPr lang="en-US" dirty="0"/>
           </a:p>
@@ -1952,7 +1954,7 @@
           <p:cNvPr id="6" name="Footer Placeholder 7">
             <a:extLst>
               <a:ext uri="{FF2B5EF4-FFF2-40B4-BE49-F238E27FC236}">
-                <a16:creationId xmlns:a16="http://schemas.microsoft.com/office/drawing/2014/main" id="{F4F78F58-A949-4C17-812C-5B8CEC39ADC8}"/>
+                <a16:creationId xmlns:a16="http://schemas.microsoft.com/office/drawing/2014/main" id="{BC5E969C-B0D0-4665-AB25-7B76A18DB5C1}"/>
               </a:ext>
             </a:extLst>
           </p:cNvPr>
@@ -2000,7 +2002,7 @@
     </p:spTree>
     <p:extLst>
       <p:ext uri="{BB962C8B-B14F-4D97-AF65-F5344CB8AC3E}">
-        <p14:creationId xmlns:p14="http://schemas.microsoft.com/office/powerpoint/2010/main" val="1828822692"/>
+        <p14:creationId xmlns:p14="http://schemas.microsoft.com/office/powerpoint/2010/main" val="2335012886"/>
       </p:ext>
     </p:extLst>
   </p:cSld>
@@ -2060,23 +2062,129 @@
       </p:sp>
       <p:sp>
         <p:nvSpPr>
-          <p:cNvPr id="5" name="Slide Number Placeholder 4"/>
-          <p:cNvSpPr>
-            <a:spLocks noGrp="1"/>
+          <p:cNvPr id="7" name="Slide Number Placeholder 5">
+            <a:extLst>
+              <a:ext uri="{FF2B5EF4-FFF2-40B4-BE49-F238E27FC236}">
+                <a16:creationId xmlns:a16="http://schemas.microsoft.com/office/drawing/2014/main" id="{5049B984-F964-47FF-8179-0A3007CE21CD}"/>
+              </a:ext>
+            </a:extLst>
+          </p:cNvPr>
+          <p:cNvSpPr txBox="1">
+            <a:spLocks/>
           </p:cNvSpPr>
-          <p:nvPr>
-            <p:ph type="sldNum" sz="quarter" idx="11"/>
-          </p:nvPr>
+          <p:nvPr/>
         </p:nvSpPr>
-        <p:spPr/>
+        <p:spPr>
+          <a:xfrm>
+            <a:off x="6488999" y="8847000"/>
+            <a:ext cx="367414" cy="297000"/>
+          </a:xfrm>
+          <a:prstGeom prst="rect">
+            <a:avLst/>
+          </a:prstGeom>
+        </p:spPr>
         <p:txBody>
-          <a:bodyPr/>
-          <a:lstStyle/>
+          <a:bodyPr vert="horz" lIns="91440" tIns="45720" rIns="91440" bIns="45720" rtlCol="0" anchor="b"/>
+          <a:lstStyle>
+            <a:defPPr>
+              <a:defRPr lang="en-US"/>
+            </a:defPPr>
+            <a:lvl1pPr marL="0" algn="r" defTabSz="914400" rtl="0" eaLnBrk="1" latinLnBrk="0" hangingPunct="1">
+              <a:defRPr sz="1200" kern="1200">
+                <a:solidFill>
+                  <a:schemeClr val="tx1"/>
+                </a:solidFill>
+                <a:latin typeface="+mn-lt"/>
+                <a:ea typeface="+mn-ea"/>
+                <a:cs typeface="+mn-cs"/>
+              </a:defRPr>
+            </a:lvl1pPr>
+            <a:lvl2pPr marL="457200" algn="l" defTabSz="914400" rtl="0" eaLnBrk="1" latinLnBrk="0" hangingPunct="1">
+              <a:defRPr sz="1800" kern="1200">
+                <a:solidFill>
+                  <a:schemeClr val="tx1"/>
+                </a:solidFill>
+                <a:latin typeface="+mn-lt"/>
+                <a:ea typeface="+mn-ea"/>
+                <a:cs typeface="+mn-cs"/>
+              </a:defRPr>
+            </a:lvl2pPr>
+            <a:lvl3pPr marL="914400" algn="l" defTabSz="914400" rtl="0" eaLnBrk="1" latinLnBrk="0" hangingPunct="1">
+              <a:defRPr sz="1800" kern="1200">
+                <a:solidFill>
+                  <a:schemeClr val="tx1"/>
+                </a:solidFill>
+                <a:latin typeface="+mn-lt"/>
+                <a:ea typeface="+mn-ea"/>
+                <a:cs typeface="+mn-cs"/>
+              </a:defRPr>
+            </a:lvl3pPr>
+            <a:lvl4pPr marL="1371600" algn="l" defTabSz="914400" rtl="0" eaLnBrk="1" latinLnBrk="0" hangingPunct="1">
+              <a:defRPr sz="1800" kern="1200">
+                <a:solidFill>
+                  <a:schemeClr val="tx1"/>
+                </a:solidFill>
+                <a:latin typeface="+mn-lt"/>
+                <a:ea typeface="+mn-ea"/>
+                <a:cs typeface="+mn-cs"/>
+              </a:defRPr>
+            </a:lvl4pPr>
+            <a:lvl5pPr marL="1828800" algn="l" defTabSz="914400" rtl="0" eaLnBrk="1" latinLnBrk="0" hangingPunct="1">
+              <a:defRPr sz="1800" kern="1200">
+                <a:solidFill>
+                  <a:schemeClr val="tx1"/>
+                </a:solidFill>
+                <a:latin typeface="+mn-lt"/>
+                <a:ea typeface="+mn-ea"/>
+                <a:cs typeface="+mn-cs"/>
+              </a:defRPr>
+            </a:lvl5pPr>
+            <a:lvl6pPr marL="2286000" algn="l" defTabSz="914400" rtl="0" eaLnBrk="1" latinLnBrk="0" hangingPunct="1">
+              <a:defRPr sz="1800" kern="1200">
+                <a:solidFill>
+                  <a:schemeClr val="tx1"/>
+                </a:solidFill>
+                <a:latin typeface="+mn-lt"/>
+                <a:ea typeface="+mn-ea"/>
+                <a:cs typeface="+mn-cs"/>
+              </a:defRPr>
+            </a:lvl6pPr>
+            <a:lvl7pPr marL="2743200" algn="l" defTabSz="914400" rtl="0" eaLnBrk="1" latinLnBrk="0" hangingPunct="1">
+              <a:defRPr sz="1800" kern="1200">
+                <a:solidFill>
+                  <a:schemeClr val="tx1"/>
+                </a:solidFill>
+                <a:latin typeface="+mn-lt"/>
+                <a:ea typeface="+mn-ea"/>
+                <a:cs typeface="+mn-cs"/>
+              </a:defRPr>
+            </a:lvl7pPr>
+            <a:lvl8pPr marL="3200400" algn="l" defTabSz="914400" rtl="0" eaLnBrk="1" latinLnBrk="0" hangingPunct="1">
+              <a:defRPr sz="1800" kern="1200">
+                <a:solidFill>
+                  <a:schemeClr val="tx1"/>
+                </a:solidFill>
+                <a:latin typeface="+mn-lt"/>
+                <a:ea typeface="+mn-ea"/>
+                <a:cs typeface="+mn-cs"/>
+              </a:defRPr>
+            </a:lvl8pPr>
+            <a:lvl9pPr marL="3657600" algn="l" defTabSz="914400" rtl="0" eaLnBrk="1" latinLnBrk="0" hangingPunct="1">
+              <a:defRPr sz="1800" kern="1200">
+                <a:solidFill>
+                  <a:schemeClr val="tx1"/>
+                </a:solidFill>
+                <a:latin typeface="+mn-lt"/>
+                <a:ea typeface="+mn-ea"/>
+                <a:cs typeface="+mn-cs"/>
+              </a:defRPr>
+            </a:lvl9pPr>
+          </a:lstStyle>
           <a:p>
             <a:fld id="{3EBA5BD7-F043-4D1B-AA17-CD412FC534DE}" type="slidenum">
               <a:rPr lang="en-US" smtClean="0"/>
               <a:pPr/>
-              <a:t>30</a:t>
+              <a:t>32</a:t>
             </a:fld>
             <a:endParaRPr lang="en-US" dirty="0"/>
           </a:p>
@@ -2087,7 +2195,7 @@
           <p:cNvPr id="6" name="Footer Placeholder 7">
             <a:extLst>
               <a:ext uri="{FF2B5EF4-FFF2-40B4-BE49-F238E27FC236}">
-                <a16:creationId xmlns:a16="http://schemas.microsoft.com/office/drawing/2014/main" id="{BC5E969C-B0D0-4665-AB25-7B76A18DB5C1}"/>
+                <a16:creationId xmlns:a16="http://schemas.microsoft.com/office/drawing/2014/main" id="{EDCEF9BE-E7EC-4134-B760-587CD2D35CAC}"/>
               </a:ext>
             </a:extLst>
           </p:cNvPr>
@@ -2135,7 +2243,7 @@
     </p:spTree>
     <p:extLst>
       <p:ext uri="{BB962C8B-B14F-4D97-AF65-F5344CB8AC3E}">
-        <p14:creationId xmlns:p14="http://schemas.microsoft.com/office/powerpoint/2010/main" val="2335012886"/>
+        <p14:creationId xmlns:p14="http://schemas.microsoft.com/office/powerpoint/2010/main" val="962256878"/>
       </p:ext>
     </p:extLst>
   </p:cSld>
@@ -2195,10 +2303,10 @@
       </p:sp>
       <p:sp>
         <p:nvSpPr>
-          <p:cNvPr id="7" name="Slide Number Placeholder 5">
+          <p:cNvPr id="6" name="Slide Number Placeholder 5">
             <a:extLst>
               <a:ext uri="{FF2B5EF4-FFF2-40B4-BE49-F238E27FC236}">
-                <a16:creationId xmlns:a16="http://schemas.microsoft.com/office/drawing/2014/main" id="{5049B984-F964-47FF-8179-0A3007CE21CD}"/>
+                <a16:creationId xmlns:a16="http://schemas.microsoft.com/office/drawing/2014/main" id="{6627548A-4D3C-449B-81A5-FA4BE4628490}"/>
               </a:ext>
             </a:extLst>
           </p:cNvPr>
@@ -2317,7 +2425,7 @@
             <a:fld id="{3EBA5BD7-F043-4D1B-AA17-CD412FC534DE}" type="slidenum">
               <a:rPr lang="en-US" smtClean="0"/>
               <a:pPr/>
-              <a:t>31</a:t>
+              <a:t>33</a:t>
             </a:fld>
             <a:endParaRPr lang="en-US" dirty="0"/>
           </a:p>
@@ -2325,10 +2433,10 @@
       </p:sp>
       <p:sp>
         <p:nvSpPr>
-          <p:cNvPr id="6" name="Footer Placeholder 7">
+          <p:cNvPr id="7" name="Footer Placeholder 7">
             <a:extLst>
               <a:ext uri="{FF2B5EF4-FFF2-40B4-BE49-F238E27FC236}">
-                <a16:creationId xmlns:a16="http://schemas.microsoft.com/office/drawing/2014/main" id="{EDCEF9BE-E7EC-4134-B760-587CD2D35CAC}"/>
+                <a16:creationId xmlns:a16="http://schemas.microsoft.com/office/drawing/2014/main" id="{D3EDFE7C-7967-4160-A8C8-BB09C0D26A8A}"/>
               </a:ext>
             </a:extLst>
           </p:cNvPr>
@@ -2376,7 +2484,7 @@
     </p:spTree>
     <p:extLst>
       <p:ext uri="{BB962C8B-B14F-4D97-AF65-F5344CB8AC3E}">
-        <p14:creationId xmlns:p14="http://schemas.microsoft.com/office/powerpoint/2010/main" val="962256878"/>
+        <p14:creationId xmlns:p14="http://schemas.microsoft.com/office/powerpoint/2010/main" val="1872968687"/>
       </p:ext>
     </p:extLst>
   </p:cSld>
@@ -2512,247 +2620,6 @@
     <p:extLst>
       <p:ext uri="{BB962C8B-B14F-4D97-AF65-F5344CB8AC3E}">
         <p14:creationId xmlns:p14="http://schemas.microsoft.com/office/powerpoint/2010/main" val="718894670"/>
-      </p:ext>
-    </p:extLst>
-  </p:cSld>
-  <p:clrMapOvr>
-    <a:masterClrMapping/>
-  </p:clrMapOvr>
-</p:notes>
-</file>
-
-<file path=ppt/notesSlides/notesSlide20.xml><?xml version="1.0" encoding="utf-8"?>
-<p:notes xmlns:a="http://schemas.openxmlformats.org/drawingml/2006/main" xmlns:r="http://schemas.openxmlformats.org/officeDocument/2006/relationships" xmlns:p="http://schemas.openxmlformats.org/presentationml/2006/main">
-  <p:cSld>
-    <p:spTree>
-      <p:nvGrpSpPr>
-        <p:cNvPr id="1" name=""/>
-        <p:cNvGrpSpPr/>
-        <p:nvPr/>
-      </p:nvGrpSpPr>
-      <p:grpSpPr>
-        <a:xfrm>
-          <a:off x="0" y="0"/>
-          <a:ext cx="0" cy="0"/>
-          <a:chOff x="0" y="0"/>
-          <a:chExt cx="0" cy="0"/>
-        </a:xfrm>
-      </p:grpSpPr>
-      <p:sp>
-        <p:nvSpPr>
-          <p:cNvPr id="2" name="Slide Image Placeholder 1"/>
-          <p:cNvSpPr>
-            <a:spLocks noGrp="1" noRot="1" noChangeAspect="1"/>
-          </p:cNvSpPr>
-          <p:nvPr>
-            <p:ph type="sldImg"/>
-          </p:nvPr>
-        </p:nvSpPr>
-        <p:spPr/>
-      </p:sp>
-      <p:sp>
-        <p:nvSpPr>
-          <p:cNvPr id="3" name="Notes Placeholder 2"/>
-          <p:cNvSpPr>
-            <a:spLocks noGrp="1"/>
-          </p:cNvSpPr>
-          <p:nvPr>
-            <p:ph type="body" idx="1"/>
-          </p:nvPr>
-        </p:nvSpPr>
-        <p:spPr/>
-        <p:txBody>
-          <a:bodyPr/>
-          <a:lstStyle/>
-          <a:p>
-            <a:endParaRPr lang="en-US" dirty="0"/>
-          </a:p>
-        </p:txBody>
-      </p:sp>
-      <p:sp>
-        <p:nvSpPr>
-          <p:cNvPr id="6" name="Slide Number Placeholder 5">
-            <a:extLst>
-              <a:ext uri="{FF2B5EF4-FFF2-40B4-BE49-F238E27FC236}">
-                <a16:creationId xmlns:a16="http://schemas.microsoft.com/office/drawing/2014/main" id="{6627548A-4D3C-449B-81A5-FA4BE4628490}"/>
-              </a:ext>
-            </a:extLst>
-          </p:cNvPr>
-          <p:cNvSpPr txBox="1">
-            <a:spLocks/>
-          </p:cNvSpPr>
-          <p:nvPr/>
-        </p:nvSpPr>
-        <p:spPr>
-          <a:xfrm>
-            <a:off x="6488999" y="8847000"/>
-            <a:ext cx="367414" cy="297000"/>
-          </a:xfrm>
-          <a:prstGeom prst="rect">
-            <a:avLst/>
-          </a:prstGeom>
-        </p:spPr>
-        <p:txBody>
-          <a:bodyPr vert="horz" lIns="91440" tIns="45720" rIns="91440" bIns="45720" rtlCol="0" anchor="b"/>
-          <a:lstStyle>
-            <a:defPPr>
-              <a:defRPr lang="en-US"/>
-            </a:defPPr>
-            <a:lvl1pPr marL="0" algn="r" defTabSz="914400" rtl="0" eaLnBrk="1" latinLnBrk="0" hangingPunct="1">
-              <a:defRPr sz="1200" kern="1200">
-                <a:solidFill>
-                  <a:schemeClr val="tx1"/>
-                </a:solidFill>
-                <a:latin typeface="+mn-lt"/>
-                <a:ea typeface="+mn-ea"/>
-                <a:cs typeface="+mn-cs"/>
-              </a:defRPr>
-            </a:lvl1pPr>
-            <a:lvl2pPr marL="457200" algn="l" defTabSz="914400" rtl="0" eaLnBrk="1" latinLnBrk="0" hangingPunct="1">
-              <a:defRPr sz="1800" kern="1200">
-                <a:solidFill>
-                  <a:schemeClr val="tx1"/>
-                </a:solidFill>
-                <a:latin typeface="+mn-lt"/>
-                <a:ea typeface="+mn-ea"/>
-                <a:cs typeface="+mn-cs"/>
-              </a:defRPr>
-            </a:lvl2pPr>
-            <a:lvl3pPr marL="914400" algn="l" defTabSz="914400" rtl="0" eaLnBrk="1" latinLnBrk="0" hangingPunct="1">
-              <a:defRPr sz="1800" kern="1200">
-                <a:solidFill>
-                  <a:schemeClr val="tx1"/>
-                </a:solidFill>
-                <a:latin typeface="+mn-lt"/>
-                <a:ea typeface="+mn-ea"/>
-                <a:cs typeface="+mn-cs"/>
-              </a:defRPr>
-            </a:lvl3pPr>
-            <a:lvl4pPr marL="1371600" algn="l" defTabSz="914400" rtl="0" eaLnBrk="1" latinLnBrk="0" hangingPunct="1">
-              <a:defRPr sz="1800" kern="1200">
-                <a:solidFill>
-                  <a:schemeClr val="tx1"/>
-                </a:solidFill>
-                <a:latin typeface="+mn-lt"/>
-                <a:ea typeface="+mn-ea"/>
-                <a:cs typeface="+mn-cs"/>
-              </a:defRPr>
-            </a:lvl4pPr>
-            <a:lvl5pPr marL="1828800" algn="l" defTabSz="914400" rtl="0" eaLnBrk="1" latinLnBrk="0" hangingPunct="1">
-              <a:defRPr sz="1800" kern="1200">
-                <a:solidFill>
-                  <a:schemeClr val="tx1"/>
-                </a:solidFill>
-                <a:latin typeface="+mn-lt"/>
-                <a:ea typeface="+mn-ea"/>
-                <a:cs typeface="+mn-cs"/>
-              </a:defRPr>
-            </a:lvl5pPr>
-            <a:lvl6pPr marL="2286000" algn="l" defTabSz="914400" rtl="0" eaLnBrk="1" latinLnBrk="0" hangingPunct="1">
-              <a:defRPr sz="1800" kern="1200">
-                <a:solidFill>
-                  <a:schemeClr val="tx1"/>
-                </a:solidFill>
-                <a:latin typeface="+mn-lt"/>
-                <a:ea typeface="+mn-ea"/>
-                <a:cs typeface="+mn-cs"/>
-              </a:defRPr>
-            </a:lvl6pPr>
-            <a:lvl7pPr marL="2743200" algn="l" defTabSz="914400" rtl="0" eaLnBrk="1" latinLnBrk="0" hangingPunct="1">
-              <a:defRPr sz="1800" kern="1200">
-                <a:solidFill>
-                  <a:schemeClr val="tx1"/>
-                </a:solidFill>
-                <a:latin typeface="+mn-lt"/>
-                <a:ea typeface="+mn-ea"/>
-                <a:cs typeface="+mn-cs"/>
-              </a:defRPr>
-            </a:lvl7pPr>
-            <a:lvl8pPr marL="3200400" algn="l" defTabSz="914400" rtl="0" eaLnBrk="1" latinLnBrk="0" hangingPunct="1">
-              <a:defRPr sz="1800" kern="1200">
-                <a:solidFill>
-                  <a:schemeClr val="tx1"/>
-                </a:solidFill>
-                <a:latin typeface="+mn-lt"/>
-                <a:ea typeface="+mn-ea"/>
-                <a:cs typeface="+mn-cs"/>
-              </a:defRPr>
-            </a:lvl8pPr>
-            <a:lvl9pPr marL="3657600" algn="l" defTabSz="914400" rtl="0" eaLnBrk="1" latinLnBrk="0" hangingPunct="1">
-              <a:defRPr sz="1800" kern="1200">
-                <a:solidFill>
-                  <a:schemeClr val="tx1"/>
-                </a:solidFill>
-                <a:latin typeface="+mn-lt"/>
-                <a:ea typeface="+mn-ea"/>
-                <a:cs typeface="+mn-cs"/>
-              </a:defRPr>
-            </a:lvl9pPr>
-          </a:lstStyle>
-          <a:p>
-            <a:fld id="{3EBA5BD7-F043-4D1B-AA17-CD412FC534DE}" type="slidenum">
-              <a:rPr lang="en-US" smtClean="0"/>
-              <a:pPr/>
-              <a:t>32</a:t>
-            </a:fld>
-            <a:endParaRPr lang="en-US" dirty="0"/>
-          </a:p>
-        </p:txBody>
-      </p:sp>
-      <p:sp>
-        <p:nvSpPr>
-          <p:cNvPr id="7" name="Footer Placeholder 7">
-            <a:extLst>
-              <a:ext uri="{FF2B5EF4-FFF2-40B4-BE49-F238E27FC236}">
-                <a16:creationId xmlns:a16="http://schemas.microsoft.com/office/drawing/2014/main" id="{D3EDFE7C-7967-4160-A8C8-BB09C0D26A8A}"/>
-              </a:ext>
-            </a:extLst>
-          </p:cNvPr>
-          <p:cNvSpPr>
-            <a:spLocks noGrp="1"/>
-          </p:cNvSpPr>
-          <p:nvPr>
-            <p:ph type="ftr" sz="quarter" idx="4"/>
-          </p:nvPr>
-        </p:nvSpPr>
-        <p:spPr>
-          <a:xfrm>
-            <a:off x="-1" y="8847000"/>
-            <a:ext cx="6488999" cy="297000"/>
-          </a:xfrm>
-          <a:prstGeom prst="rect">
-            <a:avLst/>
-          </a:prstGeom>
-        </p:spPr>
-        <p:txBody>
-          <a:bodyPr vert="horz" lIns="91440" tIns="45720" rIns="91440" bIns="45720" rtlCol="0" anchor="b"/>
-          <a:lstStyle>
-            <a:lvl1pPr algn="l">
-              <a:defRPr sz="1100"/>
-            </a:lvl1pPr>
-          </a:lstStyle>
-          <a:p>
-            <a:r>
-              <a:rPr lang="en-US" dirty="0"/>
-              <a:t>© SoftUni – </a:t>
-            </a:r>
-            <a:r>
-              <a:rPr lang="en-US" u="sng" dirty="0">
-                <a:hlinkClick r:id="rId3"/>
-              </a:rPr>
-              <a:t>https://softuni.org</a:t>
-            </a:r>
-            <a:r>
-              <a:rPr lang="en-US" dirty="0"/>
-              <a:t>. Copyrighted document. Unauthorized copy or reproduction is not permitted.</a:t>
-            </a:r>
-          </a:p>
-        </p:txBody>
-      </p:sp>
-    </p:spTree>
-    <p:extLst>
-      <p:ext uri="{BB962C8B-B14F-4D97-AF65-F5344CB8AC3E}">
-        <p14:creationId xmlns:p14="http://schemas.microsoft.com/office/powerpoint/2010/main" val="1872968687"/>
       </p:ext>
     </p:extLst>
   </p:cSld>
@@ -3098,7 +2965,7 @@
             <a:fld id="{3EBA5BD7-F043-4D1B-AA17-CD412FC534DE}" type="slidenum">
               <a:rPr lang="en-US" smtClean="0"/>
               <a:pPr/>
-              <a:t>8</a:t>
+              <a:t>10</a:t>
             </a:fld>
             <a:endParaRPr lang="en-US" dirty="0"/>
           </a:p>
@@ -3233,7 +3100,7 @@
             <a:fld id="{3EBA5BD7-F043-4D1B-AA17-CD412FC534DE}" type="slidenum">
               <a:rPr lang="en-US" smtClean="0"/>
               <a:pPr/>
-              <a:t>9</a:t>
+              <a:t>11</a:t>
             </a:fld>
             <a:endParaRPr lang="en-US" dirty="0"/>
           </a:p>
@@ -3368,7 +3235,7 @@
             <a:fld id="{3EBA5BD7-F043-4D1B-AA17-CD412FC534DE}" type="slidenum">
               <a:rPr lang="en-US" smtClean="0"/>
               <a:pPr/>
-              <a:t>11</a:t>
+              <a:t>13</a:t>
             </a:fld>
             <a:endParaRPr lang="en-US" dirty="0"/>
           </a:p>
@@ -3379,7 +3246,7 @@
           <p:cNvPr id="6" name="Footer Placeholder 7">
             <a:extLst>
               <a:ext uri="{FF2B5EF4-FFF2-40B4-BE49-F238E27FC236}">
-                <a16:creationId xmlns:a16="http://schemas.microsoft.com/office/drawing/2014/main" id="{C646E9F3-C405-42AC-B335-073FC0832B19}"/>
+                <a16:creationId xmlns:a16="http://schemas.microsoft.com/office/drawing/2014/main" id="{3E6E5645-74BE-4A80-9C85-76F3052E2C51}"/>
               </a:ext>
             </a:extLst>
           </p:cNvPr>
@@ -3427,7 +3294,7 @@
     </p:spTree>
     <p:extLst>
       <p:ext uri="{BB962C8B-B14F-4D97-AF65-F5344CB8AC3E}">
-        <p14:creationId xmlns:p14="http://schemas.microsoft.com/office/powerpoint/2010/main" val="3365156525"/>
+        <p14:creationId xmlns:p14="http://schemas.microsoft.com/office/powerpoint/2010/main" val="1739630117"/>
       </p:ext>
     </p:extLst>
   </p:cSld>
@@ -3503,7 +3370,7 @@
             <a:fld id="{3EBA5BD7-F043-4D1B-AA17-CD412FC534DE}" type="slidenum">
               <a:rPr lang="en-US" smtClean="0"/>
               <a:pPr/>
-              <a:t>12</a:t>
+              <a:t>14</a:t>
             </a:fld>
             <a:endParaRPr lang="en-US" dirty="0"/>
           </a:p>
@@ -3514,7 +3381,7 @@
           <p:cNvPr id="6" name="Footer Placeholder 7">
             <a:extLst>
               <a:ext uri="{FF2B5EF4-FFF2-40B4-BE49-F238E27FC236}">
-                <a16:creationId xmlns:a16="http://schemas.microsoft.com/office/drawing/2014/main" id="{3E6E5645-74BE-4A80-9C85-76F3052E2C51}"/>
+                <a16:creationId xmlns:a16="http://schemas.microsoft.com/office/drawing/2014/main" id="{6E2F8686-CC9B-42D7-965B-7A0197D47C1A}"/>
               </a:ext>
             </a:extLst>
           </p:cNvPr>
@@ -3562,7 +3429,7 @@
     </p:spTree>
     <p:extLst>
       <p:ext uri="{BB962C8B-B14F-4D97-AF65-F5344CB8AC3E}">
-        <p14:creationId xmlns:p14="http://schemas.microsoft.com/office/powerpoint/2010/main" val="1739630117"/>
+        <p14:creationId xmlns:p14="http://schemas.microsoft.com/office/powerpoint/2010/main" val="783832523"/>
       </p:ext>
     </p:extLst>
   </p:cSld>
@@ -3638,7 +3505,7 @@
             <a:fld id="{3EBA5BD7-F043-4D1B-AA17-CD412FC534DE}" type="slidenum">
               <a:rPr lang="en-US" smtClean="0"/>
               <a:pPr/>
-              <a:t>13</a:t>
+              <a:t>15</a:t>
             </a:fld>
             <a:endParaRPr lang="en-US" dirty="0"/>
           </a:p>
@@ -3649,7 +3516,7 @@
           <p:cNvPr id="6" name="Footer Placeholder 7">
             <a:extLst>
               <a:ext uri="{FF2B5EF4-FFF2-40B4-BE49-F238E27FC236}">
-                <a16:creationId xmlns:a16="http://schemas.microsoft.com/office/drawing/2014/main" id="{6E2F8686-CC9B-42D7-965B-7A0197D47C1A}"/>
+                <a16:creationId xmlns:a16="http://schemas.microsoft.com/office/drawing/2014/main" id="{760D126E-DDAC-4CE7-9098-2BFC6CFDF8BB}"/>
               </a:ext>
             </a:extLst>
           </p:cNvPr>
@@ -3697,7 +3564,7 @@
     </p:spTree>
     <p:extLst>
       <p:ext uri="{BB962C8B-B14F-4D97-AF65-F5344CB8AC3E}">
-        <p14:creationId xmlns:p14="http://schemas.microsoft.com/office/powerpoint/2010/main" val="783832523"/>
+        <p14:creationId xmlns:p14="http://schemas.microsoft.com/office/powerpoint/2010/main" val="1255802084"/>
       </p:ext>
     </p:extLst>
   </p:cSld>
@@ -10305,30 +10172,7 @@
           <a:p>
             <a:r>
               <a:rPr lang="bg-BG" dirty="0"/>
-              <a:t>Разлика между абстракция</a:t>
-            </a:r>
-            <a:r>
-              <a:rPr lang="fr-FR" dirty="0"/>
-              <a:t> </a:t>
-            </a:r>
-            <a:r>
-              <a:rPr lang="bg-BG" dirty="0"/>
-              <a:t>и</a:t>
-            </a:r>
-            <a:r>
-              <a:rPr lang="fr-FR" dirty="0"/>
-              <a:t> </a:t>
-            </a:r>
-            <a:r>
-              <a:rPr lang="bg-BG" dirty="0"/>
-              <a:t>енкапсулация</a:t>
-            </a:r>
-            <a:br>
-              <a:rPr lang="fr-FR" dirty="0"/>
-            </a:br>
-            <a:r>
-              <a:rPr lang="bg-BG" dirty="0"/>
-              <a:t>Разлика между интерфейси и абстрактни класове</a:t>
+              <a:t>Абстракция в ООП, интерфейси, дефиниране и имплементация на интерфейс, абстрактни класове</a:t>
             </a:r>
             <a:endParaRPr lang="fr-FR" dirty="0"/>
           </a:p>
@@ -10429,6 +10273,1786 @@
       </p:grpSpPr>
       <p:sp>
         <p:nvSpPr>
+          <p:cNvPr id="6" name="Content Placeholder 5"/>
+          <p:cNvSpPr>
+            <a:spLocks noGrp="1"/>
+          </p:cNvSpPr>
+          <p:nvPr>
+            <p:ph type="body" sz="quarter" idx="10"/>
+          </p:nvPr>
+        </p:nvSpPr>
+        <p:spPr/>
+        <p:txBody>
+          <a:bodyPr>
+            <a:normAutofit/>
+          </a:bodyPr>
+          <a:lstStyle/>
+          <a:p>
+            <a:r>
+              <a:rPr lang="bg-BG" sz="3600" dirty="0"/>
+              <a:t>Всички методи в интерфейсите са абстрактни (</a:t>
+            </a:r>
+            <a:r>
+              <a:rPr lang="en-US" sz="3600" b="1" dirty="0"/>
+              <a:t>abstract</a:t>
+            </a:r>
+            <a:r>
+              <a:rPr lang="en-US" sz="3600" dirty="0"/>
+              <a:t>)</a:t>
+            </a:r>
+          </a:p>
+        </p:txBody>
+      </p:sp>
+      <p:sp>
+        <p:nvSpPr>
+          <p:cNvPr id="428034" name="Rectangle 2"/>
+          <p:cNvSpPr>
+            <a:spLocks noGrp="1" noChangeArrowheads="1"/>
+          </p:cNvSpPr>
+          <p:nvPr>
+            <p:ph type="title"/>
+          </p:nvPr>
+        </p:nvSpPr>
+        <p:spPr/>
+        <p:txBody>
+          <a:bodyPr/>
+          <a:lstStyle/>
+          <a:p>
+            <a:r>
+              <a:rPr lang="bg-BG" dirty="0"/>
+              <a:t>Интерфейси в реалността</a:t>
+            </a:r>
+          </a:p>
+        </p:txBody>
+      </p:sp>
+      <p:sp>
+        <p:nvSpPr>
+          <p:cNvPr id="18" name="Rectangle 17"/>
+          <p:cNvSpPr>
+            <a:spLocks noChangeArrowheads="1"/>
+          </p:cNvSpPr>
+          <p:nvPr/>
+        </p:nvSpPr>
+        <p:spPr bwMode="auto">
+          <a:xfrm>
+            <a:off x="2646047" y="1899000"/>
+            <a:ext cx="6554101" cy="1941602"/>
+          </a:xfrm>
+          <a:prstGeom prst="rect">
+            <a:avLst/>
+          </a:prstGeom>
+          <a:solidFill>
+            <a:schemeClr val="accent6">
+              <a:lumMod val="75000"/>
+              <a:alpha val="15000"/>
+            </a:schemeClr>
+          </a:solidFill>
+          <a:ln w="12700">
+            <a:solidFill>
+              <a:schemeClr val="tx1">
+                <a:lumMod val="50000"/>
+              </a:schemeClr>
+            </a:solidFill>
+          </a:ln>
+        </p:spPr>
+        <p:txBody>
+          <a:bodyPr vert="horz" wrap="square" lIns="143963" tIns="107972" rIns="143963" bIns="107972" rtlCol="0">
+            <a:spAutoFit/>
+          </a:bodyPr>
+          <a:lstStyle/>
+          <a:p>
+            <a:pPr defTabSz="1218438" latinLnBrk="1"/>
+            <a:r>
+              <a:rPr lang="en-US" sz="2800" b="1" noProof="1">
+                <a:latin typeface="Consolas" pitchFamily="49" charset="0"/>
+                <a:cs typeface="Consolas" pitchFamily="49" charset="0"/>
+              </a:rPr>
+              <a:t>public </a:t>
+            </a:r>
+            <a:r>
+              <a:rPr lang="en-US" sz="2800" b="1" noProof="1">
+                <a:solidFill>
+                  <a:schemeClr val="bg1"/>
+                </a:solidFill>
+                <a:latin typeface="Consolas" pitchFamily="49" charset="0"/>
+                <a:cs typeface="Consolas" pitchFamily="49" charset="0"/>
+              </a:rPr>
+              <a:t>interface</a:t>
+            </a:r>
+            <a:r>
+              <a:rPr lang="en-US" sz="2800" b="1" noProof="1">
+                <a:latin typeface="Consolas" pitchFamily="49" charset="0"/>
+                <a:cs typeface="Consolas" pitchFamily="49" charset="0"/>
+              </a:rPr>
+              <a:t> IPrintable </a:t>
+            </a:r>
+          </a:p>
+          <a:p>
+            <a:pPr defTabSz="1218438" latinLnBrk="1"/>
+            <a:r>
+              <a:rPr lang="en-US" sz="2800" b="1" noProof="1">
+                <a:latin typeface="Consolas" pitchFamily="49" charset="0"/>
+                <a:cs typeface="Consolas" pitchFamily="49" charset="0"/>
+              </a:rPr>
+              <a:t>{</a:t>
+            </a:r>
+          </a:p>
+          <a:p>
+            <a:pPr defTabSz="1218438" latinLnBrk="1"/>
+            <a:r>
+              <a:rPr lang="en-US" sz="2800" b="1" noProof="1">
+                <a:latin typeface="Consolas" pitchFamily="49" charset="0"/>
+                <a:cs typeface="Consolas" pitchFamily="49" charset="0"/>
+              </a:rPr>
+              <a:t>  void Print();</a:t>
+            </a:r>
+          </a:p>
+          <a:p>
+            <a:pPr defTabSz="1218438" latinLnBrk="1"/>
+            <a:r>
+              <a:rPr lang="en-US" sz="2800" b="1" noProof="1">
+                <a:latin typeface="Consolas" pitchFamily="49" charset="0"/>
+                <a:cs typeface="Consolas" pitchFamily="49" charset="0"/>
+              </a:rPr>
+              <a:t>}</a:t>
+            </a:r>
+          </a:p>
+        </p:txBody>
+      </p:sp>
+      <p:sp>
+        <p:nvSpPr>
+          <p:cNvPr id="19" name="Rectangle 18"/>
+          <p:cNvSpPr>
+            <a:spLocks noChangeArrowheads="1"/>
+          </p:cNvSpPr>
+          <p:nvPr/>
+        </p:nvSpPr>
+        <p:spPr bwMode="auto">
+          <a:xfrm>
+            <a:off x="2646047" y="4772398"/>
+            <a:ext cx="6554101" cy="1941602"/>
+          </a:xfrm>
+          <a:prstGeom prst="rect">
+            <a:avLst/>
+          </a:prstGeom>
+          <a:solidFill>
+            <a:schemeClr val="accent6">
+              <a:lumMod val="75000"/>
+              <a:alpha val="15000"/>
+            </a:schemeClr>
+          </a:solidFill>
+          <a:ln w="12700">
+            <a:solidFill>
+              <a:schemeClr val="tx1">
+                <a:lumMod val="50000"/>
+              </a:schemeClr>
+            </a:solidFill>
+          </a:ln>
+        </p:spPr>
+        <p:txBody>
+          <a:bodyPr vert="horz" wrap="square" lIns="143963" tIns="107972" rIns="143963" bIns="107972" rtlCol="0">
+            <a:spAutoFit/>
+          </a:bodyPr>
+          <a:lstStyle/>
+          <a:p>
+            <a:pPr defTabSz="1218438" latinLnBrk="1"/>
+            <a:r>
+              <a:rPr lang="en-US" sz="2800" b="1" noProof="1">
+                <a:latin typeface="Consolas" pitchFamily="49" charset="0"/>
+                <a:cs typeface="Consolas" pitchFamily="49" charset="0"/>
+              </a:rPr>
+              <a:t>public interface IPrintable </a:t>
+            </a:r>
+          </a:p>
+          <a:p>
+            <a:pPr defTabSz="1218438" latinLnBrk="1"/>
+            <a:r>
+              <a:rPr lang="en-US" sz="2800" b="1" noProof="1">
+                <a:latin typeface="Consolas" pitchFamily="49" charset="0"/>
+                <a:cs typeface="Consolas" pitchFamily="49" charset="0"/>
+              </a:rPr>
+              <a:t>{</a:t>
+            </a:r>
+          </a:p>
+          <a:p>
+            <a:pPr defTabSz="1218438" latinLnBrk="1"/>
+            <a:r>
+              <a:rPr lang="en-US" sz="2800" b="1" noProof="1">
+                <a:latin typeface="Consolas" pitchFamily="49" charset="0"/>
+                <a:cs typeface="Consolas" pitchFamily="49" charset="0"/>
+              </a:rPr>
+              <a:t>  </a:t>
+            </a:r>
+            <a:r>
+              <a:rPr lang="en-US" sz="2800" b="1" noProof="1">
+                <a:solidFill>
+                  <a:schemeClr val="bg1"/>
+                </a:solidFill>
+                <a:latin typeface="Consolas" pitchFamily="49" charset="0"/>
+                <a:cs typeface="Consolas" pitchFamily="49" charset="0"/>
+              </a:rPr>
+              <a:t>public abstract </a:t>
+            </a:r>
+            <a:r>
+              <a:rPr lang="en-US" sz="2800" b="1" noProof="1">
+                <a:latin typeface="Consolas" pitchFamily="49" charset="0"/>
+                <a:cs typeface="Consolas" pitchFamily="49" charset="0"/>
+              </a:rPr>
+              <a:t>void Print();</a:t>
+            </a:r>
+          </a:p>
+          <a:p>
+            <a:pPr defTabSz="1218438" latinLnBrk="1"/>
+            <a:r>
+              <a:rPr lang="en-US" sz="2800" b="1" noProof="1">
+                <a:latin typeface="Consolas" pitchFamily="49" charset="0"/>
+                <a:cs typeface="Consolas" pitchFamily="49" charset="0"/>
+              </a:rPr>
+              <a:t>}</a:t>
+            </a:r>
+          </a:p>
+        </p:txBody>
+      </p:sp>
+      <p:sp>
+        <p:nvSpPr>
+          <p:cNvPr id="20" name="Arrow: Down 4"/>
+          <p:cNvSpPr/>
+          <p:nvPr/>
+        </p:nvSpPr>
+        <p:spPr>
+          <a:xfrm>
+            <a:off x="2766000" y="3849835"/>
+            <a:ext cx="6299148" cy="912533"/>
+          </a:xfrm>
+          <a:prstGeom prst="downArrow">
+            <a:avLst>
+              <a:gd name="adj1" fmla="val 29459"/>
+              <a:gd name="adj2" fmla="val 100000"/>
+            </a:avLst>
+          </a:prstGeom>
+          <a:solidFill>
+            <a:schemeClr val="accent6">
+              <a:lumMod val="75000"/>
+              <a:alpha val="15000"/>
+            </a:schemeClr>
+          </a:solidFill>
+          <a:ln w="12700">
+            <a:solidFill>
+              <a:schemeClr val="tx1">
+                <a:lumMod val="50000"/>
+              </a:schemeClr>
+            </a:solidFill>
+          </a:ln>
+        </p:spPr>
+        <p:txBody>
+          <a:bodyPr vert="horz" wrap="square" lIns="143963" tIns="107972" rIns="143963" bIns="107972" rtlCol="0">
+            <a:spAutoFit/>
+          </a:bodyPr>
+          <a:lstStyle/>
+          <a:p>
+            <a:pPr defTabSz="1218438" latinLnBrk="1"/>
+            <a:r>
+              <a:rPr lang="en-US" sz="2800" b="1" dirty="0">
+                <a:latin typeface="Consolas" pitchFamily="49" charset="0"/>
+                <a:cs typeface="Consolas" pitchFamily="49" charset="0"/>
+              </a:rPr>
+              <a:t>compiler</a:t>
+            </a:r>
+            <a:endParaRPr lang="bg-BG" sz="2397" b="1" dirty="0">
+              <a:latin typeface="Consolas" pitchFamily="49" charset="0"/>
+              <a:cs typeface="Consolas" pitchFamily="49" charset="0"/>
+            </a:endParaRPr>
+          </a:p>
+        </p:txBody>
+      </p:sp>
+      <p:sp>
+        <p:nvSpPr>
+          <p:cNvPr id="22" name="AutoShape 20"/>
+          <p:cNvSpPr>
+            <a:spLocks noChangeArrowheads="1"/>
+          </p:cNvSpPr>
+          <p:nvPr/>
+        </p:nvSpPr>
+        <p:spPr bwMode="auto">
+          <a:xfrm>
+            <a:off x="6096000" y="2799000"/>
+            <a:ext cx="1972905" cy="834118"/>
+          </a:xfrm>
+          <a:prstGeom prst="wedgeRoundRectCallout">
+            <a:avLst>
+              <a:gd name="adj1" fmla="val -58612"/>
+              <a:gd name="adj2" fmla="val -93231"/>
+              <a:gd name="adj3" fmla="val 16667"/>
+            </a:avLst>
+          </a:prstGeom>
+          <a:solidFill>
+            <a:schemeClr val="dk2">
+              <a:alpha val="80000"/>
+            </a:schemeClr>
+          </a:solidFill>
+          <a:ln w="19050">
+            <a:solidFill>
+              <a:schemeClr val="tx1">
+                <a:lumMod val="75000"/>
+              </a:schemeClr>
+            </a:solidFill>
+          </a:ln>
+          <a:effectLst/>
+        </p:spPr>
+        <p:style>
+          <a:lnRef idx="2">
+            <a:schemeClr val="accent1">
+              <a:shade val="50000"/>
+            </a:schemeClr>
+          </a:lnRef>
+          <a:fillRef idx="1001">
+            <a:schemeClr val="dk2"/>
+          </a:fillRef>
+          <a:effectRef idx="0">
+            <a:schemeClr val="accent1"/>
+          </a:effectRef>
+          <a:fontRef idx="minor">
+            <a:schemeClr val="lt1"/>
+          </a:fontRef>
+        </p:style>
+        <p:txBody>
+          <a:bodyPr rot="0" spcFirstLastPara="0" vertOverflow="overflow" horzOverflow="overflow" vert="horz" wrap="square" lIns="91440" tIns="45720" rIns="91440" bIns="45720" numCol="1" spcCol="0" rtlCol="0" fromWordArt="0" anchor="ctr" anchorCtr="0" forceAA="0" compatLnSpc="1">
+            <a:prstTxWarp prst="textNoShape">
+              <a:avLst/>
+            </a:prstTxWarp>
+            <a:noAutofit/>
+          </a:bodyPr>
+          <a:lstStyle/>
+          <a:p>
+            <a:pPr algn="ctr"/>
+            <a:r>
+              <a:rPr lang="bg-BG" sz="2400" b="1" dirty="0">
+                <a:solidFill>
+                  <a:srgbClr val="FFFFFF"/>
+                </a:solidFill>
+              </a:rPr>
+              <a:t>Ключова дума</a:t>
+            </a:r>
+            <a:r>
+              <a:rPr lang="en-US" sz="2400" b="1" dirty="0">
+                <a:solidFill>
+                  <a:srgbClr val="FFFFFF"/>
+                </a:solidFill>
+              </a:rPr>
+              <a:t> </a:t>
+            </a:r>
+            <a:endParaRPr lang="bg-BG" sz="2400" b="1" dirty="0">
+              <a:solidFill>
+                <a:srgbClr val="FFFFFF"/>
+              </a:solidFill>
+            </a:endParaRPr>
+          </a:p>
+        </p:txBody>
+      </p:sp>
+      <p:sp>
+        <p:nvSpPr>
+          <p:cNvPr id="23" name="AutoShape 20"/>
+          <p:cNvSpPr>
+            <a:spLocks noChangeArrowheads="1"/>
+          </p:cNvSpPr>
+          <p:nvPr/>
+        </p:nvSpPr>
+        <p:spPr bwMode="auto">
+          <a:xfrm>
+            <a:off x="8972316" y="2453500"/>
+            <a:ext cx="2683477" cy="890256"/>
+          </a:xfrm>
+          <a:prstGeom prst="wedgeRoundRectCallout">
+            <a:avLst>
+              <a:gd name="adj1" fmla="val -78197"/>
+              <a:gd name="adj2" fmla="val -69145"/>
+              <a:gd name="adj3" fmla="val 16667"/>
+            </a:avLst>
+          </a:prstGeom>
+          <a:solidFill>
+            <a:schemeClr val="dk2">
+              <a:alpha val="80000"/>
+            </a:schemeClr>
+          </a:solidFill>
+          <a:ln w="19050">
+            <a:solidFill>
+              <a:schemeClr val="tx1">
+                <a:lumMod val="75000"/>
+              </a:schemeClr>
+            </a:solidFill>
+          </a:ln>
+          <a:effectLst/>
+        </p:spPr>
+        <p:style>
+          <a:lnRef idx="2">
+            <a:schemeClr val="accent1">
+              <a:shade val="50000"/>
+            </a:schemeClr>
+          </a:lnRef>
+          <a:fillRef idx="1001">
+            <a:schemeClr val="dk2"/>
+          </a:fillRef>
+          <a:effectRef idx="0">
+            <a:schemeClr val="accent1"/>
+          </a:effectRef>
+          <a:fontRef idx="minor">
+            <a:schemeClr val="lt1"/>
+          </a:fontRef>
+        </p:style>
+        <p:txBody>
+          <a:bodyPr rot="0" spcFirstLastPara="0" vertOverflow="overflow" horzOverflow="overflow" vert="horz" wrap="square" lIns="91440" tIns="45720" rIns="91440" bIns="45720" numCol="1" spcCol="0" rtlCol="0" fromWordArt="0" anchor="ctr" anchorCtr="0" forceAA="0" compatLnSpc="1">
+            <a:prstTxWarp prst="textNoShape">
+              <a:avLst/>
+            </a:prstTxWarp>
+            <a:noAutofit/>
+          </a:bodyPr>
+          <a:lstStyle/>
+          <a:p>
+            <a:pPr algn="ctr"/>
+            <a:r>
+              <a:rPr lang="bg-BG" sz="2400" b="1" dirty="0">
+                <a:solidFill>
+                  <a:srgbClr val="FFFFFF"/>
+                </a:solidFill>
+              </a:rPr>
+              <a:t>Име</a:t>
+            </a:r>
+            <a:r>
+              <a:rPr lang="en-US" sz="2400" b="1" dirty="0">
+                <a:solidFill>
+                  <a:srgbClr val="FFFFFF"/>
+                </a:solidFill>
+              </a:rPr>
+              <a:t> (</a:t>
+            </a:r>
+            <a:r>
+              <a:rPr lang="bg-BG" sz="2400" b="1" dirty="0">
+                <a:solidFill>
+                  <a:srgbClr val="FFFFFF"/>
+                </a:solidFill>
+              </a:rPr>
+              <a:t>започва с </a:t>
+            </a:r>
+            <a:r>
+              <a:rPr lang="en-US" sz="2400" b="1" dirty="0">
+                <a:solidFill>
+                  <a:srgbClr val="FFFFFF"/>
+                </a:solidFill>
+                <a:latin typeface="Consolas" panose="020B0609020204030204" pitchFamily="49" charset="0"/>
+              </a:rPr>
+              <a:t>I</a:t>
+            </a:r>
+            <a:r>
+              <a:rPr lang="en-US" sz="2400" b="1" dirty="0">
+                <a:solidFill>
+                  <a:srgbClr val="FFFFFF"/>
+                </a:solidFill>
+              </a:rPr>
+              <a:t> </a:t>
+            </a:r>
+            <a:r>
+              <a:rPr lang="bg-BG" sz="2400" b="1" dirty="0">
+                <a:solidFill>
+                  <a:srgbClr val="FFFFFF"/>
+                </a:solidFill>
+              </a:rPr>
+              <a:t>по конвенция</a:t>
+            </a:r>
+            <a:r>
+              <a:rPr lang="en-US" sz="2400" b="1" dirty="0">
+                <a:solidFill>
+                  <a:srgbClr val="FFFFFF"/>
+                </a:solidFill>
+              </a:rPr>
+              <a:t>)</a:t>
+            </a:r>
+            <a:endParaRPr lang="bg-BG" sz="2400" b="1" dirty="0">
+              <a:solidFill>
+                <a:srgbClr val="FFFFFF"/>
+              </a:solidFill>
+            </a:endParaRPr>
+          </a:p>
+        </p:txBody>
+      </p:sp>
+      <p:sp>
+        <p:nvSpPr>
+          <p:cNvPr id="10" name="Slide Number">
+            <a:extLst>
+              <a:ext uri="{FF2B5EF4-FFF2-40B4-BE49-F238E27FC236}">
+                <a16:creationId xmlns:a16="http://schemas.microsoft.com/office/drawing/2014/main" id="{6B963795-8247-43E3-842D-F2C1299C4E42}"/>
+              </a:ext>
+            </a:extLst>
+          </p:cNvPr>
+          <p:cNvSpPr>
+            <a:spLocks noGrp="1"/>
+          </p:cNvSpPr>
+          <p:nvPr>
+            <p:ph type="sldNum" sz="quarter" idx="5"/>
+          </p:nvPr>
+        </p:nvSpPr>
+        <p:spPr>
+          <a:xfrm>
+            <a:off x="11753030" y="6507000"/>
+            <a:ext cx="367414" cy="297000"/>
+          </a:xfrm>
+          <a:prstGeom prst="rect">
+            <a:avLst/>
+          </a:prstGeom>
+        </p:spPr>
+        <p:txBody>
+          <a:bodyPr vert="horz" lIns="91440" tIns="45720" rIns="91440" bIns="45720" rtlCol="0" anchor="b"/>
+          <a:lstStyle>
+            <a:lvl1pPr algn="r">
+              <a:defRPr sz="1000"/>
+            </a:lvl1pPr>
+          </a:lstStyle>
+          <a:p>
+            <a:fld id="{2BF067CD-8E6B-4360-9AA8-C5DF2A48A6D1}" type="slidenum">
+              <a:rPr lang="en-US" noProof="0" smtClean="0"/>
+              <a:pPr/>
+              <a:t>10</a:t>
+            </a:fld>
+            <a:endParaRPr lang="en-US" noProof="0" dirty="0"/>
+          </a:p>
+        </p:txBody>
+      </p:sp>
+    </p:spTree>
+    <p:extLst>
+      <p:ext uri="{BB962C8B-B14F-4D97-AF65-F5344CB8AC3E}">
+        <p14:creationId xmlns:p14="http://schemas.microsoft.com/office/powerpoint/2010/main" val="3055508732"/>
+      </p:ext>
+    </p:extLst>
+  </p:cSld>
+  <p:clrMapOvr>
+    <a:masterClrMapping/>
+  </p:clrMapOvr>
+  <mc:AlternateContent xmlns:mc="http://schemas.openxmlformats.org/markup-compatibility/2006" xmlns:p14="http://schemas.microsoft.com/office/powerpoint/2010/main">
+    <mc:Choice Requires="p14">
+      <p:transition p14:dur="0"/>
+    </mc:Choice>
+    <mc:Fallback xmlns="">
+      <p:transition/>
+    </mc:Fallback>
+  </mc:AlternateContent>
+  <p:timing>
+    <p:tnLst>
+      <p:par>
+        <p:cTn id="1" dur="indefinite" restart="never" nodeType="tmRoot">
+          <p:childTnLst>
+            <p:seq concurrent="1" nextAc="seek">
+              <p:cTn id="2" dur="indefinite" nodeType="mainSeq">
+                <p:childTnLst>
+                  <p:par>
+                    <p:cTn id="3" fill="hold">
+                      <p:stCondLst>
+                        <p:cond delay="indefinite"/>
+                      </p:stCondLst>
+                      <p:childTnLst>
+                        <p:par>
+                          <p:cTn id="4" fill="hold">
+                            <p:stCondLst>
+                              <p:cond delay="0"/>
+                            </p:stCondLst>
+                            <p:childTnLst>
+                              <p:par>
+                                <p:cTn id="5" presetID="1" presetClass="entr" presetSubtype="0" fill="hold" grpId="0" nodeType="clickEffect">
+                                  <p:stCondLst>
+                                    <p:cond delay="0"/>
+                                  </p:stCondLst>
+                                  <p:childTnLst>
+                                    <p:set>
+                                      <p:cBhvr>
+                                        <p:cTn id="6" dur="1" fill="hold">
+                                          <p:stCondLst>
+                                            <p:cond delay="0"/>
+                                          </p:stCondLst>
+                                        </p:cTn>
+                                        <p:tgtEl>
+                                          <p:spTgt spid="22"/>
+                                        </p:tgtEl>
+                                        <p:attrNameLst>
+                                          <p:attrName>style.visibility</p:attrName>
+                                        </p:attrNameLst>
+                                      </p:cBhvr>
+                                      <p:to>
+                                        <p:strVal val="visible"/>
+                                      </p:to>
+                                    </p:set>
+                                  </p:childTnLst>
+                                </p:cTn>
+                              </p:par>
+                            </p:childTnLst>
+                          </p:cTn>
+                        </p:par>
+                      </p:childTnLst>
+                    </p:cTn>
+                  </p:par>
+                  <p:par>
+                    <p:cTn id="7" fill="hold">
+                      <p:stCondLst>
+                        <p:cond delay="indefinite"/>
+                      </p:stCondLst>
+                      <p:childTnLst>
+                        <p:par>
+                          <p:cTn id="8" fill="hold">
+                            <p:stCondLst>
+                              <p:cond delay="0"/>
+                            </p:stCondLst>
+                            <p:childTnLst>
+                              <p:par>
+                                <p:cTn id="9" presetID="1" presetClass="entr" presetSubtype="0" fill="hold" grpId="0" nodeType="clickEffect">
+                                  <p:stCondLst>
+                                    <p:cond delay="0"/>
+                                  </p:stCondLst>
+                                  <p:childTnLst>
+                                    <p:set>
+                                      <p:cBhvr>
+                                        <p:cTn id="10" dur="1" fill="hold">
+                                          <p:stCondLst>
+                                            <p:cond delay="0"/>
+                                          </p:stCondLst>
+                                        </p:cTn>
+                                        <p:tgtEl>
+                                          <p:spTgt spid="23"/>
+                                        </p:tgtEl>
+                                        <p:attrNameLst>
+                                          <p:attrName>style.visibility</p:attrName>
+                                        </p:attrNameLst>
+                                      </p:cBhvr>
+                                      <p:to>
+                                        <p:strVal val="visible"/>
+                                      </p:to>
+                                    </p:set>
+                                  </p:childTnLst>
+                                </p:cTn>
+                              </p:par>
+                            </p:childTnLst>
+                          </p:cTn>
+                        </p:par>
+                      </p:childTnLst>
+                    </p:cTn>
+                  </p:par>
+                  <p:par>
+                    <p:cTn id="11" fill="hold">
+                      <p:stCondLst>
+                        <p:cond delay="indefinite"/>
+                      </p:stCondLst>
+                      <p:childTnLst>
+                        <p:par>
+                          <p:cTn id="12" fill="hold">
+                            <p:stCondLst>
+                              <p:cond delay="0"/>
+                            </p:stCondLst>
+                            <p:childTnLst>
+                              <p:par>
+                                <p:cTn id="13" presetID="1" presetClass="entr" presetSubtype="0" fill="hold" grpId="0" nodeType="clickEffect">
+                                  <p:stCondLst>
+                                    <p:cond delay="0"/>
+                                  </p:stCondLst>
+                                  <p:childTnLst>
+                                    <p:set>
+                                      <p:cBhvr>
+                                        <p:cTn id="14" dur="1" fill="hold">
+                                          <p:stCondLst>
+                                            <p:cond delay="0"/>
+                                          </p:stCondLst>
+                                        </p:cTn>
+                                        <p:tgtEl>
+                                          <p:spTgt spid="20"/>
+                                        </p:tgtEl>
+                                        <p:attrNameLst>
+                                          <p:attrName>style.visibility</p:attrName>
+                                        </p:attrNameLst>
+                                      </p:cBhvr>
+                                      <p:to>
+                                        <p:strVal val="visible"/>
+                                      </p:to>
+                                    </p:set>
+                                  </p:childTnLst>
+                                </p:cTn>
+                              </p:par>
+                              <p:par>
+                                <p:cTn id="15" presetID="1" presetClass="entr" presetSubtype="0" fill="hold" grpId="0" nodeType="withEffect">
+                                  <p:stCondLst>
+                                    <p:cond delay="0"/>
+                                  </p:stCondLst>
+                                  <p:childTnLst>
+                                    <p:set>
+                                      <p:cBhvr>
+                                        <p:cTn id="16" dur="1" fill="hold">
+                                          <p:stCondLst>
+                                            <p:cond delay="0"/>
+                                          </p:stCondLst>
+                                        </p:cTn>
+                                        <p:tgtEl>
+                                          <p:spTgt spid="19"/>
+                                        </p:tgtEl>
+                                        <p:attrNameLst>
+                                          <p:attrName>style.visibility</p:attrName>
+                                        </p:attrNameLst>
+                                      </p:cBhvr>
+                                      <p:to>
+                                        <p:strVal val="visible"/>
+                                      </p:to>
+                                    </p:set>
+                                  </p:childTnLst>
+                                </p:cTn>
+                              </p:par>
+                            </p:childTnLst>
+                          </p:cTn>
+                        </p:par>
+                      </p:childTnLst>
+                    </p:cTn>
+                  </p:par>
+                </p:childTnLst>
+              </p:cTn>
+              <p:prevCondLst>
+                <p:cond evt="onPrev" delay="0">
+                  <p:tgtEl>
+                    <p:sldTgt/>
+                  </p:tgtEl>
+                </p:cond>
+              </p:prevCondLst>
+              <p:nextCondLst>
+                <p:cond evt="onNext" delay="0">
+                  <p:tgtEl>
+                    <p:sldTgt/>
+                  </p:tgtEl>
+                </p:cond>
+              </p:nextCondLst>
+            </p:seq>
+          </p:childTnLst>
+        </p:cTn>
+      </p:par>
+    </p:tnLst>
+    <p:bldLst>
+      <p:bldP spid="19" grpId="0" animBg="1"/>
+      <p:bldP spid="20" grpId="0" animBg="1"/>
+      <p:bldP spid="22" grpId="0" animBg="1"/>
+      <p:bldP spid="23" grpId="0" animBg="1"/>
+    </p:bldLst>
+  </p:timing>
+</p:sld>
+</file>
+
+<file path=ppt/slides/slide11.xml><?xml version="1.0" encoding="utf-8"?>
+<p:sld xmlns:a="http://schemas.openxmlformats.org/drawingml/2006/main" xmlns:r="http://schemas.openxmlformats.org/officeDocument/2006/relationships" xmlns:p="http://schemas.openxmlformats.org/presentationml/2006/main">
+  <p:cSld>
+    <p:spTree>
+      <p:nvGrpSpPr>
+        <p:cNvPr id="1" name=""/>
+        <p:cNvGrpSpPr/>
+        <p:nvPr/>
+      </p:nvGrpSpPr>
+      <p:grpSpPr>
+        <a:xfrm>
+          <a:off x="0" y="0"/>
+          <a:ext cx="0" cy="0"/>
+          <a:chOff x="0" y="0"/>
+          <a:chExt cx="0" cy="0"/>
+        </a:xfrm>
+      </p:grpSpPr>
+      <p:sp>
+        <p:nvSpPr>
+          <p:cNvPr id="11" name="Content Placeholder 10"/>
+          <p:cNvSpPr>
+            <a:spLocks noGrp="1"/>
+          </p:cNvSpPr>
+          <p:nvPr>
+            <p:ph type="body" sz="quarter" idx="10"/>
+          </p:nvPr>
+        </p:nvSpPr>
+        <p:spPr/>
+        <p:txBody>
+          <a:bodyPr>
+            <a:normAutofit/>
+          </a:bodyPr>
+          <a:lstStyle/>
+          <a:p>
+            <a:pPr>
+              <a:lnSpc>
+                <a:spcPct val="100000"/>
+              </a:lnSpc>
+              <a:spcBef>
+                <a:spcPts val="400"/>
+              </a:spcBef>
+              <a:spcAft>
+                <a:spcPts val="400"/>
+              </a:spcAft>
+            </a:pPr>
+            <a:r>
+              <a:rPr lang="bg-BG" sz="3400" dirty="0"/>
+              <a:t>Имплементацията на </a:t>
+            </a:r>
+            <a:r>
+              <a:rPr lang="en-US" sz="3400" b="1" dirty="0">
+                <a:solidFill>
+                  <a:schemeClr val="bg1"/>
+                </a:solidFill>
+                <a:latin typeface="Consolas" panose="020B0609020204030204" pitchFamily="49" charset="0"/>
+              </a:rPr>
+              <a:t>Print()</a:t>
+            </a:r>
+            <a:r>
+              <a:rPr lang="en-US" sz="3400" b="1" dirty="0">
+                <a:solidFill>
+                  <a:schemeClr val="bg1"/>
+                </a:solidFill>
+                <a:latin typeface="+mj-lt"/>
+              </a:rPr>
+              <a:t> </a:t>
+            </a:r>
+            <a:r>
+              <a:rPr lang="bg-BG" sz="3400" dirty="0"/>
+              <a:t>се задава в клас </a:t>
+            </a:r>
+            <a:r>
+              <a:rPr lang="en-US" sz="3400" b="1" dirty="0">
+                <a:solidFill>
+                  <a:schemeClr val="bg1"/>
+                </a:solidFill>
+                <a:latin typeface="Consolas" panose="020B0609020204030204" pitchFamily="49" charset="0"/>
+              </a:rPr>
+              <a:t>Document</a:t>
+            </a:r>
+          </a:p>
+        </p:txBody>
+      </p:sp>
+      <p:sp>
+        <p:nvSpPr>
+          <p:cNvPr id="793602" name="Rectangle 2"/>
+          <p:cNvSpPr>
+            <a:spLocks noGrp="1" noChangeArrowheads="1"/>
+          </p:cNvSpPr>
+          <p:nvPr>
+            <p:ph type="title"/>
+          </p:nvPr>
+        </p:nvSpPr>
+        <p:spPr/>
+        <p:txBody>
+          <a:bodyPr/>
+          <a:lstStyle/>
+          <a:p>
+            <a:r>
+              <a:rPr lang="bg-BG" dirty="0"/>
+              <a:t>Пример за интерфейс</a:t>
+            </a:r>
+            <a:r>
+              <a:rPr lang="en-US" dirty="0"/>
+              <a:t> </a:t>
+            </a:r>
+            <a:r>
+              <a:rPr lang="bg-BG" dirty="0"/>
+              <a:t>и имплементация</a:t>
+            </a:r>
+            <a:endParaRPr lang="en-US" dirty="0"/>
+          </a:p>
+        </p:txBody>
+      </p:sp>
+      <p:sp>
+        <p:nvSpPr>
+          <p:cNvPr id="14" name="Rectangle 13"/>
+          <p:cNvSpPr>
+            <a:spLocks noChangeArrowheads="1"/>
+          </p:cNvSpPr>
+          <p:nvPr/>
+        </p:nvSpPr>
+        <p:spPr bwMode="auto">
+          <a:xfrm>
+            <a:off x="606000" y="1944000"/>
+            <a:ext cx="10537732" cy="1941602"/>
+          </a:xfrm>
+          <a:prstGeom prst="rect">
+            <a:avLst/>
+          </a:prstGeom>
+          <a:solidFill>
+            <a:schemeClr val="accent6">
+              <a:lumMod val="75000"/>
+              <a:alpha val="15000"/>
+            </a:schemeClr>
+          </a:solidFill>
+          <a:ln w="12700">
+            <a:solidFill>
+              <a:schemeClr val="tx1">
+                <a:lumMod val="50000"/>
+              </a:schemeClr>
+            </a:solidFill>
+          </a:ln>
+        </p:spPr>
+        <p:txBody>
+          <a:bodyPr vert="horz" wrap="square" lIns="143963" tIns="107972" rIns="143963" bIns="107972" rtlCol="0">
+            <a:spAutoFit/>
+          </a:bodyPr>
+          <a:lstStyle/>
+          <a:p>
+            <a:pPr defTabSz="1218438" latinLnBrk="1"/>
+            <a:r>
+              <a:rPr lang="en-US" sz="2800" b="1" noProof="1">
+                <a:solidFill>
+                  <a:schemeClr val="bg1"/>
+                </a:solidFill>
+                <a:latin typeface="Consolas" pitchFamily="49" charset="0"/>
+                <a:cs typeface="Consolas" pitchFamily="49" charset="0"/>
+              </a:rPr>
+              <a:t>public interface </a:t>
+            </a:r>
+            <a:r>
+              <a:rPr lang="en-US" sz="2800" b="1" noProof="1">
+                <a:latin typeface="Consolas" pitchFamily="49" charset="0"/>
+                <a:cs typeface="Consolas" pitchFamily="49" charset="0"/>
+              </a:rPr>
+              <a:t>IPrintable</a:t>
+            </a:r>
+          </a:p>
+          <a:p>
+            <a:pPr defTabSz="1218438" latinLnBrk="1"/>
+            <a:r>
+              <a:rPr lang="en-US" sz="2800" b="1" noProof="1">
+                <a:latin typeface="Consolas" pitchFamily="49" charset="0"/>
+                <a:cs typeface="Consolas" pitchFamily="49" charset="0"/>
+              </a:rPr>
+              <a:t>{</a:t>
+            </a:r>
+          </a:p>
+          <a:p>
+            <a:pPr defTabSz="1218438" latinLnBrk="1"/>
+            <a:r>
+              <a:rPr lang="en-US" sz="2800" b="1" noProof="1">
+                <a:latin typeface="Consolas" pitchFamily="49" charset="0"/>
+                <a:cs typeface="Consolas" pitchFamily="49" charset="0"/>
+              </a:rPr>
+              <a:t>  void Print();</a:t>
+            </a:r>
+          </a:p>
+          <a:p>
+            <a:pPr defTabSz="1218438" latinLnBrk="1"/>
+            <a:r>
+              <a:rPr lang="en-US" sz="2800" b="1" noProof="1">
+                <a:latin typeface="Consolas" pitchFamily="49" charset="0"/>
+                <a:cs typeface="Consolas" pitchFamily="49" charset="0"/>
+              </a:rPr>
+              <a:t>}</a:t>
+            </a:r>
+          </a:p>
+        </p:txBody>
+      </p:sp>
+      <p:sp>
+        <p:nvSpPr>
+          <p:cNvPr id="18" name="Rectangle 17"/>
+          <p:cNvSpPr>
+            <a:spLocks noChangeArrowheads="1"/>
+          </p:cNvSpPr>
+          <p:nvPr/>
+        </p:nvSpPr>
+        <p:spPr bwMode="auto">
+          <a:xfrm>
+            <a:off x="596051" y="4536753"/>
+            <a:ext cx="10537733" cy="1941602"/>
+          </a:xfrm>
+          <a:prstGeom prst="rect">
+            <a:avLst/>
+          </a:prstGeom>
+          <a:solidFill>
+            <a:schemeClr val="accent6">
+              <a:lumMod val="75000"/>
+              <a:alpha val="15000"/>
+            </a:schemeClr>
+          </a:solidFill>
+          <a:ln w="12700">
+            <a:solidFill>
+              <a:schemeClr val="tx1">
+                <a:lumMod val="50000"/>
+              </a:schemeClr>
+            </a:solidFill>
+          </a:ln>
+        </p:spPr>
+        <p:txBody>
+          <a:bodyPr vert="horz" wrap="square" lIns="143963" tIns="107972" rIns="143963" bIns="107972" rtlCol="0">
+            <a:spAutoFit/>
+          </a:bodyPr>
+          <a:lstStyle/>
+          <a:p>
+            <a:pPr defTabSz="1218438" latinLnBrk="1"/>
+            <a:r>
+              <a:rPr lang="en-US" sz="2800" b="1" noProof="1">
+                <a:solidFill>
+                  <a:schemeClr val="bg1"/>
+                </a:solidFill>
+                <a:latin typeface="Consolas" pitchFamily="49" charset="0"/>
+                <a:cs typeface="Consolas" pitchFamily="49" charset="0"/>
+              </a:rPr>
+              <a:t>class</a:t>
+            </a:r>
+            <a:r>
+              <a:rPr lang="en-US" sz="2800" b="1" noProof="1">
+                <a:latin typeface="Consolas" pitchFamily="49" charset="0"/>
+                <a:cs typeface="Consolas" pitchFamily="49" charset="0"/>
+              </a:rPr>
+              <a:t> Document : TextDocument, </a:t>
+            </a:r>
+            <a:r>
+              <a:rPr lang="en-US" sz="2800" b="1" noProof="1">
+                <a:solidFill>
+                  <a:schemeClr val="bg1"/>
+                </a:solidFill>
+                <a:latin typeface="Consolas" pitchFamily="49" charset="0"/>
+                <a:cs typeface="Consolas" pitchFamily="49" charset="0"/>
+              </a:rPr>
+              <a:t>IPrintable</a:t>
+            </a:r>
+            <a:r>
+              <a:rPr lang="en-US" sz="2800" b="1" noProof="1">
+                <a:latin typeface="Consolas" pitchFamily="49" charset="0"/>
+                <a:cs typeface="Consolas" pitchFamily="49" charset="0"/>
+              </a:rPr>
+              <a:t>, </a:t>
+            </a:r>
+            <a:r>
+              <a:rPr lang="en-US" sz="2800" b="1" noProof="1">
+                <a:solidFill>
+                  <a:schemeClr val="bg1"/>
+                </a:solidFill>
+                <a:latin typeface="Consolas" pitchFamily="49" charset="0"/>
+                <a:cs typeface="Consolas" pitchFamily="49" charset="0"/>
+              </a:rPr>
+              <a:t>IWritable</a:t>
+            </a:r>
+          </a:p>
+          <a:p>
+            <a:pPr defTabSz="1218438" latinLnBrk="1"/>
+            <a:r>
+              <a:rPr lang="en-US" sz="2800" b="1" noProof="1">
+                <a:latin typeface="Consolas" pitchFamily="49" charset="0"/>
+                <a:cs typeface="Consolas" pitchFamily="49" charset="0"/>
+              </a:rPr>
+              <a:t>{  </a:t>
+            </a:r>
+          </a:p>
+          <a:p>
+            <a:pPr defTabSz="1218438" latinLnBrk="1"/>
+            <a:r>
+              <a:rPr lang="en-US" sz="2800" b="1" noProof="1">
+                <a:latin typeface="Consolas" pitchFamily="49" charset="0"/>
+                <a:cs typeface="Consolas" pitchFamily="49" charset="0"/>
+              </a:rPr>
+              <a:t>  public void </a:t>
+            </a:r>
+            <a:r>
+              <a:rPr lang="en-US" sz="2800" b="1" noProof="1">
+                <a:solidFill>
+                  <a:schemeClr val="bg1"/>
+                </a:solidFill>
+                <a:latin typeface="Consolas" pitchFamily="49" charset="0"/>
+                <a:cs typeface="Consolas" pitchFamily="49" charset="0"/>
+              </a:rPr>
+              <a:t>Print() </a:t>
+            </a:r>
+            <a:r>
+              <a:rPr lang="en-US" sz="2800" b="1" noProof="1">
+                <a:latin typeface="Consolas" pitchFamily="49" charset="0"/>
+                <a:cs typeface="Consolas" pitchFamily="49" charset="0"/>
+              </a:rPr>
+              <a:t>{</a:t>
+            </a:r>
+            <a:r>
+              <a:rPr lang="en-US" sz="1200" b="1" noProof="1">
+                <a:latin typeface="Consolas" pitchFamily="49" charset="0"/>
+                <a:cs typeface="Consolas" pitchFamily="49" charset="0"/>
+              </a:rPr>
+              <a:t> </a:t>
+            </a:r>
+            <a:r>
+              <a:rPr lang="en-US" sz="2800" b="1" noProof="1">
+                <a:latin typeface="Consolas" pitchFamily="49" charset="0"/>
+                <a:cs typeface="Consolas" pitchFamily="49" charset="0"/>
+              </a:rPr>
+              <a:t>Console.WriteLine("Hello");</a:t>
+            </a:r>
+            <a:r>
+              <a:rPr lang="en-US" sz="1200" b="1" noProof="1">
+                <a:latin typeface="Consolas" pitchFamily="49" charset="0"/>
+                <a:cs typeface="Consolas" pitchFamily="49" charset="0"/>
+              </a:rPr>
+              <a:t> </a:t>
+            </a:r>
+            <a:r>
+              <a:rPr lang="en-US" sz="2800" b="1" noProof="1">
+                <a:latin typeface="Consolas" pitchFamily="49" charset="0"/>
+                <a:cs typeface="Consolas" pitchFamily="49" charset="0"/>
+              </a:rPr>
+              <a:t>}</a:t>
+            </a:r>
+          </a:p>
+          <a:p>
+            <a:pPr defTabSz="1218438" latinLnBrk="1"/>
+            <a:r>
+              <a:rPr lang="en-US" sz="2800" b="1" noProof="1">
+                <a:latin typeface="Consolas" pitchFamily="49" charset="0"/>
+                <a:cs typeface="Consolas" pitchFamily="49" charset="0"/>
+              </a:rPr>
+              <a:t>}</a:t>
+            </a:r>
+          </a:p>
+        </p:txBody>
+      </p:sp>
+      <p:sp>
+        <p:nvSpPr>
+          <p:cNvPr id="4" name="U-Turn Arrow 3"/>
+          <p:cNvSpPr/>
+          <p:nvPr/>
+        </p:nvSpPr>
+        <p:spPr bwMode="auto">
+          <a:xfrm rot="5400000">
+            <a:off x="10833997" y="3795546"/>
+            <a:ext cx="1428192" cy="808719"/>
+          </a:xfrm>
+          <a:prstGeom prst="uturnArrow">
+            <a:avLst>
+              <a:gd name="adj1" fmla="val 26905"/>
+              <a:gd name="adj2" fmla="val 25000"/>
+              <a:gd name="adj3" fmla="val 25000"/>
+              <a:gd name="adj4" fmla="val 43750"/>
+              <a:gd name="adj5" fmla="val 75000"/>
+            </a:avLst>
+          </a:prstGeom>
+          <a:solidFill>
+            <a:schemeClr val="dk2">
+              <a:alpha val="80000"/>
+            </a:schemeClr>
+          </a:solidFill>
+          <a:ln w="19050">
+            <a:solidFill>
+              <a:schemeClr val="tx1">
+                <a:lumMod val="75000"/>
+                <a:alpha val="80000"/>
+              </a:schemeClr>
+            </a:solidFill>
+          </a:ln>
+          <a:effectLst/>
+        </p:spPr>
+        <p:style>
+          <a:lnRef idx="2">
+            <a:schemeClr val="accent1">
+              <a:shade val="50000"/>
+            </a:schemeClr>
+          </a:lnRef>
+          <a:fillRef idx="1001">
+            <a:schemeClr val="dk2"/>
+          </a:fillRef>
+          <a:effectRef idx="0">
+            <a:schemeClr val="accent1"/>
+          </a:effectRef>
+          <a:fontRef idx="minor">
+            <a:schemeClr val="lt1"/>
+          </a:fontRef>
+        </p:style>
+        <p:txBody>
+          <a:bodyPr rot="0" spcFirstLastPara="0" vertOverflow="overflow" horzOverflow="overflow" vert="horz" wrap="square" lIns="91440" tIns="45720" rIns="91440" bIns="45720" numCol="1" spcCol="0" rtlCol="0" fromWordArt="0" anchor="ctr" anchorCtr="0" forceAA="0" compatLnSpc="1">
+            <a:prstTxWarp prst="textNoShape">
+              <a:avLst/>
+            </a:prstTxWarp>
+            <a:noAutofit/>
+          </a:bodyPr>
+          <a:lstStyle/>
+          <a:p>
+            <a:pPr algn="ctr"/>
+            <a:endParaRPr lang="bg-BG" sz="2800" b="1" dirty="0">
+              <a:solidFill>
+                <a:srgbClr val="FFFFFF"/>
+              </a:solidFill>
+              <a:effectLst>
+                <a:outerShdw blurRad="38100" dist="38100" dir="2700000" algn="tl">
+                  <a:srgbClr val="000000">
+                    <a:alpha val="43137"/>
+                  </a:srgbClr>
+                </a:outerShdw>
+              </a:effectLst>
+            </a:endParaRPr>
+          </a:p>
+        </p:txBody>
+      </p:sp>
+      <p:sp>
+        <p:nvSpPr>
+          <p:cNvPr id="8" name="AutoShape 20"/>
+          <p:cNvSpPr>
+            <a:spLocks noChangeArrowheads="1"/>
+          </p:cNvSpPr>
+          <p:nvPr/>
+        </p:nvSpPr>
+        <p:spPr bwMode="auto">
+          <a:xfrm>
+            <a:off x="4116000" y="2716074"/>
+            <a:ext cx="2835000" cy="487453"/>
+          </a:xfrm>
+          <a:prstGeom prst="wedgeRoundRectCallout">
+            <a:avLst>
+              <a:gd name="adj1" fmla="val -65162"/>
+              <a:gd name="adj2" fmla="val 37456"/>
+              <a:gd name="adj3" fmla="val 16667"/>
+            </a:avLst>
+          </a:prstGeom>
+          <a:solidFill>
+            <a:schemeClr val="dk2">
+              <a:alpha val="80000"/>
+            </a:schemeClr>
+          </a:solidFill>
+          <a:ln w="19050">
+            <a:solidFill>
+              <a:schemeClr val="tx1">
+                <a:lumMod val="75000"/>
+              </a:schemeClr>
+            </a:solidFill>
+          </a:ln>
+          <a:effectLst/>
+        </p:spPr>
+        <p:style>
+          <a:lnRef idx="2">
+            <a:schemeClr val="accent1">
+              <a:shade val="50000"/>
+            </a:schemeClr>
+          </a:lnRef>
+          <a:fillRef idx="1001">
+            <a:schemeClr val="dk2"/>
+          </a:fillRef>
+          <a:effectRef idx="0">
+            <a:schemeClr val="accent1"/>
+          </a:effectRef>
+          <a:fontRef idx="minor">
+            <a:schemeClr val="lt1"/>
+          </a:fontRef>
+        </p:style>
+        <p:txBody>
+          <a:bodyPr rot="0" spcFirstLastPara="0" vertOverflow="overflow" horzOverflow="overflow" vert="horz" wrap="square" lIns="91440" tIns="45720" rIns="91440" bIns="45720" numCol="1" spcCol="0" rtlCol="0" fromWordArt="0" anchor="ctr" anchorCtr="0" forceAA="0" compatLnSpc="1">
+            <a:prstTxWarp prst="textNoShape">
+              <a:avLst/>
+            </a:prstTxWarp>
+            <a:noAutofit/>
+          </a:bodyPr>
+          <a:lstStyle/>
+          <a:p>
+            <a:pPr algn="ctr"/>
+            <a:r>
+              <a:rPr lang="bg-BG" sz="2400" b="1" dirty="0">
+                <a:solidFill>
+                  <a:srgbClr val="FFFFFF"/>
+                </a:solidFill>
+              </a:rPr>
+              <a:t>Само сигнатурите</a:t>
+            </a:r>
+            <a:endParaRPr lang="en-US" sz="2400" b="1" dirty="0">
+              <a:solidFill>
+                <a:srgbClr val="FFFFFF"/>
+              </a:solidFill>
+            </a:endParaRPr>
+          </a:p>
+        </p:txBody>
+      </p:sp>
+      <p:sp>
+        <p:nvSpPr>
+          <p:cNvPr id="10" name="AutoShape 20"/>
+          <p:cNvSpPr>
+            <a:spLocks noChangeArrowheads="1"/>
+          </p:cNvSpPr>
+          <p:nvPr/>
+        </p:nvSpPr>
+        <p:spPr bwMode="auto">
+          <a:xfrm>
+            <a:off x="7671000" y="3744000"/>
+            <a:ext cx="3150000" cy="777753"/>
+          </a:xfrm>
+          <a:prstGeom prst="wedgeRoundRectCallout">
+            <a:avLst>
+              <a:gd name="adj1" fmla="val -7564"/>
+              <a:gd name="adj2" fmla="val 91917"/>
+              <a:gd name="adj3" fmla="val 16667"/>
+            </a:avLst>
+          </a:prstGeom>
+          <a:solidFill>
+            <a:schemeClr val="dk2">
+              <a:alpha val="80000"/>
+            </a:schemeClr>
+          </a:solidFill>
+          <a:ln w="19050">
+            <a:solidFill>
+              <a:schemeClr val="tx1">
+                <a:lumMod val="75000"/>
+              </a:schemeClr>
+            </a:solidFill>
+          </a:ln>
+          <a:effectLst/>
+        </p:spPr>
+        <p:style>
+          <a:lnRef idx="2">
+            <a:schemeClr val="accent1">
+              <a:shade val="50000"/>
+            </a:schemeClr>
+          </a:lnRef>
+          <a:fillRef idx="1001">
+            <a:schemeClr val="dk2"/>
+          </a:fillRef>
+          <a:effectRef idx="0">
+            <a:schemeClr val="accent1"/>
+          </a:effectRef>
+          <a:fontRef idx="minor">
+            <a:schemeClr val="lt1"/>
+          </a:fontRef>
+        </p:style>
+        <p:txBody>
+          <a:bodyPr rot="0" spcFirstLastPara="0" vertOverflow="overflow" horzOverflow="overflow" vert="horz" wrap="square" lIns="91440" tIns="45720" rIns="91440" bIns="45720" numCol="1" spcCol="0" rtlCol="0" fromWordArt="0" anchor="ctr" anchorCtr="0" forceAA="0" compatLnSpc="1">
+            <a:prstTxWarp prst="textNoShape">
+              <a:avLst/>
+            </a:prstTxWarp>
+            <a:noAutofit/>
+          </a:bodyPr>
+          <a:lstStyle/>
+          <a:p>
+            <a:pPr algn="ctr"/>
+            <a:r>
+              <a:rPr lang="bg-BG" sz="2400" b="1" dirty="0">
+                <a:solidFill>
+                  <a:srgbClr val="FFFFFF"/>
+                </a:solidFill>
+              </a:rPr>
+              <a:t>Един или повече </a:t>
+            </a:r>
+            <a:r>
+              <a:rPr lang="bg-BG" sz="2400" b="1" dirty="0">
+                <a:solidFill>
+                  <a:schemeClr val="bg1">
+                    <a:lumMod val="60000"/>
+                    <a:lumOff val="40000"/>
+                  </a:schemeClr>
+                </a:solidFill>
+              </a:rPr>
+              <a:t>интерфейси</a:t>
+            </a:r>
+            <a:endParaRPr lang="en-US" sz="2400" b="1" dirty="0">
+              <a:solidFill>
+                <a:schemeClr val="bg1">
+                  <a:lumMod val="60000"/>
+                  <a:lumOff val="40000"/>
+                </a:schemeClr>
+              </a:solidFill>
+            </a:endParaRPr>
+          </a:p>
+        </p:txBody>
+      </p:sp>
+      <p:sp>
+        <p:nvSpPr>
+          <p:cNvPr id="12" name="AutoShape 20"/>
+          <p:cNvSpPr>
+            <a:spLocks noChangeArrowheads="1"/>
+          </p:cNvSpPr>
+          <p:nvPr/>
+        </p:nvSpPr>
+        <p:spPr bwMode="auto">
+          <a:xfrm>
+            <a:off x="3463254" y="3743999"/>
+            <a:ext cx="3487746" cy="777753"/>
+          </a:xfrm>
+          <a:prstGeom prst="wedgeRoundRectCallout">
+            <a:avLst>
+              <a:gd name="adj1" fmla="val 5077"/>
+              <a:gd name="adj2" fmla="val 82841"/>
+              <a:gd name="adj3" fmla="val 16667"/>
+            </a:avLst>
+          </a:prstGeom>
+          <a:solidFill>
+            <a:schemeClr val="dk2">
+              <a:alpha val="80000"/>
+            </a:schemeClr>
+          </a:solidFill>
+          <a:ln w="19050">
+            <a:solidFill>
+              <a:schemeClr val="tx1">
+                <a:lumMod val="75000"/>
+              </a:schemeClr>
+            </a:solidFill>
+          </a:ln>
+          <a:effectLst/>
+        </p:spPr>
+        <p:style>
+          <a:lnRef idx="2">
+            <a:schemeClr val="accent1">
+              <a:shade val="50000"/>
+            </a:schemeClr>
+          </a:lnRef>
+          <a:fillRef idx="1001">
+            <a:schemeClr val="dk2"/>
+          </a:fillRef>
+          <a:effectRef idx="0">
+            <a:schemeClr val="accent1"/>
+          </a:effectRef>
+          <a:fontRef idx="minor">
+            <a:schemeClr val="lt1"/>
+          </a:fontRef>
+        </p:style>
+        <p:txBody>
+          <a:bodyPr rot="0" spcFirstLastPara="0" vertOverflow="overflow" horzOverflow="overflow" vert="horz" wrap="square" lIns="91440" tIns="45720" rIns="91440" bIns="45720" numCol="1" spcCol="0" rtlCol="0" fromWordArt="0" anchor="ctr" anchorCtr="0" forceAA="0" compatLnSpc="1">
+            <a:prstTxWarp prst="textNoShape">
+              <a:avLst/>
+            </a:prstTxWarp>
+            <a:noAutofit/>
+          </a:bodyPr>
+          <a:lstStyle/>
+          <a:p>
+            <a:pPr algn="ctr"/>
+            <a:r>
+              <a:rPr lang="bg-BG" sz="2400" b="1" dirty="0">
+                <a:solidFill>
+                  <a:srgbClr val="FFFFFF"/>
+                </a:solidFill>
+              </a:rPr>
+              <a:t>Класовете се изписват </a:t>
+            </a:r>
+            <a:r>
+              <a:rPr lang="bg-BG" sz="2400" b="1" dirty="0">
+                <a:solidFill>
+                  <a:schemeClr val="bg1">
+                    <a:lumMod val="60000"/>
+                    <a:lumOff val="40000"/>
+                  </a:schemeClr>
+                </a:solidFill>
+              </a:rPr>
+              <a:t>първи</a:t>
+            </a:r>
+            <a:endParaRPr lang="en-US" sz="2400" b="1" dirty="0">
+              <a:solidFill>
+                <a:schemeClr val="bg1">
+                  <a:lumMod val="60000"/>
+                  <a:lumOff val="40000"/>
+                </a:schemeClr>
+              </a:solidFill>
+            </a:endParaRPr>
+          </a:p>
+        </p:txBody>
+      </p:sp>
+      <p:sp>
+        <p:nvSpPr>
+          <p:cNvPr id="13" name="Slide Number">
+            <a:extLst>
+              <a:ext uri="{FF2B5EF4-FFF2-40B4-BE49-F238E27FC236}">
+                <a16:creationId xmlns:a16="http://schemas.microsoft.com/office/drawing/2014/main" id="{B574FB0F-13FC-4896-8F32-391700E53329}"/>
+              </a:ext>
+            </a:extLst>
+          </p:cNvPr>
+          <p:cNvSpPr>
+            <a:spLocks noGrp="1"/>
+          </p:cNvSpPr>
+          <p:nvPr>
+            <p:ph type="sldNum" sz="quarter" idx="5"/>
+          </p:nvPr>
+        </p:nvSpPr>
+        <p:spPr>
+          <a:xfrm>
+            <a:off x="11753030" y="6507000"/>
+            <a:ext cx="367414" cy="297000"/>
+          </a:xfrm>
+          <a:prstGeom prst="rect">
+            <a:avLst/>
+          </a:prstGeom>
+        </p:spPr>
+        <p:txBody>
+          <a:bodyPr vert="horz" lIns="91440" tIns="45720" rIns="91440" bIns="45720" rtlCol="0" anchor="b"/>
+          <a:lstStyle>
+            <a:lvl1pPr algn="r">
+              <a:defRPr sz="1000"/>
+            </a:lvl1pPr>
+          </a:lstStyle>
+          <a:p>
+            <a:fld id="{2BF067CD-8E6B-4360-9AA8-C5DF2A48A6D1}" type="slidenum">
+              <a:rPr lang="en-US" noProof="0" smtClean="0"/>
+              <a:pPr/>
+              <a:t>11</a:t>
+            </a:fld>
+            <a:endParaRPr lang="en-US" noProof="0" dirty="0"/>
+          </a:p>
+        </p:txBody>
+      </p:sp>
+    </p:spTree>
+    <p:extLst>
+      <p:ext uri="{BB962C8B-B14F-4D97-AF65-F5344CB8AC3E}">
+        <p14:creationId xmlns:p14="http://schemas.microsoft.com/office/powerpoint/2010/main" val="670045562"/>
+      </p:ext>
+    </p:extLst>
+  </p:cSld>
+  <p:clrMapOvr>
+    <a:masterClrMapping/>
+  </p:clrMapOvr>
+  <mc:AlternateContent xmlns:mc="http://schemas.openxmlformats.org/markup-compatibility/2006" xmlns:p14="http://schemas.microsoft.com/office/powerpoint/2010/main">
+    <mc:Choice Requires="p14">
+      <p:transition p14:dur="0"/>
+    </mc:Choice>
+    <mc:Fallback xmlns="">
+      <p:transition/>
+    </mc:Fallback>
+  </mc:AlternateContent>
+  <p:timing>
+    <p:tnLst>
+      <p:par>
+        <p:cTn id="1" dur="indefinite" restart="never" nodeType="tmRoot">
+          <p:childTnLst>
+            <p:seq concurrent="1" nextAc="seek">
+              <p:cTn id="2" dur="indefinite" nodeType="mainSeq">
+                <p:childTnLst>
+                  <p:par>
+                    <p:cTn id="3" fill="hold">
+                      <p:stCondLst>
+                        <p:cond delay="indefinite"/>
+                      </p:stCondLst>
+                      <p:childTnLst>
+                        <p:par>
+                          <p:cTn id="4" fill="hold">
+                            <p:stCondLst>
+                              <p:cond delay="0"/>
+                            </p:stCondLst>
+                            <p:childTnLst>
+                              <p:par>
+                                <p:cTn id="5" presetID="1" presetClass="entr" presetSubtype="0" fill="hold" grpId="0" nodeType="clickEffect">
+                                  <p:stCondLst>
+                                    <p:cond delay="0"/>
+                                  </p:stCondLst>
+                                  <p:childTnLst>
+                                    <p:set>
+                                      <p:cBhvr>
+                                        <p:cTn id="6" dur="1" fill="hold">
+                                          <p:stCondLst>
+                                            <p:cond delay="0"/>
+                                          </p:stCondLst>
+                                        </p:cTn>
+                                        <p:tgtEl>
+                                          <p:spTgt spid="4"/>
+                                        </p:tgtEl>
+                                        <p:attrNameLst>
+                                          <p:attrName>style.visibility</p:attrName>
+                                        </p:attrNameLst>
+                                      </p:cBhvr>
+                                      <p:to>
+                                        <p:strVal val="visible"/>
+                                      </p:to>
+                                    </p:set>
+                                  </p:childTnLst>
+                                </p:cTn>
+                              </p:par>
+                              <p:par>
+                                <p:cTn id="7" presetID="1" presetClass="entr" presetSubtype="0" fill="hold" grpId="0" nodeType="withEffect">
+                                  <p:stCondLst>
+                                    <p:cond delay="0"/>
+                                  </p:stCondLst>
+                                  <p:childTnLst>
+                                    <p:set>
+                                      <p:cBhvr>
+                                        <p:cTn id="8" dur="1" fill="hold">
+                                          <p:stCondLst>
+                                            <p:cond delay="0"/>
+                                          </p:stCondLst>
+                                        </p:cTn>
+                                        <p:tgtEl>
+                                          <p:spTgt spid="18"/>
+                                        </p:tgtEl>
+                                        <p:attrNameLst>
+                                          <p:attrName>style.visibility</p:attrName>
+                                        </p:attrNameLst>
+                                      </p:cBhvr>
+                                      <p:to>
+                                        <p:strVal val="visible"/>
+                                      </p:to>
+                                    </p:set>
+                                  </p:childTnLst>
+                                </p:cTn>
+                              </p:par>
+                            </p:childTnLst>
+                          </p:cTn>
+                        </p:par>
+                      </p:childTnLst>
+                    </p:cTn>
+                  </p:par>
+                  <p:par>
+                    <p:cTn id="9" fill="hold">
+                      <p:stCondLst>
+                        <p:cond delay="indefinite"/>
+                      </p:stCondLst>
+                      <p:childTnLst>
+                        <p:par>
+                          <p:cTn id="10" fill="hold">
+                            <p:stCondLst>
+                              <p:cond delay="0"/>
+                            </p:stCondLst>
+                            <p:childTnLst>
+                              <p:par>
+                                <p:cTn id="11" presetID="1" presetClass="entr" presetSubtype="0" fill="hold" grpId="0" nodeType="clickEffect">
+                                  <p:stCondLst>
+                                    <p:cond delay="0"/>
+                                  </p:stCondLst>
+                                  <p:childTnLst>
+                                    <p:set>
+                                      <p:cBhvr>
+                                        <p:cTn id="12" dur="1" fill="hold">
+                                          <p:stCondLst>
+                                            <p:cond delay="0"/>
+                                          </p:stCondLst>
+                                        </p:cTn>
+                                        <p:tgtEl>
+                                          <p:spTgt spid="8"/>
+                                        </p:tgtEl>
+                                        <p:attrNameLst>
+                                          <p:attrName>style.visibility</p:attrName>
+                                        </p:attrNameLst>
+                                      </p:cBhvr>
+                                      <p:to>
+                                        <p:strVal val="visible"/>
+                                      </p:to>
+                                    </p:set>
+                                  </p:childTnLst>
+                                </p:cTn>
+                              </p:par>
+                            </p:childTnLst>
+                          </p:cTn>
+                        </p:par>
+                      </p:childTnLst>
+                    </p:cTn>
+                  </p:par>
+                  <p:par>
+                    <p:cTn id="13" fill="hold">
+                      <p:stCondLst>
+                        <p:cond delay="indefinite"/>
+                      </p:stCondLst>
+                      <p:childTnLst>
+                        <p:par>
+                          <p:cTn id="14" fill="hold">
+                            <p:stCondLst>
+                              <p:cond delay="0"/>
+                            </p:stCondLst>
+                            <p:childTnLst>
+                              <p:par>
+                                <p:cTn id="15" presetID="1" presetClass="entr" presetSubtype="0" fill="hold" grpId="0" nodeType="clickEffect">
+                                  <p:stCondLst>
+                                    <p:cond delay="0"/>
+                                  </p:stCondLst>
+                                  <p:childTnLst>
+                                    <p:set>
+                                      <p:cBhvr>
+                                        <p:cTn id="16" dur="1" fill="hold">
+                                          <p:stCondLst>
+                                            <p:cond delay="0"/>
+                                          </p:stCondLst>
+                                        </p:cTn>
+                                        <p:tgtEl>
+                                          <p:spTgt spid="10"/>
+                                        </p:tgtEl>
+                                        <p:attrNameLst>
+                                          <p:attrName>style.visibility</p:attrName>
+                                        </p:attrNameLst>
+                                      </p:cBhvr>
+                                      <p:to>
+                                        <p:strVal val="visible"/>
+                                      </p:to>
+                                    </p:set>
+                                  </p:childTnLst>
+                                </p:cTn>
+                              </p:par>
+                            </p:childTnLst>
+                          </p:cTn>
+                        </p:par>
+                      </p:childTnLst>
+                    </p:cTn>
+                  </p:par>
+                  <p:par>
+                    <p:cTn id="17" fill="hold">
+                      <p:stCondLst>
+                        <p:cond delay="indefinite"/>
+                      </p:stCondLst>
+                      <p:childTnLst>
+                        <p:par>
+                          <p:cTn id="18" fill="hold">
+                            <p:stCondLst>
+                              <p:cond delay="0"/>
+                            </p:stCondLst>
+                            <p:childTnLst>
+                              <p:par>
+                                <p:cTn id="19" presetID="1" presetClass="entr" presetSubtype="0" fill="hold" grpId="0" nodeType="clickEffect">
+                                  <p:stCondLst>
+                                    <p:cond delay="0"/>
+                                  </p:stCondLst>
+                                  <p:childTnLst>
+                                    <p:set>
+                                      <p:cBhvr>
+                                        <p:cTn id="20" dur="1" fill="hold">
+                                          <p:stCondLst>
+                                            <p:cond delay="0"/>
+                                          </p:stCondLst>
+                                        </p:cTn>
+                                        <p:tgtEl>
+                                          <p:spTgt spid="12"/>
+                                        </p:tgtEl>
+                                        <p:attrNameLst>
+                                          <p:attrName>style.visibility</p:attrName>
+                                        </p:attrNameLst>
+                                      </p:cBhvr>
+                                      <p:to>
+                                        <p:strVal val="visible"/>
+                                      </p:to>
+                                    </p:set>
+                                  </p:childTnLst>
+                                </p:cTn>
+                              </p:par>
+                            </p:childTnLst>
+                          </p:cTn>
+                        </p:par>
+                      </p:childTnLst>
+                    </p:cTn>
+                  </p:par>
+                </p:childTnLst>
+              </p:cTn>
+              <p:prevCondLst>
+                <p:cond evt="onPrev" delay="0">
+                  <p:tgtEl>
+                    <p:sldTgt/>
+                  </p:tgtEl>
+                </p:cond>
+              </p:prevCondLst>
+              <p:nextCondLst>
+                <p:cond evt="onNext" delay="0">
+                  <p:tgtEl>
+                    <p:sldTgt/>
+                  </p:tgtEl>
+                </p:cond>
+              </p:nextCondLst>
+            </p:seq>
+          </p:childTnLst>
+        </p:cTn>
+      </p:par>
+    </p:tnLst>
+    <p:bldLst>
+      <p:bldP spid="18" grpId="0" animBg="1"/>
+      <p:bldP spid="4" grpId="0" animBg="1"/>
+      <p:bldP spid="8" grpId="0" animBg="1"/>
+      <p:bldP spid="10" grpId="0" animBg="1"/>
+      <p:bldP spid="12" grpId="0" animBg="1"/>
+    </p:bldLst>
+  </p:timing>
+</p:sld>
+</file>
+
+<file path=ppt/slides/slide12.xml><?xml version="1.0" encoding="utf-8"?>
+<p:sld xmlns:a="http://schemas.openxmlformats.org/drawingml/2006/main" xmlns:r="http://schemas.openxmlformats.org/officeDocument/2006/relationships" xmlns:p="http://schemas.openxmlformats.org/presentationml/2006/main">
+  <p:cSld>
+    <p:spTree>
+      <p:nvGrpSpPr>
+        <p:cNvPr id="1" name=""/>
+        <p:cNvGrpSpPr/>
+        <p:nvPr/>
+      </p:nvGrpSpPr>
+      <p:grpSpPr>
+        <a:xfrm>
+          <a:off x="0" y="0"/>
+          <a:ext cx="0" cy="0"/>
+          <a:chOff x="0" y="0"/>
+          <a:chExt cx="0" cy="0"/>
+        </a:xfrm>
+      </p:grpSpPr>
+      <p:sp>
+        <p:nvSpPr>
           <p:cNvPr id="3" name="Text Placeholder 2"/>
           <p:cNvSpPr>
             <a:spLocks noGrp="1"/>
@@ -10549,12 +12173,9 @@
           <a:p>
             <a:r>
               <a:rPr lang="bg-BG" dirty="0"/>
-              <a:t>Експлицитен интерфейс </a:t>
-            </a:r>
-            <a:r>
-              <a:rPr lang="en-US" dirty="0"/>
-              <a:t>(1)</a:t>
-            </a:r>
+              <a:t>Експлицитен интерфейс</a:t>
+            </a:r>
+            <a:endParaRPr lang="en-US" dirty="0"/>
           </a:p>
         </p:txBody>
       </p:sp>
@@ -11055,7 +12676,7 @@
             <a:fld id="{2BF067CD-8E6B-4360-9AA8-C5DF2A48A6D1}" type="slidenum">
               <a:rPr lang="en-US" noProof="0" smtClean="0"/>
               <a:pPr/>
-              <a:t>10</a:t>
+              <a:t>12</a:t>
             </a:fld>
             <a:endParaRPr lang="en-US" noProof="0" dirty="0"/>
           </a:p>
@@ -11262,865 +12883,7 @@
 </p:sld>
 </file>
 
-<file path=ppt/slides/slide11.xml><?xml version="1.0" encoding="utf-8"?>
-<p:sld xmlns:a="http://schemas.openxmlformats.org/drawingml/2006/main" xmlns:r="http://schemas.openxmlformats.org/officeDocument/2006/relationships" xmlns:p="http://schemas.openxmlformats.org/presentationml/2006/main">
-  <p:cSld>
-    <p:spTree>
-      <p:nvGrpSpPr>
-        <p:cNvPr id="1" name=""/>
-        <p:cNvGrpSpPr/>
-        <p:nvPr/>
-      </p:nvGrpSpPr>
-      <p:grpSpPr>
-        <a:xfrm>
-          <a:off x="0" y="0"/>
-          <a:ext cx="0" cy="0"/>
-          <a:chOff x="0" y="0"/>
-          <a:chExt cx="0" cy="0"/>
-        </a:xfrm>
-      </p:grpSpPr>
-      <p:sp>
-        <p:nvSpPr>
-          <p:cNvPr id="11" name="Content Placeholder 10"/>
-          <p:cNvSpPr>
-            <a:spLocks noGrp="1"/>
-          </p:cNvSpPr>
-          <p:nvPr>
-            <p:ph type="body" sz="quarter" idx="10"/>
-          </p:nvPr>
-        </p:nvSpPr>
-        <p:spPr/>
-        <p:txBody>
-          <a:bodyPr>
-            <a:normAutofit/>
-          </a:bodyPr>
-          <a:lstStyle/>
-          <a:p>
-            <a:pPr>
-              <a:lnSpc>
-                <a:spcPct val="100000"/>
-              </a:lnSpc>
-              <a:spcBef>
-                <a:spcPts val="0"/>
-              </a:spcBef>
-              <a:spcAft>
-                <a:spcPts val="0"/>
-              </a:spcAft>
-            </a:pPr>
-            <a:r>
-              <a:rPr lang="bg-BG" sz="3000" dirty="0"/>
-              <a:t>Експлицитно имплементиран член </a:t>
-            </a:r>
-            <a:r>
-              <a:rPr lang="bg-BG" sz="3000" b="1" dirty="0">
-                <a:solidFill>
-                  <a:schemeClr val="bg1"/>
-                </a:solidFill>
-              </a:rPr>
-              <a:t>не може</a:t>
-            </a:r>
-            <a:r>
-              <a:rPr lang="en-US" sz="3000" dirty="0"/>
-              <a:t> </a:t>
-            </a:r>
-            <a:r>
-              <a:rPr lang="bg-BG" sz="3000" dirty="0"/>
-              <a:t>да бъде достъпен през инстанцията на класа, а само през </a:t>
-            </a:r>
-            <a:r>
-              <a:rPr lang="bg-BG" sz="3000" b="1" dirty="0">
-                <a:solidFill>
-                  <a:schemeClr val="bg1"/>
-                </a:solidFill>
-              </a:rPr>
-              <a:t>инстанцията на интерфейса</a:t>
-            </a:r>
-            <a:endParaRPr lang="en-US" sz="3000" b="1" dirty="0">
-              <a:solidFill>
-                <a:schemeClr val="bg1"/>
-              </a:solidFill>
-              <a:latin typeface="Consolas" panose="020B0609020204030204" pitchFamily="49" charset="0"/>
-            </a:endParaRPr>
-          </a:p>
-        </p:txBody>
-      </p:sp>
-      <p:sp>
-        <p:nvSpPr>
-          <p:cNvPr id="793602" name="Rectangle 2"/>
-          <p:cNvSpPr>
-            <a:spLocks noGrp="1" noChangeArrowheads="1"/>
-          </p:cNvSpPr>
-          <p:nvPr>
-            <p:ph type="title"/>
-          </p:nvPr>
-        </p:nvSpPr>
-        <p:spPr/>
-        <p:txBody>
-          <a:bodyPr/>
-          <a:lstStyle/>
-          <a:p>
-            <a:r>
-              <a:rPr lang="bg-BG" dirty="0"/>
-              <a:t>Експлицитен интерфейс </a:t>
-            </a:r>
-            <a:r>
-              <a:rPr lang="en-US" dirty="0"/>
-              <a:t>(</a:t>
-            </a:r>
-            <a:r>
-              <a:rPr lang="bg-BG" dirty="0"/>
-              <a:t>2</a:t>
-            </a:r>
-            <a:r>
-              <a:rPr lang="en-US" dirty="0"/>
-              <a:t>)</a:t>
-            </a:r>
-          </a:p>
-        </p:txBody>
-      </p:sp>
-      <p:sp>
-        <p:nvSpPr>
-          <p:cNvPr id="14" name="Rectangle 13"/>
-          <p:cNvSpPr>
-            <a:spLocks noChangeArrowheads="1"/>
-          </p:cNvSpPr>
-          <p:nvPr/>
-        </p:nvSpPr>
-        <p:spPr bwMode="auto">
-          <a:xfrm>
-            <a:off x="2985184" y="4551821"/>
-            <a:ext cx="6856527" cy="2018546"/>
-          </a:xfrm>
-          <a:prstGeom prst="rect">
-            <a:avLst/>
-          </a:prstGeom>
-          <a:solidFill>
-            <a:schemeClr val="accent6">
-              <a:lumMod val="75000"/>
-              <a:alpha val="15000"/>
-            </a:schemeClr>
-          </a:solidFill>
-          <a:ln w="12700">
-            <a:solidFill>
-              <a:schemeClr val="tx1">
-                <a:lumMod val="50000"/>
-              </a:schemeClr>
-            </a:solidFill>
-          </a:ln>
-        </p:spPr>
-        <p:txBody>
-          <a:bodyPr vert="horz" wrap="square" lIns="143963" tIns="107972" rIns="143963" bIns="107972" rtlCol="0">
-            <a:spAutoFit/>
-          </a:bodyPr>
-          <a:lstStyle/>
-          <a:p>
-            <a:pPr defTabSz="1218438" latinLnBrk="1">
-              <a:lnSpc>
-                <a:spcPct val="90000"/>
-              </a:lnSpc>
-            </a:pPr>
-            <a:r>
-              <a:rPr lang="en-US" sz="2600" b="1" noProof="1">
-                <a:latin typeface="Consolas" pitchFamily="49" charset="0"/>
-                <a:cs typeface="Consolas" pitchFamily="49" charset="0"/>
-              </a:rPr>
-              <a:t>public static void Main()</a:t>
-            </a:r>
-          </a:p>
-          <a:p>
-            <a:pPr defTabSz="1218438" latinLnBrk="1">
-              <a:lnSpc>
-                <a:spcPct val="90000"/>
-              </a:lnSpc>
-            </a:pPr>
-            <a:r>
-              <a:rPr lang="en-US" sz="2600" b="1" noProof="1">
-                <a:latin typeface="Consolas" pitchFamily="49" charset="0"/>
-                <a:cs typeface="Consolas" pitchFamily="49" charset="0"/>
-              </a:rPr>
-              <a:t>{</a:t>
-            </a:r>
-          </a:p>
-          <a:p>
-            <a:pPr defTabSz="1218438" latinLnBrk="1">
-              <a:lnSpc>
-                <a:spcPct val="90000"/>
-              </a:lnSpc>
-            </a:pPr>
-            <a:r>
-              <a:rPr lang="en-US" sz="2600" b="1" noProof="1">
-                <a:latin typeface="Consolas" pitchFamily="49" charset="0"/>
-                <a:cs typeface="Consolas" pitchFamily="49" charset="0"/>
-              </a:rPr>
-              <a:t>  </a:t>
-            </a:r>
-            <a:r>
-              <a:rPr lang="en-US" sz="2600" b="1" noProof="1">
-                <a:solidFill>
-                  <a:schemeClr val="bg1"/>
-                </a:solidFill>
-                <a:latin typeface="Consolas" pitchFamily="49" charset="0"/>
-                <a:cs typeface="Consolas" pitchFamily="49" charset="0"/>
-              </a:rPr>
-              <a:t>IBinaryFile</a:t>
-            </a:r>
-            <a:r>
-              <a:rPr lang="en-US" sz="2600" b="1" noProof="1">
-                <a:latin typeface="Consolas" pitchFamily="49" charset="0"/>
-                <a:cs typeface="Consolas" pitchFamily="49" charset="0"/>
-              </a:rPr>
-              <a:t> file = new FileInfo();</a:t>
-            </a:r>
-          </a:p>
-          <a:p>
-            <a:pPr defTabSz="1218438" latinLnBrk="1">
-              <a:lnSpc>
-                <a:spcPct val="90000"/>
-              </a:lnSpc>
-            </a:pPr>
-            <a:r>
-              <a:rPr lang="en-US" sz="2600" b="1" noProof="1">
-                <a:latin typeface="Consolas" pitchFamily="49" charset="0"/>
-                <a:cs typeface="Consolas" pitchFamily="49" charset="0"/>
-              </a:rPr>
-              <a:t>  file.</a:t>
-            </a:r>
-            <a:r>
-              <a:rPr lang="en-US" sz="2600" b="1" noProof="1">
-                <a:solidFill>
-                  <a:schemeClr val="bg1"/>
-                </a:solidFill>
-                <a:latin typeface="Consolas" pitchFamily="49" charset="0"/>
-                <a:cs typeface="Consolas" pitchFamily="49" charset="0"/>
-              </a:rPr>
-              <a:t>OpenBinaryFile</a:t>
-            </a:r>
-            <a:r>
-              <a:rPr lang="en-US" sz="2600" b="1" noProof="1">
-                <a:latin typeface="Consolas" pitchFamily="49" charset="0"/>
-                <a:cs typeface="Consolas" pitchFamily="49" charset="0"/>
-              </a:rPr>
-              <a:t>();</a:t>
-            </a:r>
-          </a:p>
-          <a:p>
-            <a:pPr defTabSz="1218438" latinLnBrk="1">
-              <a:lnSpc>
-                <a:spcPct val="90000"/>
-              </a:lnSpc>
-            </a:pPr>
-            <a:r>
-              <a:rPr lang="en-US" sz="2600" b="1" noProof="1">
-                <a:latin typeface="Consolas" pitchFamily="49" charset="0"/>
-                <a:cs typeface="Consolas" pitchFamily="49" charset="0"/>
-              </a:rPr>
-              <a:t>}</a:t>
-            </a:r>
-          </a:p>
-        </p:txBody>
-      </p:sp>
-      <p:sp>
-        <p:nvSpPr>
-          <p:cNvPr id="15" name="Rectangle 14"/>
-          <p:cNvSpPr>
-            <a:spLocks noChangeArrowheads="1"/>
-          </p:cNvSpPr>
-          <p:nvPr/>
-        </p:nvSpPr>
-        <p:spPr bwMode="auto">
-          <a:xfrm>
-            <a:off x="246000" y="2346244"/>
-            <a:ext cx="5371527" cy="2018546"/>
-          </a:xfrm>
-          <a:prstGeom prst="rect">
-            <a:avLst/>
-          </a:prstGeom>
-          <a:solidFill>
-            <a:schemeClr val="accent6">
-              <a:lumMod val="75000"/>
-              <a:alpha val="15000"/>
-            </a:schemeClr>
-          </a:solidFill>
-          <a:ln w="12700">
-            <a:solidFill>
-              <a:schemeClr val="tx1">
-                <a:lumMod val="50000"/>
-              </a:schemeClr>
-            </a:solidFill>
-          </a:ln>
-        </p:spPr>
-        <p:txBody>
-          <a:bodyPr vert="horz" wrap="square" lIns="143963" tIns="107972" rIns="143963" bIns="107972" rtlCol="0">
-            <a:spAutoFit/>
-          </a:bodyPr>
-          <a:lstStyle/>
-          <a:p>
-            <a:pPr defTabSz="1218438" latinLnBrk="1">
-              <a:lnSpc>
-                <a:spcPct val="90000"/>
-              </a:lnSpc>
-            </a:pPr>
-            <a:r>
-              <a:rPr lang="en-US" sz="2600" b="1" noProof="1">
-                <a:solidFill>
-                  <a:schemeClr val="bg1"/>
-                </a:solidFill>
-                <a:latin typeface="Consolas" pitchFamily="49" charset="0"/>
-                <a:cs typeface="Consolas" pitchFamily="49" charset="0"/>
-              </a:rPr>
-              <a:t>public interface </a:t>
-            </a:r>
-            <a:r>
-              <a:rPr lang="en-US" sz="2600" b="1" noProof="1">
-                <a:latin typeface="Consolas" pitchFamily="49" charset="0"/>
-                <a:cs typeface="Consolas" pitchFamily="49" charset="0"/>
-              </a:rPr>
-              <a:t>IBinaryFile {</a:t>
-            </a:r>
-          </a:p>
-          <a:p>
-            <a:pPr defTabSz="1218438" latinLnBrk="1">
-              <a:lnSpc>
-                <a:spcPct val="90000"/>
-              </a:lnSpc>
-            </a:pPr>
-            <a:r>
-              <a:rPr lang="en-US" sz="2600" b="1" noProof="1">
-                <a:latin typeface="Consolas" pitchFamily="49" charset="0"/>
-                <a:cs typeface="Consolas" pitchFamily="49" charset="0"/>
-              </a:rPr>
-              <a:t>  void ReadFile();</a:t>
-            </a:r>
-          </a:p>
-          <a:p>
-            <a:pPr defTabSz="1218438" latinLnBrk="1">
-              <a:lnSpc>
-                <a:spcPct val="90000"/>
-              </a:lnSpc>
-            </a:pPr>
-            <a:r>
-              <a:rPr lang="en-US" sz="2600" b="1" noProof="1">
-                <a:latin typeface="Consolas" pitchFamily="49" charset="0"/>
-                <a:cs typeface="Consolas" pitchFamily="49" charset="0"/>
-              </a:rPr>
-              <a:t>  void </a:t>
-            </a:r>
-            <a:r>
-              <a:rPr lang="en-US" sz="2600" b="1" noProof="1">
-                <a:solidFill>
-                  <a:schemeClr val="bg1"/>
-                </a:solidFill>
-                <a:latin typeface="Consolas" pitchFamily="49" charset="0"/>
-                <a:cs typeface="Consolas" pitchFamily="49" charset="0"/>
-              </a:rPr>
-              <a:t>OpenBinaryFile</a:t>
-            </a:r>
-            <a:r>
-              <a:rPr lang="en-US" sz="2600" b="1" noProof="1">
-                <a:latin typeface="Consolas" pitchFamily="49" charset="0"/>
-                <a:cs typeface="Consolas" pitchFamily="49" charset="0"/>
-              </a:rPr>
-              <a:t>();</a:t>
-            </a:r>
-          </a:p>
-          <a:p>
-            <a:pPr defTabSz="1218438" latinLnBrk="1">
-              <a:lnSpc>
-                <a:spcPct val="90000"/>
-              </a:lnSpc>
-            </a:pPr>
-            <a:r>
-              <a:rPr lang="en-US" sz="2600" b="1" noProof="1">
-                <a:latin typeface="Consolas" pitchFamily="49" charset="0"/>
-                <a:cs typeface="Consolas" pitchFamily="49" charset="0"/>
-              </a:rPr>
-              <a:t>}</a:t>
-            </a:r>
-          </a:p>
-        </p:txBody>
-      </p:sp>
-      <p:sp>
-        <p:nvSpPr>
-          <p:cNvPr id="19" name="AutoShape 20"/>
-          <p:cNvSpPr>
-            <a:spLocks noChangeArrowheads="1"/>
-          </p:cNvSpPr>
-          <p:nvPr/>
-        </p:nvSpPr>
-        <p:spPr bwMode="auto">
-          <a:xfrm>
-            <a:off x="183502" y="5004001"/>
-            <a:ext cx="2172199" cy="1501954"/>
-          </a:xfrm>
-          <a:prstGeom prst="wedgeRoundRectCallout">
-            <a:avLst>
-              <a:gd name="adj1" fmla="val 111965"/>
-              <a:gd name="adj2" fmla="val -527"/>
-              <a:gd name="adj3" fmla="val 16667"/>
-            </a:avLst>
-          </a:prstGeom>
-          <a:solidFill>
-            <a:schemeClr val="dk2">
-              <a:alpha val="80000"/>
-            </a:schemeClr>
-          </a:solidFill>
-          <a:ln w="19050">
-            <a:solidFill>
-              <a:schemeClr val="tx1">
-                <a:lumMod val="75000"/>
-              </a:schemeClr>
-            </a:solidFill>
-          </a:ln>
-          <a:effectLst/>
-        </p:spPr>
-        <p:style>
-          <a:lnRef idx="2">
-            <a:schemeClr val="accent1">
-              <a:shade val="50000"/>
-            </a:schemeClr>
-          </a:lnRef>
-          <a:fillRef idx="1001">
-            <a:schemeClr val="dk2"/>
-          </a:fillRef>
-          <a:effectRef idx="0">
-            <a:schemeClr val="accent1"/>
-          </a:effectRef>
-          <a:fontRef idx="minor">
-            <a:schemeClr val="lt1"/>
-          </a:fontRef>
-        </p:style>
-        <p:txBody>
-          <a:bodyPr rot="0" spcFirstLastPara="0" vertOverflow="overflow" horzOverflow="overflow" vert="horz" wrap="square" lIns="91440" tIns="45720" rIns="91440" bIns="45720" numCol="1" spcCol="0" rtlCol="0" fromWordArt="0" anchor="ctr" anchorCtr="0" forceAA="0" compatLnSpc="1">
-            <a:prstTxWarp prst="textNoShape">
-              <a:avLst/>
-            </a:prstTxWarp>
-            <a:noAutofit/>
-          </a:bodyPr>
-          <a:lstStyle/>
-          <a:p>
-            <a:pPr algn="ctr"/>
-            <a:r>
-              <a:rPr lang="bg-BG" sz="2400" b="1" dirty="0">
-                <a:solidFill>
-                  <a:srgbClr val="FFFFFF"/>
-                </a:solidFill>
-              </a:rPr>
-              <a:t>Достъп през инстанцията</a:t>
-            </a:r>
-            <a:endParaRPr lang="en-US" sz="2400" b="1" dirty="0">
-              <a:solidFill>
-                <a:srgbClr val="FFFFFF"/>
-              </a:solidFill>
-            </a:endParaRPr>
-          </a:p>
-        </p:txBody>
-      </p:sp>
-      <p:sp>
-        <p:nvSpPr>
-          <p:cNvPr id="8" name="Rectangle 7"/>
-          <p:cNvSpPr>
-            <a:spLocks noChangeArrowheads="1"/>
-          </p:cNvSpPr>
-          <p:nvPr/>
-        </p:nvSpPr>
-        <p:spPr bwMode="auto">
-          <a:xfrm>
-            <a:off x="5617527" y="2346244"/>
-            <a:ext cx="6362498" cy="2018546"/>
-          </a:xfrm>
-          <a:prstGeom prst="rect">
-            <a:avLst/>
-          </a:prstGeom>
-          <a:solidFill>
-            <a:schemeClr val="accent6">
-              <a:lumMod val="75000"/>
-              <a:alpha val="15000"/>
-            </a:schemeClr>
-          </a:solidFill>
-          <a:ln w="12700">
-            <a:solidFill>
-              <a:schemeClr val="tx1">
-                <a:lumMod val="50000"/>
-              </a:schemeClr>
-            </a:solidFill>
-          </a:ln>
-        </p:spPr>
-        <p:txBody>
-          <a:bodyPr vert="horz" wrap="square" lIns="143963" tIns="107972" rIns="143963" bIns="107972" rtlCol="0">
-            <a:spAutoFit/>
-          </a:bodyPr>
-          <a:lstStyle/>
-          <a:p>
-            <a:pPr defTabSz="1218438" latinLnBrk="1">
-              <a:lnSpc>
-                <a:spcPct val="90000"/>
-              </a:lnSpc>
-            </a:pPr>
-            <a:r>
-              <a:rPr lang="en-US" sz="2600" b="1" noProof="1">
-                <a:latin typeface="Consolas" pitchFamily="49" charset="0"/>
-                <a:cs typeface="Consolas" pitchFamily="49" charset="0"/>
-              </a:rPr>
-              <a:t>class FileInfo</a:t>
-            </a:r>
-            <a:r>
-              <a:rPr lang="en-US" sz="800" b="1" noProof="1">
-                <a:latin typeface="Consolas" pitchFamily="49" charset="0"/>
-                <a:cs typeface="Consolas" pitchFamily="49" charset="0"/>
-              </a:rPr>
-              <a:t> </a:t>
-            </a:r>
-            <a:r>
-              <a:rPr lang="en-US" sz="2600" b="1" noProof="1">
-                <a:latin typeface="Consolas" pitchFamily="49" charset="0"/>
-                <a:cs typeface="Consolas" pitchFamily="49" charset="0"/>
-              </a:rPr>
-              <a:t>:</a:t>
-            </a:r>
-            <a:r>
-              <a:rPr lang="en-US" sz="800" b="1" noProof="1">
-                <a:latin typeface="Consolas" pitchFamily="49" charset="0"/>
-                <a:cs typeface="Consolas" pitchFamily="49" charset="0"/>
-              </a:rPr>
-              <a:t> </a:t>
-            </a:r>
-            <a:r>
-              <a:rPr lang="en-US" sz="2600" b="1" noProof="1">
-                <a:solidFill>
-                  <a:schemeClr val="bg1"/>
-                </a:solidFill>
-                <a:latin typeface="Consolas" pitchFamily="49" charset="0"/>
-                <a:cs typeface="Consolas" pitchFamily="49" charset="0"/>
-              </a:rPr>
-              <a:t>IFile</a:t>
-            </a:r>
-            <a:r>
-              <a:rPr lang="en-US" sz="2600" b="1" noProof="1">
-                <a:latin typeface="Consolas" pitchFamily="49" charset="0"/>
-                <a:cs typeface="Consolas" pitchFamily="49" charset="0"/>
-              </a:rPr>
-              <a:t>,</a:t>
-            </a:r>
-            <a:r>
-              <a:rPr lang="en-US" sz="800" b="1" noProof="1">
-                <a:latin typeface="Consolas" pitchFamily="49" charset="0"/>
-                <a:cs typeface="Consolas" pitchFamily="49" charset="0"/>
-              </a:rPr>
-              <a:t> </a:t>
-            </a:r>
-            <a:r>
-              <a:rPr lang="en-US" sz="2600" b="1" noProof="1">
-                <a:solidFill>
-                  <a:schemeClr val="bg1"/>
-                </a:solidFill>
-                <a:latin typeface="Consolas" pitchFamily="49" charset="0"/>
-                <a:cs typeface="Consolas" pitchFamily="49" charset="0"/>
-              </a:rPr>
-              <a:t>IBinaryFile</a:t>
-            </a:r>
-          </a:p>
-          <a:p>
-            <a:pPr defTabSz="1218438" latinLnBrk="1">
-              <a:lnSpc>
-                <a:spcPct val="90000"/>
-              </a:lnSpc>
-            </a:pPr>
-            <a:r>
-              <a:rPr lang="en-US" sz="2600" b="1" noProof="1">
-                <a:latin typeface="Consolas" pitchFamily="49" charset="0"/>
-                <a:cs typeface="Consolas" pitchFamily="49" charset="0"/>
-              </a:rPr>
-              <a:t>{</a:t>
-            </a:r>
-          </a:p>
-          <a:p>
-            <a:pPr defTabSz="1218438" latinLnBrk="1">
-              <a:lnSpc>
-                <a:spcPct val="90000"/>
-              </a:lnSpc>
-            </a:pPr>
-            <a:r>
-              <a:rPr lang="en-US" sz="2600" b="1" noProof="1">
-                <a:latin typeface="Consolas" pitchFamily="49" charset="0"/>
-                <a:cs typeface="Consolas" pitchFamily="49" charset="0"/>
-              </a:rPr>
-              <a:t>  void IFile.ReadFile() {…}</a:t>
-            </a:r>
-          </a:p>
-          <a:p>
-            <a:pPr defTabSz="1218438" latinLnBrk="1">
-              <a:lnSpc>
-                <a:spcPct val="90000"/>
-              </a:lnSpc>
-            </a:pPr>
-            <a:r>
-              <a:rPr lang="en-US" sz="2600" b="1" noProof="1">
-                <a:latin typeface="Consolas" pitchFamily="49" charset="0"/>
-                <a:cs typeface="Consolas" pitchFamily="49" charset="0"/>
-              </a:rPr>
-              <a:t>  void OpenBinaryFile() {…}</a:t>
-            </a:r>
-          </a:p>
-          <a:p>
-            <a:pPr defTabSz="1218438" latinLnBrk="1">
-              <a:lnSpc>
-                <a:spcPct val="90000"/>
-              </a:lnSpc>
-            </a:pPr>
-            <a:r>
-              <a:rPr lang="en-US" sz="2600" b="1" noProof="1">
-                <a:latin typeface="Consolas" pitchFamily="49" charset="0"/>
-                <a:cs typeface="Consolas" pitchFamily="49" charset="0"/>
-              </a:rPr>
-              <a:t>}</a:t>
-            </a:r>
-          </a:p>
-        </p:txBody>
-      </p:sp>
-      <p:sp>
-        <p:nvSpPr>
-          <p:cNvPr id="9" name="Slide Number">
-            <a:extLst>
-              <a:ext uri="{FF2B5EF4-FFF2-40B4-BE49-F238E27FC236}">
-                <a16:creationId xmlns:a16="http://schemas.microsoft.com/office/drawing/2014/main" id="{157312F2-F7AE-4358-98C8-7AD0A4D3B8CE}"/>
-              </a:ext>
-            </a:extLst>
-          </p:cNvPr>
-          <p:cNvSpPr>
-            <a:spLocks noGrp="1"/>
-          </p:cNvSpPr>
-          <p:nvPr>
-            <p:ph type="sldNum" sz="quarter" idx="5"/>
-          </p:nvPr>
-        </p:nvSpPr>
-        <p:spPr>
-          <a:xfrm>
-            <a:off x="11753030" y="6507000"/>
-            <a:ext cx="367414" cy="297000"/>
-          </a:xfrm>
-          <a:prstGeom prst="rect">
-            <a:avLst/>
-          </a:prstGeom>
-        </p:spPr>
-        <p:txBody>
-          <a:bodyPr vert="horz" lIns="91440" tIns="45720" rIns="91440" bIns="45720" rtlCol="0" anchor="b"/>
-          <a:lstStyle>
-            <a:lvl1pPr algn="r">
-              <a:defRPr sz="1000"/>
-            </a:lvl1pPr>
-          </a:lstStyle>
-          <a:p>
-            <a:fld id="{2BF067CD-8E6B-4360-9AA8-C5DF2A48A6D1}" type="slidenum">
-              <a:rPr lang="en-US" noProof="0" smtClean="0"/>
-              <a:pPr/>
-              <a:t>11</a:t>
-            </a:fld>
-            <a:endParaRPr lang="en-US" noProof="0" dirty="0"/>
-          </a:p>
-        </p:txBody>
-      </p:sp>
-    </p:spTree>
-    <p:extLst>
-      <p:ext uri="{BB962C8B-B14F-4D97-AF65-F5344CB8AC3E}">
-        <p14:creationId xmlns:p14="http://schemas.microsoft.com/office/powerpoint/2010/main" val="2606489234"/>
-      </p:ext>
-    </p:extLst>
-  </p:cSld>
-  <p:clrMapOvr>
-    <a:masterClrMapping/>
-  </p:clrMapOvr>
-  <mc:AlternateContent xmlns:mc="http://schemas.openxmlformats.org/markup-compatibility/2006" xmlns:p14="http://schemas.microsoft.com/office/powerpoint/2010/main">
-    <mc:Choice Requires="p14">
-      <p:transition p14:dur="0"/>
-    </mc:Choice>
-    <mc:Fallback xmlns="">
-      <p:transition/>
-    </mc:Fallback>
-  </mc:AlternateContent>
-  <p:timing>
-    <p:tnLst>
-      <p:par>
-        <p:cTn id="1" dur="indefinite" restart="never" nodeType="tmRoot">
-          <p:childTnLst>
-            <p:seq concurrent="1" nextAc="seek">
-              <p:cTn id="2" dur="indefinite" nodeType="mainSeq">
-                <p:childTnLst>
-                  <p:par>
-                    <p:cTn id="3" fill="hold">
-                      <p:stCondLst>
-                        <p:cond delay="indefinite"/>
-                      </p:stCondLst>
-                      <p:childTnLst>
-                        <p:par>
-                          <p:cTn id="4" fill="hold">
-                            <p:stCondLst>
-                              <p:cond delay="0"/>
-                            </p:stCondLst>
-                            <p:childTnLst>
-                              <p:par>
-                                <p:cTn id="5" presetID="1" presetClass="entr" presetSubtype="0" fill="hold" grpId="0" nodeType="clickEffect">
-                                  <p:stCondLst>
-                                    <p:cond delay="0"/>
-                                  </p:stCondLst>
-                                  <p:childTnLst>
-                                    <p:set>
-                                      <p:cBhvr>
-                                        <p:cTn id="6" dur="1" fill="hold">
-                                          <p:stCondLst>
-                                            <p:cond delay="0"/>
-                                          </p:stCondLst>
-                                        </p:cTn>
-                                        <p:tgtEl>
-                                          <p:spTgt spid="8"/>
-                                        </p:tgtEl>
-                                        <p:attrNameLst>
-                                          <p:attrName>style.visibility</p:attrName>
-                                        </p:attrNameLst>
-                                      </p:cBhvr>
-                                      <p:to>
-                                        <p:strVal val="visible"/>
-                                      </p:to>
-                                    </p:set>
-                                  </p:childTnLst>
-                                </p:cTn>
-                              </p:par>
-                              <p:par>
-                                <p:cTn id="7" presetID="1" presetClass="entr" presetSubtype="0" fill="hold" grpId="0" nodeType="withEffect">
-                                  <p:stCondLst>
-                                    <p:cond delay="0"/>
-                                  </p:stCondLst>
-                                  <p:childTnLst>
-                                    <p:set>
-                                      <p:cBhvr>
-                                        <p:cTn id="8" dur="1" fill="hold">
-                                          <p:stCondLst>
-                                            <p:cond delay="0"/>
-                                          </p:stCondLst>
-                                        </p:cTn>
-                                        <p:tgtEl>
-                                          <p:spTgt spid="15"/>
-                                        </p:tgtEl>
-                                        <p:attrNameLst>
-                                          <p:attrName>style.visibility</p:attrName>
-                                        </p:attrNameLst>
-                                      </p:cBhvr>
-                                      <p:to>
-                                        <p:strVal val="visible"/>
-                                      </p:to>
-                                    </p:set>
-                                  </p:childTnLst>
-                                </p:cTn>
-                              </p:par>
-                            </p:childTnLst>
-                          </p:cTn>
-                        </p:par>
-                      </p:childTnLst>
-                    </p:cTn>
-                  </p:par>
-                  <p:par>
-                    <p:cTn id="9" fill="hold">
-                      <p:stCondLst>
-                        <p:cond delay="indefinite"/>
-                      </p:stCondLst>
-                      <p:childTnLst>
-                        <p:par>
-                          <p:cTn id="10" fill="hold">
-                            <p:stCondLst>
-                              <p:cond delay="0"/>
-                            </p:stCondLst>
-                            <p:childTnLst>
-                              <p:par>
-                                <p:cTn id="11" presetID="1" presetClass="entr" presetSubtype="0" fill="hold" grpId="0" nodeType="clickEffect">
-                                  <p:stCondLst>
-                                    <p:cond delay="0"/>
-                                  </p:stCondLst>
-                                  <p:childTnLst>
-                                    <p:set>
-                                      <p:cBhvr>
-                                        <p:cTn id="12" dur="1" fill="hold">
-                                          <p:stCondLst>
-                                            <p:cond delay="0"/>
-                                          </p:stCondLst>
-                                        </p:cTn>
-                                        <p:tgtEl>
-                                          <p:spTgt spid="14"/>
-                                        </p:tgtEl>
-                                        <p:attrNameLst>
-                                          <p:attrName>style.visibility</p:attrName>
-                                        </p:attrNameLst>
-                                      </p:cBhvr>
-                                      <p:to>
-                                        <p:strVal val="visible"/>
-                                      </p:to>
-                                    </p:set>
-                                  </p:childTnLst>
-                                </p:cTn>
-                              </p:par>
-                              <p:par>
-                                <p:cTn id="13" presetID="1" presetClass="entr" presetSubtype="0" fill="hold" grpId="0" nodeType="withEffect">
-                                  <p:stCondLst>
-                                    <p:cond delay="0"/>
-                                  </p:stCondLst>
-                                  <p:childTnLst>
-                                    <p:set>
-                                      <p:cBhvr>
-                                        <p:cTn id="14" dur="1" fill="hold">
-                                          <p:stCondLst>
-                                            <p:cond delay="0"/>
-                                          </p:stCondLst>
-                                        </p:cTn>
-                                        <p:tgtEl>
-                                          <p:spTgt spid="19"/>
-                                        </p:tgtEl>
-                                        <p:attrNameLst>
-                                          <p:attrName>style.visibility</p:attrName>
-                                        </p:attrNameLst>
-                                      </p:cBhvr>
-                                      <p:to>
-                                        <p:strVal val="visible"/>
-                                      </p:to>
-                                    </p:set>
-                                  </p:childTnLst>
-                                </p:cTn>
-                              </p:par>
-                            </p:childTnLst>
-                          </p:cTn>
-                        </p:par>
-                      </p:childTnLst>
-                    </p:cTn>
-                  </p:par>
-                </p:childTnLst>
-              </p:cTn>
-              <p:prevCondLst>
-                <p:cond evt="onPrev" delay="0">
-                  <p:tgtEl>
-                    <p:sldTgt/>
-                  </p:tgtEl>
-                </p:cond>
-              </p:prevCondLst>
-              <p:nextCondLst>
-                <p:cond evt="onNext" delay="0">
-                  <p:tgtEl>
-                    <p:sldTgt/>
-                  </p:tgtEl>
-                </p:cond>
-              </p:nextCondLst>
-            </p:seq>
-          </p:childTnLst>
-        </p:cTn>
-      </p:par>
-    </p:tnLst>
-    <p:bldLst>
-      <p:bldP spid="14" grpId="0" animBg="1"/>
-      <p:bldP spid="15" grpId="0" animBg="1"/>
-      <p:bldP spid="19" grpId="0" animBg="1"/>
-      <p:bldP spid="8" grpId="0" animBg="1"/>
-    </p:bldLst>
-  </p:timing>
-</p:sld>
-</file>
-
-<file path=ppt/slides/slide12.xml><?xml version="1.0" encoding="utf-8"?>
+<file path=ppt/slides/slide13.xml><?xml version="1.0" encoding="utf-8"?>
 <p:sld xmlns:a="http://schemas.openxmlformats.org/drawingml/2006/main" xmlns:r="http://schemas.openxmlformats.org/officeDocument/2006/relationships" xmlns:p="http://schemas.openxmlformats.org/presentationml/2006/main">
   <p:cSld>
     <p:spTree>
@@ -13789,7 +14552,7 @@
             <a:fld id="{2BF067CD-8E6B-4360-9AA8-C5DF2A48A6D1}" type="slidenum">
               <a:rPr lang="en-US" noProof="0" smtClean="0"/>
               <a:pPr/>
-              <a:t>12</a:t>
+              <a:t>13</a:t>
             </a:fld>
             <a:endParaRPr lang="en-US" noProof="0" dirty="0"/>
           </a:p>
@@ -14713,7 +15476,7 @@
 </p:sld>
 </file>
 
-<file path=ppt/slides/slide13.xml><?xml version="1.0" encoding="utf-8"?>
+<file path=ppt/slides/slide14.xml><?xml version="1.0" encoding="utf-8"?>
 <p:sld xmlns:a="http://schemas.openxmlformats.org/drawingml/2006/main" xmlns:r="http://schemas.openxmlformats.org/officeDocument/2006/relationships" xmlns:p="http://schemas.openxmlformats.org/presentationml/2006/main">
   <p:cSld>
     <p:spTree>
@@ -15389,7 +16152,7 @@
             <a:fld id="{2BF067CD-8E6B-4360-9AA8-C5DF2A48A6D1}" type="slidenum">
               <a:rPr lang="en-US" noProof="0" smtClean="0"/>
               <a:pPr/>
-              <a:t>13</a:t>
+              <a:t>14</a:t>
             </a:fld>
             <a:endParaRPr lang="en-US" noProof="0" dirty="0"/>
           </a:p>
@@ -15679,7 +16442,7 @@
 </p:sld>
 </file>
 
-<file path=ppt/slides/slide14.xml><?xml version="1.0" encoding="utf-8"?>
+<file path=ppt/slides/slide15.xml><?xml version="1.0" encoding="utf-8"?>
 <p:sld xmlns:a="http://schemas.openxmlformats.org/drawingml/2006/main" xmlns:r="http://schemas.openxmlformats.org/officeDocument/2006/relationships" xmlns:p="http://schemas.openxmlformats.org/presentationml/2006/main">
   <p:cSld>
     <p:spTree>
@@ -16345,7 +17108,7 @@
             <a:fld id="{2BF067CD-8E6B-4360-9AA8-C5DF2A48A6D1}" type="slidenum">
               <a:rPr lang="en-US" smtClean="0"/>
               <a:pPr/>
-              <a:t>14</a:t>
+              <a:t>15</a:t>
             </a:fld>
             <a:endParaRPr lang="en-US" dirty="0"/>
           </a:p>
@@ -16496,7 +17259,7 @@
 </p:sld>
 </file>
 
-<file path=ppt/slides/slide15.xml><?xml version="1.0" encoding="utf-8"?>
+<file path=ppt/slides/slide16.xml><?xml version="1.0" encoding="utf-8"?>
 <p:sld xmlns:a="http://schemas.openxmlformats.org/drawingml/2006/main" xmlns:r="http://schemas.openxmlformats.org/officeDocument/2006/relationships" xmlns:p="http://schemas.openxmlformats.org/presentationml/2006/main">
   <p:cSld>
     <p:spTree>
@@ -16895,7 +17658,7 @@
             <a:fld id="{2BF067CD-8E6B-4360-9AA8-C5DF2A48A6D1}" type="slidenum">
               <a:rPr lang="en-US" smtClean="0"/>
               <a:pPr/>
-              <a:t>15</a:t>
+              <a:t>16</a:t>
             </a:fld>
             <a:endParaRPr lang="en-US" dirty="0"/>
           </a:p>
@@ -17455,7 +18218,7 @@
 </p:sld>
 </file>
 
-<file path=ppt/slides/slide16.xml><?xml version="1.0" encoding="utf-8"?>
+<file path=ppt/slides/slide17.xml><?xml version="1.0" encoding="utf-8"?>
 <p:sld xmlns:a="http://schemas.openxmlformats.org/drawingml/2006/main" xmlns:r="http://schemas.openxmlformats.org/officeDocument/2006/relationships" xmlns:p="http://schemas.openxmlformats.org/presentationml/2006/main">
   <p:cSld>
     <p:spTree>
@@ -17724,7 +18487,7 @@
             <a:fld id="{2BF067CD-8E6B-4360-9AA8-C5DF2A48A6D1}" type="slidenum">
               <a:rPr lang="en-US" noProof="0" smtClean="0"/>
               <a:pPr/>
-              <a:t>16</a:t>
+              <a:t>17</a:t>
             </a:fld>
             <a:endParaRPr lang="en-US" noProof="0" dirty="0"/>
           </a:p>
@@ -18001,7 +18764,7 @@
 </p:sld>
 </file>
 
-<file path=ppt/slides/slide17.xml><?xml version="1.0" encoding="utf-8"?>
+<file path=ppt/slides/slide18.xml><?xml version="1.0" encoding="utf-8"?>
 <p:sld xmlns:a="http://schemas.openxmlformats.org/drawingml/2006/main" xmlns:r="http://schemas.openxmlformats.org/officeDocument/2006/relationships" xmlns:p="http://schemas.openxmlformats.org/presentationml/2006/main">
   <p:cSld>
     <p:spTree>
@@ -18050,6 +18813,45 @@
       </p:pic>
       <p:sp>
         <p:nvSpPr>
+          <p:cNvPr id="3" name="Subtitle 2">
+            <a:extLst>
+              <a:ext uri="{FF2B5EF4-FFF2-40B4-BE49-F238E27FC236}">
+                <a16:creationId xmlns:a16="http://schemas.microsoft.com/office/drawing/2014/main" id="{BE05CF05-4ABD-C638-429D-535ACBC1B2B7}"/>
+              </a:ext>
+            </a:extLst>
+          </p:cNvPr>
+          <p:cNvSpPr>
+            <a:spLocks noGrp="1"/>
+          </p:cNvSpPr>
+          <p:nvPr>
+            <p:ph type="subTitle" sz="quarter" idx="11"/>
+          </p:nvPr>
+        </p:nvSpPr>
+        <p:spPr/>
+        <p:txBody>
+          <a:bodyPr/>
+          <a:lstStyle/>
+          <a:p>
+            <a:r>
+              <a:rPr lang="bg-BG" dirty="0"/>
+              <a:t>Абстрактни методи </a:t>
+            </a:r>
+            <a:r>
+              <a:rPr lang="bg-BG" dirty="0">
+                <a:sym typeface="Wingdings" panose="05000000000000000000" pitchFamily="2" charset="2"/>
+              </a:rPr>
+              <a:t></a:t>
+            </a:r>
+            <a:r>
+              <a:rPr lang="bg-BG" dirty="0"/>
+              <a:t> за дописване в наследник</a:t>
+            </a:r>
+            <a:endParaRPr lang="en-US" dirty="0"/>
+          </a:p>
+        </p:txBody>
+      </p:sp>
+      <p:sp>
+        <p:nvSpPr>
           <p:cNvPr id="5" name="Title 4">
             <a:extLst>
               <a:ext uri="{FF2B5EF4-FFF2-40B4-BE49-F238E27FC236}">
@@ -18064,7 +18866,12 @@
             <p:ph type="title" sz="quarter" idx="10"/>
           </p:nvPr>
         </p:nvSpPr>
-        <p:spPr/>
+        <p:spPr>
+          <a:xfrm>
+            <a:off x="615109" y="4704825"/>
+            <a:ext cx="10961783" cy="768084"/>
+          </a:xfrm>
+        </p:spPr>
         <p:txBody>
           <a:bodyPr/>
           <a:lstStyle/>
@@ -18098,7 +18905,7 @@
 </p:sld>
 </file>
 
-<file path=ppt/slides/slide18.xml><?xml version="1.0" encoding="utf-8"?>
+<file path=ppt/slides/slide19.xml><?xml version="1.0" encoding="utf-8"?>
 <p:sld xmlns:a="http://schemas.openxmlformats.org/drawingml/2006/main" xmlns:r="http://schemas.openxmlformats.org/officeDocument/2006/relationships" xmlns:p="http://schemas.openxmlformats.org/presentationml/2006/main">
   <p:cSld>
     <p:spTree>
@@ -18749,7 +19556,7 @@
             <a:fld id="{2BF067CD-8E6B-4360-9AA8-C5DF2A48A6D1}" type="slidenum">
               <a:rPr lang="en-US" noProof="0" smtClean="0"/>
               <a:pPr/>
-              <a:t>18</a:t>
+              <a:t>19</a:t>
             </a:fld>
             <a:endParaRPr lang="en-US" noProof="0" dirty="0"/>
           </a:p>
@@ -18956,650 +19763,6 @@
 </p:sld>
 </file>
 
-<file path=ppt/slides/slide19.xml><?xml version="1.0" encoding="utf-8"?>
-<p:sld xmlns:a="http://schemas.openxmlformats.org/drawingml/2006/main" xmlns:r="http://schemas.openxmlformats.org/officeDocument/2006/relationships" xmlns:p="http://schemas.openxmlformats.org/presentationml/2006/main">
-  <p:cSld>
-    <p:spTree>
-      <p:nvGrpSpPr>
-        <p:cNvPr id="1" name=""/>
-        <p:cNvGrpSpPr/>
-        <p:nvPr/>
-      </p:nvGrpSpPr>
-      <p:grpSpPr>
-        <a:xfrm>
-          <a:off x="0" y="0"/>
-          <a:ext cx="0" cy="0"/>
-          <a:chOff x="0" y="0"/>
-          <a:chExt cx="0" cy="0"/>
-        </a:xfrm>
-      </p:grpSpPr>
-      <p:sp>
-        <p:nvSpPr>
-          <p:cNvPr id="3" name="Text Placeholder 2"/>
-          <p:cNvSpPr>
-            <a:spLocks noGrp="1"/>
-          </p:cNvSpPr>
-          <p:nvPr>
-            <p:ph type="body" sz="quarter" idx="10"/>
-          </p:nvPr>
-        </p:nvSpPr>
-        <p:spPr>
-          <a:xfrm>
-            <a:off x="186952" y="1126734"/>
-            <a:ext cx="11818096" cy="5528766"/>
-          </a:xfrm>
-        </p:spPr>
-        <p:txBody>
-          <a:bodyPr>
-            <a:normAutofit/>
-          </a:bodyPr>
-          <a:lstStyle/>
-          <a:p>
-            <a:r>
-              <a:rPr lang="bg-BG" sz="2800" dirty="0"/>
-              <a:t>Абстрактните класове </a:t>
-            </a:r>
-            <a:r>
-              <a:rPr lang="bg-BG" sz="2800" b="1" dirty="0">
-                <a:solidFill>
-                  <a:schemeClr val="bg1"/>
-                </a:solidFill>
-              </a:rPr>
-              <a:t>може</a:t>
-            </a:r>
-            <a:r>
-              <a:rPr lang="en-US" sz="2800" dirty="0"/>
-              <a:t> </a:t>
-            </a:r>
-            <a:r>
-              <a:rPr lang="bg-BG" sz="2800" dirty="0"/>
-              <a:t>да съдържат</a:t>
-            </a:r>
-            <a:r>
-              <a:rPr lang="en-US" sz="2800" dirty="0"/>
-              <a:t> </a:t>
-            </a:r>
-            <a:r>
-              <a:rPr lang="bg-BG" sz="2800" b="1" dirty="0">
-                <a:solidFill>
-                  <a:schemeClr val="bg1"/>
-                </a:solidFill>
-              </a:rPr>
-              <a:t>абстрактни методи </a:t>
-            </a:r>
-            <a:r>
-              <a:rPr lang="bg-BG" sz="2800" dirty="0"/>
-              <a:t>и </a:t>
-            </a:r>
-            <a:br>
-              <a:rPr lang="en-US" sz="2800" dirty="0"/>
-            </a:br>
-            <a:r>
-              <a:rPr lang="en-US" sz="2800" b="1" dirty="0">
-                <a:solidFill>
-                  <a:schemeClr val="bg1"/>
-                </a:solidFill>
-              </a:rPr>
-              <a:t>access-</a:t>
-            </a:r>
-            <a:r>
-              <a:rPr lang="bg-BG" sz="2800" b="1" dirty="0">
-                <a:solidFill>
-                  <a:schemeClr val="bg1"/>
-                </a:solidFill>
-              </a:rPr>
-              <a:t>ори</a:t>
-            </a:r>
-            <a:endParaRPr lang="en-US" sz="2800" dirty="0"/>
-          </a:p>
-        </p:txBody>
-      </p:sp>
-      <p:sp>
-        <p:nvSpPr>
-          <p:cNvPr id="4" name="Title 3"/>
-          <p:cNvSpPr>
-            <a:spLocks noGrp="1"/>
-          </p:cNvSpPr>
-          <p:nvPr>
-            <p:ph type="title"/>
-          </p:nvPr>
-        </p:nvSpPr>
-        <p:spPr/>
-        <p:txBody>
-          <a:bodyPr/>
-          <a:lstStyle/>
-          <a:p>
-            <a:r>
-              <a:rPr lang="bg-BG" dirty="0"/>
-              <a:t>Абстрактен клас</a:t>
-            </a:r>
-            <a:endParaRPr lang="en-US" dirty="0"/>
-          </a:p>
-        </p:txBody>
-      </p:sp>
-      <p:sp>
-        <p:nvSpPr>
-          <p:cNvPr id="5" name="Rectangle 4"/>
-          <p:cNvSpPr>
-            <a:spLocks noChangeArrowheads="1"/>
-          </p:cNvSpPr>
-          <p:nvPr/>
-        </p:nvSpPr>
-        <p:spPr bwMode="auto">
-          <a:xfrm>
-            <a:off x="1143203" y="2138645"/>
-            <a:ext cx="9768623" cy="2378644"/>
-          </a:xfrm>
-          <a:prstGeom prst="rect">
-            <a:avLst/>
-          </a:prstGeom>
-          <a:solidFill>
-            <a:schemeClr val="accent6">
-              <a:lumMod val="75000"/>
-              <a:alpha val="15000"/>
-            </a:schemeClr>
-          </a:solidFill>
-          <a:ln w="12700">
-            <a:solidFill>
-              <a:schemeClr val="tx1">
-                <a:lumMod val="50000"/>
-              </a:schemeClr>
-            </a:solidFill>
-          </a:ln>
-        </p:spPr>
-        <p:txBody>
-          <a:bodyPr vert="horz" wrap="square" lIns="143963" tIns="107972" rIns="143963" bIns="107972" rtlCol="0">
-            <a:spAutoFit/>
-          </a:bodyPr>
-          <a:lstStyle/>
-          <a:p>
-            <a:pPr defTabSz="1218438" latinLnBrk="1">
-              <a:lnSpc>
-                <a:spcPct val="90000"/>
-              </a:lnSpc>
-            </a:pPr>
-            <a:r>
-              <a:rPr lang="en-US" sz="2600" b="1" noProof="1">
-                <a:solidFill>
-                  <a:schemeClr val="bg1"/>
-                </a:solidFill>
-                <a:latin typeface="Consolas" pitchFamily="49" charset="0"/>
-                <a:cs typeface="Consolas" pitchFamily="49" charset="0"/>
-              </a:rPr>
-              <a:t>abstract</a:t>
-            </a:r>
-            <a:r>
-              <a:rPr lang="en-US" sz="2600" b="1" noProof="1">
-                <a:latin typeface="Consolas" pitchFamily="49" charset="0"/>
-                <a:cs typeface="Consolas" pitchFamily="49" charset="0"/>
-              </a:rPr>
-              <a:t> class BaseClass</a:t>
-            </a:r>
-          </a:p>
-          <a:p>
-            <a:pPr defTabSz="1218438" latinLnBrk="1">
-              <a:lnSpc>
-                <a:spcPct val="90000"/>
-              </a:lnSpc>
-            </a:pPr>
-            <a:r>
-              <a:rPr lang="en-US" sz="2600" b="1" noProof="1">
-                <a:latin typeface="Consolas" pitchFamily="49" charset="0"/>
-                <a:cs typeface="Consolas" pitchFamily="49" charset="0"/>
-              </a:rPr>
-              <a:t>{</a:t>
-            </a:r>
-          </a:p>
-          <a:p>
-            <a:pPr defTabSz="1218438" latinLnBrk="1">
-              <a:lnSpc>
-                <a:spcPct val="90000"/>
-              </a:lnSpc>
-            </a:pPr>
-            <a:r>
-              <a:rPr lang="en-US" sz="2600" b="1" noProof="1">
-                <a:latin typeface="Consolas" pitchFamily="49" charset="0"/>
-                <a:cs typeface="Consolas" pitchFamily="49" charset="0"/>
-              </a:rPr>
-              <a:t>  protected int x = 100;</a:t>
-            </a:r>
-          </a:p>
-          <a:p>
-            <a:pPr defTabSz="1218438" latinLnBrk="1">
-              <a:lnSpc>
-                <a:spcPct val="90000"/>
-              </a:lnSpc>
-            </a:pPr>
-            <a:r>
-              <a:rPr lang="en-US" sz="2600" b="1" noProof="1">
-                <a:latin typeface="Consolas" pitchFamily="49" charset="0"/>
-                <a:cs typeface="Consolas" pitchFamily="49" charset="0"/>
-              </a:rPr>
-              <a:t>  public </a:t>
-            </a:r>
-            <a:r>
-              <a:rPr lang="en-US" sz="2600" b="1" noProof="1">
-                <a:solidFill>
-                  <a:schemeClr val="bg1"/>
-                </a:solidFill>
-                <a:latin typeface="Consolas" pitchFamily="49" charset="0"/>
-                <a:cs typeface="Consolas" pitchFamily="49" charset="0"/>
-              </a:rPr>
-              <a:t>abstract</a:t>
-            </a:r>
-            <a:r>
-              <a:rPr lang="en-US" sz="2600" b="1" noProof="1">
-                <a:latin typeface="Consolas" pitchFamily="49" charset="0"/>
-                <a:cs typeface="Consolas" pitchFamily="49" charset="0"/>
-              </a:rPr>
-              <a:t> void AbstractMethod(); </a:t>
-            </a:r>
-          </a:p>
-          <a:p>
-            <a:pPr defTabSz="1218438" latinLnBrk="1">
-              <a:lnSpc>
-                <a:spcPct val="90000"/>
-              </a:lnSpc>
-            </a:pPr>
-            <a:r>
-              <a:rPr lang="en-US" sz="2600" b="1" noProof="1">
-                <a:latin typeface="Consolas" pitchFamily="49" charset="0"/>
-                <a:cs typeface="Consolas" pitchFamily="49" charset="0"/>
-              </a:rPr>
-              <a:t>  public </a:t>
-            </a:r>
-            <a:r>
-              <a:rPr lang="en-US" sz="2600" b="1" noProof="1">
-                <a:solidFill>
-                  <a:schemeClr val="bg1"/>
-                </a:solidFill>
-                <a:latin typeface="Consolas" pitchFamily="49" charset="0"/>
-                <a:cs typeface="Consolas" pitchFamily="49" charset="0"/>
-              </a:rPr>
-              <a:t>abstract</a:t>
-            </a:r>
-            <a:r>
-              <a:rPr lang="en-US" sz="2600" b="1" noProof="1">
-                <a:latin typeface="Consolas" pitchFamily="49" charset="0"/>
-                <a:cs typeface="Consolas" pitchFamily="49" charset="0"/>
-              </a:rPr>
-              <a:t> int X { get; }</a:t>
-            </a:r>
-          </a:p>
-          <a:p>
-            <a:pPr defTabSz="1218438" latinLnBrk="1">
-              <a:lnSpc>
-                <a:spcPct val="90000"/>
-              </a:lnSpc>
-            </a:pPr>
-            <a:r>
-              <a:rPr lang="en-US" sz="2600" b="1" noProof="1">
-                <a:latin typeface="Consolas" pitchFamily="49" charset="0"/>
-                <a:cs typeface="Consolas" pitchFamily="49" charset="0"/>
-              </a:rPr>
-              <a:t>}</a:t>
-            </a:r>
-          </a:p>
-        </p:txBody>
-      </p:sp>
-      <p:sp>
-        <p:nvSpPr>
-          <p:cNvPr id="6" name="Rectangle 5"/>
-          <p:cNvSpPr>
-            <a:spLocks noChangeArrowheads="1"/>
-          </p:cNvSpPr>
-          <p:nvPr/>
-        </p:nvSpPr>
-        <p:spPr bwMode="auto">
-          <a:xfrm>
-            <a:off x="1146826" y="4517289"/>
-            <a:ext cx="9765000" cy="2378644"/>
-          </a:xfrm>
-          <a:prstGeom prst="rect">
-            <a:avLst/>
-          </a:prstGeom>
-          <a:solidFill>
-            <a:schemeClr val="accent6">
-              <a:lumMod val="75000"/>
-              <a:alpha val="15000"/>
-            </a:schemeClr>
-          </a:solidFill>
-          <a:ln w="12700">
-            <a:solidFill>
-              <a:schemeClr val="tx1">
-                <a:lumMod val="50000"/>
-              </a:schemeClr>
-            </a:solidFill>
-          </a:ln>
-        </p:spPr>
-        <p:txBody>
-          <a:bodyPr vert="horz" wrap="square" lIns="143963" tIns="107972" rIns="143963" bIns="107972" rtlCol="0">
-            <a:spAutoFit/>
-          </a:bodyPr>
-          <a:lstStyle/>
-          <a:p>
-            <a:pPr defTabSz="1218438" latinLnBrk="1">
-              <a:lnSpc>
-                <a:spcPct val="90000"/>
-              </a:lnSpc>
-            </a:pPr>
-            <a:r>
-              <a:rPr lang="en-US" sz="2600" b="1" noProof="1">
-                <a:latin typeface="Consolas" pitchFamily="49" charset="0"/>
-                <a:cs typeface="Consolas" pitchFamily="49" charset="0"/>
-              </a:rPr>
-              <a:t>class DerivedClass : BaseClass</a:t>
-            </a:r>
-          </a:p>
-          <a:p>
-            <a:pPr defTabSz="1218438" latinLnBrk="1">
-              <a:lnSpc>
-                <a:spcPct val="90000"/>
-              </a:lnSpc>
-            </a:pPr>
-            <a:r>
-              <a:rPr lang="en-US" sz="2600" b="1" noProof="1">
-                <a:latin typeface="Consolas" pitchFamily="49" charset="0"/>
-                <a:cs typeface="Consolas" pitchFamily="49" charset="0"/>
-              </a:rPr>
-              <a:t>{</a:t>
-            </a:r>
-          </a:p>
-          <a:p>
-            <a:pPr defTabSz="1218438" latinLnBrk="1">
-              <a:lnSpc>
-                <a:spcPct val="90000"/>
-              </a:lnSpc>
-            </a:pPr>
-            <a:r>
-              <a:rPr lang="en-US" sz="2600" b="1" noProof="1">
-                <a:latin typeface="Consolas" pitchFamily="49" charset="0"/>
-                <a:cs typeface="Consolas" pitchFamily="49" charset="0"/>
-              </a:rPr>
-              <a:t>  public </a:t>
-            </a:r>
-            <a:r>
-              <a:rPr lang="en-US" sz="2600" b="1" noProof="1">
-                <a:solidFill>
-                  <a:schemeClr val="bg1"/>
-                </a:solidFill>
-                <a:latin typeface="Consolas" pitchFamily="49" charset="0"/>
-                <a:cs typeface="Consolas" pitchFamily="49" charset="0"/>
-              </a:rPr>
-              <a:t>override</a:t>
-            </a:r>
-            <a:r>
-              <a:rPr lang="en-US" sz="2600" b="1" noProof="1">
-                <a:latin typeface="Consolas" pitchFamily="49" charset="0"/>
-                <a:cs typeface="Consolas" pitchFamily="49" charset="0"/>
-              </a:rPr>
-              <a:t> void AbstractMethod() { x++; }</a:t>
-            </a:r>
-            <a:endParaRPr lang="en-US" sz="1100" b="1" noProof="1">
-              <a:latin typeface="Consolas" pitchFamily="49" charset="0"/>
-              <a:cs typeface="Consolas" pitchFamily="49" charset="0"/>
-            </a:endParaRPr>
-          </a:p>
-          <a:p>
-            <a:pPr defTabSz="1218438" latinLnBrk="1">
-              <a:lnSpc>
-                <a:spcPct val="90000"/>
-              </a:lnSpc>
-            </a:pPr>
-            <a:r>
-              <a:rPr lang="en-US" sz="2600" b="1" noProof="1">
-                <a:latin typeface="Consolas" pitchFamily="49" charset="0"/>
-                <a:cs typeface="Consolas" pitchFamily="49" charset="0"/>
-              </a:rPr>
-              <a:t>  public </a:t>
-            </a:r>
-            <a:r>
-              <a:rPr lang="en-US" sz="2600" b="1" noProof="1">
-                <a:solidFill>
-                  <a:schemeClr val="bg1"/>
-                </a:solidFill>
-                <a:latin typeface="Consolas" pitchFamily="49" charset="0"/>
-                <a:cs typeface="Consolas" pitchFamily="49" charset="0"/>
-              </a:rPr>
-              <a:t>override</a:t>
-            </a:r>
-            <a:r>
-              <a:rPr lang="en-US" sz="2600" b="1" noProof="1">
-                <a:latin typeface="Consolas" pitchFamily="49" charset="0"/>
-                <a:cs typeface="Consolas" pitchFamily="49" charset="0"/>
-              </a:rPr>
-              <a:t> int X   </a:t>
-            </a:r>
-            <a:r>
-              <a:rPr lang="en-US" sz="2600" b="1" noProof="1">
-                <a:solidFill>
-                  <a:schemeClr val="accent2">
-                    <a:lumMod val="75000"/>
-                  </a:schemeClr>
-                </a:solidFill>
-                <a:latin typeface="Consolas" pitchFamily="49" charset="0"/>
-                <a:cs typeface="Consolas" pitchFamily="49" charset="0"/>
-              </a:rPr>
-              <a:t>// overriding property</a:t>
-            </a:r>
-          </a:p>
-          <a:p>
-            <a:pPr defTabSz="1218438" latinLnBrk="1">
-              <a:lnSpc>
-                <a:spcPct val="90000"/>
-              </a:lnSpc>
-            </a:pPr>
-            <a:r>
-              <a:rPr lang="en-US" sz="2600" b="1" noProof="1">
-                <a:latin typeface="Consolas" pitchFamily="49" charset="0"/>
-                <a:cs typeface="Consolas" pitchFamily="49" charset="0"/>
-              </a:rPr>
-              <a:t>  { get { return x + 10; } }</a:t>
-            </a:r>
-          </a:p>
-          <a:p>
-            <a:pPr defTabSz="1218438" latinLnBrk="1">
-              <a:lnSpc>
-                <a:spcPct val="90000"/>
-              </a:lnSpc>
-            </a:pPr>
-            <a:r>
-              <a:rPr lang="en-US" sz="2600" b="1" noProof="1">
-                <a:latin typeface="Consolas" pitchFamily="49" charset="0"/>
-                <a:cs typeface="Consolas" pitchFamily="49" charset="0"/>
-              </a:rPr>
-              <a:t>}</a:t>
-            </a:r>
-          </a:p>
-        </p:txBody>
-      </p:sp>
-      <p:sp>
-        <p:nvSpPr>
-          <p:cNvPr id="7" name="Slide Number">
-            <a:extLst>
-              <a:ext uri="{FF2B5EF4-FFF2-40B4-BE49-F238E27FC236}">
-                <a16:creationId xmlns:a16="http://schemas.microsoft.com/office/drawing/2014/main" id="{48E45632-DC68-46D9-A830-E00C772C58F2}"/>
-              </a:ext>
-            </a:extLst>
-          </p:cNvPr>
-          <p:cNvSpPr>
-            <a:spLocks noGrp="1"/>
-          </p:cNvSpPr>
-          <p:nvPr>
-            <p:ph type="sldNum" sz="quarter" idx="5"/>
-          </p:nvPr>
-        </p:nvSpPr>
-        <p:spPr>
-          <a:xfrm>
-            <a:off x="11753030" y="6507000"/>
-            <a:ext cx="367414" cy="297000"/>
-          </a:xfrm>
-          <a:prstGeom prst="rect">
-            <a:avLst/>
-          </a:prstGeom>
-        </p:spPr>
-        <p:txBody>
-          <a:bodyPr vert="horz" lIns="91440" tIns="45720" rIns="91440" bIns="45720" rtlCol="0" anchor="b"/>
-          <a:lstStyle>
-            <a:lvl1pPr algn="r">
-              <a:defRPr sz="1000"/>
-            </a:lvl1pPr>
-          </a:lstStyle>
-          <a:p>
-            <a:fld id="{2BF067CD-8E6B-4360-9AA8-C5DF2A48A6D1}" type="slidenum">
-              <a:rPr lang="en-US" noProof="0" smtClean="0"/>
-              <a:pPr/>
-              <a:t>19</a:t>
-            </a:fld>
-            <a:endParaRPr lang="en-US" noProof="0" dirty="0"/>
-          </a:p>
-        </p:txBody>
-      </p:sp>
-    </p:spTree>
-    <p:extLst>
-      <p:ext uri="{BB962C8B-B14F-4D97-AF65-F5344CB8AC3E}">
-        <p14:creationId xmlns:p14="http://schemas.microsoft.com/office/powerpoint/2010/main" val="18077399"/>
-      </p:ext>
-    </p:extLst>
-  </p:cSld>
-  <p:clrMapOvr>
-    <a:masterClrMapping/>
-  </p:clrMapOvr>
-  <mc:AlternateContent xmlns:mc="http://schemas.openxmlformats.org/markup-compatibility/2006" xmlns:p14="http://schemas.microsoft.com/office/powerpoint/2010/main">
-    <mc:Choice Requires="p14">
-      <p:transition spd="slow" p14:dur="2000" advClick="0" advTm="5000"/>
-    </mc:Choice>
-    <mc:Fallback xmlns="">
-      <p:transition spd="slow" advClick="0" advTm="5000"/>
-    </mc:Fallback>
-  </mc:AlternateContent>
-  <p:timing>
-    <p:tnLst>
-      <p:par>
-        <p:cTn id="1" dur="indefinite" restart="never" nodeType="tmRoot">
-          <p:childTnLst>
-            <p:seq concurrent="1" nextAc="seek">
-              <p:cTn id="2" dur="indefinite" nodeType="mainSeq">
-                <p:childTnLst>
-                  <p:par>
-                    <p:cTn id="3" fill="hold">
-                      <p:stCondLst>
-                        <p:cond delay="indefinite"/>
-                      </p:stCondLst>
-                      <p:childTnLst>
-                        <p:par>
-                          <p:cTn id="4" fill="hold">
-                            <p:stCondLst>
-                              <p:cond delay="0"/>
-                            </p:stCondLst>
-                            <p:childTnLst>
-                              <p:par>
-                                <p:cTn id="5" presetID="1" presetClass="entr" presetSubtype="0" fill="hold" grpId="0" nodeType="clickEffect">
-                                  <p:stCondLst>
-                                    <p:cond delay="0"/>
-                                  </p:stCondLst>
-                                  <p:childTnLst>
-                                    <p:set>
-                                      <p:cBhvr>
-                                        <p:cTn id="6" dur="1" fill="hold">
-                                          <p:stCondLst>
-                                            <p:cond delay="0"/>
-                                          </p:stCondLst>
-                                        </p:cTn>
-                                        <p:tgtEl>
-                                          <p:spTgt spid="5"/>
-                                        </p:tgtEl>
-                                        <p:attrNameLst>
-                                          <p:attrName>style.visibility</p:attrName>
-                                        </p:attrNameLst>
-                                      </p:cBhvr>
-                                      <p:to>
-                                        <p:strVal val="visible"/>
-                                      </p:to>
-                                    </p:set>
-                                  </p:childTnLst>
-                                </p:cTn>
-                              </p:par>
-                            </p:childTnLst>
-                          </p:cTn>
-                        </p:par>
-                      </p:childTnLst>
-                    </p:cTn>
-                  </p:par>
-                  <p:par>
-                    <p:cTn id="7" fill="hold">
-                      <p:stCondLst>
-                        <p:cond delay="indefinite"/>
-                      </p:stCondLst>
-                      <p:childTnLst>
-                        <p:par>
-                          <p:cTn id="8" fill="hold">
-                            <p:stCondLst>
-                              <p:cond delay="0"/>
-                            </p:stCondLst>
-                            <p:childTnLst>
-                              <p:par>
-                                <p:cTn id="9" presetID="1" presetClass="entr" presetSubtype="0" fill="hold" grpId="0" nodeType="clickEffect">
-                                  <p:stCondLst>
-                                    <p:cond delay="0"/>
-                                  </p:stCondLst>
-                                  <p:childTnLst>
-                                    <p:set>
-                                      <p:cBhvr>
-                                        <p:cTn id="10" dur="1" fill="hold">
-                                          <p:stCondLst>
-                                            <p:cond delay="0"/>
-                                          </p:stCondLst>
-                                        </p:cTn>
-                                        <p:tgtEl>
-                                          <p:spTgt spid="6"/>
-                                        </p:tgtEl>
-                                        <p:attrNameLst>
-                                          <p:attrName>style.visibility</p:attrName>
-                                        </p:attrNameLst>
-                                      </p:cBhvr>
-                                      <p:to>
-                                        <p:strVal val="visible"/>
-                                      </p:to>
-                                    </p:set>
-                                  </p:childTnLst>
-                                </p:cTn>
-                              </p:par>
-                            </p:childTnLst>
-                          </p:cTn>
-                        </p:par>
-                      </p:childTnLst>
-                    </p:cTn>
-                  </p:par>
-                </p:childTnLst>
-              </p:cTn>
-              <p:prevCondLst>
-                <p:cond evt="onPrev" delay="0">
-                  <p:tgtEl>
-                    <p:sldTgt/>
-                  </p:tgtEl>
-                </p:cond>
-              </p:prevCondLst>
-              <p:nextCondLst>
-                <p:cond evt="onNext" delay="0">
-                  <p:tgtEl>
-                    <p:sldTgt/>
-                  </p:tgtEl>
-                </p:cond>
-              </p:nextCondLst>
-            </p:seq>
-          </p:childTnLst>
-        </p:cTn>
-      </p:par>
-    </p:tnLst>
-    <p:bldLst>
-      <p:bldP spid="5" grpId="0" animBg="1"/>
-      <p:bldP spid="6" grpId="0" animBg="1"/>
-    </p:bldLst>
-  </p:timing>
-</p:sld>
-</file>
-
 <file path=ppt/slides/slide2.xml><?xml version="1.0" encoding="utf-8"?>
 <p:sld xmlns:a="http://schemas.openxmlformats.org/drawingml/2006/main" xmlns:r="http://schemas.openxmlformats.org/officeDocument/2006/relationships" xmlns:p="http://schemas.openxmlformats.org/presentationml/2006/main">
   <p:cSld>
@@ -19645,8 +19808,12 @@
               <a:buAutoNum type="arabicPeriod"/>
             </a:pPr>
             <a:r>
+              <a:rPr lang="bg-BG" sz="4000" b="1" dirty="0"/>
+              <a:t>Абстракция</a:t>
+            </a:r>
+            <a:r>
               <a:rPr lang="bg-BG" sz="4000" dirty="0"/>
-              <a:t>Абстракция</a:t>
+              <a:t> в ООП</a:t>
             </a:r>
             <a:endParaRPr lang="fr-FR" sz="4000" dirty="0"/>
           </a:p>
@@ -19656,10 +19823,33 @@
               <a:buAutoNum type="arabicPeriod"/>
             </a:pPr>
             <a:r>
+              <a:rPr lang="bg-BG" sz="4000" b="1" dirty="0"/>
+              <a:t>Интерфейси</a:t>
+            </a:r>
+            <a:r>
               <a:rPr lang="bg-BG" sz="4000" dirty="0"/>
-              <a:t>Интерфейси</a:t>
-            </a:r>
-            <a:endParaRPr lang="fr-FR" sz="4000" dirty="0"/>
+              <a:t> (спецификация на група действия)</a:t>
+            </a:r>
+          </a:p>
+          <a:p>
+            <a:pPr marL="893763" lvl="1" indent="-450850"/>
+            <a:r>
+              <a:rPr lang="bg-BG" sz="3800" b="1" dirty="0"/>
+              <a:t>Дефиниране</a:t>
+            </a:r>
+            <a:r>
+              <a:rPr lang="bg-BG" sz="3800" dirty="0"/>
+              <a:t> и </a:t>
+            </a:r>
+            <a:r>
+              <a:rPr lang="bg-BG" sz="3800" b="1" dirty="0"/>
+              <a:t>имплементация</a:t>
+            </a:r>
+            <a:r>
+              <a:rPr lang="bg-BG" sz="3800" dirty="0"/>
+              <a:t> на интерфейс</a:t>
+            </a:r>
+            <a:endParaRPr lang="fr-FR" sz="3800" dirty="0"/>
           </a:p>
           <a:p>
             <a:pPr marL="742950" indent="-742950">
@@ -19667,10 +19857,18 @@
               <a:buAutoNum type="arabicPeriod"/>
             </a:pPr>
             <a:r>
+              <a:rPr lang="bg-BG" sz="4000" b="1" dirty="0"/>
+              <a:t>Абстрактни методи </a:t>
+            </a:r>
+            <a:r>
               <a:rPr lang="bg-BG" sz="4000" dirty="0"/>
-              <a:t>Абстрактни класове</a:t>
-            </a:r>
-            <a:endParaRPr lang="fr-FR" sz="4000" dirty="0"/>
+              <a:t>и </a:t>
+            </a:r>
+            <a:r>
+              <a:rPr lang="bg-BG" sz="4000" b="1" dirty="0"/>
+              <a:t>абстрактни класове</a:t>
+            </a:r>
+            <a:endParaRPr lang="fr-FR" sz="4000" b="1" dirty="0"/>
           </a:p>
           <a:p>
             <a:pPr marL="742950" indent="-742950">
@@ -19978,6 +20176,55 @@
                       </p:childTnLst>
                     </p:cTn>
                   </p:par>
+                  <p:par>
+                    <p:cTn id="19" fill="hold">
+                      <p:stCondLst>
+                        <p:cond delay="indefinite"/>
+                      </p:stCondLst>
+                      <p:childTnLst>
+                        <p:par>
+                          <p:cTn id="20" fill="hold">
+                            <p:stCondLst>
+                              <p:cond delay="0"/>
+                            </p:stCondLst>
+                            <p:childTnLst>
+                              <p:par>
+                                <p:cTn id="21" presetID="1" presetClass="entr" presetSubtype="0" fill="hold" nodeType="clickEffect">
+                                  <p:stCondLst>
+                                    <p:cond delay="0"/>
+                                  </p:stCondLst>
+                                  <p:childTnLst>
+                                    <p:set>
+                                      <p:cBhvr>
+                                        <p:cTn id="22" dur="1" fill="hold">
+                                          <p:stCondLst>
+                                            <p:cond delay="0"/>
+                                          </p:stCondLst>
+                                        </p:cTn>
+                                        <p:tgtEl>
+                                          <p:spTgt spid="3">
+                                            <p:txEl>
+                                              <p:pRg st="4" end="4"/>
+                                            </p:txEl>
+                                          </p:spTgt>
+                                        </p:tgtEl>
+                                        <p:attrNameLst>
+                                          <p:attrName>style.visibility</p:attrName>
+                                        </p:attrNameLst>
+                                      </p:cBhvr>
+                                      <p:to>
+                                        <p:strVal val="visible"/>
+                                      </p:to>
+                                    </p:set>
+                                  </p:childTnLst>
+                                </p:cTn>
+                              </p:par>
+                            </p:childTnLst>
+                          </p:cTn>
+                        </p:par>
+                      </p:childTnLst>
+                    </p:cTn>
+                  </p:par>
                 </p:childTnLst>
               </p:cTn>
               <p:prevCondLst>
@@ -20004,6 +20251,650 @@
 </file>
 
 <file path=ppt/slides/slide20.xml><?xml version="1.0" encoding="utf-8"?>
+<p:sld xmlns:a="http://schemas.openxmlformats.org/drawingml/2006/main" xmlns:r="http://schemas.openxmlformats.org/officeDocument/2006/relationships" xmlns:p="http://schemas.openxmlformats.org/presentationml/2006/main">
+  <p:cSld>
+    <p:spTree>
+      <p:nvGrpSpPr>
+        <p:cNvPr id="1" name=""/>
+        <p:cNvGrpSpPr/>
+        <p:nvPr/>
+      </p:nvGrpSpPr>
+      <p:grpSpPr>
+        <a:xfrm>
+          <a:off x="0" y="0"/>
+          <a:ext cx="0" cy="0"/>
+          <a:chOff x="0" y="0"/>
+          <a:chExt cx="0" cy="0"/>
+        </a:xfrm>
+      </p:grpSpPr>
+      <p:sp>
+        <p:nvSpPr>
+          <p:cNvPr id="3" name="Text Placeholder 2"/>
+          <p:cNvSpPr>
+            <a:spLocks noGrp="1"/>
+          </p:cNvSpPr>
+          <p:nvPr>
+            <p:ph type="body" sz="quarter" idx="10"/>
+          </p:nvPr>
+        </p:nvSpPr>
+        <p:spPr>
+          <a:xfrm>
+            <a:off x="186952" y="1126734"/>
+            <a:ext cx="11818096" cy="5528766"/>
+          </a:xfrm>
+        </p:spPr>
+        <p:txBody>
+          <a:bodyPr>
+            <a:normAutofit/>
+          </a:bodyPr>
+          <a:lstStyle/>
+          <a:p>
+            <a:r>
+              <a:rPr lang="bg-BG" sz="2800" dirty="0"/>
+              <a:t>Абстрактните класове </a:t>
+            </a:r>
+            <a:r>
+              <a:rPr lang="bg-BG" sz="2800" b="1" dirty="0">
+                <a:solidFill>
+                  <a:schemeClr val="bg1"/>
+                </a:solidFill>
+              </a:rPr>
+              <a:t>може</a:t>
+            </a:r>
+            <a:r>
+              <a:rPr lang="en-US" sz="2800" dirty="0"/>
+              <a:t> </a:t>
+            </a:r>
+            <a:r>
+              <a:rPr lang="bg-BG" sz="2800" dirty="0"/>
+              <a:t>да съдържат</a:t>
+            </a:r>
+            <a:r>
+              <a:rPr lang="en-US" sz="2800" dirty="0"/>
+              <a:t> </a:t>
+            </a:r>
+            <a:r>
+              <a:rPr lang="bg-BG" sz="2800" b="1" dirty="0">
+                <a:solidFill>
+                  <a:schemeClr val="bg1"/>
+                </a:solidFill>
+              </a:rPr>
+              <a:t>абстрактни методи </a:t>
+            </a:r>
+            <a:r>
+              <a:rPr lang="bg-BG" sz="2800" dirty="0"/>
+              <a:t>и </a:t>
+            </a:r>
+            <a:br>
+              <a:rPr lang="en-US" sz="2800" dirty="0"/>
+            </a:br>
+            <a:r>
+              <a:rPr lang="en-US" sz="2800" b="1" dirty="0">
+                <a:solidFill>
+                  <a:schemeClr val="bg1"/>
+                </a:solidFill>
+              </a:rPr>
+              <a:t>access-</a:t>
+            </a:r>
+            <a:r>
+              <a:rPr lang="bg-BG" sz="2800" b="1" dirty="0">
+                <a:solidFill>
+                  <a:schemeClr val="bg1"/>
+                </a:solidFill>
+              </a:rPr>
+              <a:t>ори</a:t>
+            </a:r>
+            <a:endParaRPr lang="en-US" sz="2800" dirty="0"/>
+          </a:p>
+        </p:txBody>
+      </p:sp>
+      <p:sp>
+        <p:nvSpPr>
+          <p:cNvPr id="4" name="Title 3"/>
+          <p:cNvSpPr>
+            <a:spLocks noGrp="1"/>
+          </p:cNvSpPr>
+          <p:nvPr>
+            <p:ph type="title"/>
+          </p:nvPr>
+        </p:nvSpPr>
+        <p:spPr/>
+        <p:txBody>
+          <a:bodyPr/>
+          <a:lstStyle/>
+          <a:p>
+            <a:r>
+              <a:rPr lang="bg-BG" dirty="0"/>
+              <a:t>Абстрактен клас</a:t>
+            </a:r>
+            <a:endParaRPr lang="en-US" dirty="0"/>
+          </a:p>
+        </p:txBody>
+      </p:sp>
+      <p:sp>
+        <p:nvSpPr>
+          <p:cNvPr id="5" name="Rectangle 4"/>
+          <p:cNvSpPr>
+            <a:spLocks noChangeArrowheads="1"/>
+          </p:cNvSpPr>
+          <p:nvPr/>
+        </p:nvSpPr>
+        <p:spPr bwMode="auto">
+          <a:xfrm>
+            <a:off x="1143203" y="2138645"/>
+            <a:ext cx="9768623" cy="2378644"/>
+          </a:xfrm>
+          <a:prstGeom prst="rect">
+            <a:avLst/>
+          </a:prstGeom>
+          <a:solidFill>
+            <a:schemeClr val="accent6">
+              <a:lumMod val="75000"/>
+              <a:alpha val="15000"/>
+            </a:schemeClr>
+          </a:solidFill>
+          <a:ln w="12700">
+            <a:solidFill>
+              <a:schemeClr val="tx1">
+                <a:lumMod val="50000"/>
+              </a:schemeClr>
+            </a:solidFill>
+          </a:ln>
+        </p:spPr>
+        <p:txBody>
+          <a:bodyPr vert="horz" wrap="square" lIns="143963" tIns="107972" rIns="143963" bIns="107972" rtlCol="0">
+            <a:spAutoFit/>
+          </a:bodyPr>
+          <a:lstStyle/>
+          <a:p>
+            <a:pPr defTabSz="1218438" latinLnBrk="1">
+              <a:lnSpc>
+                <a:spcPct val="90000"/>
+              </a:lnSpc>
+            </a:pPr>
+            <a:r>
+              <a:rPr lang="en-US" sz="2600" b="1" noProof="1">
+                <a:solidFill>
+                  <a:schemeClr val="bg1"/>
+                </a:solidFill>
+                <a:latin typeface="Consolas" pitchFamily="49" charset="0"/>
+                <a:cs typeface="Consolas" pitchFamily="49" charset="0"/>
+              </a:rPr>
+              <a:t>abstract</a:t>
+            </a:r>
+            <a:r>
+              <a:rPr lang="en-US" sz="2600" b="1" noProof="1">
+                <a:latin typeface="Consolas" pitchFamily="49" charset="0"/>
+                <a:cs typeface="Consolas" pitchFamily="49" charset="0"/>
+              </a:rPr>
+              <a:t> class BaseClass</a:t>
+            </a:r>
+          </a:p>
+          <a:p>
+            <a:pPr defTabSz="1218438" latinLnBrk="1">
+              <a:lnSpc>
+                <a:spcPct val="90000"/>
+              </a:lnSpc>
+            </a:pPr>
+            <a:r>
+              <a:rPr lang="en-US" sz="2600" b="1" noProof="1">
+                <a:latin typeface="Consolas" pitchFamily="49" charset="0"/>
+                <a:cs typeface="Consolas" pitchFamily="49" charset="0"/>
+              </a:rPr>
+              <a:t>{</a:t>
+            </a:r>
+          </a:p>
+          <a:p>
+            <a:pPr defTabSz="1218438" latinLnBrk="1">
+              <a:lnSpc>
+                <a:spcPct val="90000"/>
+              </a:lnSpc>
+            </a:pPr>
+            <a:r>
+              <a:rPr lang="en-US" sz="2600" b="1" noProof="1">
+                <a:latin typeface="Consolas" pitchFamily="49" charset="0"/>
+                <a:cs typeface="Consolas" pitchFamily="49" charset="0"/>
+              </a:rPr>
+              <a:t>  protected int x = 100;</a:t>
+            </a:r>
+          </a:p>
+          <a:p>
+            <a:pPr defTabSz="1218438" latinLnBrk="1">
+              <a:lnSpc>
+                <a:spcPct val="90000"/>
+              </a:lnSpc>
+            </a:pPr>
+            <a:r>
+              <a:rPr lang="en-US" sz="2600" b="1" noProof="1">
+                <a:latin typeface="Consolas" pitchFamily="49" charset="0"/>
+                <a:cs typeface="Consolas" pitchFamily="49" charset="0"/>
+              </a:rPr>
+              <a:t>  public </a:t>
+            </a:r>
+            <a:r>
+              <a:rPr lang="en-US" sz="2600" b="1" noProof="1">
+                <a:solidFill>
+                  <a:schemeClr val="bg1"/>
+                </a:solidFill>
+                <a:latin typeface="Consolas" pitchFamily="49" charset="0"/>
+                <a:cs typeface="Consolas" pitchFamily="49" charset="0"/>
+              </a:rPr>
+              <a:t>abstract</a:t>
+            </a:r>
+            <a:r>
+              <a:rPr lang="en-US" sz="2600" b="1" noProof="1">
+                <a:latin typeface="Consolas" pitchFamily="49" charset="0"/>
+                <a:cs typeface="Consolas" pitchFamily="49" charset="0"/>
+              </a:rPr>
+              <a:t> void AbstractMethod(); </a:t>
+            </a:r>
+          </a:p>
+          <a:p>
+            <a:pPr defTabSz="1218438" latinLnBrk="1">
+              <a:lnSpc>
+                <a:spcPct val="90000"/>
+              </a:lnSpc>
+            </a:pPr>
+            <a:r>
+              <a:rPr lang="en-US" sz="2600" b="1" noProof="1">
+                <a:latin typeface="Consolas" pitchFamily="49" charset="0"/>
+                <a:cs typeface="Consolas" pitchFamily="49" charset="0"/>
+              </a:rPr>
+              <a:t>  public </a:t>
+            </a:r>
+            <a:r>
+              <a:rPr lang="en-US" sz="2600" b="1" noProof="1">
+                <a:solidFill>
+                  <a:schemeClr val="bg1"/>
+                </a:solidFill>
+                <a:latin typeface="Consolas" pitchFamily="49" charset="0"/>
+                <a:cs typeface="Consolas" pitchFamily="49" charset="0"/>
+              </a:rPr>
+              <a:t>abstract</a:t>
+            </a:r>
+            <a:r>
+              <a:rPr lang="en-US" sz="2600" b="1" noProof="1">
+                <a:latin typeface="Consolas" pitchFamily="49" charset="0"/>
+                <a:cs typeface="Consolas" pitchFamily="49" charset="0"/>
+              </a:rPr>
+              <a:t> int X { get; }</a:t>
+            </a:r>
+          </a:p>
+          <a:p>
+            <a:pPr defTabSz="1218438" latinLnBrk="1">
+              <a:lnSpc>
+                <a:spcPct val="90000"/>
+              </a:lnSpc>
+            </a:pPr>
+            <a:r>
+              <a:rPr lang="en-US" sz="2600" b="1" noProof="1">
+                <a:latin typeface="Consolas" pitchFamily="49" charset="0"/>
+                <a:cs typeface="Consolas" pitchFamily="49" charset="0"/>
+              </a:rPr>
+              <a:t>}</a:t>
+            </a:r>
+          </a:p>
+        </p:txBody>
+      </p:sp>
+      <p:sp>
+        <p:nvSpPr>
+          <p:cNvPr id="6" name="Rectangle 5"/>
+          <p:cNvSpPr>
+            <a:spLocks noChangeArrowheads="1"/>
+          </p:cNvSpPr>
+          <p:nvPr/>
+        </p:nvSpPr>
+        <p:spPr bwMode="auto">
+          <a:xfrm>
+            <a:off x="1146826" y="4517289"/>
+            <a:ext cx="9765000" cy="2378644"/>
+          </a:xfrm>
+          <a:prstGeom prst="rect">
+            <a:avLst/>
+          </a:prstGeom>
+          <a:solidFill>
+            <a:schemeClr val="accent6">
+              <a:lumMod val="75000"/>
+              <a:alpha val="15000"/>
+            </a:schemeClr>
+          </a:solidFill>
+          <a:ln w="12700">
+            <a:solidFill>
+              <a:schemeClr val="tx1">
+                <a:lumMod val="50000"/>
+              </a:schemeClr>
+            </a:solidFill>
+          </a:ln>
+        </p:spPr>
+        <p:txBody>
+          <a:bodyPr vert="horz" wrap="square" lIns="143963" tIns="107972" rIns="143963" bIns="107972" rtlCol="0">
+            <a:spAutoFit/>
+          </a:bodyPr>
+          <a:lstStyle/>
+          <a:p>
+            <a:pPr defTabSz="1218438" latinLnBrk="1">
+              <a:lnSpc>
+                <a:spcPct val="90000"/>
+              </a:lnSpc>
+            </a:pPr>
+            <a:r>
+              <a:rPr lang="en-US" sz="2600" b="1" noProof="1">
+                <a:latin typeface="Consolas" pitchFamily="49" charset="0"/>
+                <a:cs typeface="Consolas" pitchFamily="49" charset="0"/>
+              </a:rPr>
+              <a:t>class DerivedClass : BaseClass</a:t>
+            </a:r>
+          </a:p>
+          <a:p>
+            <a:pPr defTabSz="1218438" latinLnBrk="1">
+              <a:lnSpc>
+                <a:spcPct val="90000"/>
+              </a:lnSpc>
+            </a:pPr>
+            <a:r>
+              <a:rPr lang="en-US" sz="2600" b="1" noProof="1">
+                <a:latin typeface="Consolas" pitchFamily="49" charset="0"/>
+                <a:cs typeface="Consolas" pitchFamily="49" charset="0"/>
+              </a:rPr>
+              <a:t>{</a:t>
+            </a:r>
+          </a:p>
+          <a:p>
+            <a:pPr defTabSz="1218438" latinLnBrk="1">
+              <a:lnSpc>
+                <a:spcPct val="90000"/>
+              </a:lnSpc>
+            </a:pPr>
+            <a:r>
+              <a:rPr lang="en-US" sz="2600" b="1" noProof="1">
+                <a:latin typeface="Consolas" pitchFamily="49" charset="0"/>
+                <a:cs typeface="Consolas" pitchFamily="49" charset="0"/>
+              </a:rPr>
+              <a:t>  public </a:t>
+            </a:r>
+            <a:r>
+              <a:rPr lang="en-US" sz="2600" b="1" noProof="1">
+                <a:solidFill>
+                  <a:schemeClr val="bg1"/>
+                </a:solidFill>
+                <a:latin typeface="Consolas" pitchFamily="49" charset="0"/>
+                <a:cs typeface="Consolas" pitchFamily="49" charset="0"/>
+              </a:rPr>
+              <a:t>override</a:t>
+            </a:r>
+            <a:r>
+              <a:rPr lang="en-US" sz="2600" b="1" noProof="1">
+                <a:latin typeface="Consolas" pitchFamily="49" charset="0"/>
+                <a:cs typeface="Consolas" pitchFamily="49" charset="0"/>
+              </a:rPr>
+              <a:t> void AbstractMethod() { x++; }</a:t>
+            </a:r>
+            <a:endParaRPr lang="en-US" sz="1100" b="1" noProof="1">
+              <a:latin typeface="Consolas" pitchFamily="49" charset="0"/>
+              <a:cs typeface="Consolas" pitchFamily="49" charset="0"/>
+            </a:endParaRPr>
+          </a:p>
+          <a:p>
+            <a:pPr defTabSz="1218438" latinLnBrk="1">
+              <a:lnSpc>
+                <a:spcPct val="90000"/>
+              </a:lnSpc>
+            </a:pPr>
+            <a:r>
+              <a:rPr lang="en-US" sz="2600" b="1" noProof="1">
+                <a:latin typeface="Consolas" pitchFamily="49" charset="0"/>
+                <a:cs typeface="Consolas" pitchFamily="49" charset="0"/>
+              </a:rPr>
+              <a:t>  public </a:t>
+            </a:r>
+            <a:r>
+              <a:rPr lang="en-US" sz="2600" b="1" noProof="1">
+                <a:solidFill>
+                  <a:schemeClr val="bg1"/>
+                </a:solidFill>
+                <a:latin typeface="Consolas" pitchFamily="49" charset="0"/>
+                <a:cs typeface="Consolas" pitchFamily="49" charset="0"/>
+              </a:rPr>
+              <a:t>override</a:t>
+            </a:r>
+            <a:r>
+              <a:rPr lang="en-US" sz="2600" b="1" noProof="1">
+                <a:latin typeface="Consolas" pitchFamily="49" charset="0"/>
+                <a:cs typeface="Consolas" pitchFamily="49" charset="0"/>
+              </a:rPr>
+              <a:t> int X   </a:t>
+            </a:r>
+            <a:r>
+              <a:rPr lang="en-US" sz="2600" b="1" noProof="1">
+                <a:solidFill>
+                  <a:schemeClr val="accent2">
+                    <a:lumMod val="75000"/>
+                  </a:schemeClr>
+                </a:solidFill>
+                <a:latin typeface="Consolas" pitchFamily="49" charset="0"/>
+                <a:cs typeface="Consolas" pitchFamily="49" charset="0"/>
+              </a:rPr>
+              <a:t>// overriding property</a:t>
+            </a:r>
+          </a:p>
+          <a:p>
+            <a:pPr defTabSz="1218438" latinLnBrk="1">
+              <a:lnSpc>
+                <a:spcPct val="90000"/>
+              </a:lnSpc>
+            </a:pPr>
+            <a:r>
+              <a:rPr lang="en-US" sz="2600" b="1" noProof="1">
+                <a:latin typeface="Consolas" pitchFamily="49" charset="0"/>
+                <a:cs typeface="Consolas" pitchFamily="49" charset="0"/>
+              </a:rPr>
+              <a:t>  { get { return x + 10; } }</a:t>
+            </a:r>
+          </a:p>
+          <a:p>
+            <a:pPr defTabSz="1218438" latinLnBrk="1">
+              <a:lnSpc>
+                <a:spcPct val="90000"/>
+              </a:lnSpc>
+            </a:pPr>
+            <a:r>
+              <a:rPr lang="en-US" sz="2600" b="1" noProof="1">
+                <a:latin typeface="Consolas" pitchFamily="49" charset="0"/>
+                <a:cs typeface="Consolas" pitchFamily="49" charset="0"/>
+              </a:rPr>
+              <a:t>}</a:t>
+            </a:r>
+          </a:p>
+        </p:txBody>
+      </p:sp>
+      <p:sp>
+        <p:nvSpPr>
+          <p:cNvPr id="7" name="Slide Number">
+            <a:extLst>
+              <a:ext uri="{FF2B5EF4-FFF2-40B4-BE49-F238E27FC236}">
+                <a16:creationId xmlns:a16="http://schemas.microsoft.com/office/drawing/2014/main" id="{48E45632-DC68-46D9-A830-E00C772C58F2}"/>
+              </a:ext>
+            </a:extLst>
+          </p:cNvPr>
+          <p:cNvSpPr>
+            <a:spLocks noGrp="1"/>
+          </p:cNvSpPr>
+          <p:nvPr>
+            <p:ph type="sldNum" sz="quarter" idx="5"/>
+          </p:nvPr>
+        </p:nvSpPr>
+        <p:spPr>
+          <a:xfrm>
+            <a:off x="11753030" y="6507000"/>
+            <a:ext cx="367414" cy="297000"/>
+          </a:xfrm>
+          <a:prstGeom prst="rect">
+            <a:avLst/>
+          </a:prstGeom>
+        </p:spPr>
+        <p:txBody>
+          <a:bodyPr vert="horz" lIns="91440" tIns="45720" rIns="91440" bIns="45720" rtlCol="0" anchor="b"/>
+          <a:lstStyle>
+            <a:lvl1pPr algn="r">
+              <a:defRPr sz="1000"/>
+            </a:lvl1pPr>
+          </a:lstStyle>
+          <a:p>
+            <a:fld id="{2BF067CD-8E6B-4360-9AA8-C5DF2A48A6D1}" type="slidenum">
+              <a:rPr lang="en-US" noProof="0" smtClean="0"/>
+              <a:pPr/>
+              <a:t>20</a:t>
+            </a:fld>
+            <a:endParaRPr lang="en-US" noProof="0" dirty="0"/>
+          </a:p>
+        </p:txBody>
+      </p:sp>
+    </p:spTree>
+    <p:extLst>
+      <p:ext uri="{BB962C8B-B14F-4D97-AF65-F5344CB8AC3E}">
+        <p14:creationId xmlns:p14="http://schemas.microsoft.com/office/powerpoint/2010/main" val="18077399"/>
+      </p:ext>
+    </p:extLst>
+  </p:cSld>
+  <p:clrMapOvr>
+    <a:masterClrMapping/>
+  </p:clrMapOvr>
+  <mc:AlternateContent xmlns:mc="http://schemas.openxmlformats.org/markup-compatibility/2006" xmlns:p14="http://schemas.microsoft.com/office/powerpoint/2010/main">
+    <mc:Choice Requires="p14">
+      <p:transition spd="slow" p14:dur="2000" advClick="0" advTm="5000"/>
+    </mc:Choice>
+    <mc:Fallback xmlns="">
+      <p:transition spd="slow" advClick="0" advTm="5000"/>
+    </mc:Fallback>
+  </mc:AlternateContent>
+  <p:timing>
+    <p:tnLst>
+      <p:par>
+        <p:cTn id="1" dur="indefinite" restart="never" nodeType="tmRoot">
+          <p:childTnLst>
+            <p:seq concurrent="1" nextAc="seek">
+              <p:cTn id="2" dur="indefinite" nodeType="mainSeq">
+                <p:childTnLst>
+                  <p:par>
+                    <p:cTn id="3" fill="hold">
+                      <p:stCondLst>
+                        <p:cond delay="indefinite"/>
+                      </p:stCondLst>
+                      <p:childTnLst>
+                        <p:par>
+                          <p:cTn id="4" fill="hold">
+                            <p:stCondLst>
+                              <p:cond delay="0"/>
+                            </p:stCondLst>
+                            <p:childTnLst>
+                              <p:par>
+                                <p:cTn id="5" presetID="1" presetClass="entr" presetSubtype="0" fill="hold" grpId="0" nodeType="clickEffect">
+                                  <p:stCondLst>
+                                    <p:cond delay="0"/>
+                                  </p:stCondLst>
+                                  <p:childTnLst>
+                                    <p:set>
+                                      <p:cBhvr>
+                                        <p:cTn id="6" dur="1" fill="hold">
+                                          <p:stCondLst>
+                                            <p:cond delay="0"/>
+                                          </p:stCondLst>
+                                        </p:cTn>
+                                        <p:tgtEl>
+                                          <p:spTgt spid="5"/>
+                                        </p:tgtEl>
+                                        <p:attrNameLst>
+                                          <p:attrName>style.visibility</p:attrName>
+                                        </p:attrNameLst>
+                                      </p:cBhvr>
+                                      <p:to>
+                                        <p:strVal val="visible"/>
+                                      </p:to>
+                                    </p:set>
+                                  </p:childTnLst>
+                                </p:cTn>
+                              </p:par>
+                            </p:childTnLst>
+                          </p:cTn>
+                        </p:par>
+                      </p:childTnLst>
+                    </p:cTn>
+                  </p:par>
+                  <p:par>
+                    <p:cTn id="7" fill="hold">
+                      <p:stCondLst>
+                        <p:cond delay="indefinite"/>
+                      </p:stCondLst>
+                      <p:childTnLst>
+                        <p:par>
+                          <p:cTn id="8" fill="hold">
+                            <p:stCondLst>
+                              <p:cond delay="0"/>
+                            </p:stCondLst>
+                            <p:childTnLst>
+                              <p:par>
+                                <p:cTn id="9" presetID="1" presetClass="entr" presetSubtype="0" fill="hold" grpId="0" nodeType="clickEffect">
+                                  <p:stCondLst>
+                                    <p:cond delay="0"/>
+                                  </p:stCondLst>
+                                  <p:childTnLst>
+                                    <p:set>
+                                      <p:cBhvr>
+                                        <p:cTn id="10" dur="1" fill="hold">
+                                          <p:stCondLst>
+                                            <p:cond delay="0"/>
+                                          </p:stCondLst>
+                                        </p:cTn>
+                                        <p:tgtEl>
+                                          <p:spTgt spid="6"/>
+                                        </p:tgtEl>
+                                        <p:attrNameLst>
+                                          <p:attrName>style.visibility</p:attrName>
+                                        </p:attrNameLst>
+                                      </p:cBhvr>
+                                      <p:to>
+                                        <p:strVal val="visible"/>
+                                      </p:to>
+                                    </p:set>
+                                  </p:childTnLst>
+                                </p:cTn>
+                              </p:par>
+                            </p:childTnLst>
+                          </p:cTn>
+                        </p:par>
+                      </p:childTnLst>
+                    </p:cTn>
+                  </p:par>
+                </p:childTnLst>
+              </p:cTn>
+              <p:prevCondLst>
+                <p:cond evt="onPrev" delay="0">
+                  <p:tgtEl>
+                    <p:sldTgt/>
+                  </p:tgtEl>
+                </p:cond>
+              </p:prevCondLst>
+              <p:nextCondLst>
+                <p:cond evt="onNext" delay="0">
+                  <p:tgtEl>
+                    <p:sldTgt/>
+                  </p:tgtEl>
+                </p:cond>
+              </p:nextCondLst>
+            </p:seq>
+          </p:childTnLst>
+        </p:cTn>
+      </p:par>
+    </p:tnLst>
+    <p:bldLst>
+      <p:bldP spid="5" grpId="0" animBg="1"/>
+      <p:bldP spid="6" grpId="0" animBg="1"/>
+    </p:bldLst>
+  </p:timing>
+</p:sld>
+</file>
+
+<file path=ppt/slides/slide21.xml><?xml version="1.0" encoding="utf-8"?>
 <p:sld xmlns:a="http://schemas.openxmlformats.org/drawingml/2006/main" xmlns:r="http://schemas.openxmlformats.org/officeDocument/2006/relationships" xmlns:p="http://schemas.openxmlformats.org/presentationml/2006/main">
   <p:cSld>
     <p:spTree>
@@ -20687,7 +21578,7 @@
             <a:fld id="{2BF067CD-8E6B-4360-9AA8-C5DF2A48A6D1}" type="slidenum">
               <a:rPr lang="en-US" noProof="0" smtClean="0"/>
               <a:pPr/>
-              <a:t>20</a:t>
+              <a:t>21</a:t>
             </a:fld>
             <a:endParaRPr lang="en-US" noProof="0" dirty="0"/>
           </a:p>
@@ -20940,7 +21831,7 @@
 </p:sld>
 </file>
 
-<file path=ppt/slides/slide21.xml><?xml version="1.0" encoding="utf-8"?>
+<file path=ppt/slides/slide22.xml><?xml version="1.0" encoding="utf-8"?>
 <p:sld xmlns:a="http://schemas.openxmlformats.org/drawingml/2006/main" xmlns:r="http://schemas.openxmlformats.org/officeDocument/2006/relationships" xmlns:p="http://schemas.openxmlformats.org/presentationml/2006/main">
   <p:cSld>
     <p:spTree>
@@ -21234,7 +22125,7 @@
             <a:fld id="{2BF067CD-8E6B-4360-9AA8-C5DF2A48A6D1}" type="slidenum">
               <a:rPr lang="en-US" noProof="0" smtClean="0"/>
               <a:pPr/>
-              <a:t>21</a:t>
+              <a:t>22</a:t>
             </a:fld>
             <a:endParaRPr lang="en-US" noProof="0" dirty="0"/>
           </a:p>
@@ -21437,7 +22328,7 @@
 </p:sld>
 </file>
 
-<file path=ppt/slides/slide22.xml><?xml version="1.0" encoding="utf-8"?>
+<file path=ppt/slides/slide23.xml><?xml version="1.0" encoding="utf-8"?>
 <p:sld xmlns:a="http://schemas.openxmlformats.org/drawingml/2006/main" xmlns:r="http://schemas.openxmlformats.org/officeDocument/2006/relationships" xmlns:p="http://schemas.openxmlformats.org/presentationml/2006/main">
   <p:cSld>
     <p:spTree>
@@ -21539,7 +22430,7 @@
 </p:sld>
 </file>
 
-<file path=ppt/slides/slide23.xml><?xml version="1.0" encoding="utf-8"?>
+<file path=ppt/slides/slide24.xml><?xml version="1.0" encoding="utf-8"?>
 <p:sld xmlns:a="http://schemas.openxmlformats.org/drawingml/2006/main" xmlns:r="http://schemas.openxmlformats.org/officeDocument/2006/relationships" xmlns:p="http://schemas.openxmlformats.org/presentationml/2006/main">
   <p:cSld>
     <p:spTree>
@@ -22034,7 +22925,7 @@
             <a:fld id="{2BF067CD-8E6B-4360-9AA8-C5DF2A48A6D1}" type="slidenum">
               <a:rPr lang="en-US" smtClean="0"/>
               <a:pPr/>
-              <a:t>23</a:t>
+              <a:t>24</a:t>
             </a:fld>
             <a:endParaRPr lang="en-US" dirty="0"/>
           </a:p>
@@ -22287,7 +23178,7 @@
 </p:sld>
 </file>
 
-<file path=ppt/slides/slide24.xml><?xml version="1.0" encoding="utf-8"?>
+<file path=ppt/slides/slide25.xml><?xml version="1.0" encoding="utf-8"?>
 <p:sld xmlns:a="http://schemas.openxmlformats.org/drawingml/2006/main" xmlns:r="http://schemas.openxmlformats.org/officeDocument/2006/relationships" xmlns:p="http://schemas.openxmlformats.org/presentationml/2006/main">
   <p:cSld>
     <p:spTree>
@@ -22675,7 +23566,7 @@
             <a:fld id="{2BF067CD-8E6B-4360-9AA8-C5DF2A48A6D1}" type="slidenum">
               <a:rPr lang="en-US" smtClean="0"/>
               <a:pPr/>
-              <a:t>24</a:t>
+              <a:t>25</a:t>
             </a:fld>
             <a:endParaRPr lang="en-US" dirty="0"/>
           </a:p>
@@ -22830,7 +23721,7 @@
 </p:sld>
 </file>
 
-<file path=ppt/slides/slide25.xml><?xml version="1.0" encoding="utf-8"?>
+<file path=ppt/slides/slide26.xml><?xml version="1.0" encoding="utf-8"?>
 <p:sld xmlns:a="http://schemas.openxmlformats.org/drawingml/2006/main" xmlns:r="http://schemas.openxmlformats.org/officeDocument/2006/relationships" xmlns:p="http://schemas.openxmlformats.org/presentationml/2006/main">
   <p:cSld>
     <p:spTree>
@@ -23573,7 +24464,7 @@
             <a:fld id="{2BF067CD-8E6B-4360-9AA8-C5DF2A48A6D1}" type="slidenum">
               <a:rPr lang="en-US" noProof="0" smtClean="0"/>
               <a:pPr/>
-              <a:t>25</a:t>
+              <a:t>26</a:t>
             </a:fld>
             <a:endParaRPr lang="en-US" noProof="0" dirty="0"/>
           </a:p>
@@ -23808,7 +24699,7 @@
 </p:sld>
 </file>
 
-<file path=ppt/slides/slide26.xml><?xml version="1.0" encoding="utf-8"?>
+<file path=ppt/slides/slide27.xml><?xml version="1.0" encoding="utf-8"?>
 <p:sld xmlns:a="http://schemas.openxmlformats.org/drawingml/2006/main" xmlns:r="http://schemas.openxmlformats.org/officeDocument/2006/relationships" xmlns:p="http://schemas.openxmlformats.org/presentationml/2006/main">
   <p:cSld>
     <p:spTree>
@@ -24147,7 +25038,7 @@
             <a:fld id="{2BF067CD-8E6B-4360-9AA8-C5DF2A48A6D1}" type="slidenum">
               <a:rPr lang="en-US" noProof="0" smtClean="0"/>
               <a:pPr/>
-              <a:t>26</a:t>
+              <a:t>27</a:t>
             </a:fld>
             <a:endParaRPr lang="en-US" noProof="0" dirty="0"/>
           </a:p>
@@ -24542,7 +25433,7 @@
 </p:sld>
 </file>
 
-<file path=ppt/slides/slide27.xml><?xml version="1.0" encoding="utf-8"?>
+<file path=ppt/slides/slide28.xml><?xml version="1.0" encoding="utf-8"?>
 <p:sld xmlns:a="http://schemas.openxmlformats.org/drawingml/2006/main" xmlns:r="http://schemas.openxmlformats.org/officeDocument/2006/relationships" xmlns:p="http://schemas.openxmlformats.org/presentationml/2006/main">
   <p:cSld>
     <p:spTree>
@@ -24955,7 +25846,7 @@
             <a:fld id="{2BF067CD-8E6B-4360-9AA8-C5DF2A48A6D1}" type="slidenum">
               <a:rPr lang="en-US" smtClean="0"/>
               <a:pPr/>
-              <a:t>27</a:t>
+              <a:t>28</a:t>
             </a:fld>
             <a:endParaRPr lang="en-US" dirty="0"/>
           </a:p>
@@ -25283,7 +26174,7 @@
 </p:sld>
 </file>
 
-<file path=ppt/slides/slide28.xml><?xml version="1.0" encoding="utf-8"?>
+<file path=ppt/slides/slide29.xml><?xml version="1.0" encoding="utf-8"?>
 <p:sld xmlns:a="http://schemas.openxmlformats.org/drawingml/2006/main" xmlns:r="http://schemas.openxmlformats.org/officeDocument/2006/relationships" xmlns:p="http://schemas.openxmlformats.org/presentationml/2006/main">
   <p:cSld>
     <p:spTree>
@@ -25949,7 +26840,7 @@
             <a:fld id="{2BF067CD-8E6B-4360-9AA8-C5DF2A48A6D1}" type="slidenum">
               <a:rPr lang="en-US" smtClean="0"/>
               <a:pPr/>
-              <a:t>28</a:t>
+              <a:t>29</a:t>
             </a:fld>
             <a:endParaRPr lang="en-US" dirty="0"/>
           </a:p>
@@ -26357,7 +27248,138 @@
 </p:sld>
 </file>
 
-<file path=ppt/slides/slide29.xml><?xml version="1.0" encoding="utf-8"?>
+<file path=ppt/slides/slide3.xml><?xml version="1.0" encoding="utf-8"?>
+<p:sld xmlns:a="http://schemas.openxmlformats.org/drawingml/2006/main" xmlns:r="http://schemas.openxmlformats.org/officeDocument/2006/relationships" xmlns:p="http://schemas.openxmlformats.org/presentationml/2006/main">
+  <p:cSld>
+    <p:spTree>
+      <p:nvGrpSpPr>
+        <p:cNvPr id="1" name=""/>
+        <p:cNvGrpSpPr/>
+        <p:nvPr/>
+      </p:nvGrpSpPr>
+      <p:grpSpPr>
+        <a:xfrm>
+          <a:off x="0" y="0"/>
+          <a:ext cx="0" cy="0"/>
+          <a:chOff x="0" y="0"/>
+          <a:chExt cx="0" cy="0"/>
+        </a:xfrm>
+      </p:grpSpPr>
+      <p:pic>
+        <p:nvPicPr>
+          <p:cNvPr id="6" name="Picture 5"/>
+          <p:cNvPicPr>
+            <a:picLocks noChangeAspect="1"/>
+          </p:cNvPicPr>
+          <p:nvPr/>
+        </p:nvPicPr>
+        <p:blipFill>
+          <a:blip r:embed="rId3">
+            <a:extLst>
+              <a:ext uri="{28A0092B-C50C-407E-A947-70E740481C1C}">
+                <a14:useLocalDpi xmlns:a14="http://schemas.microsoft.com/office/drawing/2010/main" val="0"/>
+              </a:ext>
+            </a:extLst>
+          </a:blip>
+          <a:stretch>
+            <a:fillRect/>
+          </a:stretch>
+        </p:blipFill>
+        <p:spPr>
+          <a:xfrm>
+            <a:off x="5029200" y="1524000"/>
+            <a:ext cx="2133600" cy="2133600"/>
+          </a:xfrm>
+          <a:prstGeom prst="rect">
+            <a:avLst/>
+          </a:prstGeom>
+        </p:spPr>
+      </p:pic>
+      <p:sp>
+        <p:nvSpPr>
+          <p:cNvPr id="3" name="Subtitle 2">
+            <a:extLst>
+              <a:ext uri="{FF2B5EF4-FFF2-40B4-BE49-F238E27FC236}">
+                <a16:creationId xmlns:a16="http://schemas.microsoft.com/office/drawing/2014/main" id="{31E69C61-A76B-E198-1CBC-BAE6CF718208}"/>
+              </a:ext>
+            </a:extLst>
+          </p:cNvPr>
+          <p:cNvSpPr>
+            <a:spLocks noGrp="1"/>
+          </p:cNvSpPr>
+          <p:nvPr>
+            <p:ph type="subTitle" sz="quarter" idx="11"/>
+          </p:nvPr>
+        </p:nvSpPr>
+        <p:spPr/>
+        <p:txBody>
+          <a:bodyPr/>
+          <a:lstStyle/>
+          <a:p>
+            <a:r>
+              <a:rPr lang="bg-BG" dirty="0"/>
+              <a:t>Принцип на абстракция в ООП</a:t>
+            </a:r>
+            <a:endParaRPr lang="en-US" dirty="0"/>
+          </a:p>
+        </p:txBody>
+      </p:sp>
+      <p:sp>
+        <p:nvSpPr>
+          <p:cNvPr id="5" name="Title 4">
+            <a:extLst>
+              <a:ext uri="{FF2B5EF4-FFF2-40B4-BE49-F238E27FC236}">
+                <a16:creationId xmlns:a16="http://schemas.microsoft.com/office/drawing/2014/main" id="{1070F7A4-C813-4F45-B897-1ACE34EFA84F}"/>
+              </a:ext>
+            </a:extLst>
+          </p:cNvPr>
+          <p:cNvSpPr>
+            <a:spLocks noGrp="1"/>
+          </p:cNvSpPr>
+          <p:nvPr>
+            <p:ph type="title" sz="quarter" idx="10"/>
+          </p:nvPr>
+        </p:nvSpPr>
+        <p:spPr>
+          <a:xfrm>
+            <a:off x="615109" y="4704825"/>
+            <a:ext cx="10961783" cy="768084"/>
+          </a:xfrm>
+        </p:spPr>
+        <p:txBody>
+          <a:bodyPr/>
+          <a:lstStyle/>
+          <a:p>
+            <a:r>
+              <a:rPr lang="bg-BG" dirty="0"/>
+              <a:t>Постигане на абстракция</a:t>
+            </a:r>
+            <a:endParaRPr lang="en-US" dirty="0"/>
+          </a:p>
+        </p:txBody>
+      </p:sp>
+    </p:spTree>
+    <p:extLst>
+      <p:ext uri="{BB962C8B-B14F-4D97-AF65-F5344CB8AC3E}">
+        <p14:creationId xmlns:p14="http://schemas.microsoft.com/office/powerpoint/2010/main" val="3388469966"/>
+      </p:ext>
+    </p:extLst>
+  </p:cSld>
+  <p:clrMapOvr>
+    <a:masterClrMapping/>
+  </p:clrMapOvr>
+  <mc:AlternateContent xmlns:mc="http://schemas.openxmlformats.org/markup-compatibility/2006" xmlns:p14="http://schemas.microsoft.com/office/powerpoint/2010/main">
+    <mc:Choice Requires="p14">
+      <p:transition p14:dur="0" advClick="0" advTm="5000"/>
+    </mc:Choice>
+    <mc:Fallback xmlns="">
+      <p:transition advClick="0" advTm="5000"/>
+    </mc:Fallback>
+  </mc:AlternateContent>
+</p:sld>
+</file>
+
+<file path=ppt/slides/slide30.xml><?xml version="1.0" encoding="utf-8"?>
 <p:sld xmlns:a="http://schemas.openxmlformats.org/drawingml/2006/main" xmlns:r="http://schemas.openxmlformats.org/officeDocument/2006/relationships" xmlns:p="http://schemas.openxmlformats.org/presentationml/2006/main">
   <p:cSld>
     <p:spTree>
@@ -26935,7 +27957,7 @@
             <a:fld id="{2BF067CD-8E6B-4360-9AA8-C5DF2A48A6D1}" type="slidenum">
               <a:rPr lang="en-US" smtClean="0"/>
               <a:pPr/>
-              <a:t>29</a:t>
+              <a:t>30</a:t>
             </a:fld>
             <a:endParaRPr lang="en-US" dirty="0"/>
           </a:p>
@@ -27359,104 +28381,7 @@
 </p:sld>
 </file>
 
-<file path=ppt/slides/slide3.xml><?xml version="1.0" encoding="utf-8"?>
-<p:sld xmlns:a="http://schemas.openxmlformats.org/drawingml/2006/main" xmlns:r="http://schemas.openxmlformats.org/officeDocument/2006/relationships" xmlns:p="http://schemas.openxmlformats.org/presentationml/2006/main">
-  <p:cSld>
-    <p:spTree>
-      <p:nvGrpSpPr>
-        <p:cNvPr id="1" name=""/>
-        <p:cNvGrpSpPr/>
-        <p:nvPr/>
-      </p:nvGrpSpPr>
-      <p:grpSpPr>
-        <a:xfrm>
-          <a:off x="0" y="0"/>
-          <a:ext cx="0" cy="0"/>
-          <a:chOff x="0" y="0"/>
-          <a:chExt cx="0" cy="0"/>
-        </a:xfrm>
-      </p:grpSpPr>
-      <p:pic>
-        <p:nvPicPr>
-          <p:cNvPr id="6" name="Picture 5"/>
-          <p:cNvPicPr>
-            <a:picLocks noChangeAspect="1"/>
-          </p:cNvPicPr>
-          <p:nvPr/>
-        </p:nvPicPr>
-        <p:blipFill>
-          <a:blip r:embed="rId3">
-            <a:extLst>
-              <a:ext uri="{28A0092B-C50C-407E-A947-70E740481C1C}">
-                <a14:useLocalDpi xmlns:a14="http://schemas.microsoft.com/office/drawing/2010/main" val="0"/>
-              </a:ext>
-            </a:extLst>
-          </a:blip>
-          <a:stretch>
-            <a:fillRect/>
-          </a:stretch>
-        </p:blipFill>
-        <p:spPr>
-          <a:xfrm>
-            <a:off x="5029200" y="1524000"/>
-            <a:ext cx="2133600" cy="2133600"/>
-          </a:xfrm>
-          <a:prstGeom prst="rect">
-            <a:avLst/>
-          </a:prstGeom>
-        </p:spPr>
-      </p:pic>
-      <p:sp>
-        <p:nvSpPr>
-          <p:cNvPr id="5" name="Title 4">
-            <a:extLst>
-              <a:ext uri="{FF2B5EF4-FFF2-40B4-BE49-F238E27FC236}">
-                <a16:creationId xmlns:a16="http://schemas.microsoft.com/office/drawing/2014/main" id="{1070F7A4-C813-4F45-B897-1ACE34EFA84F}"/>
-              </a:ext>
-            </a:extLst>
-          </p:cNvPr>
-          <p:cNvSpPr>
-            <a:spLocks noGrp="1"/>
-          </p:cNvSpPr>
-          <p:nvPr>
-            <p:ph type="title" sz="quarter" idx="10"/>
-          </p:nvPr>
-        </p:nvSpPr>
-        <p:spPr/>
-        <p:txBody>
-          <a:bodyPr/>
-          <a:lstStyle/>
-          <a:p>
-            <a:r>
-              <a:rPr lang="bg-BG" dirty="0"/>
-              <a:t>Постигане на абстракция</a:t>
-            </a:r>
-            <a:endParaRPr lang="en-US" dirty="0"/>
-          </a:p>
-        </p:txBody>
-      </p:sp>
-    </p:spTree>
-    <p:extLst>
-      <p:ext uri="{BB962C8B-B14F-4D97-AF65-F5344CB8AC3E}">
-        <p14:creationId xmlns:p14="http://schemas.microsoft.com/office/powerpoint/2010/main" val="3388469966"/>
-      </p:ext>
-    </p:extLst>
-  </p:cSld>
-  <p:clrMapOvr>
-    <a:masterClrMapping/>
-  </p:clrMapOvr>
-  <mc:AlternateContent xmlns:mc="http://schemas.openxmlformats.org/markup-compatibility/2006" xmlns:p14="http://schemas.microsoft.com/office/powerpoint/2010/main">
-    <mc:Choice Requires="p14">
-      <p:transition p14:dur="0" advClick="0" advTm="5000"/>
-    </mc:Choice>
-    <mc:Fallback xmlns="">
-      <p:transition advClick="0" advTm="5000"/>
-    </mc:Fallback>
-  </mc:AlternateContent>
-</p:sld>
-</file>
-
-<file path=ppt/slides/slide30.xml><?xml version="1.0" encoding="utf-8"?>
+<file path=ppt/slides/slide31.xml><?xml version="1.0" encoding="utf-8"?>
 <p:sld xmlns:a="http://schemas.openxmlformats.org/drawingml/2006/main" xmlns:r="http://schemas.openxmlformats.org/officeDocument/2006/relationships" xmlns:p="http://schemas.openxmlformats.org/presentationml/2006/main">
   <p:cSld>
     <p:spTree>
@@ -27845,8 +28770,8 @@
         </p:nvSpPr>
         <p:spPr>
           <a:xfrm>
-            <a:off x="543072" y="1723767"/>
-            <a:ext cx="8891859" cy="4783233"/>
+            <a:off x="624141" y="1800285"/>
+            <a:ext cx="8891859" cy="4706715"/>
           </a:xfrm>
           <a:prstGeom prst="rect">
             <a:avLst/>
@@ -28024,7 +28949,7 @@
             </a:lvl9pPr>
           </a:lstStyle>
           <a:p>
-            <a:pPr>
+            <a:pPr latinLnBrk="0">
               <a:lnSpc>
                 <a:spcPct val="100000"/>
               </a:lnSpc>
@@ -28035,7 +28960,10 @@
             <a:r>
               <a:rPr lang="bg-BG" sz="3200" b="1" dirty="0">
                 <a:solidFill>
-                  <a:schemeClr val="bg1"/>
+                  <a:schemeClr val="bg1">
+                    <a:lumMod val="60000"/>
+                    <a:lumOff val="40000"/>
+                  </a:schemeClr>
                 </a:solidFill>
               </a:rPr>
               <a:t>Абстракция</a:t>
@@ -28127,43 +29055,27 @@
             </a:endParaRPr>
           </a:p>
           <a:p>
-            <a:pPr>
+            <a:pPr lvl="1" latinLnBrk="0">
               <a:lnSpc>
                 <a:spcPct val="100000"/>
               </a:lnSpc>
             </a:pPr>
             <a:r>
-              <a:rPr lang="bg-BG" sz="3200" dirty="0">
+              <a:rPr lang="bg-BG" sz="3000" dirty="0">
                 <a:solidFill>
                   <a:schemeClr val="bg2"/>
                 </a:solidFill>
               </a:rPr>
-              <a:t>Как постигаме абстракция </a:t>
-            </a:r>
-            <a:r>
-              <a:rPr lang="en-US" sz="3200" dirty="0">
-                <a:solidFill>
-                  <a:schemeClr val="bg2"/>
-                </a:solidFill>
-              </a:rPr>
-              <a:t>– </a:t>
-            </a:r>
-            <a:r>
-              <a:rPr lang="bg-BG" sz="3200" dirty="0">
-                <a:solidFill>
-                  <a:schemeClr val="bg2"/>
-                </a:solidFill>
-              </a:rPr>
-              <a:t>чрез интерфейси или чрез абстрактни класове</a:t>
-            </a:r>
-            <a:endParaRPr lang="en-US" sz="3200" dirty="0">
+              <a:t>Как постигаме абстракция? Чрез интерфейси или чрез абстрактни класове</a:t>
+            </a:r>
+            <a:endParaRPr lang="en-US" sz="3000" dirty="0">
               <a:solidFill>
                 <a:schemeClr val="bg2"/>
               </a:solidFill>
             </a:endParaRPr>
           </a:p>
           <a:p>
-            <a:pPr>
+            <a:pPr latinLnBrk="0">
               <a:lnSpc>
                 <a:spcPct val="100000"/>
               </a:lnSpc>
@@ -28174,7 +29086,10 @@
             <a:r>
               <a:rPr lang="bg-BG" sz="3200" b="1" dirty="0">
                 <a:solidFill>
-                  <a:schemeClr val="bg1"/>
+                  <a:schemeClr val="bg1">
+                    <a:lumMod val="60000"/>
+                    <a:lumOff val="40000"/>
+                  </a:schemeClr>
                 </a:solidFill>
               </a:rPr>
               <a:t>Интерфейси</a:t>
@@ -28193,7 +29108,7 @@
                   <a:schemeClr val="bg2"/>
                 </a:solidFill>
               </a:rPr>
-              <a:t>Съдържат само сигнатурата на методите и свойствата</a:t>
+              <a:t>съдържат само сигнатурата на методите и свойствата за имплементация</a:t>
             </a:r>
             <a:endParaRPr lang="en-US" sz="3200" dirty="0">
               <a:solidFill>
@@ -28202,7 +29117,7 @@
             </a:endParaRPr>
           </a:p>
           <a:p>
-            <a:pPr>
+            <a:pPr latinLnBrk="0">
               <a:lnSpc>
                 <a:spcPct val="100000"/>
               </a:lnSpc>
@@ -28213,7 +29128,10 @@
             <a:r>
               <a:rPr lang="bg-BG" sz="3200" b="1" dirty="0">
                 <a:solidFill>
-                  <a:schemeClr val="bg1"/>
+                  <a:schemeClr val="bg1">
+                    <a:lumMod val="60000"/>
+                    <a:lumOff val="40000"/>
+                  </a:schemeClr>
                 </a:solidFill>
               </a:rPr>
               <a:t>Абстрактни класове </a:t>
@@ -28248,7 +29166,7 @@
                   <a:schemeClr val="bg2"/>
                 </a:solidFill>
               </a:rPr>
-              <a:t>всички производни класове трябва да имплементират абстрактни членове</a:t>
+              <a:t>всички производни класове трябва да имплементират абстрактните членове</a:t>
             </a:r>
             <a:endParaRPr lang="en-US" sz="3200" dirty="0">
               <a:solidFill>
@@ -28257,7 +29175,7 @@
             </a:endParaRPr>
           </a:p>
           <a:p>
-            <a:pPr marL="0" indent="0">
+            <a:pPr marL="0" indent="0" latinLnBrk="0">
               <a:lnSpc>
                 <a:spcPct val="100000"/>
               </a:lnSpc>
@@ -28310,7 +29228,7 @@
             <a:fld id="{2BF067CD-8E6B-4360-9AA8-C5DF2A48A6D1}" type="slidenum">
               <a:rPr lang="en-US" noProof="0" smtClean="0"/>
               <a:pPr/>
-              <a:t>30</a:t>
+              <a:t>31</a:t>
             </a:fld>
             <a:endParaRPr lang="en-US" noProof="0" dirty="0"/>
           </a:p>
@@ -28514,7 +29432,7 @@
 </p:sld>
 </file>
 
-<file path=ppt/slides/slide31.xml><?xml version="1.0" encoding="utf-8"?>
+<file path=ppt/slides/slide32.xml><?xml version="1.0" encoding="utf-8"?>
 <p:sld xmlns:a="http://schemas.openxmlformats.org/drawingml/2006/main" xmlns:r="http://schemas.openxmlformats.org/officeDocument/2006/relationships" xmlns:p="http://schemas.openxmlformats.org/presentationml/2006/main">
   <p:cSld>
     <p:spTree>
@@ -28593,7 +29511,7 @@
 </p:sld>
 </file>
 
-<file path=ppt/slides/slide32.xml><?xml version="1.0" encoding="utf-8"?>
+<file path=ppt/slides/slide33.xml><?xml version="1.0" encoding="utf-8"?>
 <p:sld xmlns:a="http://schemas.openxmlformats.org/drawingml/2006/main" xmlns:r="http://schemas.openxmlformats.org/officeDocument/2006/relationships" xmlns:p="http://schemas.openxmlformats.org/presentationml/2006/main">
   <p:cSld>
     <p:spTree>
@@ -28866,7 +29784,7 @@
             <a:fld id="{2BF067CD-8E6B-4360-9AA8-C5DF2A48A6D1}" type="slidenum">
               <a:rPr lang="en-US" noProof="0" smtClean="0"/>
               <a:pPr/>
-              <a:t>32</a:t>
+              <a:t>33</a:t>
             </a:fld>
             <a:endParaRPr lang="en-US" noProof="0" dirty="0"/>
           </a:p>
@@ -28949,7 +29867,7 @@
         </p:blipFill>
         <p:spPr>
           <a:xfrm>
-            <a:off x="3369563" y="3837514"/>
+            <a:off x="6006000" y="1521000"/>
             <a:ext cx="2626312" cy="2898000"/>
           </a:xfrm>
           <a:prstGeom prst="rect">
@@ -28967,7 +29885,7 @@
         </p:nvSpPr>
         <p:spPr bwMode="auto">
           <a:xfrm>
-            <a:off x="6300965" y="4375715"/>
+            <a:off x="8937402" y="2059201"/>
             <a:ext cx="2873598" cy="2004822"/>
           </a:xfrm>
           <a:prstGeom prst="wedgeRoundRectCallout">
@@ -29175,7 +30093,7 @@
         <p:spPr>
           <a:xfrm>
             <a:off x="190501" y="1196126"/>
-            <a:ext cx="11811097" cy="5561124"/>
+            <a:ext cx="5725499" cy="5561124"/>
           </a:xfrm>
           <a:prstGeom prst="rect">
             <a:avLst/>
@@ -29357,12 +30275,6 @@
               <a:lnSpc>
                 <a:spcPct val="100000"/>
               </a:lnSpc>
-              <a:spcBef>
-                <a:spcPts val="0"/>
-              </a:spcBef>
-              <a:spcAft>
-                <a:spcPts val="0"/>
-              </a:spcAft>
               <a:buClr>
                 <a:srgbClr val="234465"/>
               </a:buClr>
@@ -29401,29 +30313,35 @@
                   <a:schemeClr val="bg1"/>
                 </a:solidFill>
               </a:rPr>
-              <a:t>най-важните атрибути </a:t>
-            </a:r>
-            <a:r>
-              <a:rPr lang="bg-BG" sz="3200" dirty="0"/>
-              <a:t>и</a:t>
-            </a:r>
-            <a:r>
-              <a:rPr lang="en-US" sz="3200" dirty="0"/>
-              <a:t> “</a:t>
-            </a:r>
-            <a:r>
-              <a:rPr lang="bg-BG" sz="3200" dirty="0"/>
+              <a:t>най-важните атрибути</a:t>
+            </a:r>
+          </a:p>
+          <a:p>
+            <a:pPr marL="900112" lvl="1" indent="-457200">
+              <a:lnSpc>
+                <a:spcPct val="100000"/>
+              </a:lnSpc>
+              <a:buClr>
+                <a:srgbClr val="234465"/>
+              </a:buClr>
+            </a:pPr>
+            <a:r>
+              <a:rPr lang="en-US" sz="3000" dirty="0"/>
+              <a:t>“</a:t>
+            </a:r>
+            <a:r>
+              <a:rPr lang="bg-BG" sz="3000" dirty="0"/>
               <a:t>крие</a:t>
             </a:r>
             <a:r>
-              <a:rPr lang="en-US" sz="3200" dirty="0"/>
+              <a:rPr lang="en-US" sz="3000" dirty="0"/>
               <a:t>“ </a:t>
             </a:r>
             <a:r>
-              <a:rPr lang="bg-BG" sz="3200" dirty="0"/>
+              <a:rPr lang="bg-BG" sz="3000" dirty="0"/>
               <a:t>ненужната информация</a:t>
             </a:r>
-            <a:endParaRPr lang="en-US" sz="3200" b="1" dirty="0">
+            <a:endParaRPr lang="en-US" sz="3000" b="1" dirty="0">
               <a:solidFill>
                 <a:schemeClr val="bg1"/>
               </a:solidFill>
@@ -29434,12 +30352,6 @@
               <a:lnSpc>
                 <a:spcPct val="100000"/>
               </a:lnSpc>
-              <a:spcBef>
-                <a:spcPts val="0"/>
-              </a:spcBef>
-              <a:spcAft>
-                <a:spcPts val="0"/>
-              </a:spcAft>
               <a:buClr>
                 <a:srgbClr val="234465"/>
               </a:buClr>
@@ -29475,12 +30387,6 @@
               <a:lnSpc>
                 <a:spcPct val="100000"/>
               </a:lnSpc>
-              <a:spcBef>
-                <a:spcPts val="0"/>
-              </a:spcBef>
-              <a:spcAft>
-                <a:spcPts val="0"/>
-              </a:spcAft>
               <a:buClr>
                 <a:srgbClr val="234465"/>
               </a:buClr>
@@ -29497,19 +30403,29 @@
               </a:rPr>
               <a:t>какво прави даден обект</a:t>
             </a:r>
-            <a:r>
-              <a:rPr lang="bg-BG" sz="3200" dirty="0"/>
-              <a:t>, вместо </a:t>
-            </a:r>
-            <a:r>
-              <a:rPr lang="bg-BG" sz="3200" b="1" dirty="0">
+          </a:p>
+          <a:p>
+            <a:pPr marL="900112" lvl="1" indent="-457200">
+              <a:lnSpc>
+                <a:spcPct val="100000"/>
+              </a:lnSpc>
+              <a:buClr>
+                <a:srgbClr val="234465"/>
+              </a:buClr>
+            </a:pPr>
+            <a:r>
+              <a:rPr lang="bg-BG" sz="3000" dirty="0"/>
+              <a:t>Вместо </a:t>
+            </a:r>
+            <a:r>
+              <a:rPr lang="bg-BG" sz="3000" b="1" dirty="0">
                 <a:solidFill>
                   <a:schemeClr val="bg1"/>
                 </a:solidFill>
               </a:rPr>
               <a:t>как го прави</a:t>
             </a:r>
-            <a:endParaRPr lang="en-US" sz="3200" dirty="0">
+            <a:endParaRPr lang="en-US" sz="3000" dirty="0">
               <a:solidFill>
                 <a:schemeClr val="tx2">
                   <a:lumMod val="75000"/>
@@ -29573,7 +30489,7 @@
                                         <p:tgtEl>
                                           <p:spTgt spid="12">
                                             <p:txEl>
-                                              <p:pRg st="1" end="1"/>
+                                              <p:pRg st="2" end="2"/>
                                             </p:txEl>
                                           </p:spTgt>
                                         </p:tgtEl>
@@ -29622,7 +30538,7 @@
                                         <p:tgtEl>
                                           <p:spTgt spid="12">
                                             <p:txEl>
-                                              <p:pRg st="2" end="2"/>
+                                              <p:pRg st="3" end="3"/>
                                             </p:txEl>
                                           </p:spTgt>
                                         </p:tgtEl>
@@ -29669,6 +30585,55 @@
                                           </p:stCondLst>
                                         </p:cTn>
                                         <p:tgtEl>
+                                          <p:spTgt spid="12">
+                                            <p:txEl>
+                                              <p:pRg st="4" end="4"/>
+                                            </p:txEl>
+                                          </p:spTgt>
+                                        </p:tgtEl>
+                                        <p:attrNameLst>
+                                          <p:attrName>style.visibility</p:attrName>
+                                        </p:attrNameLst>
+                                      </p:cBhvr>
+                                      <p:to>
+                                        <p:strVal val="visible"/>
+                                      </p:to>
+                                    </p:set>
+                                  </p:childTnLst>
+                                </p:cTn>
+                              </p:par>
+                            </p:childTnLst>
+                          </p:cTn>
+                        </p:par>
+                      </p:childTnLst>
+                    </p:cTn>
+                  </p:par>
+                  <p:par>
+                    <p:cTn id="15" fill="hold">
+                      <p:stCondLst>
+                        <p:cond delay="indefinite"/>
+                      </p:stCondLst>
+                      <p:childTnLst>
+                        <p:par>
+                          <p:cTn id="16" fill="hold">
+                            <p:stCondLst>
+                              <p:cond delay="0"/>
+                            </p:stCondLst>
+                            <p:childTnLst>
+                              <p:par>
+                                <p:cTn id="17" presetID="1" presetClass="entr" presetSubtype="0" fill="hold" nodeType="clickEffect">
+                                  <p:stCondLst>
+                                    <p:cond delay="0"/>
+                                  </p:stCondLst>
+                                  <p:childTnLst>
+                                    <p:set>
+                                      <p:cBhvr>
+                                        <p:cTn id="18" dur="1" fill="hold">
+                                          <p:stCondLst>
+                                            <p:cond delay="0"/>
+                                          </p:stCondLst>
+                                        </p:cTn>
+                                        <p:tgtEl>
                                           <p:spTgt spid="5"/>
                                         </p:tgtEl>
                                         <p:attrNameLst>
@@ -29683,14 +30648,14 @@
                                 </p:cTn>
                               </p:par>
                               <p:par>
-                                <p:cTn id="15" presetID="1" presetClass="entr" presetSubtype="0" fill="hold" grpId="0" nodeType="withEffect">
+                                <p:cTn id="19" presetID="1" presetClass="entr" presetSubtype="0" fill="hold" grpId="0" nodeType="withEffect">
                                   <p:stCondLst>
                                     <p:cond delay="0"/>
                                   </p:stCondLst>
                                   <p:childTnLst>
                                     <p:set>
                                       <p:cBhvr>
-                                        <p:cTn id="16" dur="1" fill="hold">
+                                        <p:cTn id="20" dur="1" fill="hold">
                                           <p:stCondLst>
                                             <p:cond delay="0"/>
                                           </p:stCondLst>
@@ -30390,9 +31355,9 @@
               </a:rPr>
               <a:t>скриване на детайлите по имплементацията</a:t>
             </a:r>
-            <a:br>
-              <a:rPr lang="en-US" sz="3200" dirty="0"/>
-            </a:br>
+          </a:p>
+          <a:p>
+            <a:pPr lvl="1"/>
             <a:r>
               <a:rPr lang="bg-BG" sz="3200" dirty="0"/>
               <a:t>и показване само на функционалността на потребителя</a:t>
@@ -30690,15 +31655,144 @@
                                   </p:childTnLst>
                                 </p:cTn>
                               </p:par>
+                            </p:childTnLst>
+                          </p:cTn>
+                        </p:par>
+                      </p:childTnLst>
+                    </p:cTn>
+                  </p:par>
+                  <p:par>
+                    <p:cTn id="7" fill="hold">
+                      <p:stCondLst>
+                        <p:cond delay="indefinite"/>
+                      </p:stCondLst>
+                      <p:childTnLst>
+                        <p:par>
+                          <p:cTn id="8" fill="hold">
+                            <p:stCondLst>
+                              <p:cond delay="0"/>
+                            </p:stCondLst>
+                            <p:childTnLst>
                               <p:par>
-                                <p:cTn id="7" presetID="1" presetClass="entr" presetSubtype="0" fill="hold" nodeType="withEffect">
+                                <p:cTn id="9" presetID="1" presetClass="entr" presetSubtype="0" fill="hold" nodeType="clickEffect">
                                   <p:stCondLst>
                                     <p:cond delay="0"/>
                                   </p:stCondLst>
                                   <p:childTnLst>
                                     <p:set>
                                       <p:cBhvr>
-                                        <p:cTn id="8" dur="1" fill="hold">
+                                        <p:cTn id="10" dur="1" fill="hold">
+                                          <p:stCondLst>
+                                            <p:cond delay="0"/>
+                                          </p:stCondLst>
+                                        </p:cTn>
+                                        <p:tgtEl>
+                                          <p:spTgt spid="7">
+                                            <p:txEl>
+                                              <p:pRg st="0" end="0"/>
+                                            </p:txEl>
+                                          </p:spTgt>
+                                        </p:tgtEl>
+                                        <p:attrNameLst>
+                                          <p:attrName>style.visibility</p:attrName>
+                                        </p:attrNameLst>
+                                      </p:cBhvr>
+                                      <p:to>
+                                        <p:strVal val="visible"/>
+                                      </p:to>
+                                    </p:set>
+                                  </p:childTnLst>
+                                </p:cTn>
+                              </p:par>
+                              <p:par>
+                                <p:cTn id="11" presetID="1" presetClass="entr" presetSubtype="0" fill="hold" nodeType="withEffect">
+                                  <p:stCondLst>
+                                    <p:cond delay="0"/>
+                                  </p:stCondLst>
+                                  <p:childTnLst>
+                                    <p:set>
+                                      <p:cBhvr>
+                                        <p:cTn id="12" dur="1" fill="hold">
+                                          <p:stCondLst>
+                                            <p:cond delay="0"/>
+                                          </p:stCondLst>
+                                        </p:cTn>
+                                        <p:tgtEl>
+                                          <p:spTgt spid="7">
+                                            <p:txEl>
+                                              <p:pRg st="1" end="1"/>
+                                            </p:txEl>
+                                          </p:spTgt>
+                                        </p:tgtEl>
+                                        <p:attrNameLst>
+                                          <p:attrName>style.visibility</p:attrName>
+                                        </p:attrNameLst>
+                                      </p:cBhvr>
+                                      <p:to>
+                                        <p:strVal val="visible"/>
+                                      </p:to>
+                                    </p:set>
+                                  </p:childTnLst>
+                                </p:cTn>
+                              </p:par>
+                            </p:childTnLst>
+                          </p:cTn>
+                        </p:par>
+                      </p:childTnLst>
+                    </p:cTn>
+                  </p:par>
+                  <p:par>
+                    <p:cTn id="13" fill="hold">
+                      <p:stCondLst>
+                        <p:cond delay="indefinite"/>
+                      </p:stCondLst>
+                      <p:childTnLst>
+                        <p:par>
+                          <p:cTn id="14" fill="hold">
+                            <p:stCondLst>
+                              <p:cond delay="0"/>
+                            </p:stCondLst>
+                            <p:childTnLst>
+                              <p:par>
+                                <p:cTn id="15" presetID="1" presetClass="entr" presetSubtype="0" fill="hold" nodeType="clickEffect">
+                                  <p:stCondLst>
+                                    <p:cond delay="0"/>
+                                  </p:stCondLst>
+                                  <p:childTnLst>
+                                    <p:set>
+                                      <p:cBhvr>
+                                        <p:cTn id="16" dur="1" fill="hold">
+                                          <p:stCondLst>
+                                            <p:cond delay="0"/>
+                                          </p:stCondLst>
+                                        </p:cTn>
+                                        <p:tgtEl>
+                                          <p:spTgt spid="6">
+                                            <p:txEl>
+                                              <p:pRg st="3" end="3"/>
+                                            </p:txEl>
+                                          </p:spTgt>
+                                        </p:tgtEl>
+                                        <p:attrNameLst>
+                                          <p:attrName>style.visibility</p:attrName>
+                                        </p:attrNameLst>
+                                      </p:cBhvr>
+                                      <p:to>
+                                        <p:strVal val="visible"/>
+                                      </p:to>
+                                    </p:set>
+                                  </p:childTnLst>
+                                </p:cTn>
+                              </p:par>
+                              <p:par>
+                                <p:cTn id="17" presetID="1" presetClass="entr" presetSubtype="0" fill="hold" nodeType="withEffect">
+                                  <p:stCondLst>
+                                    <p:cond delay="0"/>
+                                  </p:stCondLst>
+                                  <p:childTnLst>
+                                    <p:set>
+                                      <p:cBhvr>
+                                        <p:cTn id="18" dur="1" fill="hold">
                                           <p:stCondLst>
                                             <p:cond delay="0"/>
                                           </p:stCondLst>
@@ -30801,6 +31895,35 @@
       </p:pic>
       <p:sp>
         <p:nvSpPr>
+          <p:cNvPr id="3" name="Subtitle 2">
+            <a:extLst>
+              <a:ext uri="{FF2B5EF4-FFF2-40B4-BE49-F238E27FC236}">
+                <a16:creationId xmlns:a16="http://schemas.microsoft.com/office/drawing/2014/main" id="{A515C09C-5850-324A-E13A-11EA2EEAA52E}"/>
+              </a:ext>
+            </a:extLst>
+          </p:cNvPr>
+          <p:cNvSpPr>
+            <a:spLocks noGrp="1"/>
+          </p:cNvSpPr>
+          <p:nvPr>
+            <p:ph type="subTitle" sz="quarter" idx="11"/>
+          </p:nvPr>
+        </p:nvSpPr>
+        <p:spPr/>
+        <p:txBody>
+          <a:bodyPr/>
+          <a:lstStyle/>
+          <a:p>
+            <a:r>
+              <a:rPr lang="bg-BG" dirty="0"/>
+              <a:t>Дефиниция на интерфейси</a:t>
+            </a:r>
+            <a:endParaRPr lang="en-US" dirty="0"/>
+          </a:p>
+        </p:txBody>
+      </p:sp>
+      <p:sp>
+        <p:nvSpPr>
           <p:cNvPr id="5" name="Title 4">
             <a:extLst>
               <a:ext uri="{FF2B5EF4-FFF2-40B4-BE49-F238E27FC236}">
@@ -30815,14 +31938,19 @@
             <p:ph type="title" sz="quarter" idx="10"/>
           </p:nvPr>
         </p:nvSpPr>
-        <p:spPr/>
+        <p:spPr>
+          <a:xfrm>
+            <a:off x="615109" y="4704825"/>
+            <a:ext cx="10961783" cy="768084"/>
+          </a:xfrm>
+        </p:spPr>
         <p:txBody>
           <a:bodyPr/>
           <a:lstStyle/>
           <a:p>
             <a:r>
               <a:rPr lang="bg-BG" dirty="0"/>
-              <a:t>Работа с интерфейси</a:t>
+              <a:t>Интерфейси в ООП</a:t>
             </a:r>
             <a:endParaRPr lang="en-US" dirty="0"/>
           </a:p>
@@ -30868,506 +31996,10 @@
       </p:grpSpPr>
       <p:sp>
         <p:nvSpPr>
-          <p:cNvPr id="6" name="Content Placeholder 5"/>
-          <p:cNvSpPr>
-            <a:spLocks noGrp="1"/>
-          </p:cNvSpPr>
-          <p:nvPr>
-            <p:ph type="body" sz="quarter" idx="10"/>
-          </p:nvPr>
-        </p:nvSpPr>
-        <p:spPr/>
-        <p:txBody>
-          <a:bodyPr>
-            <a:normAutofit/>
-          </a:bodyPr>
-          <a:lstStyle/>
-          <a:p>
-            <a:r>
-              <a:rPr lang="bg-BG" sz="3600" dirty="0"/>
-              <a:t>Вътрешно допълнение от компилатора</a:t>
-            </a:r>
-            <a:endParaRPr lang="en-US" sz="3600" dirty="0"/>
-          </a:p>
-        </p:txBody>
-      </p:sp>
-      <p:sp>
-        <p:nvSpPr>
-          <p:cNvPr id="428034" name="Rectangle 2"/>
-          <p:cNvSpPr>
-            <a:spLocks noGrp="1" noChangeArrowheads="1"/>
-          </p:cNvSpPr>
-          <p:nvPr>
-            <p:ph type="title"/>
-          </p:nvPr>
-        </p:nvSpPr>
-        <p:spPr/>
-        <p:txBody>
-          <a:bodyPr/>
-          <a:lstStyle/>
-          <a:p>
-            <a:r>
-              <a:rPr lang="bg-BG" dirty="0"/>
-              <a:t>Интерфейси в реалността</a:t>
-            </a:r>
-          </a:p>
-        </p:txBody>
-      </p:sp>
-      <p:sp>
-        <p:nvSpPr>
-          <p:cNvPr id="18" name="Rectangle 17"/>
-          <p:cNvSpPr>
-            <a:spLocks noChangeArrowheads="1"/>
-          </p:cNvSpPr>
-          <p:nvPr/>
-        </p:nvSpPr>
-        <p:spPr bwMode="auto">
-          <a:xfrm>
-            <a:off x="2646047" y="1899000"/>
-            <a:ext cx="6554101" cy="1941602"/>
-          </a:xfrm>
-          <a:prstGeom prst="rect">
-            <a:avLst/>
-          </a:prstGeom>
-          <a:solidFill>
-            <a:schemeClr val="accent6">
-              <a:lumMod val="75000"/>
-              <a:alpha val="15000"/>
-            </a:schemeClr>
-          </a:solidFill>
-          <a:ln w="12700">
-            <a:solidFill>
-              <a:schemeClr val="tx1">
-                <a:lumMod val="50000"/>
-              </a:schemeClr>
-            </a:solidFill>
-          </a:ln>
-        </p:spPr>
-        <p:txBody>
-          <a:bodyPr vert="horz" wrap="square" lIns="143963" tIns="107972" rIns="143963" bIns="107972" rtlCol="0">
-            <a:spAutoFit/>
-          </a:bodyPr>
-          <a:lstStyle/>
-          <a:p>
-            <a:pPr defTabSz="1218438" latinLnBrk="1"/>
-            <a:r>
-              <a:rPr lang="en-US" sz="2800" b="1" noProof="1">
-                <a:latin typeface="Consolas" pitchFamily="49" charset="0"/>
-                <a:cs typeface="Consolas" pitchFamily="49" charset="0"/>
-              </a:rPr>
-              <a:t>public </a:t>
-            </a:r>
-            <a:r>
-              <a:rPr lang="en-US" sz="2800" b="1" noProof="1">
-                <a:solidFill>
-                  <a:schemeClr val="bg1"/>
-                </a:solidFill>
-                <a:latin typeface="Consolas" pitchFamily="49" charset="0"/>
-                <a:cs typeface="Consolas" pitchFamily="49" charset="0"/>
-              </a:rPr>
-              <a:t>interface</a:t>
-            </a:r>
-            <a:r>
-              <a:rPr lang="en-US" sz="2800" b="1" noProof="1">
-                <a:latin typeface="Consolas" pitchFamily="49" charset="0"/>
-                <a:cs typeface="Consolas" pitchFamily="49" charset="0"/>
-              </a:rPr>
-              <a:t> IPrintable </a:t>
-            </a:r>
-          </a:p>
-          <a:p>
-            <a:pPr defTabSz="1218438" latinLnBrk="1"/>
-            <a:r>
-              <a:rPr lang="en-US" sz="2800" b="1" noProof="1">
-                <a:latin typeface="Consolas" pitchFamily="49" charset="0"/>
-                <a:cs typeface="Consolas" pitchFamily="49" charset="0"/>
-              </a:rPr>
-              <a:t>{</a:t>
-            </a:r>
-          </a:p>
-          <a:p>
-            <a:pPr defTabSz="1218438" latinLnBrk="1"/>
-            <a:r>
-              <a:rPr lang="en-US" sz="2800" b="1" noProof="1">
-                <a:latin typeface="Consolas" pitchFamily="49" charset="0"/>
-                <a:cs typeface="Consolas" pitchFamily="49" charset="0"/>
-              </a:rPr>
-              <a:t>  void Print();</a:t>
-            </a:r>
-          </a:p>
-          <a:p>
-            <a:pPr defTabSz="1218438" latinLnBrk="1"/>
-            <a:r>
-              <a:rPr lang="en-US" sz="2800" b="1" noProof="1">
-                <a:latin typeface="Consolas" pitchFamily="49" charset="0"/>
-                <a:cs typeface="Consolas" pitchFamily="49" charset="0"/>
-              </a:rPr>
-              <a:t>}</a:t>
-            </a:r>
-          </a:p>
-        </p:txBody>
-      </p:sp>
-      <p:sp>
-        <p:nvSpPr>
-          <p:cNvPr id="19" name="Rectangle 18"/>
-          <p:cNvSpPr>
-            <a:spLocks noChangeArrowheads="1"/>
-          </p:cNvSpPr>
-          <p:nvPr/>
-        </p:nvSpPr>
-        <p:spPr bwMode="auto">
-          <a:xfrm>
-            <a:off x="2646047" y="4772398"/>
-            <a:ext cx="6554101" cy="1941602"/>
-          </a:xfrm>
-          <a:prstGeom prst="rect">
-            <a:avLst/>
-          </a:prstGeom>
-          <a:solidFill>
-            <a:schemeClr val="accent6">
-              <a:lumMod val="75000"/>
-              <a:alpha val="15000"/>
-            </a:schemeClr>
-          </a:solidFill>
-          <a:ln w="12700">
-            <a:solidFill>
-              <a:schemeClr val="tx1">
-                <a:lumMod val="50000"/>
-              </a:schemeClr>
-            </a:solidFill>
-          </a:ln>
-        </p:spPr>
-        <p:txBody>
-          <a:bodyPr vert="horz" wrap="square" lIns="143963" tIns="107972" rIns="143963" bIns="107972" rtlCol="0">
-            <a:spAutoFit/>
-          </a:bodyPr>
-          <a:lstStyle/>
-          <a:p>
-            <a:pPr defTabSz="1218438" latinLnBrk="1"/>
-            <a:r>
-              <a:rPr lang="en-US" sz="2800" b="1" noProof="1">
-                <a:latin typeface="Consolas" pitchFamily="49" charset="0"/>
-                <a:cs typeface="Consolas" pitchFamily="49" charset="0"/>
-              </a:rPr>
-              <a:t>public interface IPrintable </a:t>
-            </a:r>
-          </a:p>
-          <a:p>
-            <a:pPr defTabSz="1218438" latinLnBrk="1"/>
-            <a:r>
-              <a:rPr lang="en-US" sz="2800" b="1" noProof="1">
-                <a:latin typeface="Consolas" pitchFamily="49" charset="0"/>
-                <a:cs typeface="Consolas" pitchFamily="49" charset="0"/>
-              </a:rPr>
-              <a:t>{</a:t>
-            </a:r>
-          </a:p>
-          <a:p>
-            <a:pPr defTabSz="1218438" latinLnBrk="1"/>
-            <a:r>
-              <a:rPr lang="en-US" sz="2800" b="1" noProof="1">
-                <a:latin typeface="Consolas" pitchFamily="49" charset="0"/>
-                <a:cs typeface="Consolas" pitchFamily="49" charset="0"/>
-              </a:rPr>
-              <a:t>  </a:t>
-            </a:r>
-            <a:r>
-              <a:rPr lang="en-US" sz="2800" b="1" noProof="1">
-                <a:solidFill>
-                  <a:schemeClr val="bg1"/>
-                </a:solidFill>
-                <a:latin typeface="Consolas" pitchFamily="49" charset="0"/>
-                <a:cs typeface="Consolas" pitchFamily="49" charset="0"/>
-              </a:rPr>
-              <a:t>public abstract </a:t>
-            </a:r>
-            <a:r>
-              <a:rPr lang="en-US" sz="2800" b="1" noProof="1">
-                <a:latin typeface="Consolas" pitchFamily="49" charset="0"/>
-                <a:cs typeface="Consolas" pitchFamily="49" charset="0"/>
-              </a:rPr>
-              <a:t>void Print();</a:t>
-            </a:r>
-          </a:p>
-          <a:p>
-            <a:pPr defTabSz="1218438" latinLnBrk="1"/>
-            <a:r>
-              <a:rPr lang="en-US" sz="2800" b="1" noProof="1">
-                <a:latin typeface="Consolas" pitchFamily="49" charset="0"/>
-                <a:cs typeface="Consolas" pitchFamily="49" charset="0"/>
-              </a:rPr>
-              <a:t>}</a:t>
-            </a:r>
-          </a:p>
-        </p:txBody>
-      </p:sp>
-      <p:sp>
-        <p:nvSpPr>
-          <p:cNvPr id="20" name="Arrow: Down 4"/>
-          <p:cNvSpPr/>
-          <p:nvPr/>
-        </p:nvSpPr>
-        <p:spPr>
-          <a:xfrm>
-            <a:off x="2766000" y="3849835"/>
-            <a:ext cx="6299148" cy="912533"/>
-          </a:xfrm>
-          <a:prstGeom prst="downArrow">
-            <a:avLst>
-              <a:gd name="adj1" fmla="val 29459"/>
-              <a:gd name="adj2" fmla="val 100000"/>
-            </a:avLst>
-          </a:prstGeom>
-          <a:solidFill>
-            <a:schemeClr val="accent6">
-              <a:lumMod val="75000"/>
-              <a:alpha val="15000"/>
-            </a:schemeClr>
-          </a:solidFill>
-          <a:ln w="12700">
-            <a:solidFill>
-              <a:schemeClr val="tx1">
-                <a:lumMod val="50000"/>
-              </a:schemeClr>
-            </a:solidFill>
-          </a:ln>
-        </p:spPr>
-        <p:txBody>
-          <a:bodyPr vert="horz" wrap="square" lIns="143963" tIns="107972" rIns="143963" bIns="107972" rtlCol="0">
-            <a:spAutoFit/>
-          </a:bodyPr>
-          <a:lstStyle/>
-          <a:p>
-            <a:pPr defTabSz="1218438" latinLnBrk="1"/>
-            <a:r>
-              <a:rPr lang="en-US" sz="2800" b="1" dirty="0">
-                <a:latin typeface="Consolas" pitchFamily="49" charset="0"/>
-                <a:cs typeface="Consolas" pitchFamily="49" charset="0"/>
-              </a:rPr>
-              <a:t>compiler</a:t>
-            </a:r>
-            <a:endParaRPr lang="bg-BG" sz="2397" b="1" dirty="0">
-              <a:latin typeface="Consolas" pitchFamily="49" charset="0"/>
-              <a:cs typeface="Consolas" pitchFamily="49" charset="0"/>
-            </a:endParaRPr>
-          </a:p>
-        </p:txBody>
-      </p:sp>
-      <p:sp>
-        <p:nvSpPr>
-          <p:cNvPr id="22" name="AutoShape 20"/>
-          <p:cNvSpPr>
-            <a:spLocks noChangeArrowheads="1"/>
-          </p:cNvSpPr>
-          <p:nvPr/>
-        </p:nvSpPr>
-        <p:spPr bwMode="auto">
-          <a:xfrm>
-            <a:off x="5923095" y="2594882"/>
-            <a:ext cx="1880405" cy="699117"/>
-          </a:xfrm>
-          <a:prstGeom prst="wedgeRoundRectCallout">
-            <a:avLst>
-              <a:gd name="adj1" fmla="val -61772"/>
-              <a:gd name="adj2" fmla="val -84511"/>
-              <a:gd name="adj3" fmla="val 16667"/>
-            </a:avLst>
-          </a:prstGeom>
-          <a:solidFill>
-            <a:schemeClr val="dk2">
-              <a:alpha val="80000"/>
-            </a:schemeClr>
-          </a:solidFill>
-          <a:ln w="19050">
-            <a:solidFill>
-              <a:schemeClr val="tx1">
-                <a:lumMod val="75000"/>
-              </a:schemeClr>
-            </a:solidFill>
-          </a:ln>
-          <a:effectLst/>
-        </p:spPr>
-        <p:style>
-          <a:lnRef idx="2">
-            <a:schemeClr val="accent1">
-              <a:shade val="50000"/>
-            </a:schemeClr>
-          </a:lnRef>
-          <a:fillRef idx="1001">
-            <a:schemeClr val="dk2"/>
-          </a:fillRef>
-          <a:effectRef idx="0">
-            <a:schemeClr val="accent1"/>
-          </a:effectRef>
-          <a:fontRef idx="minor">
-            <a:schemeClr val="lt1"/>
-          </a:fontRef>
-        </p:style>
-        <p:txBody>
-          <a:bodyPr rot="0" spcFirstLastPara="0" vertOverflow="overflow" horzOverflow="overflow" vert="horz" wrap="square" lIns="91440" tIns="45720" rIns="91440" bIns="45720" numCol="1" spcCol="0" rtlCol="0" fromWordArt="0" anchor="ctr" anchorCtr="0" forceAA="0" compatLnSpc="1">
-            <a:prstTxWarp prst="textNoShape">
-              <a:avLst/>
-            </a:prstTxWarp>
-            <a:noAutofit/>
-          </a:bodyPr>
-          <a:lstStyle/>
-          <a:p>
-            <a:pPr algn="ctr"/>
-            <a:r>
-              <a:rPr lang="bg-BG" sz="2400" b="1" dirty="0">
-                <a:solidFill>
-                  <a:srgbClr val="FFFFFF"/>
-                </a:solidFill>
-              </a:rPr>
-              <a:t>Ключова дума</a:t>
-            </a:r>
-            <a:r>
-              <a:rPr lang="en-US" sz="2400" b="1" dirty="0">
-                <a:solidFill>
-                  <a:srgbClr val="FFFFFF"/>
-                </a:solidFill>
-              </a:rPr>
-              <a:t> </a:t>
-            </a:r>
-            <a:endParaRPr lang="bg-BG" sz="2400" b="1" dirty="0">
-              <a:solidFill>
-                <a:srgbClr val="FFFFFF"/>
-              </a:solidFill>
-            </a:endParaRPr>
-          </a:p>
-        </p:txBody>
-      </p:sp>
-      <p:sp>
-        <p:nvSpPr>
-          <p:cNvPr id="23" name="AutoShape 20"/>
-          <p:cNvSpPr>
-            <a:spLocks noChangeArrowheads="1"/>
-          </p:cNvSpPr>
-          <p:nvPr/>
-        </p:nvSpPr>
-        <p:spPr bwMode="auto">
-          <a:xfrm>
-            <a:off x="8564261" y="2593688"/>
-            <a:ext cx="2683477" cy="890256"/>
-          </a:xfrm>
-          <a:prstGeom prst="wedgeRoundRectCallout">
-            <a:avLst>
-              <a:gd name="adj1" fmla="val -78197"/>
-              <a:gd name="adj2" fmla="val -69145"/>
-              <a:gd name="adj3" fmla="val 16667"/>
-            </a:avLst>
-          </a:prstGeom>
-          <a:solidFill>
-            <a:schemeClr val="dk2">
-              <a:alpha val="80000"/>
-            </a:schemeClr>
-          </a:solidFill>
-          <a:ln w="19050">
-            <a:solidFill>
-              <a:schemeClr val="tx1">
-                <a:lumMod val="75000"/>
-              </a:schemeClr>
-            </a:solidFill>
-          </a:ln>
-          <a:effectLst/>
-        </p:spPr>
-        <p:style>
-          <a:lnRef idx="2">
-            <a:schemeClr val="accent1">
-              <a:shade val="50000"/>
-            </a:schemeClr>
-          </a:lnRef>
-          <a:fillRef idx="1001">
-            <a:schemeClr val="dk2"/>
-          </a:fillRef>
-          <a:effectRef idx="0">
-            <a:schemeClr val="accent1"/>
-          </a:effectRef>
-          <a:fontRef idx="minor">
-            <a:schemeClr val="lt1"/>
-          </a:fontRef>
-        </p:style>
-        <p:txBody>
-          <a:bodyPr rot="0" spcFirstLastPara="0" vertOverflow="overflow" horzOverflow="overflow" vert="horz" wrap="square" lIns="91440" tIns="45720" rIns="91440" bIns="45720" numCol="1" spcCol="0" rtlCol="0" fromWordArt="0" anchor="ctr" anchorCtr="0" forceAA="0" compatLnSpc="1">
-            <a:prstTxWarp prst="textNoShape">
-              <a:avLst/>
-            </a:prstTxWarp>
-            <a:noAutofit/>
-          </a:bodyPr>
-          <a:lstStyle/>
-          <a:p>
-            <a:pPr algn="ctr"/>
-            <a:r>
-              <a:rPr lang="bg-BG" sz="2400" b="1" dirty="0">
-                <a:solidFill>
-                  <a:srgbClr val="FFFFFF"/>
-                </a:solidFill>
-              </a:rPr>
-              <a:t>Име</a:t>
-            </a:r>
-            <a:r>
-              <a:rPr lang="en-US" sz="2400" b="1" dirty="0">
-                <a:solidFill>
-                  <a:srgbClr val="FFFFFF"/>
-                </a:solidFill>
-              </a:rPr>
-              <a:t> (</a:t>
-            </a:r>
-            <a:r>
-              <a:rPr lang="bg-BG" sz="2400" b="1" dirty="0">
-                <a:solidFill>
-                  <a:srgbClr val="FFFFFF"/>
-                </a:solidFill>
-              </a:rPr>
-              <a:t>започва с </a:t>
-            </a:r>
-            <a:r>
-              <a:rPr lang="en-US" sz="2400" b="1" dirty="0">
-                <a:solidFill>
-                  <a:srgbClr val="FFFFFF"/>
-                </a:solidFill>
-                <a:latin typeface="Consolas" panose="020B0609020204030204" pitchFamily="49" charset="0"/>
-              </a:rPr>
-              <a:t>I</a:t>
-            </a:r>
-            <a:r>
-              <a:rPr lang="en-US" sz="2400" b="1" dirty="0">
-                <a:solidFill>
-                  <a:srgbClr val="FFFFFF"/>
-                </a:solidFill>
-              </a:rPr>
-              <a:t> </a:t>
-            </a:r>
-            <a:r>
-              <a:rPr lang="bg-BG" sz="2400" b="1" dirty="0">
-                <a:solidFill>
-                  <a:srgbClr val="FFFFFF"/>
-                </a:solidFill>
-              </a:rPr>
-              <a:t>по конвенция</a:t>
-            </a:r>
-            <a:r>
-              <a:rPr lang="en-US" sz="2400" b="1" dirty="0">
-                <a:solidFill>
-                  <a:srgbClr val="FFFFFF"/>
-                </a:solidFill>
-              </a:rPr>
-              <a:t>)</a:t>
-            </a:r>
-            <a:endParaRPr lang="bg-BG" sz="2400" b="1" dirty="0">
-              <a:solidFill>
-                <a:srgbClr val="FFFFFF"/>
-              </a:solidFill>
-            </a:endParaRPr>
-          </a:p>
-        </p:txBody>
-      </p:sp>
-      <p:sp>
-        <p:nvSpPr>
-          <p:cNvPr id="10" name="Slide Number">
+          <p:cNvPr id="2" name="Slide Number Placeholder 1">
             <a:extLst>
               <a:ext uri="{FF2B5EF4-FFF2-40B4-BE49-F238E27FC236}">
-                <a16:creationId xmlns:a16="http://schemas.microsoft.com/office/drawing/2014/main" id="{6B963795-8247-43E3-842D-F2C1299C4E42}"/>
+                <a16:creationId xmlns:a16="http://schemas.microsoft.com/office/drawing/2014/main" id="{B2624427-0985-2533-92CC-189AA2F1C66A}"/>
               </a:ext>
             </a:extLst>
           </p:cNvPr>
@@ -31378,22 +32010,10 @@
             <p:ph type="sldNum" sz="quarter" idx="5"/>
           </p:nvPr>
         </p:nvSpPr>
-        <p:spPr>
-          <a:xfrm>
-            <a:off x="11753030" y="6507000"/>
-            <a:ext cx="367414" cy="297000"/>
-          </a:xfrm>
-          <a:prstGeom prst="rect">
-            <a:avLst/>
-          </a:prstGeom>
-        </p:spPr>
+        <p:spPr/>
         <p:txBody>
-          <a:bodyPr vert="horz" lIns="91440" tIns="45720" rIns="91440" bIns="45720" rtlCol="0" anchor="b"/>
-          <a:lstStyle>
-            <a:lvl1pPr algn="r">
-              <a:defRPr sz="1000"/>
-            </a:lvl1pPr>
-          </a:lstStyle>
+          <a:bodyPr/>
+          <a:lstStyle/>
           <a:p>
             <a:fld id="{2BF067CD-8E6B-4360-9AA8-C5DF2A48A6D1}" type="slidenum">
               <a:rPr lang="en-US" noProof="0" smtClean="0"/>
@@ -31404,245 +32024,15 @@
           </a:p>
         </p:txBody>
       </p:sp>
-    </p:spTree>
-    <p:extLst>
-      <p:ext uri="{BB962C8B-B14F-4D97-AF65-F5344CB8AC3E}">
-        <p14:creationId xmlns:p14="http://schemas.microsoft.com/office/powerpoint/2010/main" val="3055508732"/>
-      </p:ext>
-    </p:extLst>
-  </p:cSld>
-  <p:clrMapOvr>
-    <a:masterClrMapping/>
-  </p:clrMapOvr>
-  <mc:AlternateContent xmlns:mc="http://schemas.openxmlformats.org/markup-compatibility/2006" xmlns:p14="http://schemas.microsoft.com/office/powerpoint/2010/main">
-    <mc:Choice Requires="p14">
-      <p:transition p14:dur="0"/>
-    </mc:Choice>
-    <mc:Fallback xmlns="">
-      <p:transition/>
-    </mc:Fallback>
-  </mc:AlternateContent>
-  <p:timing>
-    <p:tnLst>
-      <p:par>
-        <p:cTn id="1" dur="indefinite" restart="never" nodeType="tmRoot">
-          <p:childTnLst>
-            <p:seq concurrent="1" nextAc="seek">
-              <p:cTn id="2" dur="indefinite" nodeType="mainSeq">
-                <p:childTnLst>
-                  <p:par>
-                    <p:cTn id="3" fill="hold">
-                      <p:stCondLst>
-                        <p:cond delay="indefinite"/>
-                      </p:stCondLst>
-                      <p:childTnLst>
-                        <p:par>
-                          <p:cTn id="4" fill="hold">
-                            <p:stCondLst>
-                              <p:cond delay="0"/>
-                            </p:stCondLst>
-                            <p:childTnLst>
-                              <p:par>
-                                <p:cTn id="5" presetID="1" presetClass="entr" presetSubtype="0" fill="hold" grpId="0" nodeType="clickEffect">
-                                  <p:stCondLst>
-                                    <p:cond delay="0"/>
-                                  </p:stCondLst>
-                                  <p:childTnLst>
-                                    <p:set>
-                                      <p:cBhvr>
-                                        <p:cTn id="6" dur="1" fill="hold">
-                                          <p:stCondLst>
-                                            <p:cond delay="0"/>
-                                          </p:stCondLst>
-                                        </p:cTn>
-                                        <p:tgtEl>
-                                          <p:spTgt spid="22"/>
-                                        </p:tgtEl>
-                                        <p:attrNameLst>
-                                          <p:attrName>style.visibility</p:attrName>
-                                        </p:attrNameLst>
-                                      </p:cBhvr>
-                                      <p:to>
-                                        <p:strVal val="visible"/>
-                                      </p:to>
-                                    </p:set>
-                                  </p:childTnLst>
-                                </p:cTn>
-                              </p:par>
-                            </p:childTnLst>
-                          </p:cTn>
-                        </p:par>
-                      </p:childTnLst>
-                    </p:cTn>
-                  </p:par>
-                  <p:par>
-                    <p:cTn id="7" fill="hold">
-                      <p:stCondLst>
-                        <p:cond delay="indefinite"/>
-                      </p:stCondLst>
-                      <p:childTnLst>
-                        <p:par>
-                          <p:cTn id="8" fill="hold">
-                            <p:stCondLst>
-                              <p:cond delay="0"/>
-                            </p:stCondLst>
-                            <p:childTnLst>
-                              <p:par>
-                                <p:cTn id="9" presetID="1" presetClass="entr" presetSubtype="0" fill="hold" grpId="0" nodeType="clickEffect">
-                                  <p:stCondLst>
-                                    <p:cond delay="0"/>
-                                  </p:stCondLst>
-                                  <p:childTnLst>
-                                    <p:set>
-                                      <p:cBhvr>
-                                        <p:cTn id="10" dur="1" fill="hold">
-                                          <p:stCondLst>
-                                            <p:cond delay="0"/>
-                                          </p:stCondLst>
-                                        </p:cTn>
-                                        <p:tgtEl>
-                                          <p:spTgt spid="23"/>
-                                        </p:tgtEl>
-                                        <p:attrNameLst>
-                                          <p:attrName>style.visibility</p:attrName>
-                                        </p:attrNameLst>
-                                      </p:cBhvr>
-                                      <p:to>
-                                        <p:strVal val="visible"/>
-                                      </p:to>
-                                    </p:set>
-                                  </p:childTnLst>
-                                </p:cTn>
-                              </p:par>
-                            </p:childTnLst>
-                          </p:cTn>
-                        </p:par>
-                      </p:childTnLst>
-                    </p:cTn>
-                  </p:par>
-                  <p:par>
-                    <p:cTn id="11" fill="hold">
-                      <p:stCondLst>
-                        <p:cond delay="indefinite"/>
-                      </p:stCondLst>
-                      <p:childTnLst>
-                        <p:par>
-                          <p:cTn id="12" fill="hold">
-                            <p:stCondLst>
-                              <p:cond delay="0"/>
-                            </p:stCondLst>
-                            <p:childTnLst>
-                              <p:par>
-                                <p:cTn id="13" presetID="1" presetClass="entr" presetSubtype="0" fill="hold" grpId="0" nodeType="clickEffect">
-                                  <p:stCondLst>
-                                    <p:cond delay="0"/>
-                                  </p:stCondLst>
-                                  <p:childTnLst>
-                                    <p:set>
-                                      <p:cBhvr>
-                                        <p:cTn id="14" dur="1" fill="hold">
-                                          <p:stCondLst>
-                                            <p:cond delay="0"/>
-                                          </p:stCondLst>
-                                        </p:cTn>
-                                        <p:tgtEl>
-                                          <p:spTgt spid="20"/>
-                                        </p:tgtEl>
-                                        <p:attrNameLst>
-                                          <p:attrName>style.visibility</p:attrName>
-                                        </p:attrNameLst>
-                                      </p:cBhvr>
-                                      <p:to>
-                                        <p:strVal val="visible"/>
-                                      </p:to>
-                                    </p:set>
-                                  </p:childTnLst>
-                                </p:cTn>
-                              </p:par>
-                              <p:par>
-                                <p:cTn id="15" presetID="1" presetClass="entr" presetSubtype="0" fill="hold" grpId="0" nodeType="withEffect">
-                                  <p:stCondLst>
-                                    <p:cond delay="0"/>
-                                  </p:stCondLst>
-                                  <p:childTnLst>
-                                    <p:set>
-                                      <p:cBhvr>
-                                        <p:cTn id="16" dur="1" fill="hold">
-                                          <p:stCondLst>
-                                            <p:cond delay="0"/>
-                                          </p:stCondLst>
-                                        </p:cTn>
-                                        <p:tgtEl>
-                                          <p:spTgt spid="19"/>
-                                        </p:tgtEl>
-                                        <p:attrNameLst>
-                                          <p:attrName>style.visibility</p:attrName>
-                                        </p:attrNameLst>
-                                      </p:cBhvr>
-                                      <p:to>
-                                        <p:strVal val="visible"/>
-                                      </p:to>
-                                    </p:set>
-                                  </p:childTnLst>
-                                </p:cTn>
-                              </p:par>
-                            </p:childTnLst>
-                          </p:cTn>
-                        </p:par>
-                      </p:childTnLst>
-                    </p:cTn>
-                  </p:par>
-                </p:childTnLst>
-              </p:cTn>
-              <p:prevCondLst>
-                <p:cond evt="onPrev" delay="0">
-                  <p:tgtEl>
-                    <p:sldTgt/>
-                  </p:tgtEl>
-                </p:cond>
-              </p:prevCondLst>
-              <p:nextCondLst>
-                <p:cond evt="onNext" delay="0">
-                  <p:tgtEl>
-                    <p:sldTgt/>
-                  </p:tgtEl>
-                </p:cond>
-              </p:nextCondLst>
-            </p:seq>
-          </p:childTnLst>
-        </p:cTn>
-      </p:par>
-    </p:tnLst>
-    <p:bldLst>
-      <p:bldP spid="19" grpId="0" animBg="1"/>
-      <p:bldP spid="20" grpId="0" animBg="1"/>
-      <p:bldP spid="22" grpId="0" animBg="1"/>
-      <p:bldP spid="23" grpId="0" animBg="1"/>
-    </p:bldLst>
-  </p:timing>
-</p:sld>
-</file>
-
-<file path=ppt/slides/slide9.xml><?xml version="1.0" encoding="utf-8"?>
-<p:sld xmlns:a="http://schemas.openxmlformats.org/drawingml/2006/main" xmlns:r="http://schemas.openxmlformats.org/officeDocument/2006/relationships" xmlns:p="http://schemas.openxmlformats.org/presentationml/2006/main">
-  <p:cSld>
-    <p:spTree>
-      <p:nvGrpSpPr>
-        <p:cNvPr id="1" name=""/>
-        <p:cNvGrpSpPr/>
-        <p:nvPr/>
-      </p:nvGrpSpPr>
-      <p:grpSpPr>
-        <a:xfrm>
-          <a:off x="0" y="0"/>
-          <a:ext cx="0" cy="0"/>
-          <a:chOff x="0" y="0"/>
-          <a:chExt cx="0" cy="0"/>
-        </a:xfrm>
-      </p:grpSpPr>
       <p:sp>
         <p:nvSpPr>
-          <p:cNvPr id="11" name="Content Placeholder 10"/>
+          <p:cNvPr id="3" name="Text Placeholder 2">
+            <a:extLst>
+              <a:ext uri="{FF2B5EF4-FFF2-40B4-BE49-F238E27FC236}">
+                <a16:creationId xmlns:a16="http://schemas.microsoft.com/office/drawing/2014/main" id="{2C931363-7C68-D4F8-855F-71F3CFD735D0}"/>
+              </a:ext>
+            </a:extLst>
+          </p:cNvPr>
           <p:cNvSpPr>
             <a:spLocks noGrp="1"/>
           </p:cNvSpPr>
@@ -31650,67 +32040,121 @@
             <p:ph type="body" sz="quarter" idx="10"/>
           </p:nvPr>
         </p:nvSpPr>
-        <p:spPr/>
+        <p:spPr>
+          <a:xfrm>
+            <a:off x="190402" y="1196125"/>
+            <a:ext cx="7618148" cy="5528766"/>
+          </a:xfrm>
+        </p:spPr>
         <p:txBody>
           <a:bodyPr>
             <a:normAutofit/>
           </a:bodyPr>
           <a:lstStyle/>
           <a:p>
-            <a:pPr>
-              <a:lnSpc>
-                <a:spcPct val="100000"/>
-              </a:lnSpc>
-              <a:spcBef>
-                <a:spcPts val="400"/>
-              </a:spcBef>
-              <a:spcAft>
-                <a:spcPts val="400"/>
-              </a:spcAft>
-            </a:pPr>
-            <a:r>
-              <a:rPr lang="bg-BG" sz="3400" dirty="0"/>
-              <a:t>Имплементацията на </a:t>
-            </a:r>
-            <a:r>
-              <a:rPr lang="en-US" sz="3400" b="1" dirty="0">
-                <a:solidFill>
-                  <a:schemeClr val="bg1"/>
-                </a:solidFill>
+            <a:r>
+              <a:rPr lang="bg-BG" b="1" dirty="0"/>
+              <a:t>Интерфейсите</a:t>
+            </a:r>
+            <a:r>
+              <a:rPr lang="bg-BG" dirty="0"/>
+              <a:t> задават спецификация на съвкупност от действия (методи)</a:t>
+            </a:r>
+            <a:endParaRPr lang="en-US" dirty="0"/>
+          </a:p>
+          <a:p>
+            <a:pPr lvl="1"/>
+            <a:r>
+              <a:rPr lang="bg-BG" dirty="0"/>
+              <a:t>Например интерфейс </a:t>
+            </a:r>
+            <a:r>
+              <a:rPr lang="en-US" b="1" dirty="0" err="1">
                 <a:latin typeface="Consolas" panose="020B0609020204030204" pitchFamily="49" charset="0"/>
               </a:rPr>
-              <a:t>Print()</a:t>
-            </a:r>
-            <a:r>
-              <a:rPr lang="en-US" sz="3400" b="1" dirty="0">
-                <a:solidFill>
-                  <a:schemeClr val="bg1"/>
-                </a:solidFill>
-                <a:latin typeface="+mj-lt"/>
-              </a:rPr>
+              <a:t>IShape</a:t>
+            </a:r>
+            <a:r>
+              <a:rPr lang="en-US" dirty="0"/>
               <a:t> </a:t>
             </a:r>
             <a:r>
-              <a:rPr lang="bg-BG" sz="3400" dirty="0"/>
-              <a:t>се задава в клас </a:t>
-            </a:r>
-            <a:r>
-              <a:rPr lang="en-US" sz="3400" b="1" dirty="0">
-                <a:solidFill>
-                  <a:schemeClr val="bg1"/>
-                </a:solidFill>
+              <a:rPr lang="bg-BG" dirty="0"/>
+              <a:t>дефинира действието "</a:t>
+            </a:r>
+            <a:r>
+              <a:rPr lang="bg-BG" i="1" dirty="0"/>
+              <a:t>изчисли лицето на фигурата</a:t>
+            </a:r>
+            <a:r>
+              <a:rPr lang="bg-BG" dirty="0"/>
+              <a:t>"</a:t>
+            </a:r>
+          </a:p>
+          <a:p>
+            <a:r>
+              <a:rPr lang="bg-BG" b="1" dirty="0"/>
+              <a:t>Класът-</a:t>
+            </a:r>
+            <a:r>
+              <a:rPr lang="bg-BG" b="1" dirty="0" err="1"/>
+              <a:t>имплементатор</a:t>
+            </a:r>
+            <a:r>
+              <a:rPr lang="bg-BG" dirty="0"/>
+              <a:t> е длъжен да поддържа всичките тези действия</a:t>
+            </a:r>
+            <a:endParaRPr lang="en-US" dirty="0"/>
+          </a:p>
+          <a:p>
+            <a:pPr lvl="1"/>
+            <a:r>
+              <a:rPr lang="bg-BG" dirty="0"/>
+              <a:t>Класовете </a:t>
+            </a:r>
+            <a:r>
+              <a:rPr lang="en-US" sz="3200" b="1" dirty="0">
                 <a:latin typeface="Consolas" panose="020B0609020204030204" pitchFamily="49" charset="0"/>
               </a:rPr>
-              <a:t>Document</a:t>
-            </a:r>
+              <a:t>Rectangle</a:t>
+            </a:r>
+            <a:r>
+              <a:rPr lang="en-US" dirty="0"/>
+              <a:t> </a:t>
+            </a:r>
+            <a:r>
+              <a:rPr lang="bg-BG" dirty="0"/>
+              <a:t>и </a:t>
+            </a:r>
+            <a:r>
+              <a:rPr lang="en-US" sz="3200" b="1" dirty="0">
+                <a:latin typeface="Consolas" panose="020B0609020204030204" pitchFamily="49" charset="0"/>
+              </a:rPr>
+              <a:t>Triangle</a:t>
+            </a:r>
+            <a:r>
+              <a:rPr lang="en-US" dirty="0"/>
+              <a:t> </a:t>
+            </a:r>
+            <a:r>
+              <a:rPr lang="bg-BG" dirty="0"/>
+              <a:t>смятат лицето си по различен начин</a:t>
+            </a:r>
+            <a:endParaRPr lang="en-US" dirty="0"/>
           </a:p>
         </p:txBody>
       </p:sp>
       <p:sp>
         <p:nvSpPr>
-          <p:cNvPr id="793602" name="Rectangle 2"/>
+          <p:cNvPr id="4" name="Title 3">
+            <a:extLst>
+              <a:ext uri="{FF2B5EF4-FFF2-40B4-BE49-F238E27FC236}">
+                <a16:creationId xmlns:a16="http://schemas.microsoft.com/office/drawing/2014/main" id="{DE6183FF-AA64-AF24-FD73-26124D5E3532}"/>
+              </a:ext>
+            </a:extLst>
+          </p:cNvPr>
           <p:cNvSpPr>
-            <a:spLocks noGrp="1" noChangeArrowheads="1"/>
+            <a:spLocks noGrp="1"/>
           </p:cNvSpPr>
           <p:nvPr>
             <p:ph type="title"/>
@@ -31723,7 +32167,7 @@
           <a:p>
             <a:r>
               <a:rPr lang="bg-BG" dirty="0"/>
-              <a:t>Пример за интерфейс</a:t>
+              <a:t>Интерфейси</a:t>
             </a:r>
             <a:endParaRPr lang="en-US" dirty="0"/>
           </a:p>
@@ -31731,268 +32175,207 @@
       </p:sp>
       <p:sp>
         <p:nvSpPr>
-          <p:cNvPr id="14" name="Rectangle 13"/>
-          <p:cNvSpPr>
-            <a:spLocks noChangeArrowheads="1"/>
-          </p:cNvSpPr>
+          <p:cNvPr id="5" name="Rectangle: Rounded Corners 4">
+            <a:extLst>
+              <a:ext uri="{FF2B5EF4-FFF2-40B4-BE49-F238E27FC236}">
+                <a16:creationId xmlns:a16="http://schemas.microsoft.com/office/drawing/2014/main" id="{76120A73-400D-FEEA-1245-B346221AECC8}"/>
+              </a:ext>
+            </a:extLst>
+          </p:cNvPr>
+          <p:cNvSpPr/>
           <p:nvPr/>
         </p:nvSpPr>
-        <p:spPr bwMode="auto">
+        <p:spPr>
           <a:xfrm>
-            <a:off x="606000" y="1944000"/>
-            <a:ext cx="10537732" cy="1941602"/>
+            <a:off x="8190674" y="1628999"/>
+            <a:ext cx="3305326" cy="1923609"/>
           </a:xfrm>
-          <a:prstGeom prst="rect">
-            <a:avLst/>
+          <a:prstGeom prst="roundRect">
+            <a:avLst>
+              <a:gd name="adj" fmla="val 5385"/>
+            </a:avLst>
           </a:prstGeom>
           <a:solidFill>
-            <a:schemeClr val="accent6">
+            <a:schemeClr val="tx1">
               <a:lumMod val="75000"/>
-              <a:alpha val="15000"/>
+              <a:alpha val="30000"/>
             </a:schemeClr>
           </a:solidFill>
-          <a:ln w="12700">
+          <a:ln w="57150">
             <a:solidFill>
-              <a:schemeClr val="tx1">
-                <a:lumMod val="50000"/>
-              </a:schemeClr>
+              <a:schemeClr val="tx1"/>
             </a:solidFill>
+            <a:prstDash val="sysDash"/>
           </a:ln>
         </p:spPr>
+        <p:style>
+          <a:lnRef idx="2">
+            <a:schemeClr val="accent1">
+              <a:shade val="50000"/>
+            </a:schemeClr>
+          </a:lnRef>
+          <a:fillRef idx="1">
+            <a:schemeClr val="accent1"/>
+          </a:fillRef>
+          <a:effectRef idx="0">
+            <a:schemeClr val="accent1"/>
+          </a:effectRef>
+          <a:fontRef idx="minor">
+            <a:schemeClr val="lt1"/>
+          </a:fontRef>
+        </p:style>
         <p:txBody>
-          <a:bodyPr vert="horz" wrap="square" lIns="143963" tIns="107972" rIns="143963" bIns="107972" rtlCol="0">
-            <a:spAutoFit/>
-          </a:bodyPr>
+          <a:bodyPr rtlCol="0" anchor="ctr" anchorCtr="0"/>
           <a:lstStyle/>
           <a:p>
-            <a:pPr defTabSz="1218438" latinLnBrk="1"/>
-            <a:r>
-              <a:rPr lang="en-US" sz="2800" b="1" noProof="1">
-                <a:solidFill>
-                  <a:schemeClr val="bg1"/>
-                </a:solidFill>
-                <a:latin typeface="Consolas" pitchFamily="49" charset="0"/>
-                <a:cs typeface="Consolas" pitchFamily="49" charset="0"/>
-              </a:rPr>
-              <a:t>public interface </a:t>
-            </a:r>
-            <a:r>
-              <a:rPr lang="en-US" sz="2800" b="1" noProof="1">
-                <a:latin typeface="Consolas" pitchFamily="49" charset="0"/>
-                <a:cs typeface="Consolas" pitchFamily="49" charset="0"/>
-              </a:rPr>
-              <a:t>IPrintable</a:t>
-            </a:r>
-          </a:p>
-          <a:p>
-            <a:pPr defTabSz="1218438" latinLnBrk="1"/>
-            <a:r>
-              <a:rPr lang="en-US" sz="2800" b="1" noProof="1">
-                <a:latin typeface="Consolas" pitchFamily="49" charset="0"/>
-                <a:cs typeface="Consolas" pitchFamily="49" charset="0"/>
-              </a:rPr>
-              <a:t>{</a:t>
-            </a:r>
-          </a:p>
-          <a:p>
-            <a:pPr defTabSz="1218438" latinLnBrk="1"/>
-            <a:r>
-              <a:rPr lang="en-US" sz="2800" b="1" noProof="1">
-                <a:latin typeface="Consolas" pitchFamily="49" charset="0"/>
-                <a:cs typeface="Consolas" pitchFamily="49" charset="0"/>
-              </a:rPr>
-              <a:t>  void Print();</a:t>
-            </a:r>
-          </a:p>
-          <a:p>
-            <a:pPr defTabSz="1218438" latinLnBrk="1"/>
-            <a:r>
-              <a:rPr lang="en-US" sz="2800" b="1" noProof="1">
-                <a:latin typeface="Consolas" pitchFamily="49" charset="0"/>
-                <a:cs typeface="Consolas" pitchFamily="49" charset="0"/>
-              </a:rPr>
-              <a:t>}</a:t>
+            <a:pPr algn="ctr"/>
+            <a:r>
+              <a:rPr lang="en-US" sz="3200" b="1" dirty="0" err="1">
+                <a:solidFill>
+                  <a:schemeClr val="tx1"/>
+                </a:solidFill>
+              </a:rPr>
+              <a:t>IShape</a:t>
+            </a:r>
+            <a:endParaRPr lang="en-US" sz="3200" b="1" dirty="0">
+              <a:solidFill>
+                <a:schemeClr val="tx1"/>
+              </a:solidFill>
+            </a:endParaRPr>
+          </a:p>
+          <a:p>
+            <a:pPr algn="ctr"/>
+            <a:r>
+              <a:rPr lang="en-US" sz="3200" b="1" dirty="0">
+                <a:solidFill>
+                  <a:schemeClr val="tx1"/>
+                </a:solidFill>
+              </a:rPr>
+              <a:t>------------------------</a:t>
+            </a:r>
+            <a:endParaRPr lang="en-US" sz="2800" b="1" dirty="0">
+              <a:solidFill>
+                <a:schemeClr val="tx1"/>
+              </a:solidFill>
+            </a:endParaRPr>
+          </a:p>
+          <a:p>
+            <a:pPr algn="ctr"/>
+            <a:r>
+              <a:rPr lang="en-GB" sz="2800" b="1" dirty="0">
+                <a:solidFill>
+                  <a:schemeClr val="tx1"/>
+                </a:solidFill>
+              </a:rPr>
+              <a:t>+ </a:t>
+            </a:r>
+            <a:r>
+              <a:rPr lang="en-GB" sz="2800" b="1" dirty="0" err="1">
+                <a:solidFill>
+                  <a:schemeClr val="tx1"/>
+                </a:solidFill>
+              </a:rPr>
+              <a:t>GetArea</a:t>
+            </a:r>
+            <a:r>
+              <a:rPr lang="en-GB" sz="2800" b="1" dirty="0">
+                <a:solidFill>
+                  <a:schemeClr val="tx1"/>
+                </a:solidFill>
+              </a:rPr>
+              <a:t>(): double</a:t>
             </a:r>
           </a:p>
         </p:txBody>
       </p:sp>
       <p:sp>
         <p:nvSpPr>
-          <p:cNvPr id="18" name="Rectangle 17"/>
-          <p:cNvSpPr>
-            <a:spLocks noChangeArrowheads="1"/>
-          </p:cNvSpPr>
+          <p:cNvPr id="6" name="Rectangle: Rounded Corners 5">
+            <a:extLst>
+              <a:ext uri="{FF2B5EF4-FFF2-40B4-BE49-F238E27FC236}">
+                <a16:creationId xmlns:a16="http://schemas.microsoft.com/office/drawing/2014/main" id="{4808EE4E-6BB2-A995-F859-1343AAECCA2B}"/>
+              </a:ext>
+            </a:extLst>
+          </p:cNvPr>
+          <p:cNvSpPr/>
           <p:nvPr/>
         </p:nvSpPr>
-        <p:spPr bwMode="auto">
+        <p:spPr>
           <a:xfrm>
-            <a:off x="596051" y="4536753"/>
-            <a:ext cx="10537733" cy="1941602"/>
+            <a:off x="7846318" y="4688500"/>
+            <a:ext cx="1930562" cy="720500"/>
           </a:xfrm>
-          <a:prstGeom prst="rect">
-            <a:avLst/>
+          <a:prstGeom prst="roundRect">
+            <a:avLst>
+              <a:gd name="adj" fmla="val 5385"/>
+            </a:avLst>
           </a:prstGeom>
           <a:solidFill>
-            <a:schemeClr val="accent6">
+            <a:schemeClr val="tx1">
               <a:lumMod val="75000"/>
-              <a:alpha val="15000"/>
+              <a:alpha val="30000"/>
             </a:schemeClr>
           </a:solidFill>
-          <a:ln w="12700">
+          <a:ln w="57150">
             <a:solidFill>
-              <a:schemeClr val="tx1">
-                <a:lumMod val="50000"/>
-              </a:schemeClr>
+              <a:schemeClr val="tx1"/>
             </a:solidFill>
+            <a:prstDash val="sysDash"/>
           </a:ln>
         </p:spPr>
+        <p:style>
+          <a:lnRef idx="2">
+            <a:schemeClr val="accent1">
+              <a:shade val="50000"/>
+            </a:schemeClr>
+          </a:lnRef>
+          <a:fillRef idx="1">
+            <a:schemeClr val="accent1"/>
+          </a:fillRef>
+          <a:effectRef idx="0">
+            <a:schemeClr val="accent1"/>
+          </a:effectRef>
+          <a:fontRef idx="minor">
+            <a:schemeClr val="lt1"/>
+          </a:fontRef>
+        </p:style>
         <p:txBody>
-          <a:bodyPr vert="horz" wrap="square" lIns="143963" tIns="107972" rIns="143963" bIns="107972" rtlCol="0">
-            <a:spAutoFit/>
-          </a:bodyPr>
+          <a:bodyPr rtlCol="0" anchor="ctr" anchorCtr="0"/>
           <a:lstStyle/>
           <a:p>
-            <a:pPr defTabSz="1218438" latinLnBrk="1"/>
-            <a:r>
-              <a:rPr lang="en-US" sz="2800" b="1" noProof="1">
-                <a:solidFill>
-                  <a:schemeClr val="bg1"/>
-                </a:solidFill>
-                <a:latin typeface="Consolas" pitchFamily="49" charset="0"/>
-                <a:cs typeface="Consolas" pitchFamily="49" charset="0"/>
-              </a:rPr>
-              <a:t>class</a:t>
-            </a:r>
-            <a:r>
-              <a:rPr lang="en-US" sz="2800" b="1" noProof="1">
-                <a:latin typeface="Consolas" pitchFamily="49" charset="0"/>
-                <a:cs typeface="Consolas" pitchFamily="49" charset="0"/>
-              </a:rPr>
-              <a:t> Document : TextDocument, </a:t>
-            </a:r>
-            <a:r>
-              <a:rPr lang="en-US" sz="2800" b="1" noProof="1">
-                <a:solidFill>
-                  <a:schemeClr val="bg1"/>
-                </a:solidFill>
-                <a:latin typeface="Consolas" pitchFamily="49" charset="0"/>
-                <a:cs typeface="Consolas" pitchFamily="49" charset="0"/>
-              </a:rPr>
-              <a:t>IPrintable</a:t>
-            </a:r>
-            <a:r>
-              <a:rPr lang="en-US" sz="2800" b="1" noProof="1">
-                <a:latin typeface="Consolas" pitchFamily="49" charset="0"/>
-                <a:cs typeface="Consolas" pitchFamily="49" charset="0"/>
-              </a:rPr>
-              <a:t>, </a:t>
-            </a:r>
-            <a:r>
-              <a:rPr lang="en-US" sz="2800" b="1" noProof="1">
-                <a:solidFill>
-                  <a:schemeClr val="bg1"/>
-                </a:solidFill>
-                <a:latin typeface="Consolas" pitchFamily="49" charset="0"/>
-                <a:cs typeface="Consolas" pitchFamily="49" charset="0"/>
-              </a:rPr>
-              <a:t>IWritable</a:t>
-            </a:r>
-          </a:p>
-          <a:p>
-            <a:pPr defTabSz="1218438" latinLnBrk="1"/>
-            <a:r>
-              <a:rPr lang="en-US" sz="2800" b="1" noProof="1">
-                <a:latin typeface="Consolas" pitchFamily="49" charset="0"/>
-                <a:cs typeface="Consolas" pitchFamily="49" charset="0"/>
-              </a:rPr>
-              <a:t>{  </a:t>
-            </a:r>
-          </a:p>
-          <a:p>
-            <a:pPr defTabSz="1218438" latinLnBrk="1"/>
-            <a:r>
-              <a:rPr lang="en-US" sz="2800" b="1" noProof="1">
-                <a:latin typeface="Consolas" pitchFamily="49" charset="0"/>
-                <a:cs typeface="Consolas" pitchFamily="49" charset="0"/>
-              </a:rPr>
-              <a:t>  public void </a:t>
-            </a:r>
-            <a:r>
-              <a:rPr lang="en-US" sz="2800" b="1" noProof="1">
-                <a:solidFill>
-                  <a:schemeClr val="bg1"/>
-                </a:solidFill>
-                <a:latin typeface="Consolas" pitchFamily="49" charset="0"/>
-                <a:cs typeface="Consolas" pitchFamily="49" charset="0"/>
-              </a:rPr>
-              <a:t>Print() </a:t>
-            </a:r>
-            <a:r>
-              <a:rPr lang="en-US" sz="2800" b="1" noProof="1">
-                <a:latin typeface="Consolas" pitchFamily="49" charset="0"/>
-                <a:cs typeface="Consolas" pitchFamily="49" charset="0"/>
-              </a:rPr>
-              <a:t>{</a:t>
-            </a:r>
-            <a:r>
-              <a:rPr lang="en-US" sz="1200" b="1" noProof="1">
-                <a:latin typeface="Consolas" pitchFamily="49" charset="0"/>
-                <a:cs typeface="Consolas" pitchFamily="49" charset="0"/>
-              </a:rPr>
-              <a:t> </a:t>
-            </a:r>
-            <a:r>
-              <a:rPr lang="en-US" sz="2800" b="1" noProof="1">
-                <a:latin typeface="Consolas" pitchFamily="49" charset="0"/>
-                <a:cs typeface="Consolas" pitchFamily="49" charset="0"/>
-              </a:rPr>
-              <a:t>Console.WriteLine("Hello");</a:t>
-            </a:r>
-            <a:r>
-              <a:rPr lang="en-US" sz="1200" b="1" noProof="1">
-                <a:latin typeface="Consolas" pitchFamily="49" charset="0"/>
-                <a:cs typeface="Consolas" pitchFamily="49" charset="0"/>
-              </a:rPr>
-              <a:t> </a:t>
-            </a:r>
-            <a:r>
-              <a:rPr lang="en-US" sz="2800" b="1" noProof="1">
-                <a:latin typeface="Consolas" pitchFamily="49" charset="0"/>
-                <a:cs typeface="Consolas" pitchFamily="49" charset="0"/>
-              </a:rPr>
-              <a:t>}</a:t>
-            </a:r>
-          </a:p>
-          <a:p>
-            <a:pPr defTabSz="1218438" latinLnBrk="1"/>
-            <a:r>
-              <a:rPr lang="en-US" sz="2800" b="1" noProof="1">
-                <a:latin typeface="Consolas" pitchFamily="49" charset="0"/>
-                <a:cs typeface="Consolas" pitchFamily="49" charset="0"/>
-              </a:rPr>
-              <a:t>}</a:t>
+            <a:pPr algn="ctr"/>
+            <a:r>
+              <a:rPr lang="en-GB" sz="2800" b="1" noProof="1">
+                <a:solidFill>
+                  <a:schemeClr val="tx1"/>
+                </a:solidFill>
+              </a:rPr>
+              <a:t>Rectangle</a:t>
             </a:r>
           </a:p>
         </p:txBody>
       </p:sp>
       <p:sp>
         <p:nvSpPr>
-          <p:cNvPr id="4" name="U-Turn Arrow 3"/>
+          <p:cNvPr id="7" name="Arrow: Right 29">
+            <a:extLst>
+              <a:ext uri="{FF2B5EF4-FFF2-40B4-BE49-F238E27FC236}">
+                <a16:creationId xmlns:a16="http://schemas.microsoft.com/office/drawing/2014/main" id="{B5FF26FE-ACB7-117B-2261-F9A312D37AF5}"/>
+              </a:ext>
+            </a:extLst>
+          </p:cNvPr>
           <p:cNvSpPr/>
           <p:nvPr/>
         </p:nvSpPr>
-        <p:spPr bwMode="auto">
-          <a:xfrm rot="5400000">
-            <a:off x="10833997" y="3795546"/>
-            <a:ext cx="1428192" cy="808719"/>
+        <p:spPr>
+          <a:xfrm rot="16200000">
+            <a:off x="8486998" y="3913264"/>
+            <a:ext cx="661007" cy="412480"/>
           </a:xfrm>
-          <a:prstGeom prst="uturnArrow">
+          <a:prstGeom prst="rightArrow">
             <a:avLst>
-              <a:gd name="adj1" fmla="val 26905"/>
-              <a:gd name="adj2" fmla="val 25000"/>
-              <a:gd name="adj3" fmla="val 25000"/>
-              <a:gd name="adj4" fmla="val 43750"/>
-              <a:gd name="adj5" fmla="val 75000"/>
+              <a:gd name="adj1" fmla="val 34885"/>
+              <a:gd name="adj2" fmla="val 85673"/>
             </a:avLst>
           </a:prstGeom>
           <a:solidFill>
@@ -32036,7 +32419,7 @@
           <a:lstStyle/>
           <a:p>
             <a:pPr algn="ctr"/>
-            <a:endParaRPr lang="bg-BG" sz="2800" b="1" dirty="0">
+            <a:endParaRPr lang="en-GB" sz="2800" b="1" dirty="0">
               <a:solidFill>
                 <a:srgbClr val="FFFFFF"/>
               </a:solidFill>
@@ -32053,22 +32436,92 @@
       </p:sp>
       <p:sp>
         <p:nvSpPr>
-          <p:cNvPr id="8" name="AutoShape 20"/>
-          <p:cNvSpPr>
-            <a:spLocks noChangeArrowheads="1"/>
-          </p:cNvSpPr>
+          <p:cNvPr id="8" name="Rectangle: Rounded Corners 7">
+            <a:extLst>
+              <a:ext uri="{FF2B5EF4-FFF2-40B4-BE49-F238E27FC236}">
+                <a16:creationId xmlns:a16="http://schemas.microsoft.com/office/drawing/2014/main" id="{059F5A4C-6F02-4B3D-C946-EDEB56B015E5}"/>
+              </a:ext>
+            </a:extLst>
+          </p:cNvPr>
+          <p:cNvSpPr/>
           <p:nvPr/>
         </p:nvSpPr>
-        <p:spPr bwMode="auto">
+        <p:spPr>
           <a:xfrm>
-            <a:off x="4116000" y="2716074"/>
-            <a:ext cx="2835000" cy="487453"/>
+            <a:off x="10019322" y="4688500"/>
+            <a:ext cx="1656678" cy="720500"/>
           </a:xfrm>
-          <a:prstGeom prst="wedgeRoundRectCallout">
+          <a:prstGeom prst="roundRect">
             <a:avLst>
-              <a:gd name="adj1" fmla="val -65162"/>
-              <a:gd name="adj2" fmla="val 37456"/>
-              <a:gd name="adj3" fmla="val 16667"/>
+              <a:gd name="adj" fmla="val 5385"/>
+            </a:avLst>
+          </a:prstGeom>
+          <a:solidFill>
+            <a:schemeClr val="tx1">
+              <a:lumMod val="75000"/>
+              <a:alpha val="30000"/>
+            </a:schemeClr>
+          </a:solidFill>
+          <a:ln w="57150">
+            <a:solidFill>
+              <a:schemeClr val="tx1"/>
+            </a:solidFill>
+            <a:prstDash val="sysDash"/>
+          </a:ln>
+        </p:spPr>
+        <p:style>
+          <a:lnRef idx="2">
+            <a:schemeClr val="accent1">
+              <a:shade val="50000"/>
+            </a:schemeClr>
+          </a:lnRef>
+          <a:fillRef idx="1">
+            <a:schemeClr val="accent1"/>
+          </a:fillRef>
+          <a:effectRef idx="0">
+            <a:schemeClr val="accent1"/>
+          </a:effectRef>
+          <a:fontRef idx="minor">
+            <a:schemeClr val="lt1"/>
+          </a:fontRef>
+        </p:style>
+        <p:txBody>
+          <a:bodyPr rtlCol="0" anchor="ctr" anchorCtr="0"/>
+          <a:lstStyle/>
+          <a:p>
+            <a:pPr algn="ctr"/>
+            <a:r>
+              <a:rPr lang="en-GB" sz="2800" b="1" noProof="1">
+                <a:solidFill>
+                  <a:schemeClr val="tx1"/>
+                </a:solidFill>
+              </a:rPr>
+              <a:t>Triangle</a:t>
+            </a:r>
+          </a:p>
+        </p:txBody>
+      </p:sp>
+      <p:sp>
+        <p:nvSpPr>
+          <p:cNvPr id="9" name="Arrow: Right 29">
+            <a:extLst>
+              <a:ext uri="{FF2B5EF4-FFF2-40B4-BE49-F238E27FC236}">
+                <a16:creationId xmlns:a16="http://schemas.microsoft.com/office/drawing/2014/main" id="{A7DB915F-29DF-7922-0230-82DAEC733CE3}"/>
+              </a:ext>
+            </a:extLst>
+          </p:cNvPr>
+          <p:cNvSpPr/>
+          <p:nvPr/>
+        </p:nvSpPr>
+        <p:spPr>
+          <a:xfrm rot="16200000">
+            <a:off x="10517157" y="3913264"/>
+            <a:ext cx="661007" cy="412479"/>
+          </a:xfrm>
+          <a:prstGeom prst="rightArrow">
+            <a:avLst>
+              <a:gd name="adj1" fmla="val 34885"/>
+              <a:gd name="adj2" fmla="val 78029"/>
             </a:avLst>
           </a:prstGeom>
           <a:solidFill>
@@ -32080,6 +32533,7 @@
             <a:solidFill>
               <a:schemeClr val="tx1">
                 <a:lumMod val="75000"/>
+                <a:alpha val="80000"/>
               </a:schemeClr>
             </a:solidFill>
           </a:ln>
@@ -32111,248 +32565,25 @@
           <a:lstStyle/>
           <a:p>
             <a:pPr algn="ctr"/>
-            <a:r>
-              <a:rPr lang="bg-BG" sz="2400" b="1" dirty="0">
-                <a:solidFill>
-                  <a:srgbClr val="FFFFFF"/>
-                </a:solidFill>
-              </a:rPr>
-              <a:t>Само сигнатурите</a:t>
-            </a:r>
-            <a:endParaRPr lang="en-US" sz="2400" b="1" dirty="0">
+            <a:endParaRPr lang="en-GB" sz="2800" b="1" dirty="0">
               <a:solidFill>
                 <a:srgbClr val="FFFFFF"/>
               </a:solidFill>
+              <a:effectLst>
+                <a:outerShdw blurRad="38100" dist="38100" dir="2700000" algn="tl">
+                  <a:srgbClr val="000000">
+                    <a:alpha val="43137"/>
+                  </a:srgbClr>
+                </a:outerShdw>
+              </a:effectLst>
             </a:endParaRPr>
-          </a:p>
-        </p:txBody>
-      </p:sp>
-      <p:sp>
-        <p:nvSpPr>
-          <p:cNvPr id="10" name="AutoShape 20"/>
-          <p:cNvSpPr>
-            <a:spLocks noChangeArrowheads="1"/>
-          </p:cNvSpPr>
-          <p:nvPr/>
-        </p:nvSpPr>
-        <p:spPr bwMode="auto">
-          <a:xfrm>
-            <a:off x="7671000" y="3744000"/>
-            <a:ext cx="3150000" cy="777753"/>
-          </a:xfrm>
-          <a:prstGeom prst="wedgeRoundRectCallout">
-            <a:avLst>
-              <a:gd name="adj1" fmla="val -7564"/>
-              <a:gd name="adj2" fmla="val 91917"/>
-              <a:gd name="adj3" fmla="val 16667"/>
-            </a:avLst>
-          </a:prstGeom>
-          <a:solidFill>
-            <a:schemeClr val="dk2">
-              <a:alpha val="80000"/>
-            </a:schemeClr>
-          </a:solidFill>
-          <a:ln w="19050">
-            <a:solidFill>
-              <a:schemeClr val="tx1">
-                <a:lumMod val="75000"/>
-              </a:schemeClr>
-            </a:solidFill>
-          </a:ln>
-          <a:effectLst/>
-        </p:spPr>
-        <p:style>
-          <a:lnRef idx="2">
-            <a:schemeClr val="accent1">
-              <a:shade val="50000"/>
-            </a:schemeClr>
-          </a:lnRef>
-          <a:fillRef idx="1001">
-            <a:schemeClr val="dk2"/>
-          </a:fillRef>
-          <a:effectRef idx="0">
-            <a:schemeClr val="accent1"/>
-          </a:effectRef>
-          <a:fontRef idx="minor">
-            <a:schemeClr val="lt1"/>
-          </a:fontRef>
-        </p:style>
-        <p:txBody>
-          <a:bodyPr rot="0" spcFirstLastPara="0" vertOverflow="overflow" horzOverflow="overflow" vert="horz" wrap="square" lIns="91440" tIns="45720" rIns="91440" bIns="45720" numCol="1" spcCol="0" rtlCol="0" fromWordArt="0" anchor="ctr" anchorCtr="0" forceAA="0" compatLnSpc="1">
-            <a:prstTxWarp prst="textNoShape">
-              <a:avLst/>
-            </a:prstTxWarp>
-            <a:noAutofit/>
-          </a:bodyPr>
-          <a:lstStyle/>
-          <a:p>
-            <a:pPr algn="ctr"/>
-            <a:r>
-              <a:rPr lang="bg-BG" sz="2400" b="1" dirty="0">
-                <a:solidFill>
-                  <a:srgbClr val="FFFFFF"/>
-                </a:solidFill>
-              </a:rPr>
-              <a:t>Един или повече </a:t>
-            </a:r>
-            <a:r>
-              <a:rPr lang="bg-BG" sz="2400" b="1" dirty="0">
-                <a:solidFill>
-                  <a:schemeClr val="bg1">
-                    <a:lumMod val="60000"/>
-                    <a:lumOff val="40000"/>
-                  </a:schemeClr>
-                </a:solidFill>
-              </a:rPr>
-              <a:t>интерфейси</a:t>
-            </a:r>
-            <a:endParaRPr lang="en-US" sz="2400" b="1" dirty="0">
-              <a:solidFill>
-                <a:schemeClr val="bg1">
-                  <a:lumMod val="60000"/>
-                  <a:lumOff val="40000"/>
-                </a:schemeClr>
-              </a:solidFill>
-            </a:endParaRPr>
-          </a:p>
-        </p:txBody>
-      </p:sp>
-      <p:sp>
-        <p:nvSpPr>
-          <p:cNvPr id="12" name="AutoShape 20"/>
-          <p:cNvSpPr>
-            <a:spLocks noChangeArrowheads="1"/>
-          </p:cNvSpPr>
-          <p:nvPr/>
-        </p:nvSpPr>
-        <p:spPr bwMode="auto">
-          <a:xfrm>
-            <a:off x="3463254" y="3743999"/>
-            <a:ext cx="3487746" cy="777753"/>
-          </a:xfrm>
-          <a:prstGeom prst="wedgeRoundRectCallout">
-            <a:avLst>
-              <a:gd name="adj1" fmla="val 5077"/>
-              <a:gd name="adj2" fmla="val 82841"/>
-              <a:gd name="adj3" fmla="val 16667"/>
-            </a:avLst>
-          </a:prstGeom>
-          <a:solidFill>
-            <a:schemeClr val="dk2">
-              <a:alpha val="80000"/>
-            </a:schemeClr>
-          </a:solidFill>
-          <a:ln w="19050">
-            <a:solidFill>
-              <a:schemeClr val="tx1">
-                <a:lumMod val="75000"/>
-              </a:schemeClr>
-            </a:solidFill>
-          </a:ln>
-          <a:effectLst/>
-        </p:spPr>
-        <p:style>
-          <a:lnRef idx="2">
-            <a:schemeClr val="accent1">
-              <a:shade val="50000"/>
-            </a:schemeClr>
-          </a:lnRef>
-          <a:fillRef idx="1001">
-            <a:schemeClr val="dk2"/>
-          </a:fillRef>
-          <a:effectRef idx="0">
-            <a:schemeClr val="accent1"/>
-          </a:effectRef>
-          <a:fontRef idx="minor">
-            <a:schemeClr val="lt1"/>
-          </a:fontRef>
-        </p:style>
-        <p:txBody>
-          <a:bodyPr rot="0" spcFirstLastPara="0" vertOverflow="overflow" horzOverflow="overflow" vert="horz" wrap="square" lIns="91440" tIns="45720" rIns="91440" bIns="45720" numCol="1" spcCol="0" rtlCol="0" fromWordArt="0" anchor="ctr" anchorCtr="0" forceAA="0" compatLnSpc="1">
-            <a:prstTxWarp prst="textNoShape">
-              <a:avLst/>
-            </a:prstTxWarp>
-            <a:noAutofit/>
-          </a:bodyPr>
-          <a:lstStyle/>
-          <a:p>
-            <a:pPr algn="ctr"/>
-            <a:r>
-              <a:rPr lang="bg-BG" sz="2400" b="1" dirty="0">
-                <a:solidFill>
-                  <a:srgbClr val="FFFFFF"/>
-                </a:solidFill>
-              </a:rPr>
-              <a:t>Класовете се изписват </a:t>
-            </a:r>
-            <a:r>
-              <a:rPr lang="bg-BG" sz="2400" b="1" dirty="0">
-                <a:solidFill>
-                  <a:schemeClr val="bg1">
-                    <a:lumMod val="60000"/>
-                    <a:lumOff val="40000"/>
-                  </a:schemeClr>
-                </a:solidFill>
-              </a:rPr>
-              <a:t>първи</a:t>
-            </a:r>
-            <a:endParaRPr lang="en-US" sz="2400" b="1" dirty="0">
-              <a:solidFill>
-                <a:schemeClr val="bg1">
-                  <a:lumMod val="60000"/>
-                  <a:lumOff val="40000"/>
-                </a:schemeClr>
-              </a:solidFill>
-            </a:endParaRPr>
-          </a:p>
-        </p:txBody>
-      </p:sp>
-      <p:sp>
-        <p:nvSpPr>
-          <p:cNvPr id="13" name="Slide Number">
-            <a:extLst>
-              <a:ext uri="{FF2B5EF4-FFF2-40B4-BE49-F238E27FC236}">
-                <a16:creationId xmlns:a16="http://schemas.microsoft.com/office/drawing/2014/main" id="{B574FB0F-13FC-4896-8F32-391700E53329}"/>
-              </a:ext>
-            </a:extLst>
-          </p:cNvPr>
-          <p:cNvSpPr>
-            <a:spLocks noGrp="1"/>
-          </p:cNvSpPr>
-          <p:nvPr>
-            <p:ph type="sldNum" sz="quarter" idx="5"/>
-          </p:nvPr>
-        </p:nvSpPr>
-        <p:spPr>
-          <a:xfrm>
-            <a:off x="11753030" y="6507000"/>
-            <a:ext cx="367414" cy="297000"/>
-          </a:xfrm>
-          <a:prstGeom prst="rect">
-            <a:avLst/>
-          </a:prstGeom>
-        </p:spPr>
-        <p:txBody>
-          <a:bodyPr vert="horz" lIns="91440" tIns="45720" rIns="91440" bIns="45720" rtlCol="0" anchor="b"/>
-          <a:lstStyle>
-            <a:lvl1pPr algn="r">
-              <a:defRPr sz="1000"/>
-            </a:lvl1pPr>
-          </a:lstStyle>
-          <a:p>
-            <a:fld id="{2BF067CD-8E6B-4360-9AA8-C5DF2A48A6D1}" type="slidenum">
-              <a:rPr lang="en-US" noProof="0" smtClean="0"/>
-              <a:pPr/>
-              <a:t>9</a:t>
-            </a:fld>
-            <a:endParaRPr lang="en-US" noProof="0" dirty="0"/>
           </a:p>
         </p:txBody>
       </p:sp>
     </p:spTree>
     <p:extLst>
       <p:ext uri="{BB962C8B-B14F-4D97-AF65-F5344CB8AC3E}">
-        <p14:creationId xmlns:p14="http://schemas.microsoft.com/office/powerpoint/2010/main" val="670045562"/>
+        <p14:creationId xmlns:p14="http://schemas.microsoft.com/office/powerpoint/2010/main" val="1936378937"/>
       </p:ext>
     </p:extLst>
   </p:cSld>
@@ -32361,10 +32592,10 @@
   </p:clrMapOvr>
   <mc:AlternateContent xmlns:mc="http://schemas.openxmlformats.org/markup-compatibility/2006" xmlns:p14="http://schemas.microsoft.com/office/powerpoint/2010/main">
     <mc:Choice Requires="p14">
-      <p:transition p14:dur="0"/>
+      <p:transition spd="slow" p14:dur="2000" advClick="0" advTm="5000"/>
     </mc:Choice>
     <mc:Fallback xmlns="">
-      <p:transition/>
+      <p:transition spd="slow" advClick="0" advTm="5000"/>
     </mc:Fallback>
   </mc:AlternateContent>
   <p:timing>
@@ -32388,7 +32619,7 @@
                             </p:stCondLst>
                             <p:childTnLst>
                               <p:par>
-                                <p:cTn id="5" presetID="1" presetClass="entr" presetSubtype="0" fill="hold" grpId="0" nodeType="clickEffect">
+                                <p:cTn id="5" presetID="1" presetClass="entr" presetSubtype="0" fill="hold" nodeType="clickEffect">
                                   <p:stCondLst>
                                     <p:cond delay="0"/>
                                   </p:stCondLst>
@@ -32401,7 +32632,11 @@
                                           </p:stCondLst>
                                         </p:cTn>
                                         <p:tgtEl>
-                                          <p:spTgt spid="4"/>
+                                          <p:spTgt spid="3">
+                                            <p:txEl>
+                                              <p:pRg st="1" end="1"/>
+                                            </p:txEl>
+                                          </p:spTgt>
                                         </p:tgtEl>
                                         <p:attrNameLst>
                                           <p:attrName>style.visibility</p:attrName>
@@ -32428,7 +32663,7 @@
                                           </p:stCondLst>
                                         </p:cTn>
                                         <p:tgtEl>
-                                          <p:spTgt spid="18"/>
+                                          <p:spTgt spid="5"/>
                                         </p:tgtEl>
                                         <p:attrNameLst>
                                           <p:attrName>style.visibility</p:attrName>
@@ -32460,7 +32695,7 @@
                             </p:stCondLst>
                             <p:childTnLst>
                               <p:par>
-                                <p:cTn id="11" presetID="1" presetClass="entr" presetSubtype="0" fill="hold" grpId="0" nodeType="clickEffect">
+                                <p:cTn id="11" presetID="1" presetClass="entr" presetSubtype="0" fill="hold" nodeType="clickEffect">
                                   <p:stCondLst>
                                     <p:cond delay="0"/>
                                   </p:stCondLst>
@@ -32473,7 +32708,11 @@
                                           </p:stCondLst>
                                         </p:cTn>
                                         <p:tgtEl>
-                                          <p:spTgt spid="8"/>
+                                          <p:spTgt spid="3">
+                                            <p:txEl>
+                                              <p:pRg st="2" end="2"/>
+                                            </p:txEl>
+                                          </p:spTgt>
                                         </p:tgtEl>
                                         <p:attrNameLst>
                                           <p:attrName>style.visibility</p:attrName>
@@ -32505,7 +32744,7 @@
                             </p:stCondLst>
                             <p:childTnLst>
                               <p:par>
-                                <p:cTn id="15" presetID="1" presetClass="entr" presetSubtype="0" fill="hold" grpId="0" nodeType="clickEffect">
+                                <p:cTn id="15" presetID="1" presetClass="entr" presetSubtype="0" fill="hold" nodeType="clickEffect">
                                   <p:stCondLst>
                                     <p:cond delay="0"/>
                                   </p:stCondLst>
@@ -32518,7 +32757,11 @@
                                           </p:stCondLst>
                                         </p:cTn>
                                         <p:tgtEl>
-                                          <p:spTgt spid="10"/>
+                                          <p:spTgt spid="3">
+                                            <p:txEl>
+                                              <p:pRg st="3" end="3"/>
+                                            </p:txEl>
+                                          </p:spTgt>
                                         </p:tgtEl>
                                         <p:attrNameLst>
                                           <p:attrName>style.visibility</p:attrName>
@@ -32531,26 +32774,35 @@
                                   </p:childTnLst>
                                 </p:cTn>
                               </p:par>
-                            </p:childTnLst>
-                          </p:cTn>
-                        </p:par>
-                      </p:childTnLst>
-                    </p:cTn>
-                  </p:par>
-                  <p:par>
-                    <p:cTn id="17" fill="hold">
-                      <p:stCondLst>
-                        <p:cond delay="indefinite"/>
-                      </p:stCondLst>
-                      <p:childTnLst>
-                        <p:par>
-                          <p:cTn id="18" fill="hold">
-                            <p:stCondLst>
-                              <p:cond delay="0"/>
-                            </p:stCondLst>
-                            <p:childTnLst>
                               <p:par>
-                                <p:cTn id="19" presetID="1" presetClass="entr" presetSubtype="0" fill="hold" grpId="0" nodeType="clickEffect">
+                                <p:cTn id="17" presetID="1" presetClass="entr" presetSubtype="0" fill="hold" grpId="0" nodeType="withEffect">
+                                  <p:stCondLst>
+                                    <p:cond delay="0"/>
+                                  </p:stCondLst>
+                                  <p:childTnLst>
+                                    <p:set>
+                                      <p:cBhvr>
+                                        <p:cTn id="18" dur="1" fill="hold">
+                                          <p:stCondLst>
+                                            <p:cond delay="0"/>
+                                          </p:stCondLst>
+                                        </p:cTn>
+                                        <p:tgtEl>
+                                          <p:spTgt spid="7"/>
+                                        </p:tgtEl>
+                                        <p:attrNameLst>
+                                          <p:attrName>style.visibility</p:attrName>
+                                        </p:attrNameLst>
+                                      </p:cBhvr>
+                                      <p:to>
+                                        <p:strVal val="visible"/>
+                                      </p:to>
+                                    </p:set>
+                                  </p:childTnLst>
+                                </p:cTn>
+                              </p:par>
+                              <p:par>
+                                <p:cTn id="19" presetID="1" presetClass="entr" presetSubtype="0" fill="hold" grpId="0" nodeType="withEffect">
                                   <p:stCondLst>
                                     <p:cond delay="0"/>
                                   </p:stCondLst>
@@ -32563,7 +32815,61 @@
                                           </p:stCondLst>
                                         </p:cTn>
                                         <p:tgtEl>
-                                          <p:spTgt spid="12"/>
+                                          <p:spTgt spid="6"/>
+                                        </p:tgtEl>
+                                        <p:attrNameLst>
+                                          <p:attrName>style.visibility</p:attrName>
+                                        </p:attrNameLst>
+                                      </p:cBhvr>
+                                      <p:to>
+                                        <p:strVal val="visible"/>
+                                      </p:to>
+                                    </p:set>
+                                  </p:childTnLst>
+                                </p:cTn>
+                              </p:par>
+                              <p:par>
+                                <p:cTn id="21" presetID="1" presetClass="entr" presetSubtype="0" fill="hold" grpId="0" nodeType="withEffect">
+                                  <p:stCondLst>
+                                    <p:cond delay="0"/>
+                                  </p:stCondLst>
+                                  <p:childTnLst>
+                                    <p:set>
+                                      <p:cBhvr>
+                                        <p:cTn id="22" dur="1" fill="hold">
+                                          <p:stCondLst>
+                                            <p:cond delay="0"/>
+                                          </p:stCondLst>
+                                        </p:cTn>
+                                        <p:tgtEl>
+                                          <p:spTgt spid="9"/>
+                                        </p:tgtEl>
+                                        <p:attrNameLst>
+                                          <p:attrName>style.visibility</p:attrName>
+                                        </p:attrNameLst>
+                                      </p:cBhvr>
+                                      <p:to>
+                                        <p:strVal val="visible"/>
+                                      </p:to>
+                                    </p:set>
+                                  </p:childTnLst>
+                                </p:cTn>
+                              </p:par>
+                              <p:par>
+                                <p:cTn id="23" presetID="1" presetClass="entr" presetSubtype="0" fill="hold" grpId="0" nodeType="withEffect">
+                                  <p:stCondLst>
+                                    <p:cond delay="0"/>
+                                  </p:stCondLst>
+                                  <p:childTnLst>
+                                    <p:set>
+                                      <p:cBhvr>
+                                        <p:cTn id="24" dur="1" fill="hold">
+                                          <p:stCondLst>
+                                            <p:cond delay="0"/>
+                                          </p:stCondLst>
+                                        </p:cTn>
+                                        <p:tgtEl>
+                                          <p:spTgt spid="8"/>
                                         </p:tgtEl>
                                         <p:attrNameLst>
                                           <p:attrName>style.visibility</p:attrName>
@@ -32604,13 +32910,157 @@
       </p:par>
     </p:tnLst>
     <p:bldLst>
-      <p:bldP spid="18" grpId="0" animBg="1"/>
-      <p:bldP spid="4" grpId="0" animBg="1"/>
+      <p:bldP spid="5" grpId="0" animBg="1"/>
+      <p:bldP spid="6" grpId="0" animBg="1"/>
+      <p:bldP spid="7" grpId="0" animBg="1"/>
       <p:bldP spid="8" grpId="0" animBg="1"/>
-      <p:bldP spid="10" grpId="0" animBg="1"/>
-      <p:bldP spid="12" grpId="0" animBg="1"/>
+      <p:bldP spid="9" grpId="0" animBg="1"/>
     </p:bldLst>
   </p:timing>
+</p:sld>
+</file>
+
+<file path=ppt/slides/slide9.xml><?xml version="1.0" encoding="utf-8"?>
+<p:sld xmlns:a="http://schemas.openxmlformats.org/drawingml/2006/main" xmlns:r="http://schemas.openxmlformats.org/officeDocument/2006/relationships" xmlns:p="http://schemas.openxmlformats.org/presentationml/2006/main">
+  <p:cSld>
+    <p:spTree>
+      <p:nvGrpSpPr>
+        <p:cNvPr id="1" name=""/>
+        <p:cNvGrpSpPr/>
+        <p:nvPr/>
+      </p:nvGrpSpPr>
+      <p:grpSpPr>
+        <a:xfrm>
+          <a:off x="0" y="0"/>
+          <a:ext cx="0" cy="0"/>
+          <a:chOff x="0" y="0"/>
+          <a:chExt cx="0" cy="0"/>
+        </a:xfrm>
+      </p:grpSpPr>
+      <p:sp>
+        <p:nvSpPr>
+          <p:cNvPr id="2" name="Slide Number Placeholder 1">
+            <a:extLst>
+              <a:ext uri="{FF2B5EF4-FFF2-40B4-BE49-F238E27FC236}">
+                <a16:creationId xmlns:a16="http://schemas.microsoft.com/office/drawing/2014/main" id="{A5EC9C05-A548-1B7D-8E61-75E268453C50}"/>
+              </a:ext>
+            </a:extLst>
+          </p:cNvPr>
+          <p:cNvSpPr>
+            <a:spLocks noGrp="1"/>
+          </p:cNvSpPr>
+          <p:nvPr>
+            <p:ph type="sldNum" sz="quarter" idx="5"/>
+          </p:nvPr>
+        </p:nvSpPr>
+        <p:spPr/>
+        <p:txBody>
+          <a:bodyPr/>
+          <a:lstStyle/>
+          <a:p>
+            <a:fld id="{2BF067CD-8E6B-4360-9AA8-C5DF2A48A6D1}" type="slidenum">
+              <a:rPr lang="en-US" noProof="0" smtClean="0"/>
+              <a:pPr/>
+              <a:t>9</a:t>
+            </a:fld>
+            <a:endParaRPr lang="en-US" noProof="0" dirty="0"/>
+          </a:p>
+        </p:txBody>
+      </p:sp>
+      <p:sp>
+        <p:nvSpPr>
+          <p:cNvPr id="4" name="Title 3">
+            <a:extLst>
+              <a:ext uri="{FF2B5EF4-FFF2-40B4-BE49-F238E27FC236}">
+                <a16:creationId xmlns:a16="http://schemas.microsoft.com/office/drawing/2014/main" id="{498A87CE-3F35-6E7F-9011-931B0B618002}"/>
+              </a:ext>
+            </a:extLst>
+          </p:cNvPr>
+          <p:cNvSpPr>
+            <a:spLocks noGrp="1"/>
+          </p:cNvSpPr>
+          <p:nvPr>
+            <p:ph type="title"/>
+          </p:nvPr>
+        </p:nvSpPr>
+        <p:spPr/>
+        <p:txBody>
+          <a:bodyPr/>
+          <a:lstStyle/>
+          <a:p>
+            <a:r>
+              <a:rPr lang="bg-BG"/>
+              <a:t>Интерфейс и имплементация</a:t>
+            </a:r>
+            <a:endParaRPr lang="en-US" dirty="0"/>
+          </a:p>
+        </p:txBody>
+      </p:sp>
+      <p:pic>
+        <p:nvPicPr>
+          <p:cNvPr id="2050" name="Picture 2" descr="OOP Inheritance &amp; Polymorphism - Java Programming Tutorial">
+            <a:extLst>
+              <a:ext uri="{FF2B5EF4-FFF2-40B4-BE49-F238E27FC236}">
+                <a16:creationId xmlns:a16="http://schemas.microsoft.com/office/drawing/2014/main" id="{CC9D9B37-838D-19E8-7864-FE24D20CBBB7}"/>
+              </a:ext>
+            </a:extLst>
+          </p:cNvPr>
+          <p:cNvPicPr>
+            <a:picLocks noChangeAspect="1" noChangeArrowheads="1"/>
+          </p:cNvPicPr>
+          <p:nvPr/>
+        </p:nvPicPr>
+        <p:blipFill>
+          <a:blip r:embed="rId2">
+            <a:extLst>
+              <a:ext uri="{28A0092B-C50C-407E-A947-70E740481C1C}">
+                <a14:useLocalDpi xmlns:a14="http://schemas.microsoft.com/office/drawing/2010/main" val="0"/>
+              </a:ext>
+            </a:extLst>
+          </a:blip>
+          <a:srcRect/>
+          <a:stretch>
+            <a:fillRect/>
+          </a:stretch>
+        </p:blipFill>
+        <p:spPr bwMode="auto">
+          <a:xfrm>
+            <a:off x="596571" y="1475794"/>
+            <a:ext cx="10998859" cy="5016216"/>
+          </a:xfrm>
+          <a:prstGeom prst="rect">
+            <a:avLst/>
+          </a:prstGeom>
+          <a:noFill/>
+          <a:extLst>
+            <a:ext uri="{909E8E84-426E-40DD-AFC4-6F175D3DCCD1}">
+              <a14:hiddenFill xmlns:a14="http://schemas.microsoft.com/office/drawing/2010/main">
+                <a:solidFill>
+                  <a:srgbClr val="FFFFFF"/>
+                </a:solidFill>
+              </a14:hiddenFill>
+            </a:ext>
+          </a:extLst>
+        </p:spPr>
+      </p:pic>
+    </p:spTree>
+    <p:extLst>
+      <p:ext uri="{BB962C8B-B14F-4D97-AF65-F5344CB8AC3E}">
+        <p14:creationId xmlns:p14="http://schemas.microsoft.com/office/powerpoint/2010/main" val="1082214765"/>
+      </p:ext>
+    </p:extLst>
+  </p:cSld>
+  <p:clrMapOvr>
+    <a:masterClrMapping/>
+  </p:clrMapOvr>
+  <mc:AlternateContent xmlns:mc="http://schemas.openxmlformats.org/markup-compatibility/2006" xmlns:p14="http://schemas.microsoft.com/office/powerpoint/2010/main">
+    <mc:Choice Requires="p14">
+      <p:transition spd="slow" p14:dur="2000" advClick="0" advTm="5000"/>
+    </mc:Choice>
+    <mc:Fallback xmlns="">
+      <p:transition spd="slow" advClick="0" advTm="5000"/>
+    </mc:Fallback>
+  </mc:AlternateContent>
 </p:sld>
 </file>
 

--- a/Courses/Software-Sciences/Module-1-OOP/10.1-Abstract-Classes-and-Interfaces-Basics/10.1-Abstract-Classes-and-Interfaces-Basics.pptx
+++ b/Courses/Software-Sciences/Module-1-OOP/10.1-Abstract-Classes-and-Interfaces-Basics/10.1-Abstract-Classes-and-Interfaces-Basics.pptx
@@ -5,10 +5,10 @@
     <p:sldMasterId id="2147483675" r:id="rId1"/>
   </p:sldMasterIdLst>
   <p:notesMasterIdLst>
-    <p:notesMasterId r:id="rId34"/>
+    <p:notesMasterId r:id="rId33"/>
   </p:notesMasterIdLst>
   <p:handoutMasterIdLst>
-    <p:handoutMasterId r:id="rId35"/>
+    <p:handoutMasterId r:id="rId34"/>
   </p:handoutMasterIdLst>
   <p:sldIdLst>
     <p:sldId id="627" r:id="rId2"/>
@@ -30,19 +30,18 @@
     <p:sldId id="308" r:id="rId18"/>
     <p:sldId id="497" r:id="rId19"/>
     <p:sldId id="498" r:id="rId20"/>
-    <p:sldId id="499" r:id="rId21"/>
-    <p:sldId id="310" r:id="rId22"/>
-    <p:sldId id="311" r:id="rId23"/>
-    <p:sldId id="312" r:id="rId24"/>
-    <p:sldId id="313" r:id="rId25"/>
-    <p:sldId id="314" r:id="rId26"/>
-    <p:sldId id="494" r:id="rId27"/>
-    <p:sldId id="315" r:id="rId28"/>
-    <p:sldId id="316" r:id="rId29"/>
-    <p:sldId id="317" r:id="rId30"/>
-    <p:sldId id="318" r:id="rId31"/>
-    <p:sldId id="504" r:id="rId32"/>
-    <p:sldId id="505" r:id="rId33"/>
+    <p:sldId id="310" r:id="rId21"/>
+    <p:sldId id="311" r:id="rId22"/>
+    <p:sldId id="312" r:id="rId23"/>
+    <p:sldId id="313" r:id="rId24"/>
+    <p:sldId id="314" r:id="rId25"/>
+    <p:sldId id="494" r:id="rId26"/>
+    <p:sldId id="315" r:id="rId27"/>
+    <p:sldId id="316" r:id="rId28"/>
+    <p:sldId id="317" r:id="rId29"/>
+    <p:sldId id="318" r:id="rId30"/>
+    <p:sldId id="504" r:id="rId31"/>
+    <p:sldId id="505" r:id="rId32"/>
   </p:sldIdLst>
   <p:sldSz cx="12192000" cy="6858000"/>
   <p:notesSz cx="6858000" cy="9144000"/>
@@ -177,7 +176,6 @@
             <p14:sldId id="308"/>
             <p14:sldId id="497"/>
             <p14:sldId id="498"/>
-            <p14:sldId id="499"/>
             <p14:sldId id="310"/>
           </p14:sldIdLst>
         </p14:section>
@@ -317,7 +315,7 @@
           <a:p>
             <a:fld id="{4E087215-0C8F-4762-A664-737A353EC9A4}" type="datetimeFigureOut">
               <a:rPr lang="bg-BG" smtClean="0"/>
-              <a:t>12.10.23 г.</a:t>
+              <a:t>16.06.24 г.</a:t>
             </a:fld>
             <a:endParaRPr lang="bg-BG"/>
           </a:p>
@@ -513,7 +511,7 @@
           <a:p>
             <a:fld id="{72D84649-876A-46C9-8472-14CB09C070D8}" type="datetimeFigureOut">
               <a:rPr lang="en-US" smtClean="0"/>
-              <a:t>10/12/23</a:t>
+              <a:t>6/16/24</a:t>
             </a:fld>
             <a:endParaRPr lang="en-US"/>
           </a:p>
@@ -1291,7 +1289,7 @@
             <a:fld id="{3EBA5BD7-F043-4D1B-AA17-CD412FC534DE}" type="slidenum">
               <a:rPr lang="en-US" smtClean="0"/>
               <a:pPr/>
-              <a:t>25</a:t>
+              <a:t>24</a:t>
             </a:fld>
             <a:endParaRPr lang="en-US" dirty="0"/>
           </a:p>
@@ -1431,7 +1429,7 @@
             <a:fld id="{3EBA5BD7-F043-4D1B-AA17-CD412FC534DE}" type="slidenum">
               <a:rPr lang="en-US" smtClean="0"/>
               <a:pPr/>
-              <a:t>26</a:t>
+              <a:t>25</a:t>
             </a:fld>
             <a:endParaRPr lang="en-US" dirty="0"/>
           </a:p>
@@ -1571,7 +1569,7 @@
             <a:fld id="{3EBA5BD7-F043-4D1B-AA17-CD412FC534DE}" type="slidenum">
               <a:rPr lang="en-US" smtClean="0"/>
               <a:pPr/>
-              <a:t>27</a:t>
+              <a:t>26</a:t>
             </a:fld>
             <a:endParaRPr lang="en-US" dirty="0"/>
           </a:p>
@@ -1711,7 +1709,7 @@
             <a:fld id="{3EBA5BD7-F043-4D1B-AA17-CD412FC534DE}" type="slidenum">
               <a:rPr lang="en-US" smtClean="0"/>
               <a:pPr/>
-              <a:t>28</a:t>
+              <a:t>27</a:t>
             </a:fld>
             <a:endParaRPr lang="en-US" dirty="0"/>
           </a:p>
@@ -1851,7 +1849,7 @@
             <a:fld id="{3EBA5BD7-F043-4D1B-AA17-CD412FC534DE}" type="slidenum">
               <a:rPr lang="en-US" smtClean="0"/>
               <a:pPr/>
-              <a:t>29</a:t>
+              <a:t>28</a:t>
             </a:fld>
             <a:endParaRPr lang="en-US" dirty="0"/>
           </a:p>
@@ -1991,7 +1989,7 @@
             <a:fld id="{3EBA5BD7-F043-4D1B-AA17-CD412FC534DE}" type="slidenum">
               <a:rPr lang="en-US" smtClean="0"/>
               <a:pPr/>
-              <a:t>30</a:t>
+              <a:t>29</a:t>
             </a:fld>
             <a:endParaRPr lang="en-US" dirty="0"/>
           </a:p>
@@ -2237,7 +2235,7 @@
             <a:fld id="{3EBA5BD7-F043-4D1B-AA17-CD412FC534DE}" type="slidenum">
               <a:rPr lang="en-US" smtClean="0"/>
               <a:pPr/>
-              <a:t>31</a:t>
+              <a:t>30</a:t>
             </a:fld>
             <a:endParaRPr lang="en-US" dirty="0"/>
           </a:p>
@@ -2483,7 +2481,7 @@
             <a:fld id="{3EBA5BD7-F043-4D1B-AA17-CD412FC534DE}" type="slidenum">
               <a:rPr lang="en-US" smtClean="0"/>
               <a:pPr/>
-              <a:t>32</a:t>
+              <a:t>31</a:t>
             </a:fld>
             <a:endParaRPr lang="en-US" dirty="0"/>
           </a:p>
@@ -13528,6 +13526,8 @@
                 <a:solidFill>
                   <a:schemeClr val="bg1"/>
                 </a:solidFill>
+                <a:latin typeface="Consolas" panose="020B0609020204030204" pitchFamily="49" charset="0"/>
+                <a:cs typeface="Consolas" panose="020B0609020204030204" pitchFamily="49" charset="0"/>
               </a:rPr>
               <a:t>Circle</a:t>
             </a:r>
@@ -13556,6 +13556,8 @@
                 <a:solidFill>
                   <a:schemeClr val="bg1"/>
                 </a:solidFill>
+                <a:latin typeface="Consolas" panose="020B0609020204030204" pitchFamily="49" charset="0"/>
+                <a:cs typeface="Consolas" panose="020B0609020204030204" pitchFamily="49" charset="0"/>
               </a:rPr>
               <a:t>Rectangle</a:t>
             </a:r>
@@ -13768,18 +13770,11 @@
                 </a:spcAft>
               </a:pPr>
               <a:r>
-                <a:rPr lang="bg-BG" sz="2600" b="1" noProof="1">
-                  <a:latin typeface="Consolas" pitchFamily="49" charset="0"/>
-                  <a:cs typeface="Consolas" pitchFamily="49" charset="0"/>
-                </a:rPr>
-                <a:t>+</a:t>
-              </a:r>
-              <a:r>
                 <a:rPr lang="en-US" sz="2600" b="1" noProof="1">
                   <a:latin typeface="Consolas" pitchFamily="49" charset="0"/>
                   <a:cs typeface="Consolas" pitchFamily="49" charset="0"/>
                 </a:rPr>
-                <a:t>Radius: int</a:t>
+                <a:t>-radius: int</a:t>
               </a:r>
             </a:p>
           </p:txBody>
@@ -13919,7 +13914,7 @@
                   <a:latin typeface="Consolas" pitchFamily="49" charset="0"/>
                   <a:cs typeface="Consolas" pitchFamily="49" charset="0"/>
                 </a:rPr>
-                <a:t>-Width: int</a:t>
+                <a:t>-width: int</a:t>
               </a:r>
             </a:p>
             <a:p>
@@ -13936,7 +13931,7 @@
                   <a:latin typeface="Consolas" pitchFamily="49" charset="0"/>
                   <a:cs typeface="Consolas" pitchFamily="49" charset="0"/>
                 </a:rPr>
-                <a:t>-Height: int</a:t>
+                <a:t>-height: int</a:t>
               </a:r>
             </a:p>
           </p:txBody>
@@ -18933,929 +18928,6 @@
       </p:grpSpPr>
       <p:sp>
         <p:nvSpPr>
-          <p:cNvPr id="3" name="Text Placeholder 2"/>
-          <p:cNvSpPr>
-            <a:spLocks noGrp="1"/>
-          </p:cNvSpPr>
-          <p:nvPr>
-            <p:ph type="body" sz="quarter" idx="10"/>
-          </p:nvPr>
-        </p:nvSpPr>
-        <p:spPr>
-          <a:xfrm>
-            <a:off x="176270" y="1317057"/>
-            <a:ext cx="11818096" cy="5148888"/>
-          </a:xfrm>
-        </p:spPr>
-        <p:txBody>
-          <a:bodyPr/>
-          <a:lstStyle/>
-          <a:p>
-            <a:pPr>
-              <a:lnSpc>
-                <a:spcPct val="90000"/>
-              </a:lnSpc>
-              <a:spcBef>
-                <a:spcPts val="0"/>
-              </a:spcBef>
-              <a:spcAft>
-                <a:spcPts val="0"/>
-              </a:spcAft>
-            </a:pPr>
-            <a:r>
-              <a:rPr lang="bg-BG" dirty="0"/>
-              <a:t>Трябва да задава </a:t>
-            </a:r>
-            <a:r>
-              <a:rPr lang="bg-BG" b="1" dirty="0">
-                <a:solidFill>
-                  <a:schemeClr val="bg1"/>
-                </a:solidFill>
-              </a:rPr>
-              <a:t>имплементация</a:t>
-            </a:r>
-            <a:r>
-              <a:rPr lang="en-US" dirty="0"/>
-              <a:t> </a:t>
-            </a:r>
-            <a:r>
-              <a:rPr lang="bg-BG" dirty="0"/>
-              <a:t>за всички </a:t>
-            </a:r>
-            <a:r>
-              <a:rPr lang="bg-BG" b="1" dirty="0">
-                <a:solidFill>
-                  <a:schemeClr val="bg1"/>
-                </a:solidFill>
-              </a:rPr>
-              <a:t>наследени</a:t>
-            </a:r>
-            <a:r>
-              <a:rPr lang="en-US" dirty="0"/>
-              <a:t> </a:t>
-            </a:r>
-            <a:r>
-              <a:rPr lang="bg-BG" dirty="0"/>
-              <a:t>членове на интерфейса</a:t>
-            </a:r>
-            <a:endParaRPr lang="en-US" dirty="0"/>
-          </a:p>
-        </p:txBody>
-      </p:sp>
-      <p:sp>
-        <p:nvSpPr>
-          <p:cNvPr id="4" name="Title 3"/>
-          <p:cNvSpPr>
-            <a:spLocks noGrp="1"/>
-          </p:cNvSpPr>
-          <p:nvPr>
-            <p:ph type="title"/>
-          </p:nvPr>
-        </p:nvSpPr>
-        <p:spPr/>
-        <p:txBody>
-          <a:bodyPr/>
-          <a:lstStyle/>
-          <a:p>
-            <a:r>
-              <a:rPr lang="bg-BG" dirty="0"/>
-              <a:t>Абстрактен клас (3)</a:t>
-            </a:r>
-            <a:endParaRPr lang="en-US" dirty="0"/>
-          </a:p>
-        </p:txBody>
-      </p:sp>
-      <p:sp>
-        <p:nvSpPr>
-          <p:cNvPr id="5" name="Rectangle 4"/>
-          <p:cNvSpPr>
-            <a:spLocks noChangeArrowheads="1"/>
-          </p:cNvSpPr>
-          <p:nvPr/>
-        </p:nvSpPr>
-        <p:spPr bwMode="auto">
-          <a:xfrm>
-            <a:off x="621958" y="2682249"/>
-            <a:ext cx="3674875" cy="1658447"/>
-          </a:xfrm>
-          <a:prstGeom prst="rect">
-            <a:avLst/>
-          </a:prstGeom>
-          <a:solidFill>
-            <a:schemeClr val="accent6">
-              <a:lumMod val="75000"/>
-              <a:alpha val="15000"/>
-            </a:schemeClr>
-          </a:solidFill>
-          <a:ln w="12700">
-            <a:solidFill>
-              <a:schemeClr val="tx1">
-                <a:lumMod val="50000"/>
-              </a:schemeClr>
-            </a:solidFill>
-          </a:ln>
-        </p:spPr>
-        <p:txBody>
-          <a:bodyPr vert="horz" wrap="square" lIns="143963" tIns="107972" rIns="143963" bIns="107972" rtlCol="0">
-            <a:spAutoFit/>
-          </a:bodyPr>
-          <a:lstStyle/>
-          <a:p>
-            <a:pPr defTabSz="1218438" latinLnBrk="1">
-              <a:lnSpc>
-                <a:spcPct val="90000"/>
-              </a:lnSpc>
-            </a:pPr>
-            <a:r>
-              <a:rPr lang="en-US" sz="2600" b="1" noProof="1">
-                <a:solidFill>
-                  <a:schemeClr val="bg1"/>
-                </a:solidFill>
-                <a:latin typeface="Consolas" pitchFamily="49" charset="0"/>
-                <a:cs typeface="Consolas" pitchFamily="49" charset="0"/>
-              </a:rPr>
-              <a:t>interface</a:t>
-            </a:r>
-            <a:r>
-              <a:rPr lang="en-US" sz="2600" b="1" noProof="1">
-                <a:latin typeface="Consolas" pitchFamily="49" charset="0"/>
-                <a:cs typeface="Consolas" pitchFamily="49" charset="0"/>
-              </a:rPr>
-              <a:t> IService</a:t>
-            </a:r>
-          </a:p>
-          <a:p>
-            <a:pPr defTabSz="1218438" latinLnBrk="1">
-              <a:lnSpc>
-                <a:spcPct val="90000"/>
-              </a:lnSpc>
-            </a:pPr>
-            <a:r>
-              <a:rPr lang="en-US" sz="2600" b="1" noProof="1">
-                <a:latin typeface="Consolas" pitchFamily="49" charset="0"/>
-                <a:cs typeface="Consolas" pitchFamily="49" charset="0"/>
-              </a:rPr>
-              <a:t>{</a:t>
-            </a:r>
-          </a:p>
-          <a:p>
-            <a:pPr defTabSz="1218438" latinLnBrk="1">
-              <a:lnSpc>
-                <a:spcPct val="90000"/>
-              </a:lnSpc>
-            </a:pPr>
-            <a:r>
-              <a:rPr lang="en-US" sz="2600" b="1" noProof="1">
-                <a:latin typeface="Consolas" pitchFamily="49" charset="0"/>
-                <a:cs typeface="Consolas" pitchFamily="49" charset="0"/>
-              </a:rPr>
-              <a:t>  </a:t>
-            </a:r>
-            <a:r>
-              <a:rPr lang="fr-FR" sz="2600" b="1" noProof="1">
-                <a:latin typeface="Consolas" pitchFamily="49" charset="0"/>
-                <a:cs typeface="Consolas" pitchFamily="49" charset="0"/>
-              </a:rPr>
-              <a:t>int Add();</a:t>
-            </a:r>
-          </a:p>
-          <a:p>
-            <a:pPr defTabSz="1218438" latinLnBrk="1">
-              <a:lnSpc>
-                <a:spcPct val="90000"/>
-              </a:lnSpc>
-            </a:pPr>
-            <a:r>
-              <a:rPr lang="en-US" sz="2600" b="1" noProof="1">
-                <a:latin typeface="Consolas" pitchFamily="49" charset="0"/>
-                <a:cs typeface="Consolas" pitchFamily="49" charset="0"/>
-              </a:rPr>
-              <a:t>}</a:t>
-            </a:r>
-          </a:p>
-        </p:txBody>
-      </p:sp>
-      <p:sp>
-        <p:nvSpPr>
-          <p:cNvPr id="6" name="Rectangle 5"/>
-          <p:cNvSpPr>
-            <a:spLocks noChangeArrowheads="1"/>
-          </p:cNvSpPr>
-          <p:nvPr/>
-        </p:nvSpPr>
-        <p:spPr bwMode="auto">
-          <a:xfrm>
-            <a:off x="4431000" y="2682248"/>
-            <a:ext cx="6869875" cy="1658447"/>
-          </a:xfrm>
-          <a:prstGeom prst="rect">
-            <a:avLst/>
-          </a:prstGeom>
-          <a:solidFill>
-            <a:schemeClr val="accent6">
-              <a:lumMod val="75000"/>
-              <a:alpha val="15000"/>
-            </a:schemeClr>
-          </a:solidFill>
-          <a:ln w="12700">
-            <a:solidFill>
-              <a:schemeClr val="tx1">
-                <a:lumMod val="50000"/>
-              </a:schemeClr>
-            </a:solidFill>
-          </a:ln>
-        </p:spPr>
-        <p:txBody>
-          <a:bodyPr vert="horz" wrap="square" lIns="143963" tIns="107972" rIns="143963" bIns="107972" rtlCol="0">
-            <a:spAutoFit/>
-          </a:bodyPr>
-          <a:lstStyle/>
-          <a:p>
-            <a:pPr defTabSz="1218438" latinLnBrk="1">
-              <a:lnSpc>
-                <a:spcPct val="90000"/>
-              </a:lnSpc>
-            </a:pPr>
-            <a:r>
-              <a:rPr lang="en-US" sz="2600" b="1" noProof="1">
-                <a:solidFill>
-                  <a:schemeClr val="bg1"/>
-                </a:solidFill>
-                <a:latin typeface="Consolas" pitchFamily="49" charset="0"/>
-                <a:cs typeface="Consolas" pitchFamily="49" charset="0"/>
-              </a:rPr>
-              <a:t>abstract</a:t>
-            </a:r>
-            <a:r>
-              <a:rPr lang="en-US" sz="2600" b="1" noProof="1">
-                <a:latin typeface="Consolas" pitchFamily="49" charset="0"/>
-                <a:cs typeface="Consolas" pitchFamily="49" charset="0"/>
-              </a:rPr>
-              <a:t> class ServiceBase</a:t>
-            </a:r>
-            <a:r>
-              <a:rPr lang="en-US" sz="1400" b="1" noProof="1">
-                <a:latin typeface="Consolas" pitchFamily="49" charset="0"/>
-                <a:cs typeface="Consolas" pitchFamily="49" charset="0"/>
-              </a:rPr>
-              <a:t> </a:t>
-            </a:r>
-            <a:r>
-              <a:rPr lang="en-US" sz="2600" b="1" noProof="1">
-                <a:latin typeface="Consolas" pitchFamily="49" charset="0"/>
-                <a:cs typeface="Consolas" pitchFamily="49" charset="0"/>
-              </a:rPr>
-              <a:t>:</a:t>
-            </a:r>
-            <a:r>
-              <a:rPr lang="en-US" sz="1400" b="1" noProof="1">
-                <a:latin typeface="Consolas" pitchFamily="49" charset="0"/>
-                <a:cs typeface="Consolas" pitchFamily="49" charset="0"/>
-              </a:rPr>
-              <a:t> </a:t>
-            </a:r>
-            <a:r>
-              <a:rPr lang="en-US" sz="2600" b="1" noProof="1">
-                <a:latin typeface="Consolas" pitchFamily="49" charset="0"/>
-                <a:cs typeface="Consolas" pitchFamily="49" charset="0"/>
-              </a:rPr>
-              <a:t>IService</a:t>
-            </a:r>
-          </a:p>
-          <a:p>
-            <a:pPr defTabSz="1218438" latinLnBrk="1">
-              <a:lnSpc>
-                <a:spcPct val="90000"/>
-              </a:lnSpc>
-            </a:pPr>
-            <a:r>
-              <a:rPr lang="en-US" sz="2600" b="1" noProof="1">
-                <a:latin typeface="Consolas" pitchFamily="49" charset="0"/>
-                <a:cs typeface="Consolas" pitchFamily="49" charset="0"/>
-              </a:rPr>
-              <a:t>{</a:t>
-            </a:r>
-          </a:p>
-          <a:p>
-            <a:pPr defTabSz="1218438" latinLnBrk="1">
-              <a:lnSpc>
-                <a:spcPct val="90000"/>
-              </a:lnSpc>
-            </a:pPr>
-            <a:r>
-              <a:rPr lang="en-US" sz="2600" b="1" noProof="1">
-                <a:latin typeface="Consolas" pitchFamily="49" charset="0"/>
-                <a:cs typeface="Consolas" pitchFamily="49" charset="0"/>
-              </a:rPr>
-              <a:t>  public </a:t>
-            </a:r>
-            <a:r>
-              <a:rPr lang="en-US" sz="2600" b="1" noProof="1">
-                <a:solidFill>
-                  <a:schemeClr val="bg1"/>
-                </a:solidFill>
-                <a:latin typeface="Consolas" pitchFamily="49" charset="0"/>
-                <a:cs typeface="Consolas" pitchFamily="49" charset="0"/>
-              </a:rPr>
-              <a:t>abstract</a:t>
-            </a:r>
-            <a:r>
-              <a:rPr lang="en-US" sz="2600" b="1" noProof="1">
-                <a:latin typeface="Consolas" pitchFamily="49" charset="0"/>
-                <a:cs typeface="Consolas" pitchFamily="49" charset="0"/>
-              </a:rPr>
-              <a:t> int Add();</a:t>
-            </a:r>
-          </a:p>
-          <a:p>
-            <a:pPr defTabSz="1218438" latinLnBrk="1">
-              <a:lnSpc>
-                <a:spcPct val="90000"/>
-              </a:lnSpc>
-            </a:pPr>
-            <a:r>
-              <a:rPr lang="en-US" sz="2600" b="1" noProof="1">
-                <a:latin typeface="Consolas" pitchFamily="49" charset="0"/>
-                <a:cs typeface="Consolas" pitchFamily="49" charset="0"/>
-              </a:rPr>
-              <a:t>}</a:t>
-            </a:r>
-          </a:p>
-        </p:txBody>
-      </p:sp>
-      <p:sp>
-        <p:nvSpPr>
-          <p:cNvPr id="9" name="Rectangle 8"/>
-          <p:cNvSpPr>
-            <a:spLocks noChangeArrowheads="1"/>
-          </p:cNvSpPr>
-          <p:nvPr/>
-        </p:nvSpPr>
-        <p:spPr bwMode="auto">
-          <a:xfrm>
-            <a:off x="612591" y="4624122"/>
-            <a:ext cx="7904042" cy="1658447"/>
-          </a:xfrm>
-          <a:prstGeom prst="rect">
-            <a:avLst/>
-          </a:prstGeom>
-          <a:solidFill>
-            <a:schemeClr val="accent6">
-              <a:lumMod val="75000"/>
-              <a:alpha val="15000"/>
-            </a:schemeClr>
-          </a:solidFill>
-          <a:ln w="12700">
-            <a:solidFill>
-              <a:schemeClr val="tx1">
-                <a:lumMod val="50000"/>
-              </a:schemeClr>
-            </a:solidFill>
-          </a:ln>
-        </p:spPr>
-        <p:txBody>
-          <a:bodyPr vert="horz" wrap="square" lIns="143963" tIns="107972" rIns="143963" bIns="107972" rtlCol="0">
-            <a:spAutoFit/>
-          </a:bodyPr>
-          <a:lstStyle/>
-          <a:p>
-            <a:pPr defTabSz="1218438" latinLnBrk="1">
-              <a:lnSpc>
-                <a:spcPct val="90000"/>
-              </a:lnSpc>
-            </a:pPr>
-            <a:r>
-              <a:rPr lang="en-US" sz="2600" b="1" noProof="1">
-                <a:latin typeface="Consolas" pitchFamily="49" charset="0"/>
-                <a:cs typeface="Consolas" pitchFamily="49" charset="0"/>
-              </a:rPr>
-              <a:t>public static void Main()</a:t>
-            </a:r>
-          </a:p>
-          <a:p>
-            <a:pPr defTabSz="1218438" latinLnBrk="1">
-              <a:lnSpc>
-                <a:spcPct val="90000"/>
-              </a:lnSpc>
-            </a:pPr>
-            <a:r>
-              <a:rPr lang="en-US" sz="2600" b="1" noProof="1">
-                <a:latin typeface="Consolas" pitchFamily="49" charset="0"/>
-                <a:cs typeface="Consolas" pitchFamily="49" charset="0"/>
-              </a:rPr>
-              <a:t>{</a:t>
-            </a:r>
-          </a:p>
-          <a:p>
-            <a:pPr defTabSz="1218438" latinLnBrk="1">
-              <a:lnSpc>
-                <a:spcPct val="90000"/>
-              </a:lnSpc>
-            </a:pPr>
-            <a:r>
-              <a:rPr lang="en-US" sz="2600" b="1" noProof="1">
-                <a:latin typeface="Consolas" pitchFamily="49" charset="0"/>
-                <a:cs typeface="Consolas" pitchFamily="49" charset="0"/>
-              </a:rPr>
-              <a:t>  ServiceBase service = new ServiceBase();</a:t>
-            </a:r>
-          </a:p>
-          <a:p>
-            <a:pPr defTabSz="1218438" latinLnBrk="1">
-              <a:lnSpc>
-                <a:spcPct val="90000"/>
-              </a:lnSpc>
-            </a:pPr>
-            <a:r>
-              <a:rPr lang="en-US" sz="2600" b="1" noProof="1">
-                <a:latin typeface="Consolas" pitchFamily="49" charset="0"/>
-                <a:cs typeface="Consolas" pitchFamily="49" charset="0"/>
-              </a:rPr>
-              <a:t>}</a:t>
-            </a:r>
-          </a:p>
-        </p:txBody>
-      </p:sp>
-      <p:sp>
-        <p:nvSpPr>
-          <p:cNvPr id="14" name="AutoShape 20"/>
-          <p:cNvSpPr>
-            <a:spLocks noChangeArrowheads="1"/>
-          </p:cNvSpPr>
-          <p:nvPr/>
-        </p:nvSpPr>
-        <p:spPr bwMode="auto">
-          <a:xfrm>
-            <a:off x="8899333" y="4624123"/>
-            <a:ext cx="2902300" cy="1531708"/>
-          </a:xfrm>
-          <a:prstGeom prst="wedgeRoundRectCallout">
-            <a:avLst>
-              <a:gd name="adj1" fmla="val -74439"/>
-              <a:gd name="adj2" fmla="val -595"/>
-              <a:gd name="adj3" fmla="val 16667"/>
-            </a:avLst>
-          </a:prstGeom>
-          <a:solidFill>
-            <a:schemeClr val="dk2">
-              <a:alpha val="80000"/>
-            </a:schemeClr>
-          </a:solidFill>
-          <a:ln w="19050">
-            <a:solidFill>
-              <a:schemeClr val="tx1">
-                <a:lumMod val="75000"/>
-              </a:schemeClr>
-            </a:solidFill>
-          </a:ln>
-          <a:effectLst/>
-        </p:spPr>
-        <p:style>
-          <a:lnRef idx="2">
-            <a:schemeClr val="accent1">
-              <a:shade val="50000"/>
-            </a:schemeClr>
-          </a:lnRef>
-          <a:fillRef idx="1001">
-            <a:schemeClr val="dk2"/>
-          </a:fillRef>
-          <a:effectRef idx="0">
-            <a:schemeClr val="accent1"/>
-          </a:effectRef>
-          <a:fontRef idx="minor">
-            <a:schemeClr val="lt1"/>
-          </a:fontRef>
-        </p:style>
-        <p:txBody>
-          <a:bodyPr rot="0" spcFirstLastPara="0" vertOverflow="overflow" horzOverflow="overflow" vert="horz" wrap="square" lIns="91440" tIns="45720" rIns="91440" bIns="45720" numCol="1" spcCol="0" rtlCol="0" fromWordArt="0" anchor="ctr" anchorCtr="0" forceAA="0" compatLnSpc="1">
-            <a:prstTxWarp prst="textNoShape">
-              <a:avLst/>
-            </a:prstTxWarp>
-            <a:noAutofit/>
-          </a:bodyPr>
-          <a:lstStyle/>
-          <a:p>
-            <a:pPr algn="ctr"/>
-            <a:r>
-              <a:rPr lang="bg-BG" sz="2400" b="1" dirty="0">
-                <a:solidFill>
-                  <a:srgbClr val="FFFFFF"/>
-                </a:solidFill>
-              </a:rPr>
-              <a:t>Абстрактният клас </a:t>
-            </a:r>
-            <a:r>
-              <a:rPr lang="bg-BG" sz="2400" b="1" dirty="0">
-                <a:solidFill>
-                  <a:schemeClr val="accent1">
-                    <a:lumMod val="60000"/>
-                    <a:lumOff val="40000"/>
-                  </a:schemeClr>
-                </a:solidFill>
-              </a:rPr>
-              <a:t>не може</a:t>
-            </a:r>
-            <a:r>
-              <a:rPr lang="en-US" sz="2400" b="1" dirty="0">
-                <a:solidFill>
-                  <a:srgbClr val="FFFFFF"/>
-                </a:solidFill>
-              </a:rPr>
-              <a:t> </a:t>
-            </a:r>
-            <a:r>
-              <a:rPr lang="bg-BG" sz="2400" b="1" dirty="0">
-                <a:solidFill>
-                  <a:srgbClr val="FFFFFF"/>
-                </a:solidFill>
-              </a:rPr>
-              <a:t>да бъде инстанцииран</a:t>
-            </a:r>
-            <a:endParaRPr lang="en-US" sz="2400" b="1" dirty="0">
-              <a:solidFill>
-                <a:srgbClr val="FFFFFF"/>
-              </a:solidFill>
-            </a:endParaRPr>
-          </a:p>
-        </p:txBody>
-      </p:sp>
-      <p:sp>
-        <p:nvSpPr>
-          <p:cNvPr id="16" name="Multiply 15"/>
-          <p:cNvSpPr/>
-          <p:nvPr/>
-        </p:nvSpPr>
-        <p:spPr bwMode="auto">
-          <a:xfrm>
-            <a:off x="5342033" y="4505942"/>
-            <a:ext cx="1170000" cy="1035001"/>
-          </a:xfrm>
-          <a:prstGeom prst="mathMultiply">
-            <a:avLst/>
-          </a:prstGeom>
-          <a:solidFill>
-            <a:srgbClr val="FF0000">
-              <a:alpha val="80000"/>
-            </a:srgbClr>
-          </a:solidFill>
-          <a:ln w="19050">
-            <a:solidFill>
-              <a:srgbClr val="FF0000">
-                <a:alpha val="80000"/>
-              </a:srgbClr>
-            </a:solidFill>
-          </a:ln>
-          <a:effectLst/>
-        </p:spPr>
-        <p:style>
-          <a:lnRef idx="2">
-            <a:schemeClr val="accent1">
-              <a:shade val="50000"/>
-            </a:schemeClr>
-          </a:lnRef>
-          <a:fillRef idx="1001">
-            <a:schemeClr val="dk2"/>
-          </a:fillRef>
-          <a:effectRef idx="0">
-            <a:schemeClr val="accent1"/>
-          </a:effectRef>
-          <a:fontRef idx="minor">
-            <a:schemeClr val="lt1"/>
-          </a:fontRef>
-        </p:style>
-        <p:txBody>
-          <a:bodyPr rot="0" spcFirstLastPara="0" vertOverflow="overflow" horzOverflow="overflow" vert="horz" wrap="square" lIns="91440" tIns="45720" rIns="91440" bIns="45720" numCol="1" spcCol="0" rtlCol="0" fromWordArt="0" anchor="ctr" anchorCtr="0" forceAA="0" compatLnSpc="1">
-            <a:prstTxWarp prst="textNoShape">
-              <a:avLst/>
-            </a:prstTxWarp>
-            <a:noAutofit/>
-          </a:bodyPr>
-          <a:lstStyle/>
-          <a:p>
-            <a:pPr algn="ctr"/>
-            <a:endParaRPr lang="en-US" sz="2800" b="1" dirty="0">
-              <a:solidFill>
-                <a:srgbClr val="FFFFFF"/>
-              </a:solidFill>
-              <a:effectLst>
-                <a:outerShdw blurRad="38100" dist="38100" dir="2700000" algn="tl">
-                  <a:srgbClr val="000000">
-                    <a:alpha val="43137"/>
-                  </a:srgbClr>
-                </a:outerShdw>
-              </a:effectLst>
-            </a:endParaRPr>
-          </a:p>
-        </p:txBody>
-      </p:sp>
-      <p:sp>
-        <p:nvSpPr>
-          <p:cNvPr id="2" name="Slide Number">
-            <a:extLst>
-              <a:ext uri="{FF2B5EF4-FFF2-40B4-BE49-F238E27FC236}">
-                <a16:creationId xmlns:a16="http://schemas.microsoft.com/office/drawing/2014/main" id="{967CB47E-9085-B546-D2F1-E123D06BCBE4}"/>
-              </a:ext>
-            </a:extLst>
-          </p:cNvPr>
-          <p:cNvSpPr>
-            <a:spLocks noGrp="1"/>
-          </p:cNvSpPr>
-          <p:nvPr>
-            <p:ph type="sldNum" sz="quarter" idx="5"/>
-          </p:nvPr>
-        </p:nvSpPr>
-        <p:spPr>
-          <a:xfrm>
-            <a:off x="11753030" y="6507000"/>
-            <a:ext cx="367414" cy="297000"/>
-          </a:xfrm>
-          <a:prstGeom prst="rect">
-            <a:avLst/>
-          </a:prstGeom>
-        </p:spPr>
-        <p:txBody>
-          <a:bodyPr vert="horz" lIns="91440" tIns="45720" rIns="91440" bIns="45720" rtlCol="0" anchor="b"/>
-          <a:lstStyle>
-            <a:lvl1pPr algn="r">
-              <a:defRPr sz="1000"/>
-            </a:lvl1pPr>
-          </a:lstStyle>
-          <a:p>
-            <a:fld id="{2BF067CD-8E6B-4360-9AA8-C5DF2A48A6D1}" type="slidenum">
-              <a:rPr lang="en-US" noProof="0" smtClean="0"/>
-              <a:pPr/>
-              <a:t>20</a:t>
-            </a:fld>
-            <a:endParaRPr lang="en-US" noProof="0" dirty="0"/>
-          </a:p>
-        </p:txBody>
-      </p:sp>
-    </p:spTree>
-    <p:extLst>
-      <p:ext uri="{BB962C8B-B14F-4D97-AF65-F5344CB8AC3E}">
-        <p14:creationId xmlns:p14="http://schemas.microsoft.com/office/powerpoint/2010/main" val="513282474"/>
-      </p:ext>
-    </p:extLst>
-  </p:cSld>
-  <p:clrMapOvr>
-    <a:masterClrMapping/>
-  </p:clrMapOvr>
-  <mc:AlternateContent xmlns:mc="http://schemas.openxmlformats.org/markup-compatibility/2006" xmlns:p14="http://schemas.microsoft.com/office/powerpoint/2010/main">
-    <mc:Choice Requires="p14">
-      <p:transition spd="slow" p14:dur="2000" advClick="0" advTm="5000"/>
-    </mc:Choice>
-    <mc:Fallback xmlns="">
-      <p:transition spd="slow" advClick="0" advTm="5000"/>
-    </mc:Fallback>
-  </mc:AlternateContent>
-  <p:timing>
-    <p:tnLst>
-      <p:par>
-        <p:cTn id="1" dur="indefinite" restart="never" nodeType="tmRoot">
-          <p:childTnLst>
-            <p:seq concurrent="1" nextAc="seek">
-              <p:cTn id="2" dur="indefinite" nodeType="mainSeq">
-                <p:childTnLst>
-                  <p:par>
-                    <p:cTn id="3" fill="hold">
-                      <p:stCondLst>
-                        <p:cond delay="indefinite"/>
-                      </p:stCondLst>
-                      <p:childTnLst>
-                        <p:par>
-                          <p:cTn id="4" fill="hold">
-                            <p:stCondLst>
-                              <p:cond delay="0"/>
-                            </p:stCondLst>
-                            <p:childTnLst>
-                              <p:par>
-                                <p:cTn id="5" presetID="1" presetClass="entr" presetSubtype="0" fill="hold" grpId="0" nodeType="clickEffect">
-                                  <p:stCondLst>
-                                    <p:cond delay="0"/>
-                                  </p:stCondLst>
-                                  <p:childTnLst>
-                                    <p:set>
-                                      <p:cBhvr>
-                                        <p:cTn id="6" dur="1" fill="hold">
-                                          <p:stCondLst>
-                                            <p:cond delay="0"/>
-                                          </p:stCondLst>
-                                        </p:cTn>
-                                        <p:tgtEl>
-                                          <p:spTgt spid="5"/>
-                                        </p:tgtEl>
-                                        <p:attrNameLst>
-                                          <p:attrName>style.visibility</p:attrName>
-                                        </p:attrNameLst>
-                                      </p:cBhvr>
-                                      <p:to>
-                                        <p:strVal val="visible"/>
-                                      </p:to>
-                                    </p:set>
-                                  </p:childTnLst>
-                                </p:cTn>
-                              </p:par>
-                            </p:childTnLst>
-                          </p:cTn>
-                        </p:par>
-                      </p:childTnLst>
-                    </p:cTn>
-                  </p:par>
-                  <p:par>
-                    <p:cTn id="7" fill="hold">
-                      <p:stCondLst>
-                        <p:cond delay="indefinite"/>
-                      </p:stCondLst>
-                      <p:childTnLst>
-                        <p:par>
-                          <p:cTn id="8" fill="hold">
-                            <p:stCondLst>
-                              <p:cond delay="0"/>
-                            </p:stCondLst>
-                            <p:childTnLst>
-                              <p:par>
-                                <p:cTn id="9" presetID="1" presetClass="entr" presetSubtype="0" fill="hold" grpId="0" nodeType="clickEffect">
-                                  <p:stCondLst>
-                                    <p:cond delay="0"/>
-                                  </p:stCondLst>
-                                  <p:childTnLst>
-                                    <p:set>
-                                      <p:cBhvr>
-                                        <p:cTn id="10" dur="1" fill="hold">
-                                          <p:stCondLst>
-                                            <p:cond delay="0"/>
-                                          </p:stCondLst>
-                                        </p:cTn>
-                                        <p:tgtEl>
-                                          <p:spTgt spid="6"/>
-                                        </p:tgtEl>
-                                        <p:attrNameLst>
-                                          <p:attrName>style.visibility</p:attrName>
-                                        </p:attrNameLst>
-                                      </p:cBhvr>
-                                      <p:to>
-                                        <p:strVal val="visible"/>
-                                      </p:to>
-                                    </p:set>
-                                  </p:childTnLst>
-                                </p:cTn>
-                              </p:par>
-                            </p:childTnLst>
-                          </p:cTn>
-                        </p:par>
-                      </p:childTnLst>
-                    </p:cTn>
-                  </p:par>
-                  <p:par>
-                    <p:cTn id="11" fill="hold">
-                      <p:stCondLst>
-                        <p:cond delay="indefinite"/>
-                      </p:stCondLst>
-                      <p:childTnLst>
-                        <p:par>
-                          <p:cTn id="12" fill="hold">
-                            <p:stCondLst>
-                              <p:cond delay="0"/>
-                            </p:stCondLst>
-                            <p:childTnLst>
-                              <p:par>
-                                <p:cTn id="13" presetID="1" presetClass="entr" presetSubtype="0" fill="hold" grpId="0" nodeType="clickEffect">
-                                  <p:stCondLst>
-                                    <p:cond delay="0"/>
-                                  </p:stCondLst>
-                                  <p:childTnLst>
-                                    <p:set>
-                                      <p:cBhvr>
-                                        <p:cTn id="14" dur="1" fill="hold">
-                                          <p:stCondLst>
-                                            <p:cond delay="0"/>
-                                          </p:stCondLst>
-                                        </p:cTn>
-                                        <p:tgtEl>
-                                          <p:spTgt spid="9"/>
-                                        </p:tgtEl>
-                                        <p:attrNameLst>
-                                          <p:attrName>style.visibility</p:attrName>
-                                        </p:attrNameLst>
-                                      </p:cBhvr>
-                                      <p:to>
-                                        <p:strVal val="visible"/>
-                                      </p:to>
-                                    </p:set>
-                                  </p:childTnLst>
-                                </p:cTn>
-                              </p:par>
-                              <p:par>
-                                <p:cTn id="15" presetID="1" presetClass="entr" presetSubtype="0" fill="hold" grpId="0" nodeType="withEffect">
-                                  <p:stCondLst>
-                                    <p:cond delay="0"/>
-                                  </p:stCondLst>
-                                  <p:childTnLst>
-                                    <p:set>
-                                      <p:cBhvr>
-                                        <p:cTn id="16" dur="1" fill="hold">
-                                          <p:stCondLst>
-                                            <p:cond delay="0"/>
-                                          </p:stCondLst>
-                                        </p:cTn>
-                                        <p:tgtEl>
-                                          <p:spTgt spid="14"/>
-                                        </p:tgtEl>
-                                        <p:attrNameLst>
-                                          <p:attrName>style.visibility</p:attrName>
-                                        </p:attrNameLst>
-                                      </p:cBhvr>
-                                      <p:to>
-                                        <p:strVal val="visible"/>
-                                      </p:to>
-                                    </p:set>
-                                  </p:childTnLst>
-                                </p:cTn>
-                              </p:par>
-                              <p:par>
-                                <p:cTn id="17" presetID="1" presetClass="entr" presetSubtype="0" fill="hold" grpId="0" nodeType="withEffect">
-                                  <p:stCondLst>
-                                    <p:cond delay="0"/>
-                                  </p:stCondLst>
-                                  <p:childTnLst>
-                                    <p:set>
-                                      <p:cBhvr>
-                                        <p:cTn id="18" dur="1" fill="hold">
-                                          <p:stCondLst>
-                                            <p:cond delay="0"/>
-                                          </p:stCondLst>
-                                        </p:cTn>
-                                        <p:tgtEl>
-                                          <p:spTgt spid="16"/>
-                                        </p:tgtEl>
-                                        <p:attrNameLst>
-                                          <p:attrName>style.visibility</p:attrName>
-                                        </p:attrNameLst>
-                                      </p:cBhvr>
-                                      <p:to>
-                                        <p:strVal val="visible"/>
-                                      </p:to>
-                                    </p:set>
-                                  </p:childTnLst>
-                                </p:cTn>
-                              </p:par>
-                            </p:childTnLst>
-                          </p:cTn>
-                        </p:par>
-                      </p:childTnLst>
-                    </p:cTn>
-                  </p:par>
-                </p:childTnLst>
-              </p:cTn>
-              <p:prevCondLst>
-                <p:cond evt="onPrev" delay="0">
-                  <p:tgtEl>
-                    <p:sldTgt/>
-                  </p:tgtEl>
-                </p:cond>
-              </p:prevCondLst>
-              <p:nextCondLst>
-                <p:cond evt="onNext" delay="0">
-                  <p:tgtEl>
-                    <p:sldTgt/>
-                  </p:tgtEl>
-                </p:cond>
-              </p:nextCondLst>
-            </p:seq>
-          </p:childTnLst>
-        </p:cTn>
-      </p:par>
-    </p:tnLst>
-    <p:bldLst>
-      <p:bldP spid="5" grpId="0" animBg="1"/>
-      <p:bldP spid="6" grpId="0" animBg="1"/>
-      <p:bldP spid="9" grpId="0" animBg="1"/>
-      <p:bldP spid="14" grpId="0" animBg="1"/>
-      <p:bldP spid="16" grpId="0" animBg="1"/>
-    </p:bldLst>
-  </p:timing>
-</p:sld>
-</file>
-
-<file path=ppt/slides/slide21.xml><?xml version="1.0" encoding="utf-8"?>
-<p:sld xmlns:a="http://schemas.openxmlformats.org/drawingml/2006/main" xmlns:r="http://schemas.openxmlformats.org/officeDocument/2006/relationships" xmlns:p="http://schemas.openxmlformats.org/presentationml/2006/main">
-  <p:cSld>
-    <p:spTree>
-      <p:nvGrpSpPr>
-        <p:cNvPr id="1" name=""/>
-        <p:cNvGrpSpPr/>
-        <p:nvPr/>
-      </p:nvGrpSpPr>
-      <p:grpSpPr>
-        <a:xfrm>
-          <a:off x="0" y="0"/>
-          <a:ext cx="0" cy="0"/>
-          <a:chOff x="0" y="0"/>
-          <a:chExt cx="0" cy="0"/>
-        </a:xfrm>
-      </p:grpSpPr>
-      <p:sp>
-        <p:nvSpPr>
           <p:cNvPr id="6" name="Text Placeholder 5"/>
           <p:cNvSpPr>
             <a:spLocks noGrp="1"/>
@@ -19920,7 +18992,19 @@
           <a:p>
             <a:r>
               <a:rPr lang="bg-BG" sz="3400" dirty="0"/>
-              <a:t>При декларацията на абстрактен метод не се задава имплементация:</a:t>
+              <a:t>При декларацията на абстрактен метод </a:t>
+            </a:r>
+            <a:r>
+              <a:rPr lang="bg-BG" sz="3400" b="1" dirty="0">
+                <a:solidFill>
+                  <a:schemeClr val="bg1"/>
+                </a:solidFill>
+              </a:rPr>
+              <a:t>не се задава имплементация</a:t>
+            </a:r>
+            <a:r>
+              <a:rPr lang="bg-BG" sz="3400" dirty="0"/>
+              <a:t>:</a:t>
             </a:r>
           </a:p>
         </p:txBody>
@@ -20131,7 +19215,7 @@
             <a:fld id="{2BF067CD-8E6B-4360-9AA8-C5DF2A48A6D1}" type="slidenum">
               <a:rPr lang="en-US" noProof="0" smtClean="0"/>
               <a:pPr/>
-              <a:t>21</a:t>
+              <a:t>20</a:t>
             </a:fld>
             <a:endParaRPr lang="en-US" noProof="0" dirty="0"/>
           </a:p>
@@ -20334,7 +19418,7 @@
 </p:sld>
 </file>
 
-<file path=ppt/slides/slide22.xml><?xml version="1.0" encoding="utf-8"?>
+<file path=ppt/slides/slide21.xml><?xml version="1.0" encoding="utf-8"?>
 <p:sld xmlns:a="http://schemas.openxmlformats.org/drawingml/2006/main" xmlns:r="http://schemas.openxmlformats.org/officeDocument/2006/relationships" xmlns:p="http://schemas.openxmlformats.org/presentationml/2006/main">
   <p:cSld>
     <p:spTree>
@@ -20436,7 +19520,7 @@
 </p:sld>
 </file>
 
-<file path=ppt/slides/slide23.xml><?xml version="1.0" encoding="utf-8"?>
+<file path=ppt/slides/slide22.xml><?xml version="1.0" encoding="utf-8"?>
 <p:sld xmlns:a="http://schemas.openxmlformats.org/drawingml/2006/main" xmlns:r="http://schemas.openxmlformats.org/officeDocument/2006/relationships" xmlns:p="http://schemas.openxmlformats.org/presentationml/2006/main">
   <p:cSld>
     <p:spTree>
@@ -20927,7 +20011,7 @@
             <a:fld id="{2BF067CD-8E6B-4360-9AA8-C5DF2A48A6D1}" type="slidenum">
               <a:rPr lang="en-US" smtClean="0"/>
               <a:pPr/>
-              <a:t>23</a:t>
+              <a:t>22</a:t>
             </a:fld>
             <a:endParaRPr lang="en-US" dirty="0"/>
           </a:p>
@@ -21229,7 +20313,7 @@
 </p:sld>
 </file>
 
-<file path=ppt/slides/slide24.xml><?xml version="1.0" encoding="utf-8"?>
+<file path=ppt/slides/slide23.xml><?xml version="1.0" encoding="utf-8"?>
 <p:sld xmlns:a="http://schemas.openxmlformats.org/drawingml/2006/main" xmlns:r="http://schemas.openxmlformats.org/officeDocument/2006/relationships" xmlns:p="http://schemas.openxmlformats.org/presentationml/2006/main">
   <p:cSld>
     <p:spTree>
@@ -21615,7 +20699,7 @@
             <a:fld id="{2BF067CD-8E6B-4360-9AA8-C5DF2A48A6D1}" type="slidenum">
               <a:rPr lang="en-US" smtClean="0"/>
               <a:pPr/>
-              <a:t>24</a:t>
+              <a:t>23</a:t>
             </a:fld>
             <a:endParaRPr lang="en-US" dirty="0"/>
           </a:p>
@@ -21819,7 +20903,7 @@
 </p:sld>
 </file>
 
-<file path=ppt/slides/slide25.xml><?xml version="1.0" encoding="utf-8"?>
+<file path=ppt/slides/slide24.xml><?xml version="1.0" encoding="utf-8"?>
 <p:sld xmlns:a="http://schemas.openxmlformats.org/drawingml/2006/main" xmlns:r="http://schemas.openxmlformats.org/officeDocument/2006/relationships" xmlns:p="http://schemas.openxmlformats.org/presentationml/2006/main">
   <p:cSld>
     <p:spTree>
@@ -22562,7 +21646,7 @@
             <a:fld id="{2BF067CD-8E6B-4360-9AA8-C5DF2A48A6D1}" type="slidenum">
               <a:rPr lang="en-US" noProof="0" smtClean="0"/>
               <a:pPr/>
-              <a:t>25</a:t>
+              <a:t>24</a:t>
             </a:fld>
             <a:endParaRPr lang="en-US" noProof="0" dirty="0"/>
           </a:p>
@@ -22797,7 +21881,7 @@
 </p:sld>
 </file>
 
-<file path=ppt/slides/slide26.xml><?xml version="1.0" encoding="utf-8"?>
+<file path=ppt/slides/slide25.xml><?xml version="1.0" encoding="utf-8"?>
 <p:sld xmlns:a="http://schemas.openxmlformats.org/drawingml/2006/main" xmlns:r="http://schemas.openxmlformats.org/officeDocument/2006/relationships" xmlns:p="http://schemas.openxmlformats.org/presentationml/2006/main">
   <p:cSld>
     <p:spTree>
@@ -23136,7 +22220,7 @@
             <a:fld id="{2BF067CD-8E6B-4360-9AA8-C5DF2A48A6D1}" type="slidenum">
               <a:rPr lang="en-US" noProof="0" smtClean="0"/>
               <a:pPr/>
-              <a:t>26</a:t>
+              <a:t>25</a:t>
             </a:fld>
             <a:endParaRPr lang="en-US" noProof="0" dirty="0"/>
           </a:p>
@@ -23536,7 +22620,7 @@
 </p:sld>
 </file>
 
-<file path=ppt/slides/slide27.xml><?xml version="1.0" encoding="utf-8"?>
+<file path=ppt/slides/slide26.xml><?xml version="1.0" encoding="utf-8"?>
 <p:sld xmlns:a="http://schemas.openxmlformats.org/drawingml/2006/main" xmlns:r="http://schemas.openxmlformats.org/officeDocument/2006/relationships" xmlns:p="http://schemas.openxmlformats.org/presentationml/2006/main">
   <p:cSld>
     <p:spTree>
@@ -23949,7 +23033,7 @@
             <a:fld id="{2BF067CD-8E6B-4360-9AA8-C5DF2A48A6D1}" type="slidenum">
               <a:rPr lang="en-US" smtClean="0"/>
               <a:pPr/>
-              <a:t>27</a:t>
+              <a:t>26</a:t>
             </a:fld>
             <a:endParaRPr lang="en-US" dirty="0"/>
           </a:p>
@@ -24277,7 +23361,7 @@
 </p:sld>
 </file>
 
-<file path=ppt/slides/slide28.xml><?xml version="1.0" encoding="utf-8"?>
+<file path=ppt/slides/slide27.xml><?xml version="1.0" encoding="utf-8"?>
 <p:sld xmlns:a="http://schemas.openxmlformats.org/drawingml/2006/main" xmlns:r="http://schemas.openxmlformats.org/officeDocument/2006/relationships" xmlns:p="http://schemas.openxmlformats.org/presentationml/2006/main">
   <p:cSld>
     <p:spTree>
@@ -24943,7 +24027,7 @@
             <a:fld id="{2BF067CD-8E6B-4360-9AA8-C5DF2A48A6D1}" type="slidenum">
               <a:rPr lang="en-US" smtClean="0"/>
               <a:pPr/>
-              <a:t>28</a:t>
+              <a:t>27</a:t>
             </a:fld>
             <a:endParaRPr lang="en-US" dirty="0"/>
           </a:p>
@@ -25351,7 +24435,7 @@
 </p:sld>
 </file>
 
-<file path=ppt/slides/slide29.xml><?xml version="1.0" encoding="utf-8"?>
+<file path=ppt/slides/slide28.xml><?xml version="1.0" encoding="utf-8"?>
 <p:sld xmlns:a="http://schemas.openxmlformats.org/drawingml/2006/main" xmlns:r="http://schemas.openxmlformats.org/officeDocument/2006/relationships" xmlns:p="http://schemas.openxmlformats.org/presentationml/2006/main">
   <p:cSld>
     <p:spTree>
@@ -26016,7 +25100,7 @@
             <a:fld id="{2BF067CD-8E6B-4360-9AA8-C5DF2A48A6D1}" type="slidenum">
               <a:rPr lang="en-US" smtClean="0"/>
               <a:pPr/>
-              <a:t>29</a:t>
+              <a:t>28</a:t>
             </a:fld>
             <a:endParaRPr lang="en-US" dirty="0"/>
           </a:p>
@@ -26393,137 +25477,7 @@
 </p:sld>
 </file>
 
-<file path=ppt/slides/slide3.xml><?xml version="1.0" encoding="utf-8"?>
-<p:sld xmlns:a="http://schemas.openxmlformats.org/drawingml/2006/main" xmlns:r="http://schemas.openxmlformats.org/officeDocument/2006/relationships" xmlns:p="http://schemas.openxmlformats.org/presentationml/2006/main">
-  <p:cSld>
-    <p:spTree>
-      <p:nvGrpSpPr>
-        <p:cNvPr id="1" name=""/>
-        <p:cNvGrpSpPr/>
-        <p:nvPr/>
-      </p:nvGrpSpPr>
-      <p:grpSpPr>
-        <a:xfrm>
-          <a:off x="0" y="0"/>
-          <a:ext cx="0" cy="0"/>
-          <a:chOff x="0" y="0"/>
-          <a:chExt cx="0" cy="0"/>
-        </a:xfrm>
-      </p:grpSpPr>
-      <p:pic>
-        <p:nvPicPr>
-          <p:cNvPr id="6" name="Picture 5"/>
-          <p:cNvPicPr>
-            <a:picLocks noChangeAspect="1"/>
-          </p:cNvPicPr>
-          <p:nvPr/>
-        </p:nvPicPr>
-        <p:blipFill>
-          <a:blip r:embed="rId3">
-            <a:extLst>
-              <a:ext uri="{28A0092B-C50C-407E-A947-70E740481C1C}">
-                <a14:useLocalDpi xmlns:a14="http://schemas.microsoft.com/office/drawing/2010/main" val="0"/>
-              </a:ext>
-            </a:extLst>
-          </a:blip>
-          <a:stretch>
-            <a:fillRect/>
-          </a:stretch>
-        </p:blipFill>
-        <p:spPr>
-          <a:xfrm>
-            <a:off x="5029200" y="1524000"/>
-            <a:ext cx="2133600" cy="2133600"/>
-          </a:xfrm>
-          <a:prstGeom prst="rect">
-            <a:avLst/>
-          </a:prstGeom>
-        </p:spPr>
-      </p:pic>
-      <p:sp>
-        <p:nvSpPr>
-          <p:cNvPr id="4" name="Подзаглавие 3">
-            <a:extLst>
-              <a:ext uri="{FF2B5EF4-FFF2-40B4-BE49-F238E27FC236}">
-                <a16:creationId xmlns:a16="http://schemas.microsoft.com/office/drawing/2014/main" id="{C1B20772-5F67-7535-FBF2-65221BC01BFC}"/>
-              </a:ext>
-            </a:extLst>
-          </p:cNvPr>
-          <p:cNvSpPr>
-            <a:spLocks noGrp="1"/>
-          </p:cNvSpPr>
-          <p:nvPr>
-            <p:ph type="subTitle" sz="quarter" idx="11"/>
-          </p:nvPr>
-        </p:nvSpPr>
-        <p:spPr/>
-        <p:txBody>
-          <a:bodyPr/>
-          <a:lstStyle/>
-          <a:p>
-            <a:r>
-              <a:rPr lang="bg-BG"/>
-              <a:t>Постигане на абстракция</a:t>
-            </a:r>
-          </a:p>
-        </p:txBody>
-      </p:sp>
-      <p:sp>
-        <p:nvSpPr>
-          <p:cNvPr id="8" name="Заглавие 7">
-            <a:extLst>
-              <a:ext uri="{FF2B5EF4-FFF2-40B4-BE49-F238E27FC236}">
-                <a16:creationId xmlns:a16="http://schemas.microsoft.com/office/drawing/2014/main" id="{0205C0A7-F3CE-F9D8-29E9-EE9757DE999D}"/>
-              </a:ext>
-            </a:extLst>
-          </p:cNvPr>
-          <p:cNvSpPr>
-            <a:spLocks noGrp="1"/>
-          </p:cNvSpPr>
-          <p:nvPr>
-            <p:ph type="title" sz="quarter" idx="10"/>
-          </p:nvPr>
-        </p:nvSpPr>
-        <p:spPr>
-          <a:xfrm>
-            <a:off x="615109" y="4775916"/>
-            <a:ext cx="10961783" cy="768084"/>
-          </a:xfrm>
-        </p:spPr>
-        <p:txBody>
-          <a:bodyPr/>
-          <a:lstStyle/>
-          <a:p>
-            <a:r>
-              <a:rPr lang="ru-RU" dirty="0"/>
-              <a:t>Принцип на абстракция в ООП</a:t>
-            </a:r>
-            <a:endParaRPr lang="bg-BG" dirty="0"/>
-          </a:p>
-        </p:txBody>
-      </p:sp>
-    </p:spTree>
-    <p:extLst>
-      <p:ext uri="{BB962C8B-B14F-4D97-AF65-F5344CB8AC3E}">
-        <p14:creationId xmlns:p14="http://schemas.microsoft.com/office/powerpoint/2010/main" val="3643607993"/>
-      </p:ext>
-    </p:extLst>
-  </p:cSld>
-  <p:clrMapOvr>
-    <a:masterClrMapping/>
-  </p:clrMapOvr>
-  <mc:AlternateContent xmlns:mc="http://schemas.openxmlformats.org/markup-compatibility/2006" xmlns:p14="http://schemas.microsoft.com/office/powerpoint/2010/main">
-    <mc:Choice Requires="p14">
-      <p:transition p14:dur="0" advClick="0" advTm="5000"/>
-    </mc:Choice>
-    <mc:Fallback xmlns="">
-      <p:transition advClick="0" advTm="5000"/>
-    </mc:Fallback>
-  </mc:AlternateContent>
-</p:sld>
-</file>
-
-<file path=ppt/slides/slide30.xml><?xml version="1.0" encoding="utf-8"?>
+<file path=ppt/slides/slide29.xml><?xml version="1.0" encoding="utf-8"?>
 <p:sld xmlns:a="http://schemas.openxmlformats.org/drawingml/2006/main" xmlns:r="http://schemas.openxmlformats.org/officeDocument/2006/relationships" xmlns:p="http://schemas.openxmlformats.org/presentationml/2006/main">
   <p:cSld>
     <p:spTree>
@@ -27378,7 +26332,7 @@
             <a:fld id="{2BF067CD-8E6B-4360-9AA8-C5DF2A48A6D1}" type="slidenum">
               <a:rPr lang="en-US" noProof="0" smtClean="0"/>
               <a:pPr/>
-              <a:t>30</a:t>
+              <a:t>29</a:t>
             </a:fld>
             <a:endParaRPr lang="en-US" noProof="0" dirty="0"/>
           </a:p>
@@ -27582,7 +26536,137 @@
 </p:sld>
 </file>
 
-<file path=ppt/slides/slide31.xml><?xml version="1.0" encoding="utf-8"?>
+<file path=ppt/slides/slide3.xml><?xml version="1.0" encoding="utf-8"?>
+<p:sld xmlns:a="http://schemas.openxmlformats.org/drawingml/2006/main" xmlns:r="http://schemas.openxmlformats.org/officeDocument/2006/relationships" xmlns:p="http://schemas.openxmlformats.org/presentationml/2006/main">
+  <p:cSld>
+    <p:spTree>
+      <p:nvGrpSpPr>
+        <p:cNvPr id="1" name=""/>
+        <p:cNvGrpSpPr/>
+        <p:nvPr/>
+      </p:nvGrpSpPr>
+      <p:grpSpPr>
+        <a:xfrm>
+          <a:off x="0" y="0"/>
+          <a:ext cx="0" cy="0"/>
+          <a:chOff x="0" y="0"/>
+          <a:chExt cx="0" cy="0"/>
+        </a:xfrm>
+      </p:grpSpPr>
+      <p:pic>
+        <p:nvPicPr>
+          <p:cNvPr id="6" name="Picture 5"/>
+          <p:cNvPicPr>
+            <a:picLocks noChangeAspect="1"/>
+          </p:cNvPicPr>
+          <p:nvPr/>
+        </p:nvPicPr>
+        <p:blipFill>
+          <a:blip r:embed="rId3">
+            <a:extLst>
+              <a:ext uri="{28A0092B-C50C-407E-A947-70E740481C1C}">
+                <a14:useLocalDpi xmlns:a14="http://schemas.microsoft.com/office/drawing/2010/main" val="0"/>
+              </a:ext>
+            </a:extLst>
+          </a:blip>
+          <a:stretch>
+            <a:fillRect/>
+          </a:stretch>
+        </p:blipFill>
+        <p:spPr>
+          <a:xfrm>
+            <a:off x="5029200" y="1524000"/>
+            <a:ext cx="2133600" cy="2133600"/>
+          </a:xfrm>
+          <a:prstGeom prst="rect">
+            <a:avLst/>
+          </a:prstGeom>
+        </p:spPr>
+      </p:pic>
+      <p:sp>
+        <p:nvSpPr>
+          <p:cNvPr id="4" name="Подзаглавие 3">
+            <a:extLst>
+              <a:ext uri="{FF2B5EF4-FFF2-40B4-BE49-F238E27FC236}">
+                <a16:creationId xmlns:a16="http://schemas.microsoft.com/office/drawing/2014/main" id="{C1B20772-5F67-7535-FBF2-65221BC01BFC}"/>
+              </a:ext>
+            </a:extLst>
+          </p:cNvPr>
+          <p:cNvSpPr>
+            <a:spLocks noGrp="1"/>
+          </p:cNvSpPr>
+          <p:nvPr>
+            <p:ph type="subTitle" sz="quarter" idx="11"/>
+          </p:nvPr>
+        </p:nvSpPr>
+        <p:spPr/>
+        <p:txBody>
+          <a:bodyPr/>
+          <a:lstStyle/>
+          <a:p>
+            <a:r>
+              <a:rPr lang="bg-BG"/>
+              <a:t>Постигане на абстракция</a:t>
+            </a:r>
+          </a:p>
+        </p:txBody>
+      </p:sp>
+      <p:sp>
+        <p:nvSpPr>
+          <p:cNvPr id="8" name="Заглавие 7">
+            <a:extLst>
+              <a:ext uri="{FF2B5EF4-FFF2-40B4-BE49-F238E27FC236}">
+                <a16:creationId xmlns:a16="http://schemas.microsoft.com/office/drawing/2014/main" id="{0205C0A7-F3CE-F9D8-29E9-EE9757DE999D}"/>
+              </a:ext>
+            </a:extLst>
+          </p:cNvPr>
+          <p:cNvSpPr>
+            <a:spLocks noGrp="1"/>
+          </p:cNvSpPr>
+          <p:nvPr>
+            <p:ph type="title" sz="quarter" idx="10"/>
+          </p:nvPr>
+        </p:nvSpPr>
+        <p:spPr>
+          <a:xfrm>
+            <a:off x="615109" y="4775916"/>
+            <a:ext cx="10961783" cy="768084"/>
+          </a:xfrm>
+        </p:spPr>
+        <p:txBody>
+          <a:bodyPr/>
+          <a:lstStyle/>
+          <a:p>
+            <a:r>
+              <a:rPr lang="ru-RU" dirty="0"/>
+              <a:t>Принцип на абстракция в ООП</a:t>
+            </a:r>
+            <a:endParaRPr lang="bg-BG" dirty="0"/>
+          </a:p>
+        </p:txBody>
+      </p:sp>
+    </p:spTree>
+    <p:extLst>
+      <p:ext uri="{BB962C8B-B14F-4D97-AF65-F5344CB8AC3E}">
+        <p14:creationId xmlns:p14="http://schemas.microsoft.com/office/powerpoint/2010/main" val="3643607993"/>
+      </p:ext>
+    </p:extLst>
+  </p:cSld>
+  <p:clrMapOvr>
+    <a:masterClrMapping/>
+  </p:clrMapOvr>
+  <mc:AlternateContent xmlns:mc="http://schemas.openxmlformats.org/markup-compatibility/2006" xmlns:p14="http://schemas.microsoft.com/office/powerpoint/2010/main">
+    <mc:Choice Requires="p14">
+      <p:transition p14:dur="0" advClick="0" advTm="5000"/>
+    </mc:Choice>
+    <mc:Fallback xmlns="">
+      <p:transition advClick="0" advTm="5000"/>
+    </mc:Fallback>
+  </mc:AlternateContent>
+</p:sld>
+</file>
+
+<file path=ppt/slides/slide30.xml><?xml version="1.0" encoding="utf-8"?>
 <p:sld xmlns:a="http://schemas.openxmlformats.org/drawingml/2006/main" xmlns:r="http://schemas.openxmlformats.org/officeDocument/2006/relationships" xmlns:p="http://schemas.openxmlformats.org/presentationml/2006/main">
   <p:cSld>
     <p:spTree>
@@ -27772,8 +26856,8 @@
 </p:sld>
 </file>
 
-<file path=ppt/slides/slide32.xml><?xml version="1.0" encoding="utf-8"?>
-<p:sld xmlns:a="http://schemas.openxmlformats.org/drawingml/2006/main" xmlns:r="http://schemas.openxmlformats.org/officeDocument/2006/relationships" xmlns:p="http://schemas.openxmlformats.org/presentationml/2006/main">
+<file path=ppt/slides/slide31.xml><?xml version="1.0" encoding="utf-8"?>
+<p:sld xmlns:a="http://schemas.openxmlformats.org/drawingml/2006/main" xmlns:r="http://schemas.openxmlformats.org/officeDocument/2006/relationships" xmlns:p="http://schemas.openxmlformats.org/presentationml/2006/main" show="0">
   <p:cSld>
     <p:spTree>
       <p:nvGrpSpPr>
@@ -28128,7 +27212,7 @@
             <a:fld id="{2BF067CD-8E6B-4360-9AA8-C5DF2A48A6D1}" type="slidenum">
               <a:rPr lang="en-US" noProof="0" smtClean="0"/>
               <a:pPr/>
-              <a:t>32</a:t>
+              <a:t>31</a:t>
             </a:fld>
             <a:endParaRPr lang="en-US" noProof="0" dirty="0"/>
           </a:p>
@@ -28144,11 +27228,11 @@
   <p:clrMapOvr>
     <a:masterClrMapping/>
   </p:clrMapOvr>
-  <mc:AlternateContent xmlns:mc="http://schemas.openxmlformats.org/markup-compatibility/2006" xmlns:p14="http://schemas.microsoft.com/office/powerpoint/2010/main">
-    <mc:Choice Requires="p14">
+  <mc:AlternateContent xmlns:mc="http://schemas.openxmlformats.org/markup-compatibility/2006">
+    <mc:Choice xmlns:p14="http://schemas.microsoft.com/office/powerpoint/2010/main" Requires="p14">
       <p:transition spd="slow" p14:dur="2000" advClick="0" advTm="5000"/>
     </mc:Choice>
-    <mc:Fallback xmlns="">
+    <mc:Fallback>
       <p:transition spd="slow" advClick="0" advTm="5000"/>
     </mc:Fallback>
   </mc:AlternateContent>
@@ -29798,7 +28882,19 @@
             <a:pPr lvl="1"/>
             <a:r>
               <a:rPr lang="bg-BG" sz="3200" dirty="0"/>
-              <a:t>и показване само на функционалността на потребителя</a:t>
+              <a:t>и показване само на </a:t>
+            </a:r>
+            <a:r>
+              <a:rPr lang="bg-BG" sz="3200" b="1" dirty="0">
+                <a:solidFill>
+                  <a:schemeClr val="bg1"/>
+                </a:solidFill>
+              </a:rPr>
+              <a:t>функционалността</a:t>
+            </a:r>
+            <a:r>
+              <a:rPr lang="bg-BG" sz="3200" dirty="0"/>
+              <a:t> на потребителя</a:t>
             </a:r>
             <a:endParaRPr lang="en-US" sz="3200" dirty="0"/>
           </a:p>
@@ -30222,15 +29318,33 @@
                                   </p:childTnLst>
                                 </p:cTn>
                               </p:par>
+                            </p:childTnLst>
+                          </p:cTn>
+                        </p:par>
+                      </p:childTnLst>
+                    </p:cTn>
+                  </p:par>
+                  <p:par>
+                    <p:cTn id="17" fill="hold">
+                      <p:stCondLst>
+                        <p:cond delay="indefinite"/>
+                      </p:stCondLst>
+                      <p:childTnLst>
+                        <p:par>
+                          <p:cTn id="18" fill="hold">
+                            <p:stCondLst>
+                              <p:cond delay="0"/>
+                            </p:stCondLst>
+                            <p:childTnLst>
                               <p:par>
-                                <p:cTn id="17" presetID="1" presetClass="entr" presetSubtype="0" fill="hold" nodeType="withEffect">
+                                <p:cTn id="19" presetID="1" presetClass="entr" presetSubtype="0" fill="hold" nodeType="clickEffect">
                                   <p:stCondLst>
                                     <p:cond delay="0"/>
                                   </p:stCondLst>
                                   <p:childTnLst>
                                     <p:set>
                                       <p:cBhvr>
-                                        <p:cTn id="18" dur="1" fill="hold">
+                                        <p:cTn id="20" dur="1" fill="hold">
                                           <p:stCondLst>
                                             <p:cond delay="0"/>
                                           </p:stCondLst>
@@ -31378,7 +30492,15 @@
           <a:p>
             <a:r>
               <a:rPr lang="bg-BG" sz="3600" dirty="0"/>
-              <a:t>Всички методи в интерфейсите са абстрактни (</a:t>
+              <a:t>Всички методи в интерфейсите са </a:t>
+            </a:r>
+            <a:r>
+              <a:rPr lang="bg-BG" sz="3600" b="1" dirty="0"/>
+              <a:t>абстрактни</a:t>
+            </a:r>
+            <a:r>
+              <a:rPr lang="bg-BG" sz="3600" dirty="0"/>
+              <a:t> (</a:t>
             </a:r>
             <a:r>
               <a:rPr lang="en-US" sz="3600" b="1" dirty="0"/>
@@ -31752,8 +30874,8 @@
           </a:xfrm>
           <a:prstGeom prst="wedgeRoundRectCallout">
             <a:avLst>
-              <a:gd name="adj1" fmla="val -78197"/>
-              <a:gd name="adj2" fmla="val -69145"/>
+              <a:gd name="adj1" fmla="val -81881"/>
+              <a:gd name="adj2" fmla="val -64981"/>
               <a:gd name="adj3" fmla="val 16667"/>
             </a:avLst>
           </a:prstGeom>

--- a/Courses/Software-Sciences/Module-1-OOP/10.1-Abstract-Classes-and-Interfaces-Basics/10.1-Abstract-Classes-and-Interfaces-Basics.pptx
+++ b/Courses/Software-Sciences/Module-1-OOP/10.1-Abstract-Classes-and-Interfaces-Basics/10.1-Abstract-Classes-and-Interfaces-Basics.pptx
@@ -315,7 +315,7 @@
           <a:p>
             <a:fld id="{4E087215-0C8F-4762-A664-737A353EC9A4}" type="datetimeFigureOut">
               <a:rPr lang="bg-BG" smtClean="0"/>
-              <a:t>16.06.24 г.</a:t>
+              <a:t>24.06.24 г.</a:t>
             </a:fld>
             <a:endParaRPr lang="bg-BG"/>
           </a:p>
@@ -511,7 +511,7 @@
           <a:p>
             <a:fld id="{72D84649-876A-46C9-8472-14CB09C070D8}" type="datetimeFigureOut">
               <a:rPr lang="en-US" smtClean="0"/>
-              <a:t>6/16/24</a:t>
+              <a:t>6/24/24</a:t>
             </a:fld>
             <a:endParaRPr lang="en-US"/>
           </a:p>
@@ -24535,7 +24535,7 @@
                 <a:latin typeface="Consolas" pitchFamily="49" charset="0"/>
                 <a:cs typeface="Consolas" pitchFamily="49" charset="0"/>
               </a:rPr>
-              <a:t>public class Seat : </a:t>
+              <a:t>public class Renault : </a:t>
             </a:r>
             <a:r>
               <a:rPr lang="en-US" sz="2600" b="1" noProof="1">
@@ -24671,7 +24671,7 @@
                 <a:latin typeface="Consolas" pitchFamily="49" charset="0"/>
                 <a:cs typeface="Consolas" pitchFamily="49" charset="0"/>
               </a:rPr>
-              <a:t>  public Tesla(string model, string color)</a:t>
+              <a:t>  public Renault(string model, string color)</a:t>
             </a:r>
           </a:p>
           <a:p>
@@ -27228,11 +27228,11 @@
   <p:clrMapOvr>
     <a:masterClrMapping/>
   </p:clrMapOvr>
-  <mc:AlternateContent xmlns:mc="http://schemas.openxmlformats.org/markup-compatibility/2006">
-    <mc:Choice xmlns:p14="http://schemas.microsoft.com/office/powerpoint/2010/main" Requires="p14">
+  <mc:AlternateContent xmlns:mc="http://schemas.openxmlformats.org/markup-compatibility/2006" xmlns:p14="http://schemas.microsoft.com/office/powerpoint/2010/main">
+    <mc:Choice Requires="p14">
       <p:transition spd="slow" p14:dur="2000" advClick="0" advTm="5000"/>
     </mc:Choice>
-    <mc:Fallback>
+    <mc:Fallback xmlns="">
       <p:transition spd="slow" advClick="0" advTm="5000"/>
     </mc:Fallback>
   </mc:AlternateContent>
